--- a/project_ppt.pptx
+++ b/project_ppt.pptx
@@ -8,22 +8,27 @@
     <p:sldId id="256" r:id="rId2"/>
     <p:sldId id="257" r:id="rId3"/>
     <p:sldId id="258" r:id="rId4"/>
-    <p:sldId id="259" r:id="rId5"/>
-    <p:sldId id="260" r:id="rId6"/>
-    <p:sldId id="261" r:id="rId7"/>
-    <p:sldId id="262" r:id="rId8"/>
-    <p:sldId id="263" r:id="rId9"/>
-    <p:sldId id="264" r:id="rId10"/>
-    <p:sldId id="265" r:id="rId11"/>
-    <p:sldId id="266" r:id="rId12"/>
-    <p:sldId id="267" r:id="rId13"/>
-    <p:sldId id="268" r:id="rId14"/>
+    <p:sldId id="260" r:id="rId5"/>
+    <p:sldId id="277" r:id="rId6"/>
+    <p:sldId id="259" r:id="rId7"/>
+    <p:sldId id="287" r:id="rId8"/>
+    <p:sldId id="262" r:id="rId9"/>
+    <p:sldId id="263" r:id="rId10"/>
+    <p:sldId id="266" r:id="rId11"/>
+    <p:sldId id="283" r:id="rId12"/>
+    <p:sldId id="280" r:id="rId13"/>
+    <p:sldId id="285" r:id="rId14"/>
     <p:sldId id="269" r:id="rId15"/>
-    <p:sldId id="270" r:id="rId16"/>
-    <p:sldId id="271" r:id="rId17"/>
-    <p:sldId id="272" r:id="rId18"/>
-    <p:sldId id="273" r:id="rId19"/>
+    <p:sldId id="286" r:id="rId16"/>
+    <p:sldId id="270" r:id="rId17"/>
+    <p:sldId id="271" r:id="rId18"/>
+    <p:sldId id="272" r:id="rId19"/>
     <p:sldId id="274" r:id="rId20"/>
+    <p:sldId id="288" r:id="rId21"/>
+    <p:sldId id="278" r:id="rId22"/>
+    <p:sldId id="281" r:id="rId23"/>
+    <p:sldId id="282" r:id="rId24"/>
+    <p:sldId id="284" r:id="rId25"/>
   </p:sldIdLst>
   <p:sldSz cx="12192000" cy="6858000"/>
   <p:notesSz cx="6858000" cy="9144000"/>
@@ -122,7 +127,1397 @@
       </a:defRPr>
     </a:lvl9pPr>
   </p:defaultTextStyle>
+  <p:extLst>
+    <p:ext uri="{EFAFB233-063F-42B5-8137-9DF3F51BA10A}">
+      <p15:sldGuideLst xmlns:p15="http://schemas.microsoft.com/office/powerpoint/2012/main"/>
+    </p:ext>
+  </p:extLst>
 </p:presentation>
+</file>
+
+<file path=ppt/changesInfos/changesInfo1.xml><?xml version="1.0" encoding="utf-8"?>
+<pc:chgInfo xmlns:a="http://schemas.openxmlformats.org/drawingml/2006/main" xmlns:r="http://schemas.openxmlformats.org/officeDocument/2006/relationships" xmlns:ac="http://schemas.microsoft.com/office/drawing/2013/main/command" xmlns:pc="http://schemas.microsoft.com/office/powerpoint/2013/main/command">
+  <pc:docChgLst>
+    <pc:chgData name="Stephen Blystone" userId="95d8353bd2503b6a" providerId="LiveId" clId="{D2F09E60-B706-419D-B4CC-055B837C5A3C}"/>
+    <pc:docChg chg="undo custSel addSld delSld modSld">
+      <pc:chgData name="Stephen Blystone" userId="95d8353bd2503b6a" providerId="LiveId" clId="{D2F09E60-B706-419D-B4CC-055B837C5A3C}" dt="2018-04-25T19:32:11.418" v="8497" actId="20577"/>
+      <pc:docMkLst>
+        <pc:docMk/>
+      </pc:docMkLst>
+      <pc:sldChg chg="addSp delSp modSp">
+        <pc:chgData name="Stephen Blystone" userId="95d8353bd2503b6a" providerId="LiveId" clId="{D2F09E60-B706-419D-B4CC-055B837C5A3C}" dt="2018-04-25T05:31:33.608" v="8368"/>
+        <pc:sldMkLst>
+          <pc:docMk/>
+          <pc:sldMk cId="2684863851" sldId="256"/>
+        </pc:sldMkLst>
+        <pc:spChg chg="del mod">
+          <ac:chgData name="Stephen Blystone" userId="95d8353bd2503b6a" providerId="LiveId" clId="{D2F09E60-B706-419D-B4CC-055B837C5A3C}" dt="2018-04-25T01:49:49.198" v="7340" actId="478"/>
+          <ac:spMkLst>
+            <pc:docMk/>
+            <pc:sldMk cId="2684863851" sldId="256"/>
+            <ac:spMk id="2" creationId="{71A1A27A-7448-4A41-BDA6-FBF2BA84EFBE}"/>
+          </ac:spMkLst>
+        </pc:spChg>
+        <pc:spChg chg="add del">
+          <ac:chgData name="Stephen Blystone" userId="95d8353bd2503b6a" providerId="LiveId" clId="{D2F09E60-B706-419D-B4CC-055B837C5A3C}" dt="2018-04-25T01:52:01.727" v="7348" actId="478"/>
+          <ac:spMkLst>
+            <pc:docMk/>
+            <pc:sldMk cId="2684863851" sldId="256"/>
+            <ac:spMk id="3" creationId="{B0B04D71-074A-4CE2-BF50-0CC48476EF3D}"/>
+          </ac:spMkLst>
+        </pc:spChg>
+        <pc:spChg chg="add del mod">
+          <ac:chgData name="Stephen Blystone" userId="95d8353bd2503b6a" providerId="LiveId" clId="{D2F09E60-B706-419D-B4CC-055B837C5A3C}" dt="2018-04-25T01:49:51.979" v="7343" actId="478"/>
+          <ac:spMkLst>
+            <pc:docMk/>
+            <pc:sldMk cId="2684863851" sldId="256"/>
+            <ac:spMk id="5" creationId="{C70DBD8A-9CDD-41B5-B077-BD2B0166F254}"/>
+          </ac:spMkLst>
+        </pc:spChg>
+        <pc:spChg chg="add mod">
+          <ac:chgData name="Stephen Blystone" userId="95d8353bd2503b6a" providerId="LiveId" clId="{D2F09E60-B706-419D-B4CC-055B837C5A3C}" dt="2018-04-25T03:20:16.119" v="7354" actId="20577"/>
+          <ac:spMkLst>
+            <pc:docMk/>
+            <pc:sldMk cId="2684863851" sldId="256"/>
+            <ac:spMk id="6" creationId="{726C322B-8DD0-4735-9A78-B5851CDEC7D5}"/>
+          </ac:spMkLst>
+        </pc:spChg>
+        <pc:spChg chg="add del mod">
+          <ac:chgData name="Stephen Blystone" userId="95d8353bd2503b6a" providerId="LiveId" clId="{D2F09E60-B706-419D-B4CC-055B837C5A3C}" dt="2018-04-25T01:51:48.837" v="7347" actId="478"/>
+          <ac:spMkLst>
+            <pc:docMk/>
+            <pc:sldMk cId="2684863851" sldId="256"/>
+            <ac:spMk id="8" creationId="{6017FE6E-1FE2-40C6-AB54-572EB8E7135A}"/>
+          </ac:spMkLst>
+        </pc:spChg>
+        <pc:spChg chg="add del">
+          <ac:chgData name="Stephen Blystone" userId="95d8353bd2503b6a" providerId="LiveId" clId="{D2F09E60-B706-419D-B4CC-055B837C5A3C}" dt="2018-04-25T01:51:47.360" v="7346" actId="20577"/>
+          <ac:spMkLst>
+            <pc:docMk/>
+            <pc:sldMk cId="2684863851" sldId="256"/>
+            <ac:spMk id="9" creationId="{A5771857-1129-4CED-AF40-125D62BFEE19}"/>
+          </ac:spMkLst>
+        </pc:spChg>
+        <pc:spChg chg="add del mod">
+          <ac:chgData name="Stephen Blystone" userId="95d8353bd2503b6a" providerId="LiveId" clId="{D2F09E60-B706-419D-B4CC-055B837C5A3C}" dt="2018-04-25T01:52:03.683" v="7349" actId="478"/>
+          <ac:spMkLst>
+            <pc:docMk/>
+            <pc:sldMk cId="2684863851" sldId="256"/>
+            <ac:spMk id="11" creationId="{8CA9422A-BF07-40AC-BDC3-8BE8F4780590}"/>
+          </ac:spMkLst>
+        </pc:spChg>
+        <pc:spChg chg="add mod">
+          <ac:chgData name="Stephen Blystone" userId="95d8353bd2503b6a" providerId="LiveId" clId="{D2F09E60-B706-419D-B4CC-055B837C5A3C}" dt="2018-04-25T05:31:33.608" v="8368"/>
+          <ac:spMkLst>
+            <pc:docMk/>
+            <pc:sldMk cId="2684863851" sldId="256"/>
+            <ac:spMk id="12" creationId="{1C30197C-ADC6-400E-85E5-BD2B4CA52879}"/>
+          </ac:spMkLst>
+        </pc:spChg>
+      </pc:sldChg>
+      <pc:sldChg chg="delSp modSp">
+        <pc:chgData name="Stephen Blystone" userId="95d8353bd2503b6a" providerId="LiveId" clId="{D2F09E60-B706-419D-B4CC-055B837C5A3C}" dt="2018-04-25T05:31:33.608" v="8368"/>
+        <pc:sldMkLst>
+          <pc:docMk/>
+          <pc:sldMk cId="508293573" sldId="257"/>
+        </pc:sldMkLst>
+        <pc:spChg chg="mod">
+          <ac:chgData name="Stephen Blystone" userId="95d8353bd2503b6a" providerId="LiveId" clId="{D2F09E60-B706-419D-B4CC-055B837C5A3C}" dt="2018-04-25T05:31:33.608" v="8368"/>
+          <ac:spMkLst>
+            <pc:docMk/>
+            <pc:sldMk cId="508293573" sldId="257"/>
+            <ac:spMk id="2" creationId="{1E7E907E-BA3C-4D69-8C74-3F7E25011C24}"/>
+          </ac:spMkLst>
+        </pc:spChg>
+        <pc:spChg chg="mod">
+          <ac:chgData name="Stephen Blystone" userId="95d8353bd2503b6a" providerId="LiveId" clId="{D2F09E60-B706-419D-B4CC-055B837C5A3C}" dt="2018-04-25T00:50:39.020" v="6660" actId="20577"/>
+          <ac:spMkLst>
+            <pc:docMk/>
+            <pc:sldMk cId="508293573" sldId="257"/>
+            <ac:spMk id="3" creationId="{C068A27A-19F6-4839-A485-1117AA486246}"/>
+          </ac:spMkLst>
+        </pc:spChg>
+        <pc:spChg chg="del">
+          <ac:chgData name="Stephen Blystone" userId="95d8353bd2503b6a" providerId="LiveId" clId="{D2F09E60-B706-419D-B4CC-055B837C5A3C}" dt="2018-04-25T00:50:20.588" v="6647" actId="478"/>
+          <ac:spMkLst>
+            <pc:docMk/>
+            <pc:sldMk cId="508293573" sldId="257"/>
+            <ac:spMk id="4" creationId="{7E8D110D-41BA-4189-8C77-BAD32BB72D48}"/>
+          </ac:spMkLst>
+        </pc:spChg>
+      </pc:sldChg>
+      <pc:sldChg chg="addSp delSp modSp">
+        <pc:chgData name="Stephen Blystone" userId="95d8353bd2503b6a" providerId="LiveId" clId="{D2F09E60-B706-419D-B4CC-055B837C5A3C}" dt="2018-04-25T16:12:24.895" v="8459" actId="1076"/>
+        <pc:sldMkLst>
+          <pc:docMk/>
+          <pc:sldMk cId="1803123610" sldId="258"/>
+        </pc:sldMkLst>
+        <pc:spChg chg="mod">
+          <ac:chgData name="Stephen Blystone" userId="95d8353bd2503b6a" providerId="LiveId" clId="{D2F09E60-B706-419D-B4CC-055B837C5A3C}" dt="2018-04-25T05:31:33.608" v="8368"/>
+          <ac:spMkLst>
+            <pc:docMk/>
+            <pc:sldMk cId="1803123610" sldId="258"/>
+            <ac:spMk id="3" creationId="{9AC1A1F9-839C-4E17-95B2-203E634B457B}"/>
+          </ac:spMkLst>
+        </pc:spChg>
+        <pc:spChg chg="add del mod">
+          <ac:chgData name="Stephen Blystone" userId="95d8353bd2503b6a" providerId="LiveId" clId="{D2F09E60-B706-419D-B4CC-055B837C5A3C}" dt="2018-04-25T16:12:15.750" v="8457" actId="478"/>
+          <ac:spMkLst>
+            <pc:docMk/>
+            <pc:sldMk cId="1803123610" sldId="258"/>
+            <ac:spMk id="4" creationId="{FA67621B-3204-4594-BA40-AFA23EFA49CB}"/>
+          </ac:spMkLst>
+        </pc:spChg>
+        <pc:spChg chg="mod ord">
+          <ac:chgData name="Stephen Blystone" userId="95d8353bd2503b6a" providerId="LiveId" clId="{D2F09E60-B706-419D-B4CC-055B837C5A3C}" dt="2018-04-25T16:12:24.895" v="8459" actId="1076"/>
+          <ac:spMkLst>
+            <pc:docMk/>
+            <pc:sldMk cId="1803123610" sldId="258"/>
+            <ac:spMk id="6" creationId="{6D98E89E-7B53-4B67-A244-59D36117DB79}"/>
+          </ac:spMkLst>
+        </pc:spChg>
+      </pc:sldChg>
+      <pc:sldChg chg="addSp delSp modSp">
+        <pc:chgData name="Stephen Blystone" userId="95d8353bd2503b6a" providerId="LiveId" clId="{D2F09E60-B706-419D-B4CC-055B837C5A3C}" dt="2018-04-25T05:31:33.608" v="8368"/>
+        <pc:sldMkLst>
+          <pc:docMk/>
+          <pc:sldMk cId="1009754441" sldId="259"/>
+        </pc:sldMkLst>
+        <pc:spChg chg="mod">
+          <ac:chgData name="Stephen Blystone" userId="95d8353bd2503b6a" providerId="LiveId" clId="{D2F09E60-B706-419D-B4CC-055B837C5A3C}" dt="2018-04-25T00:57:24.756" v="6702" actId="1076"/>
+          <ac:spMkLst>
+            <pc:docMk/>
+            <pc:sldMk cId="1009754441" sldId="259"/>
+            <ac:spMk id="2" creationId="{8D5F196B-4EC2-4626-8808-6DFC49D247E6}"/>
+          </ac:spMkLst>
+        </pc:spChg>
+        <pc:spChg chg="mod">
+          <ac:chgData name="Stephen Blystone" userId="95d8353bd2503b6a" providerId="LiveId" clId="{D2F09E60-B706-419D-B4CC-055B837C5A3C}" dt="2018-04-25T05:31:33.608" v="8368"/>
+          <ac:spMkLst>
+            <pc:docMk/>
+            <pc:sldMk cId="1009754441" sldId="259"/>
+            <ac:spMk id="3" creationId="{FC9F8C3C-B654-454F-8430-31870C4E99B6}"/>
+          </ac:spMkLst>
+        </pc:spChg>
+        <pc:spChg chg="del">
+          <ac:chgData name="Stephen Blystone" userId="95d8353bd2503b6a" providerId="LiveId" clId="{D2F09E60-B706-419D-B4CC-055B837C5A3C}" dt="2018-04-24T22:59:42.362" v="175" actId="478"/>
+          <ac:spMkLst>
+            <pc:docMk/>
+            <pc:sldMk cId="1009754441" sldId="259"/>
+            <ac:spMk id="8" creationId="{006828C1-C505-4A58-A54B-A6AD601A9038}"/>
+          </ac:spMkLst>
+        </pc:spChg>
+        <pc:picChg chg="del">
+          <ac:chgData name="Stephen Blystone" userId="95d8353bd2503b6a" providerId="LiveId" clId="{D2F09E60-B706-419D-B4CC-055B837C5A3C}" dt="2018-04-24T22:59:28.790" v="173" actId="478"/>
+          <ac:picMkLst>
+            <pc:docMk/>
+            <pc:sldMk cId="1009754441" sldId="259"/>
+            <ac:picMk id="7" creationId="{73B1ACDD-8D19-4E7C-9EA0-105B1837B52E}"/>
+          </ac:picMkLst>
+        </pc:picChg>
+        <pc:picChg chg="add mod ord">
+          <ac:chgData name="Stephen Blystone" userId="95d8353bd2503b6a" providerId="LiveId" clId="{D2F09E60-B706-419D-B4CC-055B837C5A3C}" dt="2018-04-24T22:59:32.645" v="174" actId="208"/>
+          <ac:picMkLst>
+            <pc:docMk/>
+            <pc:sldMk cId="1009754441" sldId="259"/>
+            <ac:picMk id="9" creationId="{B1667224-17DD-469D-87A4-02EC02E6662E}"/>
+          </ac:picMkLst>
+        </pc:picChg>
+      </pc:sldChg>
+      <pc:sldChg chg="modSp">
+        <pc:chgData name="Stephen Blystone" userId="95d8353bd2503b6a" providerId="LiveId" clId="{D2F09E60-B706-419D-B4CC-055B837C5A3C}" dt="2018-04-25T00:56:57.644" v="6698" actId="20577"/>
+        <pc:sldMkLst>
+          <pc:docMk/>
+          <pc:sldMk cId="3480982618" sldId="260"/>
+        </pc:sldMkLst>
+        <pc:spChg chg="mod">
+          <ac:chgData name="Stephen Blystone" userId="95d8353bd2503b6a" providerId="LiveId" clId="{D2F09E60-B706-419D-B4CC-055B837C5A3C}" dt="2018-04-25T00:56:57.644" v="6698" actId="20577"/>
+          <ac:spMkLst>
+            <pc:docMk/>
+            <pc:sldMk cId="3480982618" sldId="260"/>
+            <ac:spMk id="3" creationId="{550EF7FC-CA07-4D0C-A1EF-4ACFD6DFD5C5}"/>
+          </ac:spMkLst>
+        </pc:spChg>
+      </pc:sldChg>
+      <pc:sldChg chg="addSp delSp modSp del">
+        <pc:chgData name="Stephen Blystone" userId="95d8353bd2503b6a" providerId="LiveId" clId="{D2F09E60-B706-419D-B4CC-055B837C5A3C}" dt="2018-04-25T00:59:47.414" v="6819" actId="2696"/>
+        <pc:sldMkLst>
+          <pc:docMk/>
+          <pc:sldMk cId="767908919" sldId="261"/>
+        </pc:sldMkLst>
+        <pc:spChg chg="add del mod">
+          <ac:chgData name="Stephen Blystone" userId="95d8353bd2503b6a" providerId="LiveId" clId="{D2F09E60-B706-419D-B4CC-055B837C5A3C}" dt="2018-04-25T00:59:02.173" v="6795" actId="478"/>
+          <ac:spMkLst>
+            <pc:docMk/>
+            <pc:sldMk cId="767908919" sldId="261"/>
+            <ac:spMk id="3" creationId="{D1D52460-7A96-4C34-AD64-6AF1A233CF1F}"/>
+          </ac:spMkLst>
+        </pc:spChg>
+        <pc:spChg chg="add mod">
+          <ac:chgData name="Stephen Blystone" userId="95d8353bd2503b6a" providerId="LiveId" clId="{D2F09E60-B706-419D-B4CC-055B837C5A3C}" dt="2018-04-25T00:59:38.039" v="6816" actId="2696"/>
+          <ac:spMkLst>
+            <pc:docMk/>
+            <pc:sldMk cId="767908919" sldId="261"/>
+            <ac:spMk id="4" creationId="{4B14CF01-E49E-4513-801B-0BAAA31AE13E}"/>
+          </ac:spMkLst>
+        </pc:spChg>
+        <pc:spChg chg="del mod">
+          <ac:chgData name="Stephen Blystone" userId="95d8353bd2503b6a" providerId="LiveId" clId="{D2F09E60-B706-419D-B4CC-055B837C5A3C}" dt="2018-04-25T00:59:00.302" v="6794" actId="478"/>
+          <ac:spMkLst>
+            <pc:docMk/>
+            <pc:sldMk cId="767908919" sldId="261"/>
+            <ac:spMk id="10" creationId="{B913691B-A5DC-4F4B-9DD4-50A008618FFB}"/>
+          </ac:spMkLst>
+        </pc:spChg>
+        <pc:picChg chg="del">
+          <ac:chgData name="Stephen Blystone" userId="95d8353bd2503b6a" providerId="LiveId" clId="{D2F09E60-B706-419D-B4CC-055B837C5A3C}" dt="2018-04-25T00:59:38.039" v="6816" actId="2696"/>
+          <ac:picMkLst>
+            <pc:docMk/>
+            <pc:sldMk cId="767908919" sldId="261"/>
+            <ac:picMk id="13" creationId="{2CFE0FB0-8774-44F9-ABBC-0B5C3F1D7F76}"/>
+          </ac:picMkLst>
+        </pc:picChg>
+      </pc:sldChg>
+      <pc:sldChg chg="modSp">
+        <pc:chgData name="Stephen Blystone" userId="95d8353bd2503b6a" providerId="LiveId" clId="{D2F09E60-B706-419D-B4CC-055B837C5A3C}" dt="2018-04-25T19:20:36.927" v="8461" actId="313"/>
+        <pc:sldMkLst>
+          <pc:docMk/>
+          <pc:sldMk cId="2233368301" sldId="262"/>
+        </pc:sldMkLst>
+        <pc:spChg chg="mod">
+          <ac:chgData name="Stephen Blystone" userId="95d8353bd2503b6a" providerId="LiveId" clId="{D2F09E60-B706-419D-B4CC-055B837C5A3C}" dt="2018-04-25T19:20:36.927" v="8461" actId="313"/>
+          <ac:spMkLst>
+            <pc:docMk/>
+            <pc:sldMk cId="2233368301" sldId="262"/>
+            <ac:spMk id="3" creationId="{FA794CCD-11E9-406A-8899-1C56237B7EDD}"/>
+          </ac:spMkLst>
+        </pc:spChg>
+      </pc:sldChg>
+      <pc:sldChg chg="addSp delSp modSp modAnim">
+        <pc:chgData name="Stephen Blystone" userId="95d8353bd2503b6a" providerId="LiveId" clId="{D2F09E60-B706-419D-B4CC-055B837C5A3C}" dt="2018-04-25T01:36:43.135" v="7339" actId="20577"/>
+        <pc:sldMkLst>
+          <pc:docMk/>
+          <pc:sldMk cId="3957754957" sldId="263"/>
+        </pc:sldMkLst>
+        <pc:spChg chg="mod">
+          <ac:chgData name="Stephen Blystone" userId="95d8353bd2503b6a" providerId="LiveId" clId="{D2F09E60-B706-419D-B4CC-055B837C5A3C}" dt="2018-04-24T23:01:55.764" v="187" actId="20577"/>
+          <ac:spMkLst>
+            <pc:docMk/>
+            <pc:sldMk cId="3957754957" sldId="263"/>
+            <ac:spMk id="2" creationId="{85C9B451-C96A-4D31-9372-8E9ED98DC146}"/>
+          </ac:spMkLst>
+        </pc:spChg>
+        <pc:spChg chg="mod">
+          <ac:chgData name="Stephen Blystone" userId="95d8353bd2503b6a" providerId="LiveId" clId="{D2F09E60-B706-419D-B4CC-055B837C5A3C}" dt="2018-04-25T01:02:21.457" v="6824" actId="164"/>
+          <ac:spMkLst>
+            <pc:docMk/>
+            <pc:sldMk cId="3957754957" sldId="263"/>
+            <ac:spMk id="9" creationId="{FD9A4496-236F-4007-861F-523837EC05C6}"/>
+          </ac:spMkLst>
+        </pc:spChg>
+        <pc:spChg chg="mod">
+          <ac:chgData name="Stephen Blystone" userId="95d8353bd2503b6a" providerId="LiveId" clId="{D2F09E60-B706-419D-B4CC-055B837C5A3C}" dt="2018-04-25T01:02:27.202" v="6825" actId="164"/>
+          <ac:spMkLst>
+            <pc:docMk/>
+            <pc:sldMk cId="3957754957" sldId="263"/>
+            <ac:spMk id="10" creationId="{3E281D5E-46FC-4AE4-86CD-4CFFBDB86A26}"/>
+          </ac:spMkLst>
+        </pc:spChg>
+        <pc:spChg chg="mod">
+          <ac:chgData name="Stephen Blystone" userId="95d8353bd2503b6a" providerId="LiveId" clId="{D2F09E60-B706-419D-B4CC-055B837C5A3C}" dt="2018-04-25T01:02:13.405" v="6823" actId="164"/>
+          <ac:spMkLst>
+            <pc:docMk/>
+            <pc:sldMk cId="3957754957" sldId="263"/>
+            <ac:spMk id="11" creationId="{CB33AA65-CAFC-484E-8F44-3B8F28A56FC1}"/>
+          </ac:spMkLst>
+        </pc:spChg>
+        <pc:spChg chg="mod">
+          <ac:chgData name="Stephen Blystone" userId="95d8353bd2503b6a" providerId="LiveId" clId="{D2F09E60-B706-419D-B4CC-055B837C5A3C}" dt="2018-04-25T01:02:32.285" v="6826" actId="164"/>
+          <ac:spMkLst>
+            <pc:docMk/>
+            <pc:sldMk cId="3957754957" sldId="263"/>
+            <ac:spMk id="12" creationId="{099C4198-818D-48CE-8A6C-3A325E4F3203}"/>
+          </ac:spMkLst>
+        </pc:spChg>
+        <pc:spChg chg="mod">
+          <ac:chgData name="Stephen Blystone" userId="95d8353bd2503b6a" providerId="LiveId" clId="{D2F09E60-B706-419D-B4CC-055B837C5A3C}" dt="2018-04-25T01:02:36.560" v="6827" actId="164"/>
+          <ac:spMkLst>
+            <pc:docMk/>
+            <pc:sldMk cId="3957754957" sldId="263"/>
+            <ac:spMk id="13" creationId="{60F9FA17-F848-4A01-8FE7-29A67324A6C8}"/>
+          </ac:spMkLst>
+        </pc:spChg>
+        <pc:spChg chg="mod">
+          <ac:chgData name="Stephen Blystone" userId="95d8353bd2503b6a" providerId="LiveId" clId="{D2F09E60-B706-419D-B4CC-055B837C5A3C}" dt="2018-04-25T01:04:31.894" v="6839" actId="6549"/>
+          <ac:spMkLst>
+            <pc:docMk/>
+            <pc:sldMk cId="3957754957" sldId="263"/>
+            <ac:spMk id="14" creationId="{16B7BF1B-17F2-43F2-913B-1B858F9A4F41}"/>
+          </ac:spMkLst>
+        </pc:spChg>
+        <pc:spChg chg="mod">
+          <ac:chgData name="Stephen Blystone" userId="95d8353bd2503b6a" providerId="LiveId" clId="{D2F09E60-B706-419D-B4CC-055B837C5A3C}" dt="2018-04-25T01:02:44.224" v="6829" actId="164"/>
+          <ac:spMkLst>
+            <pc:docMk/>
+            <pc:sldMk cId="3957754957" sldId="263"/>
+            <ac:spMk id="15" creationId="{59D3B9FD-9D81-43F6-BDAA-DD86D9481B09}"/>
+          </ac:spMkLst>
+        </pc:spChg>
+        <pc:spChg chg="mod">
+          <ac:chgData name="Stephen Blystone" userId="95d8353bd2503b6a" providerId="LiveId" clId="{D2F09E60-B706-419D-B4CC-055B837C5A3C}" dt="2018-04-25T01:02:47.848" v="6830" actId="164"/>
+          <ac:spMkLst>
+            <pc:docMk/>
+            <pc:sldMk cId="3957754957" sldId="263"/>
+            <ac:spMk id="16" creationId="{9F8FD307-D293-41EC-953E-A5042B0E5880}"/>
+          </ac:spMkLst>
+        </pc:spChg>
+        <pc:spChg chg="mod">
+          <ac:chgData name="Stephen Blystone" userId="95d8353bd2503b6a" providerId="LiveId" clId="{D2F09E60-B706-419D-B4CC-055B837C5A3C}" dt="2018-04-25T01:02:13.405" v="6823" actId="164"/>
+          <ac:spMkLst>
+            <pc:docMk/>
+            <pc:sldMk cId="3957754957" sldId="263"/>
+            <ac:spMk id="17" creationId="{61596548-3D50-4423-AE9D-25F79B1D4480}"/>
+          </ac:spMkLst>
+        </pc:spChg>
+        <pc:spChg chg="mod">
+          <ac:chgData name="Stephen Blystone" userId="95d8353bd2503b6a" providerId="LiveId" clId="{D2F09E60-B706-419D-B4CC-055B837C5A3C}" dt="2018-04-25T01:02:21.457" v="6824" actId="164"/>
+          <ac:spMkLst>
+            <pc:docMk/>
+            <pc:sldMk cId="3957754957" sldId="263"/>
+            <ac:spMk id="18" creationId="{C21FA3C4-5FA5-486C-99B6-FC200F144BAD}"/>
+          </ac:spMkLst>
+        </pc:spChg>
+        <pc:spChg chg="mod">
+          <ac:chgData name="Stephen Blystone" userId="95d8353bd2503b6a" providerId="LiveId" clId="{D2F09E60-B706-419D-B4CC-055B837C5A3C}" dt="2018-04-25T01:02:27.202" v="6825" actId="164"/>
+          <ac:spMkLst>
+            <pc:docMk/>
+            <pc:sldMk cId="3957754957" sldId="263"/>
+            <ac:spMk id="19" creationId="{24A00125-5C94-4475-92E2-F25E6BFD11A3}"/>
+          </ac:spMkLst>
+        </pc:spChg>
+        <pc:spChg chg="mod">
+          <ac:chgData name="Stephen Blystone" userId="95d8353bd2503b6a" providerId="LiveId" clId="{D2F09E60-B706-419D-B4CC-055B837C5A3C}" dt="2018-04-25T01:02:32.285" v="6826" actId="164"/>
+          <ac:spMkLst>
+            <pc:docMk/>
+            <pc:sldMk cId="3957754957" sldId="263"/>
+            <ac:spMk id="20" creationId="{B374FD20-7D77-433D-8F43-E354482CD7BA}"/>
+          </ac:spMkLst>
+        </pc:spChg>
+        <pc:spChg chg="mod">
+          <ac:chgData name="Stephen Blystone" userId="95d8353bd2503b6a" providerId="LiveId" clId="{D2F09E60-B706-419D-B4CC-055B837C5A3C}" dt="2018-04-25T01:02:36.560" v="6827" actId="164"/>
+          <ac:spMkLst>
+            <pc:docMk/>
+            <pc:sldMk cId="3957754957" sldId="263"/>
+            <ac:spMk id="21" creationId="{D6EDBD02-7C5C-4856-8D17-67B98900E686}"/>
+          </ac:spMkLst>
+        </pc:spChg>
+        <pc:spChg chg="mod">
+          <ac:chgData name="Stephen Blystone" userId="95d8353bd2503b6a" providerId="LiveId" clId="{D2F09E60-B706-419D-B4CC-055B837C5A3C}" dt="2018-04-25T01:02:40.564" v="6828" actId="164"/>
+          <ac:spMkLst>
+            <pc:docMk/>
+            <pc:sldMk cId="3957754957" sldId="263"/>
+            <ac:spMk id="22" creationId="{26FAB248-8B1B-47B7-AB35-20CF4D24282C}"/>
+          </ac:spMkLst>
+        </pc:spChg>
+        <pc:spChg chg="mod">
+          <ac:chgData name="Stephen Blystone" userId="95d8353bd2503b6a" providerId="LiveId" clId="{D2F09E60-B706-419D-B4CC-055B837C5A3C}" dt="2018-04-25T01:02:44.224" v="6829" actId="164"/>
+          <ac:spMkLst>
+            <pc:docMk/>
+            <pc:sldMk cId="3957754957" sldId="263"/>
+            <ac:spMk id="23" creationId="{890F11D2-E8B3-4AC2-A230-241E40202DB8}"/>
+          </ac:spMkLst>
+        </pc:spChg>
+        <pc:spChg chg="mod">
+          <ac:chgData name="Stephen Blystone" userId="95d8353bd2503b6a" providerId="LiveId" clId="{D2F09E60-B706-419D-B4CC-055B837C5A3C}" dt="2018-04-25T01:02:47.848" v="6830" actId="164"/>
+          <ac:spMkLst>
+            <pc:docMk/>
+            <pc:sldMk cId="3957754957" sldId="263"/>
+            <ac:spMk id="24" creationId="{9B4867AE-D4D1-4183-8D15-498F563BDB05}"/>
+          </ac:spMkLst>
+        </pc:spChg>
+        <pc:spChg chg="del">
+          <ac:chgData name="Stephen Blystone" userId="95d8353bd2503b6a" providerId="LiveId" clId="{D2F09E60-B706-419D-B4CC-055B837C5A3C}" dt="2018-04-24T23:01:19.015" v="182" actId="478"/>
+          <ac:spMkLst>
+            <pc:docMk/>
+            <pc:sldMk cId="3957754957" sldId="263"/>
+            <ac:spMk id="25" creationId="{78D0B278-A0D4-4732-98D2-23DD395FDA9A}"/>
+          </ac:spMkLst>
+        </pc:spChg>
+        <pc:spChg chg="add mod">
+          <ac:chgData name="Stephen Blystone" userId="95d8353bd2503b6a" providerId="LiveId" clId="{D2F09E60-B706-419D-B4CC-055B837C5A3C}" dt="2018-04-25T01:36:37.519" v="7338" actId="164"/>
+          <ac:spMkLst>
+            <pc:docMk/>
+            <pc:sldMk cId="3957754957" sldId="263"/>
+            <ac:spMk id="37" creationId="{8B923CC2-A588-470F-AC06-75D887DA5BBD}"/>
+          </ac:spMkLst>
+        </pc:spChg>
+        <pc:grpChg chg="add mod">
+          <ac:chgData name="Stephen Blystone" userId="95d8353bd2503b6a" providerId="LiveId" clId="{D2F09E60-B706-419D-B4CC-055B837C5A3C}" dt="2018-04-25T01:02:13.405" v="6823" actId="164"/>
+          <ac:grpSpMkLst>
+            <pc:docMk/>
+            <pc:sldMk cId="3957754957" sldId="263"/>
+            <ac:grpSpMk id="27" creationId="{D4AC59CA-4ACA-4332-9203-F068CEC520EE}"/>
+          </ac:grpSpMkLst>
+        </pc:grpChg>
+        <pc:grpChg chg="add mod">
+          <ac:chgData name="Stephen Blystone" userId="95d8353bd2503b6a" providerId="LiveId" clId="{D2F09E60-B706-419D-B4CC-055B837C5A3C}" dt="2018-04-25T01:02:21.457" v="6824" actId="164"/>
+          <ac:grpSpMkLst>
+            <pc:docMk/>
+            <pc:sldMk cId="3957754957" sldId="263"/>
+            <ac:grpSpMk id="28" creationId="{0D0EF21A-4BFD-4748-9C56-0922648DE6CC}"/>
+          </ac:grpSpMkLst>
+        </pc:grpChg>
+        <pc:grpChg chg="add mod">
+          <ac:chgData name="Stephen Blystone" userId="95d8353bd2503b6a" providerId="LiveId" clId="{D2F09E60-B706-419D-B4CC-055B837C5A3C}" dt="2018-04-25T01:02:27.202" v="6825" actId="164"/>
+          <ac:grpSpMkLst>
+            <pc:docMk/>
+            <pc:sldMk cId="3957754957" sldId="263"/>
+            <ac:grpSpMk id="29" creationId="{6BA43695-F088-40D4-9923-650B4426617E}"/>
+          </ac:grpSpMkLst>
+        </pc:grpChg>
+        <pc:grpChg chg="add mod">
+          <ac:chgData name="Stephen Blystone" userId="95d8353bd2503b6a" providerId="LiveId" clId="{D2F09E60-B706-419D-B4CC-055B837C5A3C}" dt="2018-04-25T01:02:32.285" v="6826" actId="164"/>
+          <ac:grpSpMkLst>
+            <pc:docMk/>
+            <pc:sldMk cId="3957754957" sldId="263"/>
+            <ac:grpSpMk id="30" creationId="{3DB376DA-63F7-4170-8410-A74100781306}"/>
+          </ac:grpSpMkLst>
+        </pc:grpChg>
+        <pc:grpChg chg="add mod">
+          <ac:chgData name="Stephen Blystone" userId="95d8353bd2503b6a" providerId="LiveId" clId="{D2F09E60-B706-419D-B4CC-055B837C5A3C}" dt="2018-04-25T01:02:36.560" v="6827" actId="164"/>
+          <ac:grpSpMkLst>
+            <pc:docMk/>
+            <pc:sldMk cId="3957754957" sldId="263"/>
+            <ac:grpSpMk id="31" creationId="{602DAE4F-FF1F-4128-A5CF-3ACABA423E64}"/>
+          </ac:grpSpMkLst>
+        </pc:grpChg>
+        <pc:grpChg chg="add mod">
+          <ac:chgData name="Stephen Blystone" userId="95d8353bd2503b6a" providerId="LiveId" clId="{D2F09E60-B706-419D-B4CC-055B837C5A3C}" dt="2018-04-25T01:02:40.564" v="6828" actId="164"/>
+          <ac:grpSpMkLst>
+            <pc:docMk/>
+            <pc:sldMk cId="3957754957" sldId="263"/>
+            <ac:grpSpMk id="32" creationId="{2F15A663-FFA1-438D-90B8-E67114962487}"/>
+          </ac:grpSpMkLst>
+        </pc:grpChg>
+        <pc:grpChg chg="add mod">
+          <ac:chgData name="Stephen Blystone" userId="95d8353bd2503b6a" providerId="LiveId" clId="{D2F09E60-B706-419D-B4CC-055B837C5A3C}" dt="2018-04-25T01:02:44.224" v="6829" actId="164"/>
+          <ac:grpSpMkLst>
+            <pc:docMk/>
+            <pc:sldMk cId="3957754957" sldId="263"/>
+            <ac:grpSpMk id="33" creationId="{0FD8775E-FF29-4E05-ABCA-1CA883CF1188}"/>
+          </ac:grpSpMkLst>
+        </pc:grpChg>
+        <pc:grpChg chg="add mod">
+          <ac:chgData name="Stephen Blystone" userId="95d8353bd2503b6a" providerId="LiveId" clId="{D2F09E60-B706-419D-B4CC-055B837C5A3C}" dt="2018-04-25T01:02:47.848" v="6830" actId="164"/>
+          <ac:grpSpMkLst>
+            <pc:docMk/>
+            <pc:sldMk cId="3957754957" sldId="263"/>
+            <ac:grpSpMk id="34" creationId="{1AE9211D-E9BE-4E59-88CC-C76804E71158}"/>
+          </ac:grpSpMkLst>
+        </pc:grpChg>
+        <pc:grpChg chg="add mod">
+          <ac:chgData name="Stephen Blystone" userId="95d8353bd2503b6a" providerId="LiveId" clId="{D2F09E60-B706-419D-B4CC-055B837C5A3C}" dt="2018-04-25T01:36:37.519" v="7338" actId="164"/>
+          <ac:grpSpMkLst>
+            <pc:docMk/>
+            <pc:sldMk cId="3957754957" sldId="263"/>
+            <ac:grpSpMk id="38" creationId="{B69DA366-5DED-406C-9940-61C7C0008F1D}"/>
+          </ac:grpSpMkLst>
+        </pc:grpChg>
+        <pc:picChg chg="del">
+          <ac:chgData name="Stephen Blystone" userId="95d8353bd2503b6a" providerId="LiveId" clId="{D2F09E60-B706-419D-B4CC-055B837C5A3C}" dt="2018-04-24T23:01:14.851" v="181" actId="478"/>
+          <ac:picMkLst>
+            <pc:docMk/>
+            <pc:sldMk cId="3957754957" sldId="263"/>
+            <ac:picMk id="8" creationId="{281CC00B-5178-42CD-AC24-4C225B626106}"/>
+          </ac:picMkLst>
+        </pc:picChg>
+        <pc:picChg chg="add mod ord">
+          <ac:chgData name="Stephen Blystone" userId="95d8353bd2503b6a" providerId="LiveId" clId="{D2F09E60-B706-419D-B4CC-055B837C5A3C}" dt="2018-04-24T23:03:42.684" v="202" actId="208"/>
+          <ac:picMkLst>
+            <pc:docMk/>
+            <pc:sldMk cId="3957754957" sldId="263"/>
+            <ac:picMk id="26" creationId="{CEC628F6-8964-4FD9-9CF4-BA161A54A24D}"/>
+          </ac:picMkLst>
+        </pc:picChg>
+        <pc:picChg chg="add mod ord modCrop">
+          <ac:chgData name="Stephen Blystone" userId="95d8353bd2503b6a" providerId="LiveId" clId="{D2F09E60-B706-419D-B4CC-055B837C5A3C}" dt="2018-04-25T01:36:37.519" v="7338" actId="164"/>
+          <ac:picMkLst>
+            <pc:docMk/>
+            <pc:sldMk cId="3957754957" sldId="263"/>
+            <ac:picMk id="35" creationId="{31CDD030-0882-49D3-919C-857BE9907357}"/>
+          </ac:picMkLst>
+        </pc:picChg>
+        <pc:picChg chg="add mod ord modCrop">
+          <ac:chgData name="Stephen Blystone" userId="95d8353bd2503b6a" providerId="LiveId" clId="{D2F09E60-B706-419D-B4CC-055B837C5A3C}" dt="2018-04-25T01:36:37.519" v="7338" actId="164"/>
+          <ac:picMkLst>
+            <pc:docMk/>
+            <pc:sldMk cId="3957754957" sldId="263"/>
+            <ac:picMk id="36" creationId="{66B21399-A007-480C-9663-749ECF421369}"/>
+          </ac:picMkLst>
+        </pc:picChg>
+      </pc:sldChg>
+      <pc:sldChg chg="del">
+        <pc:chgData name="Stephen Blystone" userId="95d8353bd2503b6a" providerId="LiveId" clId="{D2F09E60-B706-419D-B4CC-055B837C5A3C}" dt="2018-04-24T23:06:50.046" v="203" actId="2696"/>
+        <pc:sldMkLst>
+          <pc:docMk/>
+          <pc:sldMk cId="3684073291" sldId="265"/>
+        </pc:sldMkLst>
+      </pc:sldChg>
+      <pc:sldChg chg="delSp modSp">
+        <pc:chgData name="Stephen Blystone" userId="95d8353bd2503b6a" providerId="LiveId" clId="{D2F09E60-B706-419D-B4CC-055B837C5A3C}" dt="2018-04-25T05:31:33.608" v="8368"/>
+        <pc:sldMkLst>
+          <pc:docMk/>
+          <pc:sldMk cId="310479511" sldId="266"/>
+        </pc:sldMkLst>
+        <pc:spChg chg="mod">
+          <ac:chgData name="Stephen Blystone" userId="95d8353bd2503b6a" providerId="LiveId" clId="{D2F09E60-B706-419D-B4CC-055B837C5A3C}" dt="2018-04-25T05:31:33.608" v="8368"/>
+          <ac:spMkLst>
+            <pc:docMk/>
+            <pc:sldMk cId="310479511" sldId="266"/>
+            <ac:spMk id="2" creationId="{7581AEB4-8A1C-4001-97DA-A9E1B87D3E24}"/>
+          </ac:spMkLst>
+        </pc:spChg>
+        <pc:spChg chg="mod">
+          <ac:chgData name="Stephen Blystone" userId="95d8353bd2503b6a" providerId="LiveId" clId="{D2F09E60-B706-419D-B4CC-055B837C5A3C}" dt="2018-04-25T01:06:18.891" v="6907" actId="20577"/>
+          <ac:spMkLst>
+            <pc:docMk/>
+            <pc:sldMk cId="310479511" sldId="266"/>
+            <ac:spMk id="3" creationId="{BFA53BDD-522F-4E0C-AFC2-07F5B73DFAF9}"/>
+          </ac:spMkLst>
+        </pc:spChg>
+        <pc:spChg chg="del mod">
+          <ac:chgData name="Stephen Blystone" userId="95d8353bd2503b6a" providerId="LiveId" clId="{D2F09E60-B706-419D-B4CC-055B837C5A3C}" dt="2018-04-24T23:19:29.084" v="625" actId="478"/>
+          <ac:spMkLst>
+            <pc:docMk/>
+            <pc:sldMk cId="310479511" sldId="266"/>
+            <ac:spMk id="6" creationId="{046D4192-2972-49F6-B02B-ED2FB5D67489}"/>
+          </ac:spMkLst>
+        </pc:spChg>
+        <pc:picChg chg="mod">
+          <ac:chgData name="Stephen Blystone" userId="95d8353bd2503b6a" providerId="LiveId" clId="{D2F09E60-B706-419D-B4CC-055B837C5A3C}" dt="2018-04-24T23:31:19.228" v="999" actId="1076"/>
+          <ac:picMkLst>
+            <pc:docMk/>
+            <pc:sldMk cId="310479511" sldId="266"/>
+            <ac:picMk id="5" creationId="{E9338AB3-A3E1-4EC7-B5F2-801E620C1B30}"/>
+          </ac:picMkLst>
+        </pc:picChg>
+      </pc:sldChg>
+      <pc:sldChg chg="del">
+        <pc:chgData name="Stephen Blystone" userId="95d8353bd2503b6a" providerId="LiveId" clId="{D2F09E60-B706-419D-B4CC-055B837C5A3C}" dt="2018-04-25T00:30:15.960" v="4918" actId="2696"/>
+        <pc:sldMkLst>
+          <pc:docMk/>
+          <pc:sldMk cId="2689058889" sldId="267"/>
+        </pc:sldMkLst>
+      </pc:sldChg>
+      <pc:sldChg chg="addSp delSp modSp">
+        <pc:chgData name="Stephen Blystone" userId="95d8353bd2503b6a" providerId="LiveId" clId="{D2F09E60-B706-419D-B4CC-055B837C5A3C}" dt="2018-04-25T01:11:34.391" v="7004" actId="6549"/>
+        <pc:sldMkLst>
+          <pc:docMk/>
+          <pc:sldMk cId="1697794902" sldId="269"/>
+        </pc:sldMkLst>
+        <pc:spChg chg="mod">
+          <ac:chgData name="Stephen Blystone" userId="95d8353bd2503b6a" providerId="LiveId" clId="{D2F09E60-B706-419D-B4CC-055B837C5A3C}" dt="2018-04-25T01:10:09.335" v="6943" actId="20577"/>
+          <ac:spMkLst>
+            <pc:docMk/>
+            <pc:sldMk cId="1697794902" sldId="269"/>
+            <ac:spMk id="2" creationId="{8F4010FC-3C2B-4EA6-ABB4-B2E66D8218CA}"/>
+          </ac:spMkLst>
+        </pc:spChg>
+        <pc:spChg chg="del mod">
+          <ac:chgData name="Stephen Blystone" userId="95d8353bd2503b6a" providerId="LiveId" clId="{D2F09E60-B706-419D-B4CC-055B837C5A3C}" dt="2018-04-25T00:03:39.771" v="2848" actId="478"/>
+          <ac:spMkLst>
+            <pc:docMk/>
+            <pc:sldMk cId="1697794902" sldId="269"/>
+            <ac:spMk id="3" creationId="{D328D3DB-8CBC-4A6F-9484-03E43067A176}"/>
+          </ac:spMkLst>
+        </pc:spChg>
+        <pc:spChg chg="add del">
+          <ac:chgData name="Stephen Blystone" userId="95d8353bd2503b6a" providerId="LiveId" clId="{D2F09E60-B706-419D-B4CC-055B837C5A3C}" dt="2018-04-25T00:03:21.928" v="2845" actId="6549"/>
+          <ac:spMkLst>
+            <pc:docMk/>
+            <pc:sldMk cId="1697794902" sldId="269"/>
+            <ac:spMk id="4" creationId="{D9C3C8FA-A7B6-4624-9B8E-08D83FEE770C}"/>
+          </ac:spMkLst>
+        </pc:spChg>
+        <pc:spChg chg="add del">
+          <ac:chgData name="Stephen Blystone" userId="95d8353bd2503b6a" providerId="LiveId" clId="{D2F09E60-B706-419D-B4CC-055B837C5A3C}" dt="2018-04-25T00:03:21.928" v="2845" actId="6549"/>
+          <ac:spMkLst>
+            <pc:docMk/>
+            <pc:sldMk cId="1697794902" sldId="269"/>
+            <ac:spMk id="5" creationId="{9CB91042-5A41-4299-82B6-8110ED31D28B}"/>
+          </ac:spMkLst>
+        </pc:spChg>
+        <pc:spChg chg="add del">
+          <ac:chgData name="Stephen Blystone" userId="95d8353bd2503b6a" providerId="LiveId" clId="{D2F09E60-B706-419D-B4CC-055B837C5A3C}" dt="2018-04-25T00:03:21.928" v="2845" actId="6549"/>
+          <ac:spMkLst>
+            <pc:docMk/>
+            <pc:sldMk cId="1697794902" sldId="269"/>
+            <ac:spMk id="9" creationId="{033A5A73-8987-450D-BE61-F31B34205E4A}"/>
+          </ac:spMkLst>
+        </pc:spChg>
+        <pc:spChg chg="add del">
+          <ac:chgData name="Stephen Blystone" userId="95d8353bd2503b6a" providerId="LiveId" clId="{D2F09E60-B706-419D-B4CC-055B837C5A3C}" dt="2018-04-25T00:03:21.928" v="2845" actId="6549"/>
+          <ac:spMkLst>
+            <pc:docMk/>
+            <pc:sldMk cId="1697794902" sldId="269"/>
+            <ac:spMk id="10" creationId="{1517F1D9-A275-45BC-84D4-90062529D406}"/>
+          </ac:spMkLst>
+        </pc:spChg>
+        <pc:spChg chg="add del">
+          <ac:chgData name="Stephen Blystone" userId="95d8353bd2503b6a" providerId="LiveId" clId="{D2F09E60-B706-419D-B4CC-055B837C5A3C}" dt="2018-04-25T00:03:21.928" v="2845" actId="6549"/>
+          <ac:spMkLst>
+            <pc:docMk/>
+            <pc:sldMk cId="1697794902" sldId="269"/>
+            <ac:spMk id="11" creationId="{35809696-E2C0-4E39-A970-72CF5DB4E2E0}"/>
+          </ac:spMkLst>
+        </pc:spChg>
+        <pc:spChg chg="add del">
+          <ac:chgData name="Stephen Blystone" userId="95d8353bd2503b6a" providerId="LiveId" clId="{D2F09E60-B706-419D-B4CC-055B837C5A3C}" dt="2018-04-25T00:03:21.928" v="2845" actId="6549"/>
+          <ac:spMkLst>
+            <pc:docMk/>
+            <pc:sldMk cId="1697794902" sldId="269"/>
+            <ac:spMk id="12" creationId="{20781D95-CA5E-44D8-A1E5-49E7F4FE70F2}"/>
+          </ac:spMkLst>
+        </pc:spChg>
+        <pc:spChg chg="add del">
+          <ac:chgData name="Stephen Blystone" userId="95d8353bd2503b6a" providerId="LiveId" clId="{D2F09E60-B706-419D-B4CC-055B837C5A3C}" dt="2018-04-25T00:03:21.928" v="2845" actId="6549"/>
+          <ac:spMkLst>
+            <pc:docMk/>
+            <pc:sldMk cId="1697794902" sldId="269"/>
+            <ac:spMk id="13" creationId="{CCED92B3-41EF-47E2-8692-5E5D134C75B1}"/>
+          </ac:spMkLst>
+        </pc:spChg>
+        <pc:spChg chg="add del">
+          <ac:chgData name="Stephen Blystone" userId="95d8353bd2503b6a" providerId="LiveId" clId="{D2F09E60-B706-419D-B4CC-055B837C5A3C}" dt="2018-04-25T00:03:21.928" v="2845" actId="6549"/>
+          <ac:spMkLst>
+            <pc:docMk/>
+            <pc:sldMk cId="1697794902" sldId="269"/>
+            <ac:spMk id="14" creationId="{80263BF5-CBD6-46DB-A8E4-D57D00F52ECF}"/>
+          </ac:spMkLst>
+        </pc:spChg>
+        <pc:spChg chg="add del">
+          <ac:chgData name="Stephen Blystone" userId="95d8353bd2503b6a" providerId="LiveId" clId="{D2F09E60-B706-419D-B4CC-055B837C5A3C}" dt="2018-04-25T00:03:21.928" v="2845" actId="6549"/>
+          <ac:spMkLst>
+            <pc:docMk/>
+            <pc:sldMk cId="1697794902" sldId="269"/>
+            <ac:spMk id="15" creationId="{1C86300A-8B26-428D-AD6B-180DE314A3BD}"/>
+          </ac:spMkLst>
+        </pc:spChg>
+        <pc:spChg chg="add del">
+          <ac:chgData name="Stephen Blystone" userId="95d8353bd2503b6a" providerId="LiveId" clId="{D2F09E60-B706-419D-B4CC-055B837C5A3C}" dt="2018-04-25T00:03:42.820" v="2850" actId="6549"/>
+          <ac:spMkLst>
+            <pc:docMk/>
+            <pc:sldMk cId="1697794902" sldId="269"/>
+            <ac:spMk id="17" creationId="{30D641BA-24E9-4883-8285-1BAE9F4DE699}"/>
+          </ac:spMkLst>
+        </pc:spChg>
+        <pc:spChg chg="add del">
+          <ac:chgData name="Stephen Blystone" userId="95d8353bd2503b6a" providerId="LiveId" clId="{D2F09E60-B706-419D-B4CC-055B837C5A3C}" dt="2018-04-25T00:03:42.820" v="2850" actId="6549"/>
+          <ac:spMkLst>
+            <pc:docMk/>
+            <pc:sldMk cId="1697794902" sldId="269"/>
+            <ac:spMk id="18" creationId="{793C0691-4734-4625-ACD1-D4E1B316B92E}"/>
+          </ac:spMkLst>
+        </pc:spChg>
+        <pc:spChg chg="add del">
+          <ac:chgData name="Stephen Blystone" userId="95d8353bd2503b6a" providerId="LiveId" clId="{D2F09E60-B706-419D-B4CC-055B837C5A3C}" dt="2018-04-25T00:03:42.820" v="2850" actId="6549"/>
+          <ac:spMkLst>
+            <pc:docMk/>
+            <pc:sldMk cId="1697794902" sldId="269"/>
+            <ac:spMk id="22" creationId="{7B8241EB-EA6B-4149-B8A3-0F2F301C10C3}"/>
+          </ac:spMkLst>
+        </pc:spChg>
+        <pc:spChg chg="add del">
+          <ac:chgData name="Stephen Blystone" userId="95d8353bd2503b6a" providerId="LiveId" clId="{D2F09E60-B706-419D-B4CC-055B837C5A3C}" dt="2018-04-25T00:03:42.820" v="2850" actId="6549"/>
+          <ac:spMkLst>
+            <pc:docMk/>
+            <pc:sldMk cId="1697794902" sldId="269"/>
+            <ac:spMk id="23" creationId="{09089362-4899-41CD-A5DD-969E187BDD37}"/>
+          </ac:spMkLst>
+        </pc:spChg>
+        <pc:spChg chg="add del">
+          <ac:chgData name="Stephen Blystone" userId="95d8353bd2503b6a" providerId="LiveId" clId="{D2F09E60-B706-419D-B4CC-055B837C5A3C}" dt="2018-04-25T00:03:42.820" v="2850" actId="6549"/>
+          <ac:spMkLst>
+            <pc:docMk/>
+            <pc:sldMk cId="1697794902" sldId="269"/>
+            <ac:spMk id="24" creationId="{8ED3055F-8844-473E-8F57-8C7FD439C1A3}"/>
+          </ac:spMkLst>
+        </pc:spChg>
+        <pc:spChg chg="add del">
+          <ac:chgData name="Stephen Blystone" userId="95d8353bd2503b6a" providerId="LiveId" clId="{D2F09E60-B706-419D-B4CC-055B837C5A3C}" dt="2018-04-25T00:03:42.820" v="2850" actId="6549"/>
+          <ac:spMkLst>
+            <pc:docMk/>
+            <pc:sldMk cId="1697794902" sldId="269"/>
+            <ac:spMk id="25" creationId="{DB39A5A8-6DC8-4A33-BB95-A5FF1F2AE803}"/>
+          </ac:spMkLst>
+        </pc:spChg>
+        <pc:spChg chg="add del">
+          <ac:chgData name="Stephen Blystone" userId="95d8353bd2503b6a" providerId="LiveId" clId="{D2F09E60-B706-419D-B4CC-055B837C5A3C}" dt="2018-04-25T00:03:42.820" v="2850" actId="6549"/>
+          <ac:spMkLst>
+            <pc:docMk/>
+            <pc:sldMk cId="1697794902" sldId="269"/>
+            <ac:spMk id="26" creationId="{019BE6AD-8ECF-4AE9-BDE6-2B8DD851E8FE}"/>
+          </ac:spMkLst>
+        </pc:spChg>
+        <pc:spChg chg="add del">
+          <ac:chgData name="Stephen Blystone" userId="95d8353bd2503b6a" providerId="LiveId" clId="{D2F09E60-B706-419D-B4CC-055B837C5A3C}" dt="2018-04-25T00:03:42.820" v="2850" actId="6549"/>
+          <ac:spMkLst>
+            <pc:docMk/>
+            <pc:sldMk cId="1697794902" sldId="269"/>
+            <ac:spMk id="27" creationId="{B2140AB6-7BED-435B-90AB-A2171CAF8DBA}"/>
+          </ac:spMkLst>
+        </pc:spChg>
+        <pc:spChg chg="add del">
+          <ac:chgData name="Stephen Blystone" userId="95d8353bd2503b6a" providerId="LiveId" clId="{D2F09E60-B706-419D-B4CC-055B837C5A3C}" dt="2018-04-25T00:03:42.820" v="2850" actId="6549"/>
+          <ac:spMkLst>
+            <pc:docMk/>
+            <pc:sldMk cId="1697794902" sldId="269"/>
+            <ac:spMk id="28" creationId="{31141521-129D-4691-9954-FFD4AB93E14C}"/>
+          </ac:spMkLst>
+        </pc:spChg>
+        <pc:spChg chg="add del">
+          <ac:chgData name="Stephen Blystone" userId="95d8353bd2503b6a" providerId="LiveId" clId="{D2F09E60-B706-419D-B4CC-055B837C5A3C}" dt="2018-04-25T00:03:55.628" v="2852" actId="6549"/>
+          <ac:spMkLst>
+            <pc:docMk/>
+            <pc:sldMk cId="1697794902" sldId="269"/>
+            <ac:spMk id="29" creationId="{0A3B7EFC-25BB-4518-A266-05DAE3C52DF8}"/>
+          </ac:spMkLst>
+        </pc:spChg>
+        <pc:spChg chg="add del">
+          <ac:chgData name="Stephen Blystone" userId="95d8353bd2503b6a" providerId="LiveId" clId="{D2F09E60-B706-419D-B4CC-055B837C5A3C}" dt="2018-04-25T00:03:55.628" v="2852" actId="6549"/>
+          <ac:spMkLst>
+            <pc:docMk/>
+            <pc:sldMk cId="1697794902" sldId="269"/>
+            <ac:spMk id="30" creationId="{99DCDEEC-970F-434A-8362-137C111FFD8C}"/>
+          </ac:spMkLst>
+        </pc:spChg>
+        <pc:spChg chg="add del">
+          <ac:chgData name="Stephen Blystone" userId="95d8353bd2503b6a" providerId="LiveId" clId="{D2F09E60-B706-419D-B4CC-055B837C5A3C}" dt="2018-04-25T00:03:55.628" v="2852" actId="6549"/>
+          <ac:spMkLst>
+            <pc:docMk/>
+            <pc:sldMk cId="1697794902" sldId="269"/>
+            <ac:spMk id="34" creationId="{2ECF34BA-4BA9-40B4-82D9-BF74C7004715}"/>
+          </ac:spMkLst>
+        </pc:spChg>
+        <pc:spChg chg="add del">
+          <ac:chgData name="Stephen Blystone" userId="95d8353bd2503b6a" providerId="LiveId" clId="{D2F09E60-B706-419D-B4CC-055B837C5A3C}" dt="2018-04-25T00:03:55.628" v="2852" actId="6549"/>
+          <ac:spMkLst>
+            <pc:docMk/>
+            <pc:sldMk cId="1697794902" sldId="269"/>
+            <ac:spMk id="35" creationId="{5D8AA725-28C9-40E1-88DF-D2D200F27390}"/>
+          </ac:spMkLst>
+        </pc:spChg>
+        <pc:spChg chg="add del">
+          <ac:chgData name="Stephen Blystone" userId="95d8353bd2503b6a" providerId="LiveId" clId="{D2F09E60-B706-419D-B4CC-055B837C5A3C}" dt="2018-04-25T00:03:55.628" v="2852" actId="6549"/>
+          <ac:spMkLst>
+            <pc:docMk/>
+            <pc:sldMk cId="1697794902" sldId="269"/>
+            <ac:spMk id="36" creationId="{D24A8BC1-A7F8-45F8-8207-300B895A9747}"/>
+          </ac:spMkLst>
+        </pc:spChg>
+        <pc:spChg chg="add del">
+          <ac:chgData name="Stephen Blystone" userId="95d8353bd2503b6a" providerId="LiveId" clId="{D2F09E60-B706-419D-B4CC-055B837C5A3C}" dt="2018-04-25T00:03:55.628" v="2852" actId="6549"/>
+          <ac:spMkLst>
+            <pc:docMk/>
+            <pc:sldMk cId="1697794902" sldId="269"/>
+            <ac:spMk id="37" creationId="{757BBD13-4F2C-4757-A51F-4C8AB2C4F17D}"/>
+          </ac:spMkLst>
+        </pc:spChg>
+        <pc:spChg chg="add del">
+          <ac:chgData name="Stephen Blystone" userId="95d8353bd2503b6a" providerId="LiveId" clId="{D2F09E60-B706-419D-B4CC-055B837C5A3C}" dt="2018-04-25T00:03:55.628" v="2852" actId="6549"/>
+          <ac:spMkLst>
+            <pc:docMk/>
+            <pc:sldMk cId="1697794902" sldId="269"/>
+            <ac:spMk id="38" creationId="{7FCCFDC2-6C4A-4A50-BDDF-A4E9D31A41B3}"/>
+          </ac:spMkLst>
+        </pc:spChg>
+        <pc:spChg chg="add del">
+          <ac:chgData name="Stephen Blystone" userId="95d8353bd2503b6a" providerId="LiveId" clId="{D2F09E60-B706-419D-B4CC-055B837C5A3C}" dt="2018-04-25T00:03:55.628" v="2852" actId="6549"/>
+          <ac:spMkLst>
+            <pc:docMk/>
+            <pc:sldMk cId="1697794902" sldId="269"/>
+            <ac:spMk id="39" creationId="{6DEFD0E1-E7D9-4E62-B441-06FAAB744C4F}"/>
+          </ac:spMkLst>
+        </pc:spChg>
+        <pc:spChg chg="add del">
+          <ac:chgData name="Stephen Blystone" userId="95d8353bd2503b6a" providerId="LiveId" clId="{D2F09E60-B706-419D-B4CC-055B837C5A3C}" dt="2018-04-25T00:03:55.628" v="2852" actId="6549"/>
+          <ac:spMkLst>
+            <pc:docMk/>
+            <pc:sldMk cId="1697794902" sldId="269"/>
+            <ac:spMk id="40" creationId="{488F4296-7E69-429F-BB15-61623921CB39}"/>
+          </ac:spMkLst>
+        </pc:spChg>
+        <pc:spChg chg="add mod">
+          <ac:chgData name="Stephen Blystone" userId="95d8353bd2503b6a" providerId="LiveId" clId="{D2F09E60-B706-419D-B4CC-055B837C5A3C}" dt="2018-04-25T01:11:34.391" v="7004" actId="6549"/>
+          <ac:spMkLst>
+            <pc:docMk/>
+            <pc:sldMk cId="1697794902" sldId="269"/>
+            <ac:spMk id="41" creationId="{742E1577-3FDF-442D-9579-68FD1B36395C}"/>
+          </ac:spMkLst>
+        </pc:spChg>
+        <pc:spChg chg="add mod">
+          <ac:chgData name="Stephen Blystone" userId="95d8353bd2503b6a" providerId="LiveId" clId="{D2F09E60-B706-419D-B4CC-055B837C5A3C}" dt="2018-04-25T01:10:50.741" v="7002" actId="14100"/>
+          <ac:spMkLst>
+            <pc:docMk/>
+            <pc:sldMk cId="1697794902" sldId="269"/>
+            <ac:spMk id="45" creationId="{F18AC429-6955-4146-9469-4648B3EA5293}"/>
+          </ac:spMkLst>
+        </pc:spChg>
+        <pc:picChg chg="add del">
+          <ac:chgData name="Stephen Blystone" userId="95d8353bd2503b6a" providerId="LiveId" clId="{D2F09E60-B706-419D-B4CC-055B837C5A3C}" dt="2018-04-25T00:03:37.483" v="2847" actId="478"/>
+          <ac:picMkLst>
+            <pc:docMk/>
+            <pc:sldMk cId="1697794902" sldId="269"/>
+            <ac:picMk id="16" creationId="{9646588E-914E-4FB8-A34C-F4E43B852385}"/>
+          </ac:picMkLst>
+        </pc:picChg>
+        <pc:picChg chg="add del">
+          <ac:chgData name="Stephen Blystone" userId="95d8353bd2503b6a" providerId="LiveId" clId="{D2F09E60-B706-419D-B4CC-055B837C5A3C}" dt="2018-04-25T00:05:25.466" v="2856" actId="478"/>
+          <ac:picMkLst>
+            <pc:docMk/>
+            <pc:sldMk cId="1697794902" sldId="269"/>
+            <ac:picMk id="42" creationId="{8AEB5F7B-F8F9-4D27-96CA-6A4DF6DF3C00}"/>
+          </ac:picMkLst>
+        </pc:picChg>
+        <pc:picChg chg="add mod modCrop">
+          <ac:chgData name="Stephen Blystone" userId="95d8353bd2503b6a" providerId="LiveId" clId="{D2F09E60-B706-419D-B4CC-055B837C5A3C}" dt="2018-04-25T00:26:50.449" v="4782" actId="14100"/>
+          <ac:picMkLst>
+            <pc:docMk/>
+            <pc:sldMk cId="1697794902" sldId="269"/>
+            <ac:picMk id="43" creationId="{F619E023-2FA9-4348-ADB8-8C0129183E9A}"/>
+          </ac:picMkLst>
+        </pc:picChg>
+        <pc:picChg chg="add mod modCrop">
+          <ac:chgData name="Stephen Blystone" userId="95d8353bd2503b6a" providerId="LiveId" clId="{D2F09E60-B706-419D-B4CC-055B837C5A3C}" dt="2018-04-25T00:25:16.117" v="4579" actId="14100"/>
+          <ac:picMkLst>
+            <pc:docMk/>
+            <pc:sldMk cId="1697794902" sldId="269"/>
+            <ac:picMk id="44" creationId="{DCE25116-D473-441D-BEA5-D909B5F3B2FB}"/>
+          </ac:picMkLst>
+        </pc:picChg>
+        <pc:cxnChg chg="add del">
+          <ac:chgData name="Stephen Blystone" userId="95d8353bd2503b6a" providerId="LiveId" clId="{D2F09E60-B706-419D-B4CC-055B837C5A3C}" dt="2018-04-25T00:03:21.928" v="2845" actId="6549"/>
+          <ac:cxnSpMkLst>
+            <pc:docMk/>
+            <pc:sldMk cId="1697794902" sldId="269"/>
+            <ac:cxnSpMk id="6" creationId="{4CF1D0C3-5D84-49F5-A76E-B9F772B1F51D}"/>
+          </ac:cxnSpMkLst>
+        </pc:cxnChg>
+        <pc:cxnChg chg="add del">
+          <ac:chgData name="Stephen Blystone" userId="95d8353bd2503b6a" providerId="LiveId" clId="{D2F09E60-B706-419D-B4CC-055B837C5A3C}" dt="2018-04-25T00:03:21.928" v="2845" actId="6549"/>
+          <ac:cxnSpMkLst>
+            <pc:docMk/>
+            <pc:sldMk cId="1697794902" sldId="269"/>
+            <ac:cxnSpMk id="7" creationId="{21D5C902-84C5-4C31-B2CE-7B330B2CC6C0}"/>
+          </ac:cxnSpMkLst>
+        </pc:cxnChg>
+        <pc:cxnChg chg="add del">
+          <ac:chgData name="Stephen Blystone" userId="95d8353bd2503b6a" providerId="LiveId" clId="{D2F09E60-B706-419D-B4CC-055B837C5A3C}" dt="2018-04-25T00:03:21.928" v="2845" actId="6549"/>
+          <ac:cxnSpMkLst>
+            <pc:docMk/>
+            <pc:sldMk cId="1697794902" sldId="269"/>
+            <ac:cxnSpMk id="8" creationId="{C34E0934-06C4-464D-A34C-1356CEEE4A5E}"/>
+          </ac:cxnSpMkLst>
+        </pc:cxnChg>
+        <pc:cxnChg chg="add del">
+          <ac:chgData name="Stephen Blystone" userId="95d8353bd2503b6a" providerId="LiveId" clId="{D2F09E60-B706-419D-B4CC-055B837C5A3C}" dt="2018-04-25T00:03:42.820" v="2850" actId="6549"/>
+          <ac:cxnSpMkLst>
+            <pc:docMk/>
+            <pc:sldMk cId="1697794902" sldId="269"/>
+            <ac:cxnSpMk id="19" creationId="{369FF14C-8980-4F9C-AFAA-462DF50B4BCD}"/>
+          </ac:cxnSpMkLst>
+        </pc:cxnChg>
+        <pc:cxnChg chg="add del">
+          <ac:chgData name="Stephen Blystone" userId="95d8353bd2503b6a" providerId="LiveId" clId="{D2F09E60-B706-419D-B4CC-055B837C5A3C}" dt="2018-04-25T00:03:42.820" v="2850" actId="6549"/>
+          <ac:cxnSpMkLst>
+            <pc:docMk/>
+            <pc:sldMk cId="1697794902" sldId="269"/>
+            <ac:cxnSpMk id="20" creationId="{A3DE16B8-C87E-4CD9-8A3D-2472B3987AB1}"/>
+          </ac:cxnSpMkLst>
+        </pc:cxnChg>
+        <pc:cxnChg chg="add del">
+          <ac:chgData name="Stephen Blystone" userId="95d8353bd2503b6a" providerId="LiveId" clId="{D2F09E60-B706-419D-B4CC-055B837C5A3C}" dt="2018-04-25T00:03:42.820" v="2850" actId="6549"/>
+          <ac:cxnSpMkLst>
+            <pc:docMk/>
+            <pc:sldMk cId="1697794902" sldId="269"/>
+            <ac:cxnSpMk id="21" creationId="{B7F08760-4D86-463E-9D15-CB5EA394F6E9}"/>
+          </ac:cxnSpMkLst>
+        </pc:cxnChg>
+        <pc:cxnChg chg="add del">
+          <ac:chgData name="Stephen Blystone" userId="95d8353bd2503b6a" providerId="LiveId" clId="{D2F09E60-B706-419D-B4CC-055B837C5A3C}" dt="2018-04-25T00:03:55.628" v="2852" actId="6549"/>
+          <ac:cxnSpMkLst>
+            <pc:docMk/>
+            <pc:sldMk cId="1697794902" sldId="269"/>
+            <ac:cxnSpMk id="31" creationId="{72B5F853-3B6D-45E0-A1AD-47010445A47F}"/>
+          </ac:cxnSpMkLst>
+        </pc:cxnChg>
+        <pc:cxnChg chg="add del">
+          <ac:chgData name="Stephen Blystone" userId="95d8353bd2503b6a" providerId="LiveId" clId="{D2F09E60-B706-419D-B4CC-055B837C5A3C}" dt="2018-04-25T00:03:55.628" v="2852" actId="6549"/>
+          <ac:cxnSpMkLst>
+            <pc:docMk/>
+            <pc:sldMk cId="1697794902" sldId="269"/>
+            <ac:cxnSpMk id="32" creationId="{1E2A3FEB-3A0A-4664-B347-5EFC005267B5}"/>
+          </ac:cxnSpMkLst>
+        </pc:cxnChg>
+        <pc:cxnChg chg="add del">
+          <ac:chgData name="Stephen Blystone" userId="95d8353bd2503b6a" providerId="LiveId" clId="{D2F09E60-B706-419D-B4CC-055B837C5A3C}" dt="2018-04-25T00:03:55.628" v="2852" actId="6549"/>
+          <ac:cxnSpMkLst>
+            <pc:docMk/>
+            <pc:sldMk cId="1697794902" sldId="269"/>
+            <ac:cxnSpMk id="33" creationId="{6428A89A-BC75-4D21-841F-8635BD0DEFA2}"/>
+          </ac:cxnSpMkLst>
+        </pc:cxnChg>
+      </pc:sldChg>
+      <pc:sldChg chg="modSp">
+        <pc:chgData name="Stephen Blystone" userId="95d8353bd2503b6a" providerId="LiveId" clId="{D2F09E60-B706-419D-B4CC-055B837C5A3C}" dt="2018-04-25T01:14:12.524" v="7256" actId="20577"/>
+        <pc:sldMkLst>
+          <pc:docMk/>
+          <pc:sldMk cId="814664529" sldId="270"/>
+        </pc:sldMkLst>
+        <pc:spChg chg="mod">
+          <ac:chgData name="Stephen Blystone" userId="95d8353bd2503b6a" providerId="LiveId" clId="{D2F09E60-B706-419D-B4CC-055B837C5A3C}" dt="2018-04-25T00:35:03.116" v="5406" actId="20577"/>
+          <ac:spMkLst>
+            <pc:docMk/>
+            <pc:sldMk cId="814664529" sldId="270"/>
+            <ac:spMk id="2" creationId="{77E29BB5-B4A9-4768-82DF-598FDE670A7D}"/>
+          </ac:spMkLst>
+        </pc:spChg>
+        <pc:spChg chg="mod">
+          <ac:chgData name="Stephen Blystone" userId="95d8353bd2503b6a" providerId="LiveId" clId="{D2F09E60-B706-419D-B4CC-055B837C5A3C}" dt="2018-04-25T01:14:12.524" v="7256" actId="20577"/>
+          <ac:spMkLst>
+            <pc:docMk/>
+            <pc:sldMk cId="814664529" sldId="270"/>
+            <ac:spMk id="3" creationId="{9DA1B097-EAFB-4FA3-9F2A-8EA372AF8570}"/>
+          </ac:spMkLst>
+        </pc:spChg>
+      </pc:sldChg>
+      <pc:sldChg chg="modSp">
+        <pc:chgData name="Stephen Blystone" userId="95d8353bd2503b6a" providerId="LiveId" clId="{D2F09E60-B706-419D-B4CC-055B837C5A3C}" dt="2018-04-25T04:52:22.680" v="7409" actId="20577"/>
+        <pc:sldMkLst>
+          <pc:docMk/>
+          <pc:sldMk cId="119702504" sldId="271"/>
+        </pc:sldMkLst>
+        <pc:spChg chg="mod">
+          <ac:chgData name="Stephen Blystone" userId="95d8353bd2503b6a" providerId="LiveId" clId="{D2F09E60-B706-419D-B4CC-055B837C5A3C}" dt="2018-04-25T04:51:53.976" v="7372" actId="20577"/>
+          <ac:spMkLst>
+            <pc:docMk/>
+            <pc:sldMk cId="119702504" sldId="271"/>
+            <ac:spMk id="2" creationId="{69AC5D7D-CBD8-4AC1-BBC2-E2F562169961}"/>
+          </ac:spMkLst>
+        </pc:spChg>
+        <pc:spChg chg="mod">
+          <ac:chgData name="Stephen Blystone" userId="95d8353bd2503b6a" providerId="LiveId" clId="{D2F09E60-B706-419D-B4CC-055B837C5A3C}" dt="2018-04-25T04:52:22.680" v="7409" actId="20577"/>
+          <ac:spMkLst>
+            <pc:docMk/>
+            <pc:sldMk cId="119702504" sldId="271"/>
+            <ac:spMk id="3" creationId="{A05E07B1-2FE7-47A9-B8FB-081FD29F723A}"/>
+          </ac:spMkLst>
+        </pc:spChg>
+      </pc:sldChg>
+      <pc:sldChg chg="addSp delSp modSp">
+        <pc:chgData name="Stephen Blystone" userId="95d8353bd2503b6a" providerId="LiveId" clId="{D2F09E60-B706-419D-B4CC-055B837C5A3C}" dt="2018-04-25T01:14:48.363" v="7267" actId="20577"/>
+        <pc:sldMkLst>
+          <pc:docMk/>
+          <pc:sldMk cId="2022448481" sldId="272"/>
+        </pc:sldMkLst>
+        <pc:spChg chg="del">
+          <ac:chgData name="Stephen Blystone" userId="95d8353bd2503b6a" providerId="LiveId" clId="{D2F09E60-B706-419D-B4CC-055B837C5A3C}" dt="2018-04-25T00:49:12.012" v="6638" actId="478"/>
+          <ac:spMkLst>
+            <pc:docMk/>
+            <pc:sldMk cId="2022448481" sldId="272"/>
+            <ac:spMk id="5" creationId="{BD969493-9ACF-4306-80D6-BA6FAA1BA35D}"/>
+          </ac:spMkLst>
+        </pc:spChg>
+        <pc:spChg chg="mod">
+          <ac:chgData name="Stephen Blystone" userId="95d8353bd2503b6a" providerId="LiveId" clId="{D2F09E60-B706-419D-B4CC-055B837C5A3C}" dt="2018-04-25T01:14:48.363" v="7267" actId="20577"/>
+          <ac:spMkLst>
+            <pc:docMk/>
+            <pc:sldMk cId="2022448481" sldId="272"/>
+            <ac:spMk id="6" creationId="{53C20021-29D0-4866-850C-0B8A00B94ED5}"/>
+          </ac:spMkLst>
+        </pc:spChg>
+        <pc:picChg chg="del mod">
+          <ac:chgData name="Stephen Blystone" userId="95d8353bd2503b6a" providerId="LiveId" clId="{D2F09E60-B706-419D-B4CC-055B837C5A3C}" dt="2018-04-25T00:49:22.210" v="6640" actId="478"/>
+          <ac:picMkLst>
+            <pc:docMk/>
+            <pc:sldMk cId="2022448481" sldId="272"/>
+            <ac:picMk id="7" creationId="{F1E497FA-756A-41F3-A68C-BDD5488B8B2D}"/>
+          </ac:picMkLst>
+        </pc:picChg>
+        <pc:picChg chg="add del mod">
+          <ac:chgData name="Stephen Blystone" userId="95d8353bd2503b6a" providerId="LiveId" clId="{D2F09E60-B706-419D-B4CC-055B837C5A3C}" dt="2018-04-25T00:49:07.060" v="6637" actId="478"/>
+          <ac:picMkLst>
+            <pc:docMk/>
+            <pc:sldMk cId="2022448481" sldId="272"/>
+            <ac:picMk id="8" creationId="{2E33A45D-331D-439E-9978-ECB91359BD03}"/>
+          </ac:picMkLst>
+        </pc:picChg>
+      </pc:sldChg>
+      <pc:sldChg chg="del">
+        <pc:chgData name="Stephen Blystone" userId="95d8353bd2503b6a" providerId="LiveId" clId="{D2F09E60-B706-419D-B4CC-055B837C5A3C}" dt="2018-04-25T00:49:29.550" v="6641" actId="2696"/>
+        <pc:sldMkLst>
+          <pc:docMk/>
+          <pc:sldMk cId="4053260384" sldId="273"/>
+        </pc:sldMkLst>
+      </pc:sldChg>
+      <pc:sldChg chg="modSp">
+        <pc:chgData name="Stephen Blystone" userId="95d8353bd2503b6a" providerId="LiveId" clId="{D2F09E60-B706-419D-B4CC-055B837C5A3C}" dt="2018-04-25T00:55:04.780" v="6667" actId="20577"/>
+        <pc:sldMkLst>
+          <pc:docMk/>
+          <pc:sldMk cId="1116818984" sldId="277"/>
+        </pc:sldMkLst>
+        <pc:spChg chg="mod">
+          <ac:chgData name="Stephen Blystone" userId="95d8353bd2503b6a" providerId="LiveId" clId="{D2F09E60-B706-419D-B4CC-055B837C5A3C}" dt="2018-04-25T00:55:04.780" v="6667" actId="20577"/>
+          <ac:spMkLst>
+            <pc:docMk/>
+            <pc:sldMk cId="1116818984" sldId="277"/>
+            <ac:spMk id="3" creationId="{DDB2DD65-4121-4E80-9DAC-CCF0C42D0214}"/>
+          </ac:spMkLst>
+        </pc:spChg>
+      </pc:sldChg>
+      <pc:sldChg chg="modSp">
+        <pc:chgData name="Stephen Blystone" userId="95d8353bd2503b6a" providerId="LiveId" clId="{D2F09E60-B706-419D-B4CC-055B837C5A3C}" dt="2018-04-25T19:32:11.418" v="8497" actId="20577"/>
+        <pc:sldMkLst>
+          <pc:docMk/>
+          <pc:sldMk cId="4273642551" sldId="278"/>
+        </pc:sldMkLst>
+        <pc:spChg chg="mod">
+          <ac:chgData name="Stephen Blystone" userId="95d8353bd2503b6a" providerId="LiveId" clId="{D2F09E60-B706-419D-B4CC-055B837C5A3C}" dt="2018-04-25T19:32:11.418" v="8497" actId="20577"/>
+          <ac:spMkLst>
+            <pc:docMk/>
+            <pc:sldMk cId="4273642551" sldId="278"/>
+            <ac:spMk id="3" creationId="{613F5C2C-6AF0-4C62-A087-FDA9EF3BAB0C}"/>
+          </ac:spMkLst>
+        </pc:spChg>
+      </pc:sldChg>
+      <pc:sldChg chg="modSp del">
+        <pc:chgData name="Stephen Blystone" userId="95d8353bd2503b6a" providerId="LiveId" clId="{D2F09E60-B706-419D-B4CC-055B837C5A3C}" dt="2018-04-25T01:31:56.832" v="7292" actId="2696"/>
+        <pc:sldMkLst>
+          <pc:docMk/>
+          <pc:sldMk cId="2188309577" sldId="279"/>
+        </pc:sldMkLst>
+        <pc:spChg chg="mod">
+          <ac:chgData name="Stephen Blystone" userId="95d8353bd2503b6a" providerId="LiveId" clId="{D2F09E60-B706-419D-B4CC-055B837C5A3C}" dt="2018-04-24T05:50:29.897" v="4" actId="115"/>
+          <ac:spMkLst>
+            <pc:docMk/>
+            <pc:sldMk cId="2188309577" sldId="279"/>
+            <ac:spMk id="3" creationId="{613F5C2C-6AF0-4C62-A087-FDA9EF3BAB0C}"/>
+          </ac:spMkLst>
+        </pc:spChg>
+      </pc:sldChg>
+      <pc:sldChg chg="addSp delSp modSp">
+        <pc:chgData name="Stephen Blystone" userId="95d8353bd2503b6a" providerId="LiveId" clId="{D2F09E60-B706-419D-B4CC-055B837C5A3C}" dt="2018-04-25T01:07:26.499" v="6908" actId="14100"/>
+        <pc:sldMkLst>
+          <pc:docMk/>
+          <pc:sldMk cId="442040866" sldId="280"/>
+        </pc:sldMkLst>
+        <pc:spChg chg="mod">
+          <ac:chgData name="Stephen Blystone" userId="95d8353bd2503b6a" providerId="LiveId" clId="{D2F09E60-B706-419D-B4CC-055B837C5A3C}" dt="2018-04-24T23:47:33.738" v="2100" actId="20577"/>
+          <ac:spMkLst>
+            <pc:docMk/>
+            <pc:sldMk cId="442040866" sldId="280"/>
+            <ac:spMk id="2" creationId="{3455FC4A-E111-46D0-9696-40EA2C5DD232}"/>
+          </ac:spMkLst>
+        </pc:spChg>
+        <pc:spChg chg="mod">
+          <ac:chgData name="Stephen Blystone" userId="95d8353bd2503b6a" providerId="LiveId" clId="{D2F09E60-B706-419D-B4CC-055B837C5A3C}" dt="2018-04-25T01:07:26.499" v="6908" actId="14100"/>
+          <ac:spMkLst>
+            <pc:docMk/>
+            <pc:sldMk cId="442040866" sldId="280"/>
+            <ac:spMk id="3" creationId="{241137AA-3600-47CB-9029-25EDDD1FEC5E}"/>
+          </ac:spMkLst>
+        </pc:spChg>
+        <pc:spChg chg="del">
+          <ac:chgData name="Stephen Blystone" userId="95d8353bd2503b6a" providerId="LiveId" clId="{D2F09E60-B706-419D-B4CC-055B837C5A3C}" dt="2018-04-24T23:46:21.661" v="2061" actId="478"/>
+          <ac:spMkLst>
+            <pc:docMk/>
+            <pc:sldMk cId="442040866" sldId="280"/>
+            <ac:spMk id="4" creationId="{7FCA4115-876A-4305-9045-E1D7026EF435}"/>
+          </ac:spMkLst>
+        </pc:spChg>
+        <pc:spChg chg="add mod">
+          <ac:chgData name="Stephen Blystone" userId="95d8353bd2503b6a" providerId="LiveId" clId="{D2F09E60-B706-419D-B4CC-055B837C5A3C}" dt="2018-04-25T00:01:26.137" v="2817" actId="164"/>
+          <ac:spMkLst>
+            <pc:docMk/>
+            <pc:sldMk cId="442040866" sldId="280"/>
+            <ac:spMk id="6" creationId="{2B71E784-947F-4890-A494-0F4693DF3172}"/>
+          </ac:spMkLst>
+        </pc:spChg>
+        <pc:grpChg chg="add mod">
+          <ac:chgData name="Stephen Blystone" userId="95d8353bd2503b6a" providerId="LiveId" clId="{D2F09E60-B706-419D-B4CC-055B837C5A3C}" dt="2018-04-25T00:16:00.842" v="3296" actId="1076"/>
+          <ac:grpSpMkLst>
+            <pc:docMk/>
+            <pc:sldMk cId="442040866" sldId="280"/>
+            <ac:grpSpMk id="7" creationId="{E0055289-31FE-406D-8930-070AC19BDCB9}"/>
+          </ac:grpSpMkLst>
+        </pc:grpChg>
+        <pc:picChg chg="add mod">
+          <ac:chgData name="Stephen Blystone" userId="95d8353bd2503b6a" providerId="LiveId" clId="{D2F09E60-B706-419D-B4CC-055B837C5A3C}" dt="2018-04-25T00:01:26.137" v="2817" actId="164"/>
+          <ac:picMkLst>
+            <pc:docMk/>
+            <pc:sldMk cId="442040866" sldId="280"/>
+            <ac:picMk id="5" creationId="{540FB4CA-1058-42D8-8993-8F86630ACCB1}"/>
+          </ac:picMkLst>
+        </pc:picChg>
+      </pc:sldChg>
+      <pc:sldChg chg="modSp">
+        <pc:chgData name="Stephen Blystone" userId="95d8353bd2503b6a" providerId="LiveId" clId="{D2F09E60-B706-419D-B4CC-055B837C5A3C}" dt="2018-04-25T05:32:14.450" v="8375" actId="20577"/>
+        <pc:sldMkLst>
+          <pc:docMk/>
+          <pc:sldMk cId="1355045381" sldId="281"/>
+        </pc:sldMkLst>
+        <pc:spChg chg="mod">
+          <ac:chgData name="Stephen Blystone" userId="95d8353bd2503b6a" providerId="LiveId" clId="{D2F09E60-B706-419D-B4CC-055B837C5A3C}" dt="2018-04-25T01:32:04.156" v="7293" actId="20577"/>
+          <ac:spMkLst>
+            <pc:docMk/>
+            <pc:sldMk cId="1355045381" sldId="281"/>
+            <ac:spMk id="2" creationId="{5FF1AD65-A2D5-47AF-9F42-9DC4E4065CFA}"/>
+          </ac:spMkLst>
+        </pc:spChg>
+        <pc:spChg chg="mod">
+          <ac:chgData name="Stephen Blystone" userId="95d8353bd2503b6a" providerId="LiveId" clId="{D2F09E60-B706-419D-B4CC-055B837C5A3C}" dt="2018-04-25T05:32:14.450" v="8375" actId="20577"/>
+          <ac:spMkLst>
+            <pc:docMk/>
+            <pc:sldMk cId="1355045381" sldId="281"/>
+            <ac:spMk id="3" creationId="{613F5C2C-6AF0-4C62-A087-FDA9EF3BAB0C}"/>
+          </ac:spMkLst>
+        </pc:spChg>
+      </pc:sldChg>
+      <pc:sldChg chg="modSp add">
+        <pc:chgData name="Stephen Blystone" userId="95d8353bd2503b6a" providerId="LiveId" clId="{D2F09E60-B706-419D-B4CC-055B837C5A3C}" dt="2018-04-25T05:31:33.608" v="8368"/>
+        <pc:sldMkLst>
+          <pc:docMk/>
+          <pc:sldMk cId="4183393618" sldId="282"/>
+        </pc:sldMkLst>
+        <pc:spChg chg="mod">
+          <ac:chgData name="Stephen Blystone" userId="95d8353bd2503b6a" providerId="LiveId" clId="{D2F09E60-B706-419D-B4CC-055B837C5A3C}" dt="2018-04-25T01:32:08.259" v="7294" actId="20577"/>
+          <ac:spMkLst>
+            <pc:docMk/>
+            <pc:sldMk cId="4183393618" sldId="282"/>
+            <ac:spMk id="2" creationId="{3D921775-48EA-442B-B7E8-0D29A9269E53}"/>
+          </ac:spMkLst>
+        </pc:spChg>
+        <pc:spChg chg="mod">
+          <ac:chgData name="Stephen Blystone" userId="95d8353bd2503b6a" providerId="LiveId" clId="{D2F09E60-B706-419D-B4CC-055B837C5A3C}" dt="2018-04-25T05:31:33.608" v="8368"/>
+          <ac:spMkLst>
+            <pc:docMk/>
+            <pc:sldMk cId="4183393618" sldId="282"/>
+            <ac:spMk id="3" creationId="{572B7988-9806-4612-9F5A-E18C41750765}"/>
+          </ac:spMkLst>
+        </pc:spChg>
+        <pc:spChg chg="mod">
+          <ac:chgData name="Stephen Blystone" userId="95d8353bd2503b6a" providerId="LiveId" clId="{D2F09E60-B706-419D-B4CC-055B837C5A3C}" dt="2018-04-25T05:31:33.608" v="8368"/>
+          <ac:spMkLst>
+            <pc:docMk/>
+            <pc:sldMk cId="4183393618" sldId="282"/>
+            <ac:spMk id="4" creationId="{BF02B6CB-E5CD-4C4B-A6CC-EBE0D8EC5CCC}"/>
+          </ac:spMkLst>
+        </pc:spChg>
+      </pc:sldChg>
+      <pc:sldChg chg="modSp add">
+        <pc:chgData name="Stephen Blystone" userId="95d8353bd2503b6a" providerId="LiveId" clId="{D2F09E60-B706-419D-B4CC-055B837C5A3C}" dt="2018-04-25T00:30:21.887" v="4919" actId="1076"/>
+        <pc:sldMkLst>
+          <pc:docMk/>
+          <pc:sldMk cId="473337471" sldId="283"/>
+        </pc:sldMkLst>
+        <pc:spChg chg="mod">
+          <ac:chgData name="Stephen Blystone" userId="95d8353bd2503b6a" providerId="LiveId" clId="{D2F09E60-B706-419D-B4CC-055B837C5A3C}" dt="2018-04-24T23:34:08.700" v="1127" actId="20577"/>
+          <ac:spMkLst>
+            <pc:docMk/>
+            <pc:sldMk cId="473337471" sldId="283"/>
+            <ac:spMk id="2" creationId="{9B94E2EA-AA78-476E-B5A2-A1B858BC13F6}"/>
+          </ac:spMkLst>
+        </pc:spChg>
+        <pc:spChg chg="mod">
+          <ac:chgData name="Stephen Blystone" userId="95d8353bd2503b6a" providerId="LiveId" clId="{D2F09E60-B706-419D-B4CC-055B837C5A3C}" dt="2018-04-25T00:30:21.887" v="4919" actId="1076"/>
+          <ac:spMkLst>
+            <pc:docMk/>
+            <pc:sldMk cId="473337471" sldId="283"/>
+            <ac:spMk id="3" creationId="{4C0B779E-CB08-4483-B0EF-E536101C60A4}"/>
+          </ac:spMkLst>
+        </pc:spChg>
+      </pc:sldChg>
+      <pc:sldChg chg="delSp modSp add">
+        <pc:chgData name="Stephen Blystone" userId="95d8353bd2503b6a" providerId="LiveId" clId="{D2F09E60-B706-419D-B4CC-055B837C5A3C}" dt="2018-04-25T05:07:21.315" v="7835" actId="6549"/>
+        <pc:sldMkLst>
+          <pc:docMk/>
+          <pc:sldMk cId="190594739" sldId="284"/>
+        </pc:sldMkLst>
+        <pc:spChg chg="mod">
+          <ac:chgData name="Stephen Blystone" userId="95d8353bd2503b6a" providerId="LiveId" clId="{D2F09E60-B706-419D-B4CC-055B837C5A3C}" dt="2018-04-25T01:32:17.142" v="7308" actId="20577"/>
+          <ac:spMkLst>
+            <pc:docMk/>
+            <pc:sldMk cId="190594739" sldId="284"/>
+            <ac:spMk id="2" creationId="{E7024517-93B9-4B09-B066-7A681526DB4F}"/>
+          </ac:spMkLst>
+        </pc:spChg>
+        <pc:spChg chg="mod">
+          <ac:chgData name="Stephen Blystone" userId="95d8353bd2503b6a" providerId="LiveId" clId="{D2F09E60-B706-419D-B4CC-055B837C5A3C}" dt="2018-04-25T05:07:21.315" v="7835" actId="6549"/>
+          <ac:spMkLst>
+            <pc:docMk/>
+            <pc:sldMk cId="190594739" sldId="284"/>
+            <ac:spMk id="3" creationId="{EA02C3DB-52DB-434C-8809-FFBA4A5F86CC}"/>
+          </ac:spMkLst>
+        </pc:spChg>
+        <pc:spChg chg="del">
+          <ac:chgData name="Stephen Blystone" userId="95d8353bd2503b6a" providerId="LiveId" clId="{D2F09E60-B706-419D-B4CC-055B837C5A3C}" dt="2018-04-25T01:32:12.884" v="7295" actId="478"/>
+          <ac:spMkLst>
+            <pc:docMk/>
+            <pc:sldMk cId="190594739" sldId="284"/>
+            <ac:spMk id="4" creationId="{7A2EF7D1-1238-49BB-9397-2B20AA63DC6F}"/>
+          </ac:spMkLst>
+        </pc:spChg>
+      </pc:sldChg>
+      <pc:sldChg chg="addSp modSp add del">
+        <pc:chgData name="Stephen Blystone" userId="95d8353bd2503b6a" providerId="LiveId" clId="{D2F09E60-B706-419D-B4CC-055B837C5A3C}" dt="2018-04-25T00:13:05.821" v="3136" actId="2696"/>
+        <pc:sldMkLst>
+          <pc:docMk/>
+          <pc:sldMk cId="1231589022" sldId="284"/>
+        </pc:sldMkLst>
+        <pc:spChg chg="mod">
+          <ac:chgData name="Stephen Blystone" userId="95d8353bd2503b6a" providerId="LiveId" clId="{D2F09E60-B706-419D-B4CC-055B837C5A3C}" dt="2018-04-24T23:41:33.899" v="1534" actId="20577"/>
+          <ac:spMkLst>
+            <pc:docMk/>
+            <pc:sldMk cId="1231589022" sldId="284"/>
+            <ac:spMk id="2" creationId="{E7024517-93B9-4B09-B066-7A681526DB4F}"/>
+          </ac:spMkLst>
+        </pc:spChg>
+        <pc:spChg chg="mod">
+          <ac:chgData name="Stephen Blystone" userId="95d8353bd2503b6a" providerId="LiveId" clId="{D2F09E60-B706-419D-B4CC-055B837C5A3C}" dt="2018-04-24T23:53:06.212" v="2470" actId="20577"/>
+          <ac:spMkLst>
+            <pc:docMk/>
+            <pc:sldMk cId="1231589022" sldId="284"/>
+            <ac:spMk id="3" creationId="{EA02C3DB-52DB-434C-8809-FFBA4A5F86CC}"/>
+          </ac:spMkLst>
+        </pc:spChg>
+        <pc:spChg chg="add mod">
+          <ac:chgData name="Stephen Blystone" userId="95d8353bd2503b6a" providerId="LiveId" clId="{D2F09E60-B706-419D-B4CC-055B837C5A3C}" dt="2018-04-24T23:46:12.267" v="2060" actId="20577"/>
+          <ac:spMkLst>
+            <pc:docMk/>
+            <pc:sldMk cId="1231589022" sldId="284"/>
+            <ac:spMk id="4" creationId="{7A2EF7D1-1238-49BB-9397-2B20AA63DC6F}"/>
+          </ac:spMkLst>
+        </pc:spChg>
+      </pc:sldChg>
+      <pc:sldChg chg="modSp add">
+        <pc:chgData name="Stephen Blystone" userId="95d8353bd2503b6a" providerId="LiveId" clId="{D2F09E60-B706-419D-B4CC-055B837C5A3C}" dt="2018-04-25T01:08:28.511" v="6916" actId="20577"/>
+        <pc:sldMkLst>
+          <pc:docMk/>
+          <pc:sldMk cId="2325206284" sldId="285"/>
+        </pc:sldMkLst>
+        <pc:spChg chg="mod">
+          <ac:chgData name="Stephen Blystone" userId="95d8353bd2503b6a" providerId="LiveId" clId="{D2F09E60-B706-419D-B4CC-055B837C5A3C}" dt="2018-04-25T00:14:39.890" v="3170" actId="20577"/>
+          <ac:spMkLst>
+            <pc:docMk/>
+            <pc:sldMk cId="2325206284" sldId="285"/>
+            <ac:spMk id="2" creationId="{AE531BFF-0F40-468A-9471-7D0906DFB281}"/>
+          </ac:spMkLst>
+        </pc:spChg>
+        <pc:spChg chg="mod">
+          <ac:chgData name="Stephen Blystone" userId="95d8353bd2503b6a" providerId="LiveId" clId="{D2F09E60-B706-419D-B4CC-055B837C5A3C}" dt="2018-04-25T01:08:28.511" v="6916" actId="20577"/>
+          <ac:spMkLst>
+            <pc:docMk/>
+            <pc:sldMk cId="2325206284" sldId="285"/>
+            <ac:spMk id="3" creationId="{94C2B3D4-BDF5-424C-AD4D-775F24F1B9CB}"/>
+          </ac:spMkLst>
+        </pc:spChg>
+      </pc:sldChg>
+      <pc:sldChg chg="modSp add">
+        <pc:chgData name="Stephen Blystone" userId="95d8353bd2503b6a" providerId="LiveId" clId="{D2F09E60-B706-419D-B4CC-055B837C5A3C}" dt="2018-04-25T01:28:35.731" v="7291" actId="20577"/>
+        <pc:sldMkLst>
+          <pc:docMk/>
+          <pc:sldMk cId="1135350427" sldId="286"/>
+        </pc:sldMkLst>
+        <pc:spChg chg="mod">
+          <ac:chgData name="Stephen Blystone" userId="95d8353bd2503b6a" providerId="LiveId" clId="{D2F09E60-B706-419D-B4CC-055B837C5A3C}" dt="2018-04-25T00:31:50.361" v="4963" actId="14100"/>
+          <ac:spMkLst>
+            <pc:docMk/>
+            <pc:sldMk cId="1135350427" sldId="286"/>
+            <ac:spMk id="2" creationId="{98C30F62-B52B-4CF1-99FB-0B6539DBFF25}"/>
+          </ac:spMkLst>
+        </pc:spChg>
+        <pc:spChg chg="mod">
+          <ac:chgData name="Stephen Blystone" userId="95d8353bd2503b6a" providerId="LiveId" clId="{D2F09E60-B706-419D-B4CC-055B837C5A3C}" dt="2018-04-25T01:28:35.731" v="7291" actId="20577"/>
+          <ac:spMkLst>
+            <pc:docMk/>
+            <pc:sldMk cId="1135350427" sldId="286"/>
+            <ac:spMk id="3" creationId="{4A53FA8D-4EB6-4BD1-967A-4374FB4CAC08}"/>
+          </ac:spMkLst>
+        </pc:spChg>
+      </pc:sldChg>
+      <pc:sldChg chg="addSp delSp modSp add">
+        <pc:chgData name="Stephen Blystone" userId="95d8353bd2503b6a" providerId="LiveId" clId="{D2F09E60-B706-419D-B4CC-055B837C5A3C}" dt="2018-04-25T00:59:54.589" v="6821" actId="403"/>
+        <pc:sldMkLst>
+          <pc:docMk/>
+          <pc:sldMk cId="3211469023" sldId="287"/>
+        </pc:sldMkLst>
+        <pc:spChg chg="del">
+          <ac:chgData name="Stephen Blystone" userId="95d8353bd2503b6a" providerId="LiveId" clId="{D2F09E60-B706-419D-B4CC-055B837C5A3C}" dt="2018-04-25T00:59:10.197" v="6797" actId="403"/>
+          <ac:spMkLst>
+            <pc:docMk/>
+            <pc:sldMk cId="3211469023" sldId="287"/>
+            <ac:spMk id="2" creationId="{141C3B6E-F9FC-4648-9454-E61BF239D149}"/>
+          </ac:spMkLst>
+        </pc:spChg>
+        <pc:spChg chg="del">
+          <ac:chgData name="Stephen Blystone" userId="95d8353bd2503b6a" providerId="LiveId" clId="{D2F09E60-B706-419D-B4CC-055B837C5A3C}" dt="2018-04-25T00:59:10.197" v="6797" actId="403"/>
+          <ac:spMkLst>
+            <pc:docMk/>
+            <pc:sldMk cId="3211469023" sldId="287"/>
+            <ac:spMk id="3" creationId="{FA2D190C-FB3E-4EA9-A600-DB3E254CCD76}"/>
+          </ac:spMkLst>
+        </pc:spChg>
+        <pc:spChg chg="del">
+          <ac:chgData name="Stephen Blystone" userId="95d8353bd2503b6a" providerId="LiveId" clId="{D2F09E60-B706-419D-B4CC-055B837C5A3C}" dt="2018-04-25T00:59:10.197" v="6797" actId="403"/>
+          <ac:spMkLst>
+            <pc:docMk/>
+            <pc:sldMk cId="3211469023" sldId="287"/>
+            <ac:spMk id="4" creationId="{CB11B0C0-ED7F-4E35-9EF4-C6D5311DFADB}"/>
+          </ac:spMkLst>
+        </pc:spChg>
+        <pc:spChg chg="add mod">
+          <ac:chgData name="Stephen Blystone" userId="95d8353bd2503b6a" providerId="LiveId" clId="{D2F09E60-B706-419D-B4CC-055B837C5A3C}" dt="2018-04-25T00:59:54.589" v="6821" actId="403"/>
+          <ac:spMkLst>
+            <pc:docMk/>
+            <pc:sldMk cId="3211469023" sldId="287"/>
+            <ac:spMk id="5" creationId="{46F9B8E7-C6E1-4318-9A91-6155ECB2D12E}"/>
+          </ac:spMkLst>
+        </pc:spChg>
+        <pc:picChg chg="add mod">
+          <ac:chgData name="Stephen Blystone" userId="95d8353bd2503b6a" providerId="LiveId" clId="{D2F09E60-B706-419D-B4CC-055B837C5A3C}" dt="2018-04-25T00:59:43.978" v="6818" actId="1076"/>
+          <ac:picMkLst>
+            <pc:docMk/>
+            <pc:sldMk cId="3211469023" sldId="287"/>
+            <ac:picMk id="6" creationId="{FB9E86AA-DF91-4BB4-98C0-03B642493590}"/>
+          </ac:picMkLst>
+        </pc:picChg>
+      </pc:sldChg>
+      <pc:sldChg chg="addSp modSp add">
+        <pc:chgData name="Stephen Blystone" userId="95d8353bd2503b6a" providerId="LiveId" clId="{D2F09E60-B706-419D-B4CC-055B837C5A3C}" dt="2018-04-25T16:06:53.692" v="8431" actId="14100"/>
+        <pc:sldMkLst>
+          <pc:docMk/>
+          <pc:sldMk cId="3525173773" sldId="288"/>
+        </pc:sldMkLst>
+        <pc:spChg chg="add mod">
+          <ac:chgData name="Stephen Blystone" userId="95d8353bd2503b6a" providerId="LiveId" clId="{D2F09E60-B706-419D-B4CC-055B837C5A3C}" dt="2018-04-25T16:06:53.692" v="8431" actId="14100"/>
+          <ac:spMkLst>
+            <pc:docMk/>
+            <pc:sldMk cId="3525173773" sldId="288"/>
+            <ac:spMk id="2" creationId="{79D005DD-892E-4ED9-8318-B84968A2E38D}"/>
+          </ac:spMkLst>
+        </pc:spChg>
+        <pc:spChg chg="add mod">
+          <ac:chgData name="Stephen Blystone" userId="95d8353bd2503b6a" providerId="LiveId" clId="{D2F09E60-B706-419D-B4CC-055B837C5A3C}" dt="2018-04-25T16:06:46.477" v="8430" actId="14"/>
+          <ac:spMkLst>
+            <pc:docMk/>
+            <pc:sldMk cId="3525173773" sldId="288"/>
+            <ac:spMk id="3" creationId="{6C600F4C-FD76-47FF-B64B-C6938F97E1FA}"/>
+          </ac:spMkLst>
+        </pc:spChg>
+      </pc:sldChg>
+    </pc:docChg>
+  </pc:docChgLst>
+</pc:chgInfo>
 </file>
 
 <file path=ppt/slideLayouts/slideLayout1.xml><?xml version="1.0" encoding="utf-8"?>
@@ -847,7 +2242,7 @@
           <a:p>
             <a:fld id="{48A87A34-81AB-432B-8DAE-1953F412C126}" type="datetimeFigureOut">
               <a:rPr lang="en-US" smtClean="0"/>
-              <a:t>4/23/2018</a:t>
+              <a:t>4/24/2018</a:t>
             </a:fld>
             <a:endParaRPr lang="en-US" dirty="0"/>
           </a:p>
@@ -1098,7 +2493,7 @@
           <a:p>
             <a:fld id="{48A87A34-81AB-432B-8DAE-1953F412C126}" type="datetimeFigureOut">
               <a:rPr lang="en-US" smtClean="0"/>
-              <a:t>4/23/2018</a:t>
+              <a:t>4/24/2018</a:t>
             </a:fld>
             <a:endParaRPr lang="en-US" dirty="0"/>
           </a:p>
@@ -1412,7 +2807,7 @@
           <a:p>
             <a:fld id="{48A87A34-81AB-432B-8DAE-1953F412C126}" type="datetimeFigureOut">
               <a:rPr lang="en-US" smtClean="0"/>
-              <a:t>4/23/2018</a:t>
+              <a:t>4/24/2018</a:t>
             </a:fld>
             <a:endParaRPr lang="en-US" dirty="0"/>
           </a:p>
@@ -1753,7 +3148,7 @@
           <a:p>
             <a:fld id="{48A87A34-81AB-432B-8DAE-1953F412C126}" type="datetimeFigureOut">
               <a:rPr lang="en-US" smtClean="0"/>
-              <a:t>4/23/2018</a:t>
+              <a:t>4/24/2018</a:t>
             </a:fld>
             <a:endParaRPr lang="en-US" dirty="0"/>
           </a:p>
@@ -2068,7 +3463,7 @@
             <a:fld id="{48A87A34-81AB-432B-8DAE-1953F412C126}" type="datetimeFigureOut">
               <a:rPr lang="en-US" smtClean="0"/>
               <a:pPr/>
-              <a:t>4/23/2018</a:t>
+              <a:t>4/24/2018</a:t>
             </a:fld>
             <a:endParaRPr lang="en-US" dirty="0"/>
           </a:p>
@@ -2463,7 +3858,7 @@
             <a:fld id="{48A87A34-81AB-432B-8DAE-1953F412C126}" type="datetimeFigureOut">
               <a:rPr lang="en-US" smtClean="0"/>
               <a:pPr/>
-              <a:t>4/23/2018</a:t>
+              <a:t>4/24/2018</a:t>
             </a:fld>
             <a:endParaRPr lang="en-US" dirty="0"/>
           </a:p>
@@ -2634,7 +4029,7 @@
           <a:p>
             <a:fld id="{48A87A34-81AB-432B-8DAE-1953F412C126}" type="datetimeFigureOut">
               <a:rPr lang="en-US" smtClean="0"/>
-              <a:t>4/23/2018</a:t>
+              <a:t>4/24/2018</a:t>
             </a:fld>
             <a:endParaRPr lang="en-US" dirty="0"/>
           </a:p>
@@ -2814,7 +4209,7 @@
           <a:p>
             <a:fld id="{48A87A34-81AB-432B-8DAE-1953F412C126}" type="datetimeFigureOut">
               <a:rPr lang="en-US" smtClean="0"/>
-              <a:t>4/23/2018</a:t>
+              <a:t>4/24/2018</a:t>
             </a:fld>
             <a:endParaRPr lang="en-US" dirty="0"/>
           </a:p>
@@ -2990,7 +4385,7 @@
           <a:p>
             <a:fld id="{48A87A34-81AB-432B-8DAE-1953F412C126}" type="datetimeFigureOut">
               <a:rPr lang="en-US" smtClean="0"/>
-              <a:t>4/23/2018</a:t>
+              <a:t>4/24/2018</a:t>
             </a:fld>
             <a:endParaRPr lang="en-US" dirty="0"/>
           </a:p>
@@ -3237,7 +4632,7 @@
           <a:p>
             <a:fld id="{48A87A34-81AB-432B-8DAE-1953F412C126}" type="datetimeFigureOut">
               <a:rPr lang="en-US" smtClean="0"/>
-              <a:t>4/23/2018</a:t>
+              <a:t>4/24/2018</a:t>
             </a:fld>
             <a:endParaRPr lang="en-US" dirty="0"/>
           </a:p>
@@ -3469,7 +4864,7 @@
           <a:p>
             <a:fld id="{48A87A34-81AB-432B-8DAE-1953F412C126}" type="datetimeFigureOut">
               <a:rPr lang="en-US" smtClean="0"/>
-              <a:t>4/23/2018</a:t>
+              <a:t>4/24/2018</a:t>
             </a:fld>
             <a:endParaRPr lang="en-US" dirty="0"/>
           </a:p>
@@ -3843,7 +5238,7 @@
           <a:p>
             <a:fld id="{48A87A34-81AB-432B-8DAE-1953F412C126}" type="datetimeFigureOut">
               <a:rPr lang="en-US" smtClean="0"/>
-              <a:t>4/23/2018</a:t>
+              <a:t>4/24/2018</a:t>
             </a:fld>
             <a:endParaRPr lang="en-US" dirty="0"/>
           </a:p>
@@ -3966,7 +5361,7 @@
           <a:p>
             <a:fld id="{48A87A34-81AB-432B-8DAE-1953F412C126}" type="datetimeFigureOut">
               <a:rPr lang="en-US" smtClean="0"/>
-              <a:t>4/23/2018</a:t>
+              <a:t>4/24/2018</a:t>
             </a:fld>
             <a:endParaRPr lang="en-US" dirty="0"/>
           </a:p>
@@ -4061,7 +5456,7 @@
           <a:p>
             <a:fld id="{48A87A34-81AB-432B-8DAE-1953F412C126}" type="datetimeFigureOut">
               <a:rPr lang="en-US" smtClean="0"/>
-              <a:t>4/23/2018</a:t>
+              <a:t>4/24/2018</a:t>
             </a:fld>
             <a:endParaRPr lang="en-US" dirty="0"/>
           </a:p>
@@ -4316,7 +5711,7 @@
           <a:p>
             <a:fld id="{48A87A34-81AB-432B-8DAE-1953F412C126}" type="datetimeFigureOut">
               <a:rPr lang="en-US" smtClean="0"/>
-              <a:t>4/23/2018</a:t>
+              <a:t>4/24/2018</a:t>
             </a:fld>
             <a:endParaRPr lang="en-US" dirty="0"/>
           </a:p>
@@ -4579,7 +5974,7 @@
           <a:p>
             <a:fld id="{48A87A34-81AB-432B-8DAE-1953F412C126}" type="datetimeFigureOut">
               <a:rPr lang="en-US" smtClean="0"/>
-              <a:t>4/23/2018</a:t>
+              <a:t>4/24/2018</a:t>
             </a:fld>
             <a:endParaRPr lang="en-US" dirty="0"/>
           </a:p>
@@ -5326,7 +6721,7 @@
             <a:fld id="{48A87A34-81AB-432B-8DAE-1953F412C126}" type="datetimeFigureOut">
               <a:rPr lang="en-US" smtClean="0"/>
               <a:pPr/>
-              <a:t>4/23/2018</a:t>
+              <a:t>4/24/2018</a:t>
             </a:fld>
             <a:endParaRPr lang="en-US" dirty="0"/>
           </a:p>
@@ -5853,37 +7248,110 @@
       </p:grpSpPr>
       <p:sp>
         <p:nvSpPr>
-          <p:cNvPr id="2" name="Title 1">
+          <p:cNvPr id="6" name="Title 1">
             <a:extLst>
               <a:ext uri="{FF2B5EF4-FFF2-40B4-BE49-F238E27FC236}">
-                <a16:creationId xmlns:a16="http://schemas.microsoft.com/office/drawing/2014/main" id="{71A1A27A-7448-4A41-BDA6-FBF2BA84EFBE}"/>
+                <a16:creationId xmlns:a16="http://schemas.microsoft.com/office/drawing/2014/main" id="{726C322B-8DD0-4735-9A78-B5851CDEC7D5}"/>
               </a:ext>
             </a:extLst>
           </p:cNvPr>
-          <p:cNvSpPr>
-            <a:spLocks noGrp="1"/>
+          <p:cNvSpPr txBox="1">
+            <a:spLocks/>
           </p:cNvSpPr>
-          <p:nvPr>
-            <p:ph type="ctrTitle"/>
-          </p:nvPr>
-        </p:nvSpPr>
-        <p:spPr/>
-        <p:txBody>
-          <a:bodyPr>
-            <a:normAutofit fontScale="90000"/>
+          <p:nvPr/>
+        </p:nvSpPr>
+        <p:spPr>
+          <a:xfrm>
+            <a:off x="509798" y="105196"/>
+            <a:ext cx="8764205" cy="3026422"/>
+          </a:xfrm>
+          <a:prstGeom prst="rect">
+            <a:avLst/>
+          </a:prstGeom>
+        </p:spPr>
+        <p:txBody>
+          <a:bodyPr vert="horz" lIns="91440" tIns="45720" rIns="91440" bIns="45720" rtlCol="0" anchor="b">
+            <a:normAutofit fontScale="90000" lnSpcReduction="10000"/>
           </a:bodyPr>
-          <a:lstStyle/>
-          <a:p>
-            <a:r>
-              <a:rPr lang="en-US" dirty="0">
-                <a:effectLst/>
-              </a:rPr>
-              <a:t>Machine Learning Approach for Real Time Intrusion Detection using ONOS</a:t>
+          <a:lstStyle>
+            <a:lvl1pPr algn="r" defTabSz="457200" rtl="0" eaLnBrk="1" latinLnBrk="0" hangingPunct="1">
+              <a:spcBef>
+                <a:spcPct val="0"/>
+              </a:spcBef>
+              <a:buNone/>
+              <a:defRPr sz="5400" kern="1200">
+                <a:solidFill>
+                  <a:schemeClr val="accent1"/>
+                </a:solidFill>
+                <a:latin typeface="+mj-lt"/>
+                <a:ea typeface="+mj-ea"/>
+                <a:cs typeface="+mj-cs"/>
+              </a:defRPr>
+            </a:lvl1pPr>
+            <a:lvl2pPr eaLnBrk="1" hangingPunct="1">
+              <a:defRPr>
+                <a:solidFill>
+                  <a:schemeClr val="tx2"/>
+                </a:solidFill>
+              </a:defRPr>
+            </a:lvl2pPr>
+            <a:lvl3pPr eaLnBrk="1" hangingPunct="1">
+              <a:defRPr>
+                <a:solidFill>
+                  <a:schemeClr val="tx2"/>
+                </a:solidFill>
+              </a:defRPr>
+            </a:lvl3pPr>
+            <a:lvl4pPr eaLnBrk="1" hangingPunct="1">
+              <a:defRPr>
+                <a:solidFill>
+                  <a:schemeClr val="tx2"/>
+                </a:solidFill>
+              </a:defRPr>
+            </a:lvl4pPr>
+            <a:lvl5pPr eaLnBrk="1" hangingPunct="1">
+              <a:defRPr>
+                <a:solidFill>
+                  <a:schemeClr val="tx2"/>
+                </a:solidFill>
+              </a:defRPr>
+            </a:lvl5pPr>
+            <a:lvl6pPr eaLnBrk="1" hangingPunct="1">
+              <a:defRPr>
+                <a:solidFill>
+                  <a:schemeClr val="tx2"/>
+                </a:solidFill>
+              </a:defRPr>
+            </a:lvl6pPr>
+            <a:lvl7pPr eaLnBrk="1" hangingPunct="1">
+              <a:defRPr>
+                <a:solidFill>
+                  <a:schemeClr val="tx2"/>
+                </a:solidFill>
+              </a:defRPr>
+            </a:lvl7pPr>
+            <a:lvl8pPr eaLnBrk="1" hangingPunct="1">
+              <a:defRPr>
+                <a:solidFill>
+                  <a:schemeClr val="tx2"/>
+                </a:solidFill>
+              </a:defRPr>
+            </a:lvl8pPr>
+            <a:lvl9pPr eaLnBrk="1" hangingPunct="1">
+              <a:defRPr>
+                <a:solidFill>
+                  <a:schemeClr val="tx2"/>
+                </a:solidFill>
+              </a:defRPr>
+            </a:lvl9pPr>
+          </a:lstStyle>
+          <a:p>
+            <a:r>
+              <a:rPr lang="en-US" dirty="0"/>
+              <a:t>Machine Learning Approach for an Anomaly Intrusion Detection System using ONOS</a:t>
             </a:r>
             <a:br>
-              <a:rPr lang="en-US" dirty="0">
-                <a:effectLst/>
-              </a:rPr>
+              <a:rPr lang="en-US" dirty="0"/>
             </a:br>
             <a:endParaRPr lang="en-US" dirty="0"/>
           </a:p>
@@ -5891,10 +7359,10 @@
       </p:sp>
       <p:sp>
         <p:nvSpPr>
-          <p:cNvPr id="3" name="Subtitle 2">
+          <p:cNvPr id="12" name="Subtitle 2">
             <a:extLst>
               <a:ext uri="{FF2B5EF4-FFF2-40B4-BE49-F238E27FC236}">
-                <a16:creationId xmlns:a16="http://schemas.microsoft.com/office/drawing/2014/main" id="{B0B04D71-074A-4CE2-BF50-0CC48476EF3D}"/>
+                <a16:creationId xmlns:a16="http://schemas.microsoft.com/office/drawing/2014/main" id="{1C30197C-ADC6-400E-85E5-BD2B4CA52879}"/>
               </a:ext>
             </a:extLst>
           </p:cNvPr>
@@ -5907,8 +7375,8 @@
         </p:nvSpPr>
         <p:spPr>
           <a:xfrm>
-            <a:off x="1507067" y="3429000"/>
-            <a:ext cx="7766936" cy="2126225"/>
+            <a:off x="1100517" y="2427612"/>
+            <a:ext cx="8173486" cy="4086478"/>
           </a:xfrm>
         </p:spPr>
         <p:txBody>
@@ -5918,62 +7386,65 @@
           <a:lstStyle/>
           <a:p>
             <a:r>
-              <a:rPr lang="en-US" b="1" u="sng" dirty="0">
-                <a:effectLst/>
-              </a:rPr>
+              <a:rPr lang="en-US" i="1" dirty="0"/>
+              <a:t>University of Texas at Dallas</a:t>
+            </a:r>
+          </a:p>
+          <a:p>
+            <a:r>
+              <a:rPr lang="en-US" i="1" dirty="0"/>
+              <a:t>CS 6301-503: Software Defined Networks (Spring 2018)</a:t>
+            </a:r>
+          </a:p>
+          <a:p>
+            <a:r>
+              <a:rPr lang="en-US" i="1" dirty="0"/>
+              <a:t>Professor Tim Culver</a:t>
+            </a:r>
+          </a:p>
+          <a:p>
+            <a:endParaRPr lang="en-US" sz="100" b="1" u="sng" dirty="0"/>
+          </a:p>
+          <a:p>
+            <a:r>
+              <a:rPr lang="en-US" b="1" u="sng" dirty="0"/>
               <a:t>Project Team</a:t>
             </a:r>
-            <a:endParaRPr lang="en-US" dirty="0">
-              <a:effectLst/>
-            </a:endParaRPr>
-          </a:p>
-          <a:p>
-            <a:r>
-              <a:rPr lang="en-US" dirty="0">
-                <a:effectLst/>
-              </a:rPr>
-              <a:t>Stephen </a:t>
-            </a:r>
-            <a:r>
-              <a:rPr lang="en-US" dirty="0" err="1">
-                <a:effectLst/>
-              </a:rPr>
-              <a:t>Blystone</a:t>
-            </a:r>
-            <a:r>
-              <a:rPr lang="en-US" dirty="0">
-                <a:effectLst/>
-              </a:rPr>
-              <a:t> (smb032100)</a:t>
-            </a:r>
-          </a:p>
-          <a:p>
-            <a:r>
-              <a:rPr lang="en-US" dirty="0">
-                <a:effectLst/>
-              </a:rPr>
-              <a:t>Taniya Riar (txr170430)</a:t>
-            </a:r>
-          </a:p>
-          <a:p>
-            <a:r>
-              <a:rPr lang="en-US" dirty="0">
-                <a:effectLst/>
-              </a:rPr>
+            <a:endParaRPr lang="en-US" dirty="0"/>
+          </a:p>
+          <a:p>
+            <a:r>
+              <a:rPr lang="en-US" dirty="0"/>
+              <a:t>Stephen Blystone (smb032100)</a:t>
+            </a:r>
+          </a:p>
+          <a:p>
+            <a:r>
+              <a:rPr lang="en-US" dirty="0"/>
+              <a:t>Taniya </a:t>
+            </a:r>
+            <a:r>
+              <a:rPr lang="en-US" dirty="0" err="1"/>
+              <a:t>Riar</a:t>
+            </a:r>
+            <a:r>
+              <a:rPr lang="en-US" dirty="0"/>
+              <a:t> (txr170430)</a:t>
+            </a:r>
+          </a:p>
+          <a:p>
+            <a:r>
+              <a:rPr lang="en-US" dirty="0"/>
               <a:t>Juhi Bhandari (jxb161830)</a:t>
             </a:r>
           </a:p>
           <a:p>
             <a:r>
-              <a:rPr lang="en-US" dirty="0" err="1">
-                <a:effectLst/>
-              </a:rPr>
+              <a:rPr lang="en-US" dirty="0" err="1"/>
               <a:t>Ishwank</a:t>
             </a:r>
             <a:r>
-              <a:rPr lang="en-US" dirty="0">
-                <a:effectLst/>
-              </a:rPr>
+              <a:rPr lang="en-US" dirty="0"/>
               <a:t> Singh (ixs170930)</a:t>
             </a:r>
           </a:p>
@@ -6017,7 +7488,7 @@
           <p:cNvPr id="2" name="Title 1">
             <a:extLst>
               <a:ext uri="{FF2B5EF4-FFF2-40B4-BE49-F238E27FC236}">
-                <a16:creationId xmlns:a16="http://schemas.microsoft.com/office/drawing/2014/main" id="{579723EF-5ADB-49D1-B861-870FE8FECD3A}"/>
+                <a16:creationId xmlns:a16="http://schemas.microsoft.com/office/drawing/2014/main" id="{7581AEB4-8A1C-4001-97DA-A9E1B87D3E24}"/>
               </a:ext>
             </a:extLst>
           </p:cNvPr>
@@ -6028,30 +7499,29 @@
             <p:ph type="title"/>
           </p:nvPr>
         </p:nvSpPr>
-        <p:spPr/>
-        <p:txBody>
-          <a:bodyPr>
-            <a:normAutofit fontScale="90000"/>
-          </a:bodyPr>
+        <p:spPr>
+          <a:xfrm>
+            <a:off x="677334" y="609600"/>
+            <a:ext cx="8596668" cy="660400"/>
+          </a:xfrm>
+        </p:spPr>
+        <p:txBody>
+          <a:bodyPr/>
           <a:lstStyle/>
           <a:p>
             <a:r>
               <a:rPr lang="en-US" dirty="0"/>
-              <a:t>Machine learning approach to Intrusion Detection</a:t>
-            </a:r>
-            <a:br>
-              <a:rPr lang="en-US" b="1" dirty="0"/>
-            </a:br>
-            <a:endParaRPr lang="en-US" dirty="0"/>
-          </a:p>
-        </p:txBody>
-      </p:sp>
-      <p:sp>
-        <p:nvSpPr>
-          <p:cNvPr id="5" name="Content Placeholder 4">
+              <a:t>Feature Engineering</a:t>
+            </a:r>
+          </a:p>
+        </p:txBody>
+      </p:sp>
+      <p:sp>
+        <p:nvSpPr>
+          <p:cNvPr id="3" name="Content Placeholder 2">
             <a:extLst>
               <a:ext uri="{FF2B5EF4-FFF2-40B4-BE49-F238E27FC236}">
-                <a16:creationId xmlns:a16="http://schemas.microsoft.com/office/drawing/2014/main" id="{765589AA-619F-4A91-814C-91472F3ADCA6}"/>
+                <a16:creationId xmlns:a16="http://schemas.microsoft.com/office/drawing/2014/main" id="{BFA53BDD-522F-4E0C-AFC2-07F5B73DFAF9}"/>
               </a:ext>
             </a:extLst>
           </p:cNvPr>
@@ -6062,60 +7532,151 @@
             <p:ph idx="1"/>
           </p:nvPr>
         </p:nvSpPr>
-        <p:spPr/>
-        <p:txBody>
-          <a:bodyPr/>
+        <p:spPr>
+          <a:xfrm>
+            <a:off x="677334" y="1270000"/>
+            <a:ext cx="5171205" cy="5588000"/>
+          </a:xfrm>
+        </p:spPr>
+        <p:txBody>
+          <a:bodyPr>
+            <a:normAutofit/>
+          </a:bodyPr>
           <a:lstStyle/>
           <a:p>
-            <a:pPr marL="0" indent="0">
+            <a:r>
+              <a:rPr lang="en-US" dirty="0"/>
+              <a:t>Apache Spark captures data in intervals lasting </a:t>
+            </a:r>
+            <a:r>
+              <a:rPr lang="en-US" b="1" i="1" dirty="0">
+                <a:solidFill>
+                  <a:srgbClr val="FF0000"/>
+                </a:solidFill>
+              </a:rPr>
+              <a:t>X</a:t>
+            </a:r>
+            <a:r>
+              <a:rPr lang="en-US" dirty="0"/>
+              <a:t> seconds.  We chose </a:t>
+            </a:r>
+            <a:r>
+              <a:rPr lang="en-US" b="1" i="1" dirty="0">
+                <a:solidFill>
+                  <a:srgbClr val="FF0000"/>
+                </a:solidFill>
+              </a:rPr>
+              <a:t>X</a:t>
+            </a:r>
+            <a:r>
+              <a:rPr lang="en-US" dirty="0"/>
+              <a:t> = 60 seconds.</a:t>
+            </a:r>
+          </a:p>
+          <a:p>
+            <a:pPr lvl="1"/>
+            <a:r>
+              <a:rPr lang="en-US" dirty="0"/>
+              <a:t>From 0 to 60 seconds Spark collects the NetFlow data received during that interval.</a:t>
+            </a:r>
+          </a:p>
+          <a:p>
+            <a:pPr lvl="1"/>
+            <a:r>
+              <a:rPr lang="en-US" dirty="0"/>
+              <a:t>After that interval is finished:</a:t>
+            </a:r>
+          </a:p>
+          <a:p>
+            <a:pPr lvl="2"/>
+            <a:r>
+              <a:rPr lang="en-US" dirty="0"/>
+              <a:t>It begins the next interval (60 to 120 seconds).</a:t>
+            </a:r>
+          </a:p>
+          <a:p>
+            <a:pPr lvl="2"/>
+            <a:r>
+              <a:rPr lang="en-US" dirty="0"/>
+              <a:t>And it passes the data collected to our Spark application for feature engineering and processing. </a:t>
+            </a:r>
+          </a:p>
+          <a:p>
+            <a:endParaRPr lang="en-US" dirty="0"/>
+          </a:p>
+          <a:p>
+            <a:pPr lvl="0"/>
+            <a:r>
+              <a:rPr lang="en-US" dirty="0"/>
+              <a:t>For each interval we engineered the following features from the NetFlow data:</a:t>
+            </a:r>
+          </a:p>
+          <a:p>
+            <a:pPr lvl="1"/>
+            <a:r>
+              <a:rPr lang="en-US" dirty="0"/>
+              <a:t>Sum of Bytes sent</a:t>
+            </a:r>
+          </a:p>
+          <a:p>
+            <a:pPr lvl="1"/>
+            <a:r>
+              <a:rPr lang="en-US" dirty="0"/>
+              <a:t>Number of unique destination IP addresses</a:t>
+            </a:r>
+          </a:p>
+          <a:p>
+            <a:pPr lvl="1"/>
+            <a:r>
+              <a:rPr lang="en-US" dirty="0"/>
+              <a:t>Number of unique destination Ports</a:t>
+            </a:r>
+          </a:p>
+          <a:p>
+            <a:pPr marL="0" lvl="0" indent="0">
               <a:buNone/>
             </a:pPr>
-            <a:r>
-              <a:rPr lang="en-US" dirty="0"/>
-              <a:t>There are mainly two intrusion detection methods:</a:t>
-            </a:r>
-          </a:p>
-          <a:p>
-            <a:pPr lvl="1"/>
-            <a:r>
-              <a:rPr lang="en-US" u="sng" dirty="0"/>
-              <a:t>Misuse Detection</a:t>
-            </a:r>
-            <a:r>
-              <a:rPr lang="en-US" dirty="0"/>
-              <a:t>: identifies intrusions based on known patterns for the malicious activity, known patterns are referred to as signatures that represents specific threat. But has limitation to detect new threats whose signatures are not yet identified.</a:t>
-            </a:r>
-          </a:p>
-          <a:p>
-            <a:pPr lvl="1"/>
-            <a:r>
-              <a:rPr lang="en-US" u="sng" dirty="0"/>
-              <a:t>Anomaly Detection</a:t>
-            </a:r>
-            <a:r>
-              <a:rPr lang="en-US" dirty="0"/>
-              <a:t>: identifies intrusions based on deviations from established normal behavior. Anomaly detection builds models of normal network events and detects the events that deviate from these models. This method can detect new types of attack events because it only relies on known normal events but has high false positive rate.</a:t>
-            </a:r>
-          </a:p>
-          <a:p>
-            <a:pPr marL="0" indent="0">
-              <a:buNone/>
-            </a:pPr>
-            <a:r>
-              <a:rPr lang="en-US" b="1" u="sng" dirty="0"/>
-              <a:t>FOCUS</a:t>
-            </a:r>
-            <a:r>
-              <a:rPr lang="en-US" dirty="0"/>
-              <a:t>…. on anomaly detection and apply machine learning approaches to automatically investigate attacks without human intervention, resist attacks or circumvent them.</a:t>
-            </a:r>
-          </a:p>
-        </p:txBody>
-      </p:sp>
+            <a:endParaRPr lang="en-US" dirty="0"/>
+          </a:p>
+          <a:p>
+            <a:endParaRPr lang="en-US" dirty="0"/>
+          </a:p>
+        </p:txBody>
+      </p:sp>
+      <p:pic>
+        <p:nvPicPr>
+          <p:cNvPr id="5" name="Picture 4">
+            <a:extLst>
+              <a:ext uri="{FF2B5EF4-FFF2-40B4-BE49-F238E27FC236}">
+                <a16:creationId xmlns:a16="http://schemas.microsoft.com/office/drawing/2014/main" id="{E9338AB3-A3E1-4EC7-B5F2-801E620C1B30}"/>
+              </a:ext>
+            </a:extLst>
+          </p:cNvPr>
+          <p:cNvPicPr>
+            <a:picLocks noChangeAspect="1"/>
+          </p:cNvPicPr>
+          <p:nvPr/>
+        </p:nvPicPr>
+        <p:blipFill>
+          <a:blip r:embed="rId2"/>
+          <a:stretch>
+            <a:fillRect/>
+          </a:stretch>
+        </p:blipFill>
+        <p:spPr>
+          <a:xfrm>
+            <a:off x="5937785" y="2358231"/>
+            <a:ext cx="3807177" cy="2141537"/>
+          </a:xfrm>
+          <a:prstGeom prst="rect">
+            <a:avLst/>
+          </a:prstGeom>
+        </p:spPr>
+      </p:pic>
     </p:spTree>
     <p:extLst>
       <p:ext uri="{BB962C8B-B14F-4D97-AF65-F5344CB8AC3E}">
-        <p14:creationId xmlns:p14="http://schemas.microsoft.com/office/powerpoint/2010/main" val="3684073291"/>
+        <p14:creationId xmlns:p14="http://schemas.microsoft.com/office/powerpoint/2010/main" val="310479511"/>
       </p:ext>
     </p:extLst>
   </p:cSld>
@@ -6147,7 +7708,7 @@
           <p:cNvPr id="2" name="Title 1">
             <a:extLst>
               <a:ext uri="{FF2B5EF4-FFF2-40B4-BE49-F238E27FC236}">
-                <a16:creationId xmlns:a16="http://schemas.microsoft.com/office/drawing/2014/main" id="{7581AEB4-8A1C-4001-97DA-A9E1B87D3E24}"/>
+                <a16:creationId xmlns:a16="http://schemas.microsoft.com/office/drawing/2014/main" id="{9B94E2EA-AA78-476E-B5A2-A1B858BC13F6}"/>
               </a:ext>
             </a:extLst>
           </p:cNvPr>
@@ -6165,7 +7726,7 @@
           <a:p>
             <a:r>
               <a:rPr lang="en-US" dirty="0"/>
-              <a:t>Feature Engineering</a:t>
+              <a:t>Capturing Data for Training</a:t>
             </a:r>
           </a:p>
         </p:txBody>
@@ -6175,7 +7736,7 @@
           <p:cNvPr id="3" name="Content Placeholder 2">
             <a:extLst>
               <a:ext uri="{FF2B5EF4-FFF2-40B4-BE49-F238E27FC236}">
-                <a16:creationId xmlns:a16="http://schemas.microsoft.com/office/drawing/2014/main" id="{BFA53BDD-522F-4E0C-AFC2-07F5B73DFAF9}"/>
+                <a16:creationId xmlns:a16="http://schemas.microsoft.com/office/drawing/2014/main" id="{4C0B779E-CB08-4483-B0EF-E536101C60A4}"/>
               </a:ext>
             </a:extLst>
           </p:cNvPr>
@@ -6188,118 +7749,55 @@
         </p:nvSpPr>
         <p:spPr>
           <a:xfrm>
-            <a:off x="677334" y="1777131"/>
-            <a:ext cx="4405943" cy="4471269"/>
+            <a:off x="677334" y="1488613"/>
+            <a:ext cx="8596668" cy="3880773"/>
           </a:xfrm>
         </p:spPr>
         <p:txBody>
-          <a:bodyPr>
-            <a:normAutofit/>
-          </a:bodyPr>
+          <a:bodyPr/>
           <a:lstStyle/>
           <a:p>
-            <a:pPr marL="0" indent="0">
-              <a:buNone/>
-            </a:pPr>
-            <a:r>
-              <a:rPr lang="en-US" dirty="0"/>
-              <a:t>Following statistics are calculated for the recorded data to ensure that the machine learning algorithm learns the parameters appropriately:</a:t>
-            </a:r>
-          </a:p>
-          <a:p>
-            <a:pPr lvl="0"/>
-            <a:r>
-              <a:rPr lang="en-US" dirty="0"/>
-              <a:t>Sum of flow</a:t>
-            </a:r>
-          </a:p>
-          <a:p>
-            <a:pPr lvl="0"/>
-            <a:r>
-              <a:rPr lang="en-US" dirty="0"/>
-              <a:t>Sum of Bytes</a:t>
-            </a:r>
-          </a:p>
-          <a:p>
-            <a:pPr lvl="0"/>
-            <a:r>
-              <a:rPr lang="en-US" dirty="0"/>
-              <a:t>Unique destination IP</a:t>
-            </a:r>
-          </a:p>
-          <a:p>
-            <a:pPr lvl="0"/>
-            <a:r>
-              <a:rPr lang="en-US" dirty="0"/>
-              <a:t>Unique Destination Ports</a:t>
-            </a:r>
-          </a:p>
-          <a:p>
-            <a:pPr marL="0" indent="0">
-              <a:buNone/>
-            </a:pPr>
-            <a:r>
-              <a:rPr lang="en-US" dirty="0"/>
-              <a:t>Parameters allow us to identify:</a:t>
-            </a:r>
-          </a:p>
-          <a:p>
-            <a:r>
-              <a:rPr lang="en-US" dirty="0"/>
-              <a:t>any potential of an infected IP</a:t>
-            </a:r>
-          </a:p>
-          <a:p>
-            <a:r>
-              <a:rPr lang="en-US" dirty="0"/>
-              <a:t>statistics are calculated based on these parameters. </a:t>
-            </a:r>
-          </a:p>
-          <a:p>
-            <a:pPr marL="0" lvl="0" indent="0">
-              <a:buNone/>
-            </a:pPr>
+            <a:r>
+              <a:rPr lang="en-US" dirty="0"/>
+              <a:t>We captured and stored 36 hours’ worth of “Normal” network traffic data in ElasticSearch.</a:t>
+            </a:r>
+          </a:p>
+          <a:p>
             <a:endParaRPr lang="en-US" dirty="0"/>
           </a:p>
           <a:p>
-            <a:endParaRPr lang="en-US" dirty="0"/>
-          </a:p>
-        </p:txBody>
-      </p:sp>
-      <p:pic>
-        <p:nvPicPr>
-          <p:cNvPr id="5" name="Picture 4">
-            <a:extLst>
-              <a:ext uri="{FF2B5EF4-FFF2-40B4-BE49-F238E27FC236}">
-                <a16:creationId xmlns:a16="http://schemas.microsoft.com/office/drawing/2014/main" id="{E9338AB3-A3E1-4EC7-B5F2-801E620C1B30}"/>
-              </a:ext>
-            </a:extLst>
-          </p:cNvPr>
-          <p:cNvPicPr>
-            <a:picLocks noChangeAspect="1"/>
-          </p:cNvPicPr>
-          <p:nvPr/>
-        </p:nvPicPr>
-        <p:blipFill>
-          <a:blip r:embed="rId2"/>
-          <a:stretch>
-            <a:fillRect/>
-          </a:stretch>
-        </p:blipFill>
-        <p:spPr>
-          <a:xfrm>
-            <a:off x="5539432" y="2358231"/>
-            <a:ext cx="3807177" cy="2141537"/>
-          </a:xfrm>
-          <a:prstGeom prst="rect">
-            <a:avLst/>
-          </a:prstGeom>
-        </p:spPr>
-      </p:pic>
+            <a:r>
+              <a:rPr lang="en-US" dirty="0"/>
+              <a:t>The data was:</a:t>
+            </a:r>
+          </a:p>
+          <a:p>
+            <a:pPr lvl="1"/>
+            <a:r>
+              <a:rPr lang="en-US" dirty="0"/>
+              <a:t>Generated by the Python scripts in Mininet simulating “normal” network traffic.</a:t>
+            </a:r>
+          </a:p>
+          <a:p>
+            <a:pPr lvl="1"/>
+            <a:r>
+              <a:rPr lang="en-US" dirty="0"/>
+              <a:t>Engineered in Spark to get the 3 features we were capturing.</a:t>
+            </a:r>
+          </a:p>
+          <a:p>
+            <a:pPr lvl="1"/>
+            <a:r>
+              <a:rPr lang="en-US" dirty="0"/>
+              <a:t>Stored in ElasticSearch.</a:t>
+            </a:r>
+          </a:p>
+        </p:txBody>
+      </p:sp>
     </p:spTree>
     <p:extLst>
       <p:ext uri="{BB962C8B-B14F-4D97-AF65-F5344CB8AC3E}">
-        <p14:creationId xmlns:p14="http://schemas.microsoft.com/office/powerpoint/2010/main" val="310479511"/>
+        <p14:creationId xmlns:p14="http://schemas.microsoft.com/office/powerpoint/2010/main" val="473337471"/>
       </p:ext>
     </p:extLst>
   </p:cSld>
@@ -6331,7 +7829,7 @@
           <p:cNvPr id="2" name="Title 1">
             <a:extLst>
               <a:ext uri="{FF2B5EF4-FFF2-40B4-BE49-F238E27FC236}">
-                <a16:creationId xmlns:a16="http://schemas.microsoft.com/office/drawing/2014/main" id="{D95BD438-172B-4CFF-B31F-4C58712E0E46}"/>
+                <a16:creationId xmlns:a16="http://schemas.microsoft.com/office/drawing/2014/main" id="{3455FC4A-E111-46D0-9696-40EA2C5DD232}"/>
               </a:ext>
             </a:extLst>
           </p:cNvPr>
@@ -6349,7 +7847,7 @@
           <a:p>
             <a:r>
               <a:rPr lang="en-US" dirty="0"/>
-              <a:t>Statistical Analysis and Model Implementation</a:t>
+              <a:t>K-Means Machine Learning Algorithm</a:t>
             </a:r>
           </a:p>
         </p:txBody>
@@ -6359,7 +7857,7 @@
           <p:cNvPr id="3" name="Content Placeholder 2">
             <a:extLst>
               <a:ext uri="{FF2B5EF4-FFF2-40B4-BE49-F238E27FC236}">
-                <a16:creationId xmlns:a16="http://schemas.microsoft.com/office/drawing/2014/main" id="{D30EF2C0-6EAA-4DC0-B5EF-BF12DDF7BA5F}"/>
+                <a16:creationId xmlns:a16="http://schemas.microsoft.com/office/drawing/2014/main" id="{241137AA-3600-47CB-9029-25EDDD1FEC5E}"/>
               </a:ext>
             </a:extLst>
           </p:cNvPr>
@@ -6372,96 +7870,171 @@
         </p:nvSpPr>
         <p:spPr>
           <a:xfrm>
-            <a:off x="677334" y="2160589"/>
-            <a:ext cx="8596668" cy="4309037"/>
+            <a:off x="677333" y="1340528"/>
+            <a:ext cx="9025959" cy="4700835"/>
           </a:xfrm>
         </p:spPr>
         <p:txBody>
           <a:bodyPr>
-            <a:normAutofit fontScale="92500"/>
+            <a:normAutofit/>
           </a:bodyPr>
           <a:lstStyle/>
           <a:p>
-            <a:pPr marL="0" indent="0">
-              <a:buNone/>
-            </a:pPr>
-            <a:r>
-              <a:rPr lang="en-US" dirty="0"/>
-              <a:t>In statistical analysis, based on input data we calculate the following parameters:</a:t>
-            </a:r>
-          </a:p>
-          <a:p>
-            <a:pPr lvl="1"/>
-            <a:r>
-              <a:rPr lang="en-US" dirty="0"/>
-              <a:t>Mean </a:t>
-            </a:r>
-          </a:p>
-          <a:p>
-            <a:pPr lvl="1"/>
-            <a:r>
-              <a:rPr lang="en-US" dirty="0"/>
-              <a:t>Standard deviation</a:t>
-            </a:r>
-          </a:p>
-          <a:p>
-            <a:pPr lvl="1"/>
-            <a:r>
-              <a:rPr lang="en-US" dirty="0"/>
-              <a:t>Median</a:t>
-            </a:r>
-          </a:p>
-          <a:p>
-            <a:pPr lvl="1"/>
-            <a:r>
-              <a:rPr lang="en-US" dirty="0"/>
-              <a:t>Inter-quartile range</a:t>
-            </a:r>
-          </a:p>
-          <a:p>
-            <a:pPr lvl="1"/>
-            <a:r>
-              <a:rPr lang="en-US" dirty="0"/>
-              <a:t>Maximum value in the data</a:t>
-            </a:r>
-          </a:p>
-          <a:p>
-            <a:r>
-              <a:rPr lang="en-US" dirty="0"/>
-              <a:t>It must lie outside 1.5 times inter-quartile range. </a:t>
-            </a:r>
-          </a:p>
-          <a:p>
-            <a:r>
-              <a:rPr lang="en-US" dirty="0"/>
-              <a:t>When a new data arrives, the following parameters are calculated for that data and then we check if it is within the defined boundary. </a:t>
-            </a:r>
-          </a:p>
-          <a:p>
-            <a:r>
-              <a:rPr lang="en-US" dirty="0"/>
-              <a:t>If it is then we treat the data as benign else, we classify it as a possible intrusion.</a:t>
-            </a:r>
-          </a:p>
-          <a:p>
-            <a:r>
-              <a:rPr lang="en-US" dirty="0"/>
-              <a:t>n case of potential intrusion, ONOS makes a RESTFUL API call to block all traffic from that harmful IP address.</a:t>
-            </a:r>
-          </a:p>
-          <a:p>
-            <a:pPr lvl="0"/>
+            <a:r>
+              <a:rPr lang="en-US" dirty="0"/>
+              <a:t>We used the data stored in ElasticSearch to train our Machine Learning clustering algorithm.</a:t>
+            </a:r>
+          </a:p>
+          <a:p>
+            <a:r>
+              <a:rPr lang="en-US" dirty="0"/>
+              <a:t>Clustering-based algorithms group similar objects into clusters.</a:t>
+            </a:r>
+          </a:p>
+          <a:p>
+            <a:r>
+              <a:rPr lang="en-US" dirty="0"/>
+              <a:t>K-Means algorithm splits the training data into ‘K’ clusters where each observation belongs to the cluster with the closest center.</a:t>
+            </a:r>
+          </a:p>
+          <a:p>
             <a:endParaRPr lang="en-US" dirty="0"/>
           </a:p>
           <a:p>
+            <a:r>
+              <a:rPr lang="en-US" dirty="0"/>
+              <a:t>We used an elbow graph to determine the optimal number of clusters to be K = 3.</a:t>
+            </a:r>
+          </a:p>
+          <a:p>
             <a:endParaRPr lang="en-US" dirty="0"/>
           </a:p>
         </p:txBody>
       </p:sp>
+      <p:grpSp>
+        <p:nvGrpSpPr>
+          <p:cNvPr id="7" name="Group 6">
+            <a:extLst>
+              <a:ext uri="{FF2B5EF4-FFF2-40B4-BE49-F238E27FC236}">
+                <a16:creationId xmlns:a16="http://schemas.microsoft.com/office/drawing/2014/main" id="{E0055289-31FE-406D-8930-070AC19BDCB9}"/>
+              </a:ext>
+            </a:extLst>
+          </p:cNvPr>
+          <p:cNvGrpSpPr/>
+          <p:nvPr/>
+        </p:nvGrpSpPr>
+        <p:grpSpPr>
+          <a:xfrm>
+            <a:off x="3165918" y="4152916"/>
+            <a:ext cx="3619500" cy="2619375"/>
+            <a:chOff x="3165918" y="4005262"/>
+            <a:chExt cx="3619500" cy="2619375"/>
+          </a:xfrm>
+        </p:grpSpPr>
+        <p:pic>
+          <p:nvPicPr>
+            <p:cNvPr id="5" name="Picture 4">
+              <a:extLst>
+                <a:ext uri="{FF2B5EF4-FFF2-40B4-BE49-F238E27FC236}">
+                  <a16:creationId xmlns:a16="http://schemas.microsoft.com/office/drawing/2014/main" id="{540FB4CA-1058-42D8-8993-8F86630ACCB1}"/>
+                </a:ext>
+              </a:extLst>
+            </p:cNvPr>
+            <p:cNvPicPr>
+              <a:picLocks noChangeAspect="1"/>
+            </p:cNvPicPr>
+            <p:nvPr/>
+          </p:nvPicPr>
+          <p:blipFill>
+            <a:blip r:embed="rId2"/>
+            <a:stretch>
+              <a:fillRect/>
+            </a:stretch>
+          </p:blipFill>
+          <p:spPr>
+            <a:xfrm>
+              <a:off x="3165918" y="4005262"/>
+              <a:ext cx="3619500" cy="2619375"/>
+            </a:xfrm>
+            <a:prstGeom prst="rect">
+              <a:avLst/>
+            </a:prstGeom>
+            <a:ln>
+              <a:solidFill>
+                <a:schemeClr val="tx1"/>
+              </a:solidFill>
+            </a:ln>
+          </p:spPr>
+        </p:pic>
+        <p:sp>
+          <p:nvSpPr>
+            <p:cNvPr id="6" name="Oval 5">
+              <a:extLst>
+                <a:ext uri="{FF2B5EF4-FFF2-40B4-BE49-F238E27FC236}">
+                  <a16:creationId xmlns:a16="http://schemas.microsoft.com/office/drawing/2014/main" id="{2B71E784-947F-4890-A494-0F4693DF3172}"/>
+                </a:ext>
+              </a:extLst>
+            </p:cNvPr>
+            <p:cNvSpPr/>
+            <p:nvPr/>
+          </p:nvSpPr>
+          <p:spPr>
+            <a:xfrm>
+              <a:off x="4279037" y="4696286"/>
+              <a:ext cx="284086" cy="1864311"/>
+            </a:xfrm>
+            <a:prstGeom prst="ellipse">
+              <a:avLst/>
+            </a:prstGeom>
+            <a:noFill/>
+            <a:ln>
+              <a:solidFill>
+                <a:srgbClr val="FF0000"/>
+              </a:solidFill>
+            </a:ln>
+            <a:effectLst>
+              <a:outerShdw blurRad="50800" dist="38100" dir="2700000" algn="tl" rotWithShape="0">
+                <a:prstClr val="black">
+                  <a:alpha val="40000"/>
+                </a:prstClr>
+              </a:outerShdw>
+            </a:effectLst>
+          </p:spPr>
+          <p:style>
+            <a:lnRef idx="2">
+              <a:schemeClr val="accent4">
+                <a:shade val="50000"/>
+              </a:schemeClr>
+            </a:lnRef>
+            <a:fillRef idx="1">
+              <a:schemeClr val="accent4"/>
+            </a:fillRef>
+            <a:effectRef idx="0">
+              <a:schemeClr val="accent4"/>
+            </a:effectRef>
+            <a:fontRef idx="minor">
+              <a:schemeClr val="lt1"/>
+            </a:fontRef>
+          </p:style>
+          <p:txBody>
+            <a:bodyPr rot="0" spcFirstLastPara="0" vertOverflow="overflow" horzOverflow="overflow" vert="horz" wrap="square" lIns="91440" tIns="45720" rIns="91440" bIns="45720" numCol="1" spcCol="0" rtlCol="0" fromWordArt="0" anchor="ctr" anchorCtr="0" forceAA="0" compatLnSpc="1">
+              <a:prstTxWarp prst="textNoShape">
+                <a:avLst/>
+              </a:prstTxWarp>
+              <a:noAutofit/>
+            </a:bodyPr>
+            <a:lstStyle/>
+            <a:p>
+              <a:pPr algn="ctr"/>
+              <a:endParaRPr lang="en-US"/>
+            </a:p>
+          </p:txBody>
+        </p:sp>
+      </p:grpSp>
     </p:spTree>
     <p:extLst>
       <p:ext uri="{BB962C8B-B14F-4D97-AF65-F5344CB8AC3E}">
-        <p14:creationId xmlns:p14="http://schemas.microsoft.com/office/powerpoint/2010/main" val="2689058889"/>
+        <p14:creationId xmlns:p14="http://schemas.microsoft.com/office/powerpoint/2010/main" val="442040866"/>
       </p:ext>
     </p:extLst>
   </p:cSld>
@@ -6493,7 +8066,7 @@
           <p:cNvPr id="2" name="Title 1">
             <a:extLst>
               <a:ext uri="{FF2B5EF4-FFF2-40B4-BE49-F238E27FC236}">
-                <a16:creationId xmlns:a16="http://schemas.microsoft.com/office/drawing/2014/main" id="{3455FC4A-E111-46D0-9696-40EA2C5DD232}"/>
+                <a16:creationId xmlns:a16="http://schemas.microsoft.com/office/drawing/2014/main" id="{AE531BFF-0F40-468A-9471-7D0906DFB281}"/>
               </a:ext>
             </a:extLst>
           </p:cNvPr>
@@ -6511,7 +8084,7 @@
           <a:p>
             <a:r>
               <a:rPr lang="en-US" dirty="0"/>
-              <a:t>Unsupervised learning Approach</a:t>
+              <a:t>Standardizing the Data</a:t>
             </a:r>
           </a:p>
         </p:txBody>
@@ -6521,7 +8094,7 @@
           <p:cNvPr id="3" name="Content Placeholder 2">
             <a:extLst>
               <a:ext uri="{FF2B5EF4-FFF2-40B4-BE49-F238E27FC236}">
-                <a16:creationId xmlns:a16="http://schemas.microsoft.com/office/drawing/2014/main" id="{241137AA-3600-47CB-9029-25EDDD1FEC5E}"/>
+                <a16:creationId xmlns:a16="http://schemas.microsoft.com/office/drawing/2014/main" id="{94C2B3D4-BDF5-424C-AD4D-775F24F1B9CB}"/>
               </a:ext>
             </a:extLst>
           </p:cNvPr>
@@ -6532,51 +8105,86 @@
             <p:ph idx="1"/>
           </p:nvPr>
         </p:nvSpPr>
-        <p:spPr/>
-        <p:txBody>
-          <a:bodyPr/>
+        <p:spPr>
+          <a:xfrm>
+            <a:off x="677334" y="1447061"/>
+            <a:ext cx="8596668" cy="5308846"/>
+          </a:xfrm>
+        </p:spPr>
+        <p:txBody>
+          <a:bodyPr>
+            <a:normAutofit/>
+          </a:bodyPr>
           <a:lstStyle/>
           <a:p>
             <a:r>
               <a:rPr lang="en-US" dirty="0"/>
-              <a:t>Grouping the similar objects together in a cluster and grouping the dissimilar objects in a different cluster</a:t>
-            </a:r>
-          </a:p>
-          <a:p>
-            <a:r>
-              <a:rPr lang="en-US" dirty="0"/>
-              <a:t>K-Means algorithm splits the number of observation into ‘K’ clusters where every observation belongs to the cluster with the nearest mean</a:t>
-            </a:r>
-          </a:p>
-          <a:p>
-            <a:r>
-              <a:rPr lang="en-US" dirty="0"/>
-              <a:t>The performance of this algorithm largely depends on the value of K’</a:t>
-            </a:r>
-          </a:p>
-          <a:p>
-            <a:r>
-              <a:rPr lang="en-US" dirty="0"/>
-              <a:t>To efficiently choose the value of ‘K’, silhouette measure is used</a:t>
-            </a:r>
-          </a:p>
-          <a:p>
-            <a:r>
-              <a:rPr lang="en-US" dirty="0"/>
-              <a:t>Silhouette plot is used to identify the number of clusters in the algorithm</a:t>
-            </a:r>
-          </a:p>
-          <a:p>
-            <a:r>
-              <a:rPr lang="en-US" dirty="0"/>
-              <a:t>The value of ‘K’ with highest average silhouette width is chosen for the data set</a:t>
-            </a:r>
-          </a:p>
-          <a:p>
-            <a:r>
-              <a:rPr lang="en-US" dirty="0"/>
-              <a:t>In our case the silhouette value comes to be highest for K = 3, i.e. the number of clusters comes out to be 3</a:t>
-            </a:r>
+              <a:t>We standardized each feature by subtracting the mean and dividing by the standard deviation. We did this when:</a:t>
+            </a:r>
+          </a:p>
+          <a:p>
+            <a:pPr lvl="1"/>
+            <a:r>
+              <a:rPr lang="en-US" dirty="0"/>
+              <a:t>Training the K-Means Algorithm.</a:t>
+            </a:r>
+          </a:p>
+          <a:p>
+            <a:pPr lvl="1"/>
+            <a:r>
+              <a:rPr lang="en-US" dirty="0"/>
+              <a:t>Testing New Data to determine if “Normal” or “Anomaly”.</a:t>
+            </a:r>
+          </a:p>
+          <a:p>
+            <a:endParaRPr lang="en-US" dirty="0"/>
+          </a:p>
+          <a:p>
+            <a:r>
+              <a:rPr lang="en-US" dirty="0"/>
+              <a:t>Before standardizing, different features can have different scales.</a:t>
+            </a:r>
+          </a:p>
+          <a:p>
+            <a:pPr lvl="1"/>
+            <a:r>
+              <a:rPr lang="en-US" dirty="0"/>
+              <a:t>For example: </a:t>
+            </a:r>
+          </a:p>
+          <a:p>
+            <a:pPr lvl="2"/>
+            <a:r>
+              <a:rPr lang="en-US" dirty="0"/>
+              <a:t>Sum of Bytes could have a max value of 10,000 and min value of 50.</a:t>
+            </a:r>
+          </a:p>
+          <a:p>
+            <a:pPr lvl="2"/>
+            <a:r>
+              <a:rPr lang="en-US" dirty="0"/>
+              <a:t>Number of Unique Destination Ports could have a max of 100 and a min of 3.</a:t>
+            </a:r>
+          </a:p>
+          <a:p>
+            <a:pPr lvl="1"/>
+            <a:r>
+              <a:rPr lang="en-US" dirty="0"/>
+              <a:t>The feature with the larger values is treated as “more important” by the algorithm.</a:t>
+            </a:r>
+          </a:p>
+          <a:p>
+            <a:endParaRPr lang="en-US" dirty="0"/>
+          </a:p>
+          <a:p>
+            <a:r>
+              <a:rPr lang="en-US" dirty="0"/>
+              <a:t>Standardizing the data places all the features on a similar scale so the algorithm does not treat one feature as more important than another.</a:t>
+            </a:r>
+          </a:p>
+          <a:p>
+            <a:pPr lvl="1"/>
+            <a:endParaRPr lang="en-US" dirty="0"/>
           </a:p>
           <a:p>
             <a:endParaRPr lang="en-US" dirty="0"/>
@@ -6586,7 +8194,7 @@
     </p:spTree>
     <p:extLst>
       <p:ext uri="{BB962C8B-B14F-4D97-AF65-F5344CB8AC3E}">
-        <p14:creationId xmlns:p14="http://schemas.microsoft.com/office/powerpoint/2010/main" val="308816670"/>
+        <p14:creationId xmlns:p14="http://schemas.microsoft.com/office/powerpoint/2010/main" val="2325206284"/>
       </p:ext>
     </p:extLst>
   </p:cSld>
@@ -6629,26 +8237,31 @@
             <p:ph type="title"/>
           </p:nvPr>
         </p:nvSpPr>
-        <p:spPr/>
+        <p:spPr>
+          <a:xfrm>
+            <a:off x="0" y="0"/>
+            <a:ext cx="8596668" cy="1320800"/>
+          </a:xfrm>
+        </p:spPr>
         <p:txBody>
           <a:bodyPr>
-            <a:normAutofit fontScale="90000"/>
+            <a:normAutofit/>
           </a:bodyPr>
           <a:lstStyle/>
           <a:p>
             <a:r>
               <a:rPr lang="en-US" dirty="0"/>
-              <a:t>STEPHEN PLEASE ADD the graphs for unsupervised learning approach and other material that you think will suit</a:t>
-            </a:r>
-          </a:p>
-        </p:txBody>
-      </p:sp>
-      <p:sp>
-        <p:nvSpPr>
-          <p:cNvPr id="3" name="Content Placeholder 2">
+              <a:t>Threshold Implementation</a:t>
+            </a:r>
+          </a:p>
+        </p:txBody>
+      </p:sp>
+      <p:sp>
+        <p:nvSpPr>
+          <p:cNvPr id="41" name="Content Placeholder 2">
             <a:extLst>
               <a:ext uri="{FF2B5EF4-FFF2-40B4-BE49-F238E27FC236}">
-                <a16:creationId xmlns:a16="http://schemas.microsoft.com/office/drawing/2014/main" id="{D328D3DB-8CBC-4A6F-9484-03E43067A176}"/>
+                <a16:creationId xmlns:a16="http://schemas.microsoft.com/office/drawing/2014/main" id="{742E1577-3FDF-442D-9579-68FD1B36395C}"/>
               </a:ext>
             </a:extLst>
           </p:cNvPr>
@@ -6659,12 +8272,171 @@
             <p:ph idx="1"/>
           </p:nvPr>
         </p:nvSpPr>
-        <p:spPr/>
-        <p:txBody>
-          <a:bodyPr/>
+        <p:spPr>
+          <a:xfrm>
+            <a:off x="204186" y="584941"/>
+            <a:ext cx="6640497" cy="6179844"/>
+          </a:xfrm>
+        </p:spPr>
+        <p:txBody>
+          <a:bodyPr>
+            <a:normAutofit/>
+          </a:bodyPr>
           <a:lstStyle/>
           <a:p>
-            <a:endParaRPr lang="en-US"/>
+            <a:r>
+              <a:rPr lang="en-US" dirty="0"/>
+              <a:t>The circles are the clusters found plus an additional 2 standard deviations past the maximum value in that cluster.  Anything in the circles is “Normal”.</a:t>
+            </a:r>
+          </a:p>
+          <a:p>
+            <a:r>
+              <a:rPr lang="en-US" dirty="0"/>
+              <a:t>The squares represent an important concept that network traffic can always be less than normal.</a:t>
+            </a:r>
+          </a:p>
+          <a:p>
+            <a:pPr lvl="1"/>
+            <a:r>
+              <a:rPr lang="en-US" dirty="0"/>
+              <a:t>Example: A user normally sends 3500 bytes to 80 ports. Maybe they go on vacation and for one interval only send 1000 bytes to 10 ports.</a:t>
+            </a:r>
+          </a:p>
+          <a:p>
+            <a:pPr lvl="1"/>
+            <a:r>
+              <a:rPr lang="en-US" dirty="0"/>
+              <a:t>1000 bytes and 10 ports is outside any known cluster, so should this be considered an anomaly?</a:t>
+            </a:r>
+          </a:p>
+          <a:p>
+            <a:pPr lvl="1"/>
+            <a:r>
+              <a:rPr lang="en-US" dirty="0"/>
+              <a:t>No! It is still “Normal”.  The user just used the network less than normal.</a:t>
+            </a:r>
+          </a:p>
+          <a:p>
+            <a:endParaRPr lang="en-US" dirty="0"/>
+          </a:p>
+          <a:p>
+            <a:r>
+              <a:rPr lang="en-US" dirty="0"/>
+              <a:t>Anything in a square or a circle is still considered “Normal”.</a:t>
+            </a:r>
+          </a:p>
+          <a:p>
+            <a:r>
+              <a:rPr lang="en-US" dirty="0"/>
+              <a:t>Only point E in the above right diagram is an “Anomaly”.</a:t>
+            </a:r>
+          </a:p>
+        </p:txBody>
+      </p:sp>
+      <p:pic>
+        <p:nvPicPr>
+          <p:cNvPr id="43" name="Picture 42">
+            <a:extLst>
+              <a:ext uri="{FF2B5EF4-FFF2-40B4-BE49-F238E27FC236}">
+                <a16:creationId xmlns:a16="http://schemas.microsoft.com/office/drawing/2014/main" id="{F619E023-2FA9-4348-ADB8-8C0129183E9A}"/>
+              </a:ext>
+            </a:extLst>
+          </p:cNvPr>
+          <p:cNvPicPr>
+            <a:picLocks noChangeAspect="1"/>
+          </p:cNvPicPr>
+          <p:nvPr/>
+        </p:nvPicPr>
+        <p:blipFill rotWithShape="1">
+          <a:blip r:embed="rId2"/>
+          <a:srcRect l="1169" t="1612" r="1443" b="2657"/>
+          <a:stretch/>
+        </p:blipFill>
+        <p:spPr>
+          <a:xfrm>
+            <a:off x="7013359" y="3102432"/>
+            <a:ext cx="5178641" cy="3757270"/>
+          </a:xfrm>
+          <a:prstGeom prst="rect">
+            <a:avLst/>
+          </a:prstGeom>
+          <a:ln>
+            <a:solidFill>
+              <a:schemeClr val="tx1"/>
+            </a:solidFill>
+          </a:ln>
+        </p:spPr>
+      </p:pic>
+      <p:pic>
+        <p:nvPicPr>
+          <p:cNvPr id="44" name="Picture 43">
+            <a:extLst>
+              <a:ext uri="{FF2B5EF4-FFF2-40B4-BE49-F238E27FC236}">
+                <a16:creationId xmlns:a16="http://schemas.microsoft.com/office/drawing/2014/main" id="{DCE25116-D473-441D-BEA5-D909B5F3B2FB}"/>
+              </a:ext>
+            </a:extLst>
+          </p:cNvPr>
+          <p:cNvPicPr>
+            <a:picLocks noChangeAspect="1"/>
+          </p:cNvPicPr>
+          <p:nvPr/>
+        </p:nvPicPr>
+        <p:blipFill rotWithShape="1">
+          <a:blip r:embed="rId3"/>
+          <a:srcRect l="869" t="1025" r="492" b="3537"/>
+          <a:stretch/>
+        </p:blipFill>
+        <p:spPr>
+          <a:xfrm>
+            <a:off x="6762444" y="1"/>
+            <a:ext cx="5429555" cy="2689934"/>
+          </a:xfrm>
+          <a:prstGeom prst="rect">
+            <a:avLst/>
+          </a:prstGeom>
+          <a:ln>
+            <a:solidFill>
+              <a:schemeClr val="tx1"/>
+            </a:solidFill>
+          </a:ln>
+        </p:spPr>
+      </p:pic>
+      <p:sp>
+        <p:nvSpPr>
+          <p:cNvPr id="45" name="TextBox 44">
+            <a:extLst>
+              <a:ext uri="{FF2B5EF4-FFF2-40B4-BE49-F238E27FC236}">
+                <a16:creationId xmlns:a16="http://schemas.microsoft.com/office/drawing/2014/main" id="{F18AC429-6955-4146-9469-4648B3EA5293}"/>
+              </a:ext>
+            </a:extLst>
+          </p:cNvPr>
+          <p:cNvSpPr txBox="1"/>
+          <p:nvPr/>
+        </p:nvSpPr>
+        <p:spPr>
+          <a:xfrm>
+            <a:off x="9729925" y="6334779"/>
+            <a:ext cx="2462073" cy="523220"/>
+          </a:xfrm>
+          <a:prstGeom prst="rect">
+            <a:avLst/>
+          </a:prstGeom>
+          <a:noFill/>
+        </p:spPr>
+        <p:txBody>
+          <a:bodyPr wrap="square" rtlCol="0">
+            <a:spAutoFit/>
+          </a:bodyPr>
+          <a:lstStyle/>
+          <a:p>
+            <a:r>
+              <a:rPr lang="en-US" sz="1400" b="1" dirty="0">
+                <a:solidFill>
+                  <a:srgbClr val="FF0000"/>
+                </a:solidFill>
+              </a:rPr>
+              <a:t>Note: The above diagrams are both example data. </a:t>
+            </a:r>
           </a:p>
         </p:txBody>
       </p:sp>
@@ -6703,7 +8475,7 @@
           <p:cNvPr id="2" name="Title 1">
             <a:extLst>
               <a:ext uri="{FF2B5EF4-FFF2-40B4-BE49-F238E27FC236}">
-                <a16:creationId xmlns:a16="http://schemas.microsoft.com/office/drawing/2014/main" id="{77E29BB5-B4A9-4768-82DF-598FDE670A7D}"/>
+                <a16:creationId xmlns:a16="http://schemas.microsoft.com/office/drawing/2014/main" id="{98C30F62-B52B-4CF1-99FB-0B6539DBFF25}"/>
               </a:ext>
             </a:extLst>
           </p:cNvPr>
@@ -6714,14 +8486,19 @@
             <p:ph type="title"/>
           </p:nvPr>
         </p:nvSpPr>
-        <p:spPr/>
+        <p:spPr>
+          <a:xfrm>
+            <a:off x="677334" y="609600"/>
+            <a:ext cx="8596668" cy="846338"/>
+          </a:xfrm>
+        </p:spPr>
         <p:txBody>
           <a:bodyPr/>
           <a:lstStyle/>
           <a:p>
             <a:r>
               <a:rPr lang="en-US" dirty="0"/>
-              <a:t>Add the material for connection to rest API of ONOS for blocking</a:t>
+              <a:t>Anomalies Tested</a:t>
             </a:r>
           </a:p>
         </p:txBody>
@@ -6731,7 +8508,7 @@
           <p:cNvPr id="3" name="Content Placeholder 2">
             <a:extLst>
               <a:ext uri="{FF2B5EF4-FFF2-40B4-BE49-F238E27FC236}">
-                <a16:creationId xmlns:a16="http://schemas.microsoft.com/office/drawing/2014/main" id="{9DA1B097-EAFB-4FA3-9F2A-8EA372AF8570}"/>
+                <a16:creationId xmlns:a16="http://schemas.microsoft.com/office/drawing/2014/main" id="{4A53FA8D-4EB6-4BD1-967A-4374FB4CAC08}"/>
               </a:ext>
             </a:extLst>
           </p:cNvPr>
@@ -6742,19 +8519,71 @@
             <p:ph idx="1"/>
           </p:nvPr>
         </p:nvSpPr>
-        <p:spPr/>
-        <p:txBody>
-          <a:bodyPr/>
+        <p:spPr>
+          <a:xfrm>
+            <a:off x="677334" y="1698951"/>
+            <a:ext cx="8596668" cy="5039200"/>
+          </a:xfrm>
+        </p:spPr>
+        <p:txBody>
+          <a:bodyPr>
+            <a:normAutofit/>
+          </a:bodyPr>
           <a:lstStyle/>
           <a:p>
-            <a:endParaRPr lang="en-US"/>
+            <a:r>
+              <a:rPr lang="en-US" dirty="0"/>
+              <a:t>We used Python’s </a:t>
+            </a:r>
+            <a:r>
+              <a:rPr lang="en-US" dirty="0" err="1"/>
+              <a:t>Scapy</a:t>
+            </a:r>
+            <a:r>
+              <a:rPr lang="en-US" dirty="0"/>
+              <a:t> library to perform a UDP port scan.</a:t>
+            </a:r>
+          </a:p>
+          <a:p>
+            <a:pPr lvl="1"/>
+            <a:r>
+              <a:rPr lang="en-US" dirty="0"/>
+              <a:t>A port scan attempts to initiate a conversation from the attacking device to the victim device on every port from port 1 up to port 65535.</a:t>
+            </a:r>
+          </a:p>
+          <a:p>
+            <a:endParaRPr lang="en-US" dirty="0"/>
+          </a:p>
+          <a:p>
+            <a:r>
+              <a:rPr lang="en-US" dirty="0"/>
+              <a:t>We used hping3 to send a flood of 100,000 packets from the attacking device to the victim device.</a:t>
+            </a:r>
+          </a:p>
+          <a:p>
+            <a:endParaRPr lang="en-US" dirty="0"/>
+          </a:p>
+          <a:p>
+            <a:r>
+              <a:rPr lang="en-US" dirty="0"/>
+              <a:t>Our algorithm successfully detected both of these attacks as “Anomalies” and blocked the traffic.</a:t>
+            </a:r>
+          </a:p>
+          <a:p>
+            <a:endParaRPr lang="en-US" dirty="0"/>
+          </a:p>
+          <a:p>
+            <a:r>
+              <a:rPr lang="en-US" dirty="0"/>
+              <a:t>One side effect in our current implementation is that sometimes the victim device is also blocked.  The victim tries to respond to all of the attacker’s messages and may send an “anomalous” amount of responses.</a:t>
+            </a:r>
           </a:p>
         </p:txBody>
       </p:sp>
     </p:spTree>
     <p:extLst>
       <p:ext uri="{BB962C8B-B14F-4D97-AF65-F5344CB8AC3E}">
-        <p14:creationId xmlns:p14="http://schemas.microsoft.com/office/powerpoint/2010/main" val="814664529"/>
+        <p14:creationId xmlns:p14="http://schemas.microsoft.com/office/powerpoint/2010/main" val="1135350427"/>
       </p:ext>
     </p:extLst>
   </p:cSld>
@@ -6786,7 +8615,7 @@
           <p:cNvPr id="2" name="Title 1">
             <a:extLst>
               <a:ext uri="{FF2B5EF4-FFF2-40B4-BE49-F238E27FC236}">
-                <a16:creationId xmlns:a16="http://schemas.microsoft.com/office/drawing/2014/main" id="{69AC5D7D-CBD8-4AC1-BBC2-E2F562169961}"/>
+                <a16:creationId xmlns:a16="http://schemas.microsoft.com/office/drawing/2014/main" id="{77E29BB5-B4A9-4768-82DF-598FDE670A7D}"/>
               </a:ext>
             </a:extLst>
           </p:cNvPr>
@@ -6804,7 +8633,7 @@
           <a:p>
             <a:r>
               <a:rPr lang="en-US" dirty="0"/>
-              <a:t>Add a hyperlink for the Demo video </a:t>
+              <a:t>ONOS REST API Call</a:t>
             </a:r>
           </a:p>
         </p:txBody>
@@ -6814,7 +8643,7 @@
           <p:cNvPr id="3" name="Content Placeholder 2">
             <a:extLst>
               <a:ext uri="{FF2B5EF4-FFF2-40B4-BE49-F238E27FC236}">
-                <a16:creationId xmlns:a16="http://schemas.microsoft.com/office/drawing/2014/main" id="{A05E07B1-2FE7-47A9-B8FB-081FD29F723A}"/>
+                <a16:creationId xmlns:a16="http://schemas.microsoft.com/office/drawing/2014/main" id="{9DA1B097-EAFB-4FA3-9F2A-8EA372AF8570}"/>
               </a:ext>
             </a:extLst>
           </p:cNvPr>
@@ -6825,19 +8654,57 @@
             <p:ph idx="1"/>
           </p:nvPr>
         </p:nvSpPr>
-        <p:spPr/>
+        <p:spPr>
+          <a:xfrm>
+            <a:off x="677334" y="1592418"/>
+            <a:ext cx="8596668" cy="3880773"/>
+          </a:xfrm>
+        </p:spPr>
         <p:txBody>
           <a:bodyPr/>
           <a:lstStyle/>
           <a:p>
-            <a:endParaRPr lang="en-US"/>
+            <a:r>
+              <a:rPr lang="en-US" dirty="0"/>
+              <a:t>When an anomaly is detected, our Spark application:</a:t>
+            </a:r>
+          </a:p>
+          <a:p>
+            <a:pPr lvl="1"/>
+            <a:r>
+              <a:rPr lang="en-US" dirty="0"/>
+              <a:t>Queries ONOS via REST API to determine which Open </a:t>
+            </a:r>
+            <a:r>
+              <a:rPr lang="en-US" dirty="0" err="1"/>
+              <a:t>vSwitch</a:t>
+            </a:r>
+            <a:r>
+              <a:rPr lang="en-US" dirty="0"/>
+              <a:t> the attacking device is connected to.</a:t>
+            </a:r>
+          </a:p>
+          <a:p>
+            <a:pPr lvl="1"/>
+            <a:r>
+              <a:rPr lang="en-US" dirty="0"/>
+              <a:t>Sends a REST API Call directly to that Open </a:t>
+            </a:r>
+            <a:r>
+              <a:rPr lang="en-US" dirty="0" err="1"/>
+              <a:t>vSwitch</a:t>
+            </a:r>
+            <a:r>
+              <a:rPr lang="en-US" dirty="0"/>
+              <a:t> adding a Flow that tells it to block all traffic with source IP of the attacking device.</a:t>
+            </a:r>
           </a:p>
         </p:txBody>
       </p:sp>
     </p:spTree>
     <p:extLst>
       <p:ext uri="{BB962C8B-B14F-4D97-AF65-F5344CB8AC3E}">
-        <p14:creationId xmlns:p14="http://schemas.microsoft.com/office/powerpoint/2010/main" val="119702504"/>
+        <p14:creationId xmlns:p14="http://schemas.microsoft.com/office/powerpoint/2010/main" val="814664529"/>
       </p:ext>
     </p:extLst>
   </p:cSld>
@@ -6869,7 +8736,7 @@
           <p:cNvPr id="2" name="Title 1">
             <a:extLst>
               <a:ext uri="{FF2B5EF4-FFF2-40B4-BE49-F238E27FC236}">
-                <a16:creationId xmlns:a16="http://schemas.microsoft.com/office/drawing/2014/main" id="{BA5B4CE3-BB44-4C98-A167-27BC1EC0B9CF}"/>
+                <a16:creationId xmlns:a16="http://schemas.microsoft.com/office/drawing/2014/main" id="{69AC5D7D-CBD8-4AC1-BBC2-E2F562169961}"/>
               </a:ext>
             </a:extLst>
           </p:cNvPr>
@@ -6887,17 +8754,17 @@
           <a:p>
             <a:r>
               <a:rPr lang="en-US" dirty="0"/>
-              <a:t>Future Scope</a:t>
-            </a:r>
-          </a:p>
-        </p:txBody>
-      </p:sp>
-      <p:sp>
-        <p:nvSpPr>
-          <p:cNvPr id="6" name="Content Placeholder 5">
+              <a:t>Project Demo Video</a:t>
+            </a:r>
+          </a:p>
+        </p:txBody>
+      </p:sp>
+      <p:sp>
+        <p:nvSpPr>
+          <p:cNvPr id="3" name="Content Placeholder 2">
             <a:extLst>
               <a:ext uri="{FF2B5EF4-FFF2-40B4-BE49-F238E27FC236}">
-                <a16:creationId xmlns:a16="http://schemas.microsoft.com/office/drawing/2014/main" id="{53C20021-29D0-4866-850C-0B8A00B94ED5}"/>
+                <a16:creationId xmlns:a16="http://schemas.microsoft.com/office/drawing/2014/main" id="{A05E07B1-2FE7-47A9-B8FB-081FD29F723A}"/>
               </a:ext>
             </a:extLst>
           </p:cNvPr>
@@ -6908,71 +8775,79 @@
             <p:ph idx="1"/>
           </p:nvPr>
         </p:nvSpPr>
-        <p:spPr>
-          <a:xfrm>
-            <a:off x="677334" y="1592827"/>
-            <a:ext cx="5418666" cy="4448536"/>
-          </a:xfrm>
-        </p:spPr>
-        <p:txBody>
-          <a:bodyPr>
-            <a:normAutofit/>
-          </a:bodyPr>
+        <p:spPr/>
+        <p:txBody>
+          <a:bodyPr/>
           <a:lstStyle/>
           <a:p>
             <a:r>
-              <a:rPr lang="en-US" sz="2000" dirty="0"/>
-              <a:t>Implementation of such an architecture and usage of terabytes of data can bring in limelight great predictions for the automation of the technology.</a:t>
-            </a:r>
-          </a:p>
-          <a:p>
-            <a:r>
-              <a:rPr lang="en-US" sz="2000" dirty="0"/>
-              <a:t>The implementation of this project on massive scale can offer the best of convenience and support to consumers and industries globally. </a:t>
-            </a:r>
-          </a:p>
-          <a:p>
-            <a:r>
-              <a:rPr lang="en-US" sz="2000" dirty="0"/>
-              <a:t>Various amazing reporting tools can be added to the architecture for the advent of the an Enterprise and Analytical Data Warehousing.</a:t>
-            </a:r>
-          </a:p>
-        </p:txBody>
-      </p:sp>
-      <p:pic>
-        <p:nvPicPr>
-          <p:cNvPr id="7" name="Content Placeholder 4">
-            <a:extLst>
-              <a:ext uri="{FF2B5EF4-FFF2-40B4-BE49-F238E27FC236}">
-                <a16:creationId xmlns:a16="http://schemas.microsoft.com/office/drawing/2014/main" id="{F1E497FA-756A-41F3-A68C-BDD5488B8B2D}"/>
-              </a:ext>
-            </a:extLst>
-          </p:cNvPr>
-          <p:cNvPicPr>
-            <a:picLocks noChangeAspect="1"/>
-          </p:cNvPicPr>
-          <p:nvPr/>
-        </p:nvPicPr>
-        <p:blipFill>
-          <a:blip r:embed="rId2"/>
-          <a:stretch>
-            <a:fillRect/>
-          </a:stretch>
-        </p:blipFill>
-        <p:spPr>
-          <a:xfrm rot="19976538">
-            <a:off x="5926736" y="2686841"/>
-            <a:ext cx="3516530" cy="792549"/>
-          </a:xfrm>
-          <a:prstGeom prst="rect">
-            <a:avLst/>
-          </a:prstGeom>
-        </p:spPr>
-      </p:pic>
+              <a:rPr lang="en-US" dirty="0"/>
+              <a:t>Timestamps to point out:</a:t>
+            </a:r>
+          </a:p>
+          <a:p>
+            <a:pPr lvl="1"/>
+            <a:r>
+              <a:rPr lang="en-US" dirty="0"/>
+              <a:t>20:53 - Start hping3 flood.</a:t>
+            </a:r>
+          </a:p>
+          <a:p>
+            <a:pPr lvl="1"/>
+            <a:r>
+              <a:rPr lang="en-US" dirty="0"/>
+              <a:t>22:27 - Ping stopped and can see message in Spark. h11 blocked.</a:t>
+            </a:r>
+          </a:p>
+          <a:p>
+            <a:pPr lvl="1"/>
+            <a:r>
+              <a:rPr lang="en-US" dirty="0"/>
+              <a:t>23:42 - Also blocked h12.</a:t>
+            </a:r>
+          </a:p>
+          <a:p>
+            <a:pPr lvl="1"/>
+            <a:r>
+              <a:rPr lang="en-US" dirty="0"/>
+              <a:t>25:34 - Start Port scan.</a:t>
+            </a:r>
+          </a:p>
+          <a:p>
+            <a:pPr lvl="1"/>
+            <a:r>
+              <a:rPr lang="en-US" dirty="0"/>
+              <a:t>26:28 - Ping stopped. h21 blocked.</a:t>
+            </a:r>
+          </a:p>
+          <a:p>
+            <a:pPr lvl="1"/>
+            <a:r>
+              <a:rPr lang="en-US" dirty="0"/>
+              <a:t>28:06 - ONOS Flow entries.</a:t>
+            </a:r>
+          </a:p>
+          <a:p>
+            <a:pPr lvl="1"/>
+            <a:r>
+              <a:rPr lang="en-US" dirty="0"/>
+              <a:t>40:00 - </a:t>
+            </a:r>
+            <a:r>
+              <a:rPr lang="en-US" dirty="0" err="1"/>
+              <a:t>pingall</a:t>
+            </a:r>
+            <a:r>
+              <a:rPr lang="en-US" dirty="0"/>
+              <a:t> results.</a:t>
+            </a:r>
+          </a:p>
+        </p:txBody>
+      </p:sp>
     </p:spTree>
     <p:extLst>
       <p:ext uri="{BB962C8B-B14F-4D97-AF65-F5344CB8AC3E}">
-        <p14:creationId xmlns:p14="http://schemas.microsoft.com/office/powerpoint/2010/main" val="2022448481"/>
+        <p14:creationId xmlns:p14="http://schemas.microsoft.com/office/powerpoint/2010/main" val="119702504"/>
       </p:ext>
     </p:extLst>
   </p:cSld>
@@ -7045,8 +8920,8 @@
         </p:nvSpPr>
         <p:spPr>
           <a:xfrm>
-            <a:off x="677334" y="1592827"/>
-            <a:ext cx="5418666" cy="4448536"/>
+            <a:off x="677333" y="1592826"/>
+            <a:ext cx="9079225" cy="5265173"/>
           </a:xfrm>
         </p:spPr>
         <p:txBody>
@@ -7056,61 +8931,42 @@
           <a:lstStyle/>
           <a:p>
             <a:r>
-              <a:rPr lang="en-US" sz="2400" dirty="0"/>
-              <a:t>Furthermore, we can work on the use cases where we can detect any anomaly in the links in a network. </a:t>
-            </a:r>
-          </a:p>
-          <a:p>
-            <a:r>
-              <a:rPr lang="en-US" sz="2400" dirty="0"/>
-              <a:t>This project can be worked to include recommendation for the various paths to choose in a network to reach from host A to B. </a:t>
-            </a:r>
-          </a:p>
-          <a:p>
-            <a:r>
-              <a:rPr lang="en-US" sz="2400" dirty="0"/>
-              <a:t>Various classification and clustering models can be implemented to bring the accuracy of the prediction to almost real.</a:t>
-            </a:r>
-          </a:p>
-          <a:p>
-            <a:endParaRPr lang="en-US" sz="2400" dirty="0"/>
-          </a:p>
-        </p:txBody>
-      </p:sp>
-      <p:pic>
-        <p:nvPicPr>
-          <p:cNvPr id="4" name="Picture 3">
-            <a:extLst>
-              <a:ext uri="{FF2B5EF4-FFF2-40B4-BE49-F238E27FC236}">
-                <a16:creationId xmlns:a16="http://schemas.microsoft.com/office/drawing/2014/main" id="{48C15CB7-82AB-443B-A697-FBEB68153947}"/>
-              </a:ext>
-            </a:extLst>
-          </p:cNvPr>
-          <p:cNvPicPr>
-            <a:picLocks noChangeAspect="1"/>
-          </p:cNvPicPr>
-          <p:nvPr/>
-        </p:nvPicPr>
-        <p:blipFill>
-          <a:blip r:embed="rId2"/>
-          <a:stretch>
-            <a:fillRect/>
-          </a:stretch>
-        </p:blipFill>
-        <p:spPr>
-          <a:xfrm>
-            <a:off x="6096000" y="2279881"/>
-            <a:ext cx="3608438" cy="2298238"/>
-          </a:xfrm>
-          <a:prstGeom prst="rect">
-            <a:avLst/>
-          </a:prstGeom>
-        </p:spPr>
-      </p:pic>
+              <a:rPr lang="en-US" sz="2000" dirty="0"/>
+              <a:t>Instead of our Spark Application sending a REST API call to ONOS to immediately block the traffic, an alert should be sent to a group to investigate the anomaly.</a:t>
+            </a:r>
+          </a:p>
+          <a:p>
+            <a:pPr lvl="1"/>
+            <a:r>
+              <a:rPr lang="en-US" sz="1800" dirty="0"/>
+              <a:t>With our current implementation sometimes both the attacker and the victim were blocked, due to the victim trying to respond to all of the attacker’s messages.</a:t>
+            </a:r>
+          </a:p>
+          <a:p>
+            <a:pPr lvl="1"/>
+            <a:r>
+              <a:rPr lang="en-US" sz="1800" dirty="0"/>
+              <a:t>When new types of “normal” traffic are added to our network, they could be detected as “anomalous”.  Our “normal” network data is very limited.</a:t>
+            </a:r>
+          </a:p>
+          <a:p>
+            <a:r>
+              <a:rPr lang="en-US" sz="2000" dirty="0"/>
+              <a:t>We could try other Machine Learning algorithms and compare them with our implementation.</a:t>
+            </a:r>
+          </a:p>
+          <a:p>
+            <a:r>
+              <a:rPr lang="en-US" sz="2000" dirty="0"/>
+              <a:t>Once we captured the 36 hours of initial data, we never put new data into ElasticSearch. Ideally we would continue to store new “normal” traffic and periodically update our model.</a:t>
+            </a:r>
+          </a:p>
+        </p:txBody>
+      </p:sp>
     </p:spTree>
     <p:extLst>
       <p:ext uri="{BB962C8B-B14F-4D97-AF65-F5344CB8AC3E}">
-        <p14:creationId xmlns:p14="http://schemas.microsoft.com/office/powerpoint/2010/main" val="4053260384"/>
+        <p14:creationId xmlns:p14="http://schemas.microsoft.com/office/powerpoint/2010/main" val="2022448481"/>
       </p:ext>
     </p:extLst>
   </p:cSld>
@@ -7300,7 +9156,7 @@
         <p:spPr>
           <a:xfrm>
             <a:off x="1141414" y="1553497"/>
-            <a:ext cx="8051748" cy="3646360"/>
+            <a:ext cx="8051748" cy="1411645"/>
           </a:xfrm>
         </p:spPr>
         <p:txBody>
@@ -7316,47 +9172,18 @@
               <a:rPr lang="en-US" dirty="0">
                 <a:effectLst/>
               </a:rPr>
-              <a:t>The project focuses on implementing Intrusion Detection using ONOS controller in real time. It is divided into following parts:</a:t>
-            </a:r>
-          </a:p>
-          <a:p>
-            <a:pPr lvl="1"/>
+              <a:t>Our project implements an Anomalous Intrusion Detection System </a:t>
+            </a:r>
+            <a:r>
+              <a:rPr lang="en-US" dirty="0"/>
+              <a:t>Architecture </a:t>
+            </a:r>
             <a:r>
               <a:rPr lang="en-US" dirty="0">
                 <a:effectLst/>
               </a:rPr>
-              <a:t>Creation of a miniatured network to simulate traffic which is controlled by the ONOS Controller.</a:t>
-            </a:r>
-          </a:p>
-          <a:p>
-            <a:pPr lvl="1"/>
-            <a:r>
-              <a:rPr lang="en-US" dirty="0">
-                <a:effectLst/>
-              </a:rPr>
-              <a:t>Extraction and loading the real time traffic log using NetFlow on a Big Data Architecture for further visualization and processing.</a:t>
-            </a:r>
-          </a:p>
-          <a:p>
-            <a:pPr lvl="1"/>
-            <a:r>
-              <a:rPr lang="en-US" dirty="0">
-                <a:effectLst/>
-              </a:rPr>
-              <a:t>Implementing statistical models on the processed data to detect anomalies in non-signature attacks.</a:t>
-            </a:r>
-          </a:p>
-          <a:p>
-            <a:pPr lvl="1"/>
-            <a:r>
-              <a:rPr lang="en-US" dirty="0">
-                <a:effectLst/>
-              </a:rPr>
-              <a:t>Sending control to ONOS to block traffic from the anomaly device</a:t>
-            </a:r>
-          </a:p>
-          <a:p>
-            <a:endParaRPr lang="en-US" dirty="0"/>
+              <a:t>using Big Data, Machine Learning, and the ONOS controller.</a:t>
+            </a:r>
           </a:p>
         </p:txBody>
       </p:sp>
@@ -7364,6 +9191,975 @@
     <p:extLst>
       <p:ext uri="{BB962C8B-B14F-4D97-AF65-F5344CB8AC3E}">
         <p14:creationId xmlns:p14="http://schemas.microsoft.com/office/powerpoint/2010/main" val="508293573"/>
+      </p:ext>
+    </p:extLst>
+  </p:cSld>
+  <p:clrMapOvr>
+    <a:masterClrMapping/>
+  </p:clrMapOvr>
+</p:sld>
+</file>
+
+<file path=ppt/slides/slide20.xml><?xml version="1.0" encoding="utf-8"?>
+<p:sld xmlns:a="http://schemas.openxmlformats.org/drawingml/2006/main" xmlns:r="http://schemas.openxmlformats.org/officeDocument/2006/relationships" xmlns:p="http://schemas.openxmlformats.org/presentationml/2006/main">
+  <p:cSld>
+    <p:spTree>
+      <p:nvGrpSpPr>
+        <p:cNvPr id="1" name=""/>
+        <p:cNvGrpSpPr/>
+        <p:nvPr/>
+      </p:nvGrpSpPr>
+      <p:grpSpPr>
+        <a:xfrm>
+          <a:off x="0" y="0"/>
+          <a:ext cx="0" cy="0"/>
+          <a:chOff x="0" y="0"/>
+          <a:chExt cx="0" cy="0"/>
+        </a:xfrm>
+      </p:grpSpPr>
+      <p:sp>
+        <p:nvSpPr>
+          <p:cNvPr id="2" name="Title 1">
+            <a:extLst>
+              <a:ext uri="{FF2B5EF4-FFF2-40B4-BE49-F238E27FC236}">
+                <a16:creationId xmlns:a16="http://schemas.microsoft.com/office/drawing/2014/main" id="{79D005DD-892E-4ED9-8318-B84968A2E38D}"/>
+              </a:ext>
+            </a:extLst>
+          </p:cNvPr>
+          <p:cNvSpPr>
+            <a:spLocks noGrp="1"/>
+          </p:cNvSpPr>
+          <p:nvPr>
+            <p:ph type="title"/>
+          </p:nvPr>
+        </p:nvSpPr>
+        <p:spPr>
+          <a:xfrm>
+            <a:off x="677334" y="609600"/>
+            <a:ext cx="8596668" cy="685126"/>
+          </a:xfrm>
+        </p:spPr>
+        <p:txBody>
+          <a:bodyPr/>
+          <a:lstStyle/>
+          <a:p>
+            <a:r>
+              <a:rPr lang="en-US" dirty="0"/>
+              <a:t>Links</a:t>
+            </a:r>
+          </a:p>
+        </p:txBody>
+      </p:sp>
+      <p:sp>
+        <p:nvSpPr>
+          <p:cNvPr id="3" name="Content Placeholder 2">
+            <a:extLst>
+              <a:ext uri="{FF2B5EF4-FFF2-40B4-BE49-F238E27FC236}">
+                <a16:creationId xmlns:a16="http://schemas.microsoft.com/office/drawing/2014/main" id="{6C600F4C-FD76-47FF-B64B-C6938F97E1FA}"/>
+              </a:ext>
+            </a:extLst>
+          </p:cNvPr>
+          <p:cNvSpPr>
+            <a:spLocks noGrp="1"/>
+          </p:cNvSpPr>
+          <p:nvPr>
+            <p:ph idx="1"/>
+          </p:nvPr>
+        </p:nvSpPr>
+        <p:spPr/>
+        <p:txBody>
+          <a:bodyPr/>
+          <a:lstStyle/>
+          <a:p>
+            <a:r>
+              <a:rPr lang="en-US" dirty="0"/>
+              <a:t>Source code and other files:</a:t>
+            </a:r>
+          </a:p>
+          <a:p>
+            <a:pPr lvl="1"/>
+            <a:r>
+              <a:rPr lang="en-US" dirty="0">
+                <a:hlinkClick r:id="rId2"/>
+              </a:rPr>
+              <a:t>https://github.com/blynotes/CS6301_SDN</a:t>
+            </a:r>
+            <a:endParaRPr lang="en-US" dirty="0"/>
+          </a:p>
+          <a:p>
+            <a:endParaRPr lang="en-US" dirty="0"/>
+          </a:p>
+        </p:txBody>
+      </p:sp>
+    </p:spTree>
+    <p:extLst>
+      <p:ext uri="{BB962C8B-B14F-4D97-AF65-F5344CB8AC3E}">
+        <p14:creationId xmlns:p14="http://schemas.microsoft.com/office/powerpoint/2010/main" val="3525173773"/>
+      </p:ext>
+    </p:extLst>
+  </p:cSld>
+  <p:clrMapOvr>
+    <a:masterClrMapping/>
+  </p:clrMapOvr>
+</p:sld>
+</file>
+
+<file path=ppt/slides/slide21.xml><?xml version="1.0" encoding="utf-8"?>
+<p:sld xmlns:a="http://schemas.openxmlformats.org/drawingml/2006/main" xmlns:r="http://schemas.openxmlformats.org/officeDocument/2006/relationships" xmlns:p="http://schemas.openxmlformats.org/presentationml/2006/main">
+  <p:cSld>
+    <p:spTree>
+      <p:nvGrpSpPr>
+        <p:cNvPr id="1" name=""/>
+        <p:cNvGrpSpPr/>
+        <p:nvPr/>
+      </p:nvGrpSpPr>
+      <p:grpSpPr>
+        <a:xfrm>
+          <a:off x="0" y="0"/>
+          <a:ext cx="0" cy="0"/>
+          <a:chOff x="0" y="0"/>
+          <a:chExt cx="0" cy="0"/>
+        </a:xfrm>
+      </p:grpSpPr>
+      <p:sp>
+        <p:nvSpPr>
+          <p:cNvPr id="2" name="Title 1">
+            <a:extLst>
+              <a:ext uri="{FF2B5EF4-FFF2-40B4-BE49-F238E27FC236}">
+                <a16:creationId xmlns:a16="http://schemas.microsoft.com/office/drawing/2014/main" id="{5FF1AD65-A2D5-47AF-9F42-9DC4E4065CFA}"/>
+              </a:ext>
+            </a:extLst>
+          </p:cNvPr>
+          <p:cNvSpPr>
+            <a:spLocks noGrp="1"/>
+          </p:cNvSpPr>
+          <p:nvPr>
+            <p:ph type="title"/>
+          </p:nvPr>
+        </p:nvSpPr>
+        <p:spPr/>
+        <p:txBody>
+          <a:bodyPr/>
+          <a:lstStyle/>
+          <a:p>
+            <a:r>
+              <a:rPr lang="en-US" dirty="0"/>
+              <a:t>Appendix A – Sources of Randomness in Python Network Traffic Generation</a:t>
+            </a:r>
+          </a:p>
+        </p:txBody>
+      </p:sp>
+      <p:sp>
+        <p:nvSpPr>
+          <p:cNvPr id="3" name="Content Placeholder 2">
+            <a:extLst>
+              <a:ext uri="{FF2B5EF4-FFF2-40B4-BE49-F238E27FC236}">
+                <a16:creationId xmlns:a16="http://schemas.microsoft.com/office/drawing/2014/main" id="{613F5C2C-6AF0-4C62-A087-FDA9EF3BAB0C}"/>
+              </a:ext>
+            </a:extLst>
+          </p:cNvPr>
+          <p:cNvSpPr>
+            <a:spLocks noGrp="1"/>
+          </p:cNvSpPr>
+          <p:nvPr>
+            <p:ph idx="1"/>
+          </p:nvPr>
+        </p:nvSpPr>
+        <p:spPr>
+          <a:xfrm>
+            <a:off x="677334" y="1844985"/>
+            <a:ext cx="8596668" cy="5013016"/>
+          </a:xfrm>
+        </p:spPr>
+        <p:txBody>
+          <a:bodyPr/>
+          <a:lstStyle/>
+          <a:p>
+            <a:r>
+              <a:rPr lang="en-US" dirty="0"/>
+              <a:t>Hosts (Users with Laptops):</a:t>
+            </a:r>
+          </a:p>
+          <a:p>
+            <a:pPr lvl="1"/>
+            <a:r>
+              <a:rPr lang="en-US" dirty="0"/>
+              <a:t>Sleep for </a:t>
+            </a:r>
+            <a:r>
+              <a:rPr lang="en-US" dirty="0">
+                <a:solidFill>
+                  <a:srgbClr val="FF0000"/>
+                </a:solidFill>
+              </a:rPr>
+              <a:t>random</a:t>
+            </a:r>
+            <a:r>
+              <a:rPr lang="en-US" dirty="0"/>
+              <a:t> time between 1-10 seconds.</a:t>
+            </a:r>
+          </a:p>
+          <a:p>
+            <a:pPr lvl="1"/>
+            <a:r>
+              <a:rPr lang="en-US" dirty="0"/>
+              <a:t>Choose one of the following 4 tasks at </a:t>
+            </a:r>
+            <a:r>
+              <a:rPr lang="en-US" dirty="0">
+                <a:solidFill>
+                  <a:srgbClr val="FF0000"/>
+                </a:solidFill>
+              </a:rPr>
+              <a:t>random</a:t>
+            </a:r>
+            <a:r>
+              <a:rPr lang="en-US" dirty="0"/>
+              <a:t>:</a:t>
+            </a:r>
+          </a:p>
+          <a:p>
+            <a:pPr marL="914400" lvl="2" indent="0">
+              <a:buNone/>
+            </a:pPr>
+            <a:r>
+              <a:rPr lang="en-US" dirty="0"/>
+              <a:t>1) Send data (</a:t>
+            </a:r>
+            <a:r>
+              <a:rPr lang="en-US" dirty="0">
+                <a:solidFill>
+                  <a:srgbClr val="FF0000"/>
+                </a:solidFill>
+              </a:rPr>
+              <a:t>random</a:t>
+            </a:r>
+            <a:r>
+              <a:rPr lang="en-US" dirty="0"/>
+              <a:t> amount between 1 and 1024 bytes) to other host.</a:t>
+            </a:r>
+          </a:p>
+          <a:p>
+            <a:pPr marL="914400" lvl="2" indent="0">
+              <a:buNone/>
+            </a:pPr>
+            <a:r>
+              <a:rPr lang="en-US" dirty="0"/>
+              <a:t>	- Choose host to send to at </a:t>
+            </a:r>
+            <a:r>
+              <a:rPr lang="en-US" dirty="0">
+                <a:solidFill>
+                  <a:srgbClr val="FF0000"/>
+                </a:solidFill>
+              </a:rPr>
+              <a:t>random</a:t>
+            </a:r>
+            <a:r>
+              <a:rPr lang="en-US" dirty="0"/>
+              <a:t> (other than self).</a:t>
+            </a:r>
+          </a:p>
+          <a:p>
+            <a:pPr marL="914400" lvl="2" indent="0">
+              <a:buNone/>
+            </a:pPr>
+            <a:r>
+              <a:rPr lang="en-US" dirty="0"/>
+              <a:t>2) Ping another IP.</a:t>
+            </a:r>
+          </a:p>
+          <a:p>
+            <a:pPr marL="914400" lvl="2" indent="0">
+              <a:buNone/>
+            </a:pPr>
+            <a:r>
+              <a:rPr lang="en-US" dirty="0"/>
+              <a:t>	- Choose host </a:t>
+            </a:r>
+            <a:r>
+              <a:rPr lang="en-US"/>
+              <a:t>or server </a:t>
+            </a:r>
+            <a:r>
+              <a:rPr lang="en-US" dirty="0"/>
+              <a:t>to send to at </a:t>
+            </a:r>
+            <a:r>
+              <a:rPr lang="en-US" dirty="0">
+                <a:solidFill>
+                  <a:srgbClr val="FF0000"/>
+                </a:solidFill>
+              </a:rPr>
+              <a:t>random</a:t>
+            </a:r>
+            <a:r>
+              <a:rPr lang="en-US" dirty="0"/>
+              <a:t> (other than self).</a:t>
+            </a:r>
+          </a:p>
+          <a:p>
+            <a:pPr marL="914400" lvl="2" indent="0">
+              <a:buNone/>
+            </a:pPr>
+            <a:r>
+              <a:rPr lang="en-US" dirty="0"/>
+              <a:t>3) Send HTTP request to Web Server.</a:t>
+            </a:r>
+          </a:p>
+          <a:p>
+            <a:pPr marL="914400" lvl="2" indent="0">
+              <a:buNone/>
+            </a:pPr>
+            <a:r>
+              <a:rPr lang="en-US" dirty="0"/>
+              <a:t>4) Send data (</a:t>
+            </a:r>
+            <a:r>
+              <a:rPr lang="en-US" dirty="0">
+                <a:solidFill>
+                  <a:srgbClr val="FF0000"/>
+                </a:solidFill>
+              </a:rPr>
+              <a:t>random</a:t>
+            </a:r>
+            <a:r>
+              <a:rPr lang="en-US" dirty="0"/>
+              <a:t> amount between 1 and 1024 bytes) to App Server.</a:t>
+            </a:r>
+          </a:p>
+          <a:p>
+            <a:pPr marL="285750" lvl="2" indent="-285750"/>
+            <a:r>
+              <a:rPr lang="en-US" sz="1800" dirty="0"/>
+              <a:t>Web Server:</a:t>
+            </a:r>
+          </a:p>
+          <a:p>
+            <a:pPr marL="742950" lvl="3" indent="-285750"/>
+            <a:r>
+              <a:rPr lang="en-US" sz="1600" dirty="0"/>
+              <a:t>Sleep for </a:t>
+            </a:r>
+            <a:r>
+              <a:rPr lang="en-US" sz="1600" dirty="0">
+                <a:solidFill>
+                  <a:srgbClr val="FF0000"/>
+                </a:solidFill>
+              </a:rPr>
+              <a:t>random</a:t>
+            </a:r>
+            <a:r>
+              <a:rPr lang="en-US" sz="1600" dirty="0"/>
+              <a:t> time between 1-10 seconds.</a:t>
+            </a:r>
+          </a:p>
+          <a:p>
+            <a:pPr marL="742950" lvl="3" indent="-285750"/>
+            <a:r>
+              <a:rPr lang="en-US" sz="1600" dirty="0"/>
+              <a:t>Send data (</a:t>
+            </a:r>
+            <a:r>
+              <a:rPr lang="en-US" sz="1600" dirty="0">
+                <a:solidFill>
+                  <a:srgbClr val="FF0000"/>
+                </a:solidFill>
+              </a:rPr>
+              <a:t>random</a:t>
+            </a:r>
+            <a:r>
+              <a:rPr lang="en-US" sz="1600" dirty="0"/>
+              <a:t> amount between 1 and 1024 bytes) to DB Server.</a:t>
+            </a:r>
+          </a:p>
+          <a:p>
+            <a:pPr marL="285750" lvl="2" indent="-285750"/>
+            <a:r>
+              <a:rPr lang="en-US" sz="1800" dirty="0"/>
+              <a:t>DB &amp; App Server only respond to requests.</a:t>
+            </a:r>
+          </a:p>
+        </p:txBody>
+      </p:sp>
+    </p:spTree>
+    <p:extLst>
+      <p:ext uri="{BB962C8B-B14F-4D97-AF65-F5344CB8AC3E}">
+        <p14:creationId xmlns:p14="http://schemas.microsoft.com/office/powerpoint/2010/main" val="4273642551"/>
+      </p:ext>
+    </p:extLst>
+  </p:cSld>
+  <p:clrMapOvr>
+    <a:masterClrMapping/>
+  </p:clrMapOvr>
+</p:sld>
+</file>
+
+<file path=ppt/slides/slide22.xml><?xml version="1.0" encoding="utf-8"?>
+<p:sld xmlns:a="http://schemas.openxmlformats.org/drawingml/2006/main" xmlns:r="http://schemas.openxmlformats.org/officeDocument/2006/relationships" xmlns:p="http://schemas.openxmlformats.org/presentationml/2006/main">
+  <p:cSld>
+    <p:spTree>
+      <p:nvGrpSpPr>
+        <p:cNvPr id="1" name=""/>
+        <p:cNvGrpSpPr/>
+        <p:nvPr/>
+      </p:nvGrpSpPr>
+      <p:grpSpPr>
+        <a:xfrm>
+          <a:off x="0" y="0"/>
+          <a:ext cx="0" cy="0"/>
+          <a:chOff x="0" y="0"/>
+          <a:chExt cx="0" cy="0"/>
+        </a:xfrm>
+      </p:grpSpPr>
+      <p:sp>
+        <p:nvSpPr>
+          <p:cNvPr id="2" name="Title 1">
+            <a:extLst>
+              <a:ext uri="{FF2B5EF4-FFF2-40B4-BE49-F238E27FC236}">
+                <a16:creationId xmlns:a16="http://schemas.microsoft.com/office/drawing/2014/main" id="{5FF1AD65-A2D5-47AF-9F42-9DC4E4065CFA}"/>
+              </a:ext>
+            </a:extLst>
+          </p:cNvPr>
+          <p:cNvSpPr>
+            <a:spLocks noGrp="1"/>
+          </p:cNvSpPr>
+          <p:nvPr>
+            <p:ph type="title"/>
+          </p:nvPr>
+        </p:nvSpPr>
+        <p:spPr/>
+        <p:txBody>
+          <a:bodyPr/>
+          <a:lstStyle/>
+          <a:p>
+            <a:r>
+              <a:rPr lang="en-US" dirty="0"/>
+              <a:t>Appendix B – Python Scripts</a:t>
+            </a:r>
+          </a:p>
+        </p:txBody>
+      </p:sp>
+      <p:sp>
+        <p:nvSpPr>
+          <p:cNvPr id="3" name="Content Placeholder 2">
+            <a:extLst>
+              <a:ext uri="{FF2B5EF4-FFF2-40B4-BE49-F238E27FC236}">
+                <a16:creationId xmlns:a16="http://schemas.microsoft.com/office/drawing/2014/main" id="{613F5C2C-6AF0-4C62-A087-FDA9EF3BAB0C}"/>
+              </a:ext>
+            </a:extLst>
+          </p:cNvPr>
+          <p:cNvSpPr>
+            <a:spLocks noGrp="1"/>
+          </p:cNvSpPr>
+          <p:nvPr>
+            <p:ph idx="1"/>
+          </p:nvPr>
+        </p:nvSpPr>
+        <p:spPr>
+          <a:xfrm>
+            <a:off x="677334" y="1488613"/>
+            <a:ext cx="8596668" cy="5369387"/>
+          </a:xfrm>
+        </p:spPr>
+        <p:txBody>
+          <a:bodyPr>
+            <a:normAutofit/>
+          </a:bodyPr>
+          <a:lstStyle/>
+          <a:p>
+            <a:r>
+              <a:rPr lang="en-US" b="1" u="sng" dirty="0"/>
+              <a:t>setup_topo.py</a:t>
+            </a:r>
+            <a:r>
+              <a:rPr lang="en-US" dirty="0"/>
+              <a:t> – Setup Mininet topology, configure Open </a:t>
+            </a:r>
+            <a:r>
+              <a:rPr lang="en-US" dirty="0" err="1"/>
+              <a:t>vSwitches</a:t>
+            </a:r>
+            <a:r>
+              <a:rPr lang="en-US" dirty="0"/>
+              <a:t> with NetFlow, call Client.py and Server.py for each Mininet host.</a:t>
+            </a:r>
+            <a:endParaRPr lang="en-US" b="1" u="sng" dirty="0"/>
+          </a:p>
+          <a:p>
+            <a:r>
+              <a:rPr lang="en-US" b="1" u="sng" dirty="0"/>
+              <a:t>Client.py</a:t>
+            </a:r>
+            <a:r>
+              <a:rPr lang="en-US" dirty="0"/>
+              <a:t> – Generates random “Normal” traffic.</a:t>
+            </a:r>
+          </a:p>
+          <a:p>
+            <a:r>
+              <a:rPr lang="en-US" b="1" u="sng" dirty="0"/>
+              <a:t>Server.py</a:t>
+            </a:r>
+            <a:r>
+              <a:rPr lang="en-US" dirty="0"/>
+              <a:t> – Receives messages from Client.py from other hosts and responds.</a:t>
+            </a:r>
+            <a:br>
+              <a:rPr lang="en-US" dirty="0"/>
+            </a:br>
+            <a:endParaRPr lang="en-US" dirty="0"/>
+          </a:p>
+          <a:p>
+            <a:r>
+              <a:rPr lang="en-US" b="1" u="sng" dirty="0"/>
+              <a:t>sparkKafka.py</a:t>
+            </a:r>
+            <a:r>
+              <a:rPr lang="en-US" dirty="0"/>
+              <a:t> – Perform feature engineering to get our features and send to ElasticSearch.</a:t>
+            </a:r>
+          </a:p>
+          <a:p>
+            <a:r>
+              <a:rPr lang="en-US" b="1" u="sng" dirty="0"/>
+              <a:t>sparkMachineLearning.py</a:t>
+            </a:r>
+            <a:r>
+              <a:rPr lang="en-US" dirty="0"/>
+              <a:t> – Train K-Means algorithm on data in ElasticSearch, perform feature engineering on new data, standardize new data and check if anomaly. If anomaly detected, send REST API call to ONOS.</a:t>
+            </a:r>
+            <a:br>
+              <a:rPr lang="en-US" dirty="0"/>
+            </a:br>
+            <a:endParaRPr lang="en-US" dirty="0"/>
+          </a:p>
+          <a:p>
+            <a:r>
+              <a:rPr lang="en-US" b="1" u="sng" dirty="0"/>
+              <a:t>scapyPortScan.py</a:t>
+            </a:r>
+            <a:r>
+              <a:rPr lang="en-US" dirty="0"/>
+              <a:t> – Use Python library </a:t>
+            </a:r>
+            <a:r>
+              <a:rPr lang="en-US" dirty="0" err="1"/>
+              <a:t>Scapy</a:t>
+            </a:r>
+            <a:r>
+              <a:rPr lang="en-US" dirty="0"/>
+              <a:t> to perform a UDP port scan from port 1 to port 65535 on the target device.</a:t>
+            </a:r>
+            <a:endParaRPr lang="en-US" b="1" u="sng" dirty="0"/>
+          </a:p>
+          <a:p>
+            <a:endParaRPr lang="en-US" b="1" u="sng" dirty="0"/>
+          </a:p>
+        </p:txBody>
+      </p:sp>
+    </p:spTree>
+    <p:extLst>
+      <p:ext uri="{BB962C8B-B14F-4D97-AF65-F5344CB8AC3E}">
+        <p14:creationId xmlns:p14="http://schemas.microsoft.com/office/powerpoint/2010/main" val="1355045381"/>
+      </p:ext>
+    </p:extLst>
+  </p:cSld>
+  <p:clrMapOvr>
+    <a:masterClrMapping/>
+  </p:clrMapOvr>
+</p:sld>
+</file>
+
+<file path=ppt/slides/slide23.xml><?xml version="1.0" encoding="utf-8"?>
+<p:sld xmlns:a="http://schemas.openxmlformats.org/drawingml/2006/main" xmlns:r="http://schemas.openxmlformats.org/officeDocument/2006/relationships" xmlns:p="http://schemas.openxmlformats.org/presentationml/2006/main">
+  <p:cSld>
+    <p:spTree>
+      <p:nvGrpSpPr>
+        <p:cNvPr id="1" name=""/>
+        <p:cNvGrpSpPr/>
+        <p:nvPr/>
+      </p:nvGrpSpPr>
+      <p:grpSpPr>
+        <a:xfrm>
+          <a:off x="0" y="0"/>
+          <a:ext cx="0" cy="0"/>
+          <a:chOff x="0" y="0"/>
+          <a:chExt cx="0" cy="0"/>
+        </a:xfrm>
+      </p:grpSpPr>
+      <p:sp>
+        <p:nvSpPr>
+          <p:cNvPr id="2" name="Title 1">
+            <a:extLst>
+              <a:ext uri="{FF2B5EF4-FFF2-40B4-BE49-F238E27FC236}">
+                <a16:creationId xmlns:a16="http://schemas.microsoft.com/office/drawing/2014/main" id="{3D921775-48EA-442B-B7E8-0D29A9269E53}"/>
+              </a:ext>
+            </a:extLst>
+          </p:cNvPr>
+          <p:cNvSpPr>
+            <a:spLocks noGrp="1"/>
+          </p:cNvSpPr>
+          <p:nvPr>
+            <p:ph type="title"/>
+          </p:nvPr>
+        </p:nvSpPr>
+        <p:spPr/>
+        <p:txBody>
+          <a:bodyPr/>
+          <a:lstStyle/>
+          <a:p>
+            <a:r>
+              <a:rPr lang="en-US" dirty="0"/>
+              <a:t>Appendix C - Elasticsearch Index Creation</a:t>
+            </a:r>
+          </a:p>
+        </p:txBody>
+      </p:sp>
+      <p:sp>
+        <p:nvSpPr>
+          <p:cNvPr id="3" name="Content Placeholder 2">
+            <a:extLst>
+              <a:ext uri="{FF2B5EF4-FFF2-40B4-BE49-F238E27FC236}">
+                <a16:creationId xmlns:a16="http://schemas.microsoft.com/office/drawing/2014/main" id="{572B7988-9806-4612-9F5A-E18C41750765}"/>
+              </a:ext>
+            </a:extLst>
+          </p:cNvPr>
+          <p:cNvSpPr>
+            <a:spLocks noGrp="1"/>
+          </p:cNvSpPr>
+          <p:nvPr>
+            <p:ph sz="half" idx="1"/>
+          </p:nvPr>
+        </p:nvSpPr>
+        <p:spPr>
+          <a:xfrm>
+            <a:off x="677334" y="1930400"/>
+            <a:ext cx="4184035" cy="3880772"/>
+          </a:xfrm>
+        </p:spPr>
+        <p:txBody>
+          <a:bodyPr>
+            <a:normAutofit fontScale="77500" lnSpcReduction="20000"/>
+          </a:bodyPr>
+          <a:lstStyle/>
+          <a:p>
+            <a:r>
+              <a:rPr lang="en-US" sz="2900" dirty="0"/>
+              <a:t>Elasticsearch is a distributed document store. </a:t>
+            </a:r>
+          </a:p>
+          <a:p>
+            <a:r>
+              <a:rPr lang="en-US" sz="2900" dirty="0"/>
+              <a:t>It can store and retrieve complex data structures—serialized as JSON documents—in real time. </a:t>
+            </a:r>
+          </a:p>
+          <a:p>
+            <a:r>
+              <a:rPr lang="en-US" sz="2900" dirty="0"/>
+              <a:t>In other words, as soon as a document has been stored in Elasticsearch, it can be retrieved from any node in the cluster</a:t>
+            </a:r>
+            <a:r>
+              <a:rPr lang="en-US" dirty="0"/>
+              <a:t>. </a:t>
+            </a:r>
+          </a:p>
+        </p:txBody>
+      </p:sp>
+      <p:sp>
+        <p:nvSpPr>
+          <p:cNvPr id="4" name="Content Placeholder 3">
+            <a:extLst>
+              <a:ext uri="{FF2B5EF4-FFF2-40B4-BE49-F238E27FC236}">
+                <a16:creationId xmlns:a16="http://schemas.microsoft.com/office/drawing/2014/main" id="{BF02B6CB-E5CD-4C4B-A6CC-EBE0D8EC5CCC}"/>
+              </a:ext>
+            </a:extLst>
+          </p:cNvPr>
+          <p:cNvSpPr>
+            <a:spLocks noGrp="1"/>
+          </p:cNvSpPr>
+          <p:nvPr>
+            <p:ph sz="half" idx="2"/>
+          </p:nvPr>
+        </p:nvSpPr>
+        <p:spPr>
+          <a:xfrm>
+            <a:off x="5008970" y="1930399"/>
+            <a:ext cx="4806669" cy="3880773"/>
+          </a:xfrm>
+        </p:spPr>
+        <p:txBody>
+          <a:bodyPr>
+            <a:normAutofit fontScale="77500" lnSpcReduction="20000"/>
+          </a:bodyPr>
+          <a:lstStyle/>
+          <a:p>
+            <a:pPr marL="0" indent="0">
+              <a:buNone/>
+            </a:pPr>
+            <a:r>
+              <a:rPr lang="en-US" dirty="0"/>
+              <a:t># the index created in Elasticsearch using Kibana Dev Tool</a:t>
+            </a:r>
+          </a:p>
+          <a:p>
+            <a:pPr marL="0" indent="0">
+              <a:buNone/>
+            </a:pPr>
+            <a:r>
+              <a:rPr lang="en-US" dirty="0"/>
+              <a:t>PUT /</a:t>
+            </a:r>
+            <a:r>
+              <a:rPr lang="en-US" dirty="0" err="1"/>
+              <a:t>netflowrepo</a:t>
+            </a:r>
+            <a:r>
+              <a:rPr lang="en-US" dirty="0"/>
+              <a:t>/entry/_mapping</a:t>
+            </a:r>
+          </a:p>
+          <a:p>
+            <a:pPr marL="0" indent="0">
+              <a:buNone/>
+            </a:pPr>
+            <a:r>
+              <a:rPr lang="en-US" dirty="0"/>
+              <a:t>{</a:t>
+            </a:r>
+          </a:p>
+          <a:p>
+            <a:pPr marL="0" indent="0">
+              <a:buNone/>
+            </a:pPr>
+            <a:r>
+              <a:rPr lang="en-US" dirty="0"/>
+              <a:t>	"entry" : {</a:t>
+            </a:r>
+          </a:p>
+          <a:p>
+            <a:pPr marL="0" indent="0">
+              <a:buNone/>
+            </a:pPr>
+            <a:r>
+              <a:rPr lang="en-US" dirty="0"/>
+              <a:t>		"properties" : {</a:t>
+            </a:r>
+          </a:p>
+          <a:p>
+            <a:pPr marL="0" indent="0">
+              <a:buNone/>
+            </a:pPr>
+            <a:r>
+              <a:rPr lang="en-US" dirty="0"/>
+              <a:t>			"</a:t>
+            </a:r>
+            <a:r>
+              <a:rPr lang="en-US" dirty="0" err="1"/>
+              <a:t>sumOfBytes</a:t>
+            </a:r>
+            <a:r>
+              <a:rPr lang="en-US" dirty="0"/>
+              <a:t>" : { "type" : "long" },</a:t>
+            </a:r>
+          </a:p>
+          <a:p>
+            <a:pPr marL="0" indent="0">
+              <a:buNone/>
+            </a:pPr>
+            <a:r>
+              <a:rPr lang="en-US" dirty="0"/>
+              <a:t>			"</a:t>
+            </a:r>
+            <a:r>
+              <a:rPr lang="en-US" dirty="0" err="1"/>
+              <a:t>uniqDstIPs</a:t>
+            </a:r>
+            <a:r>
+              <a:rPr lang="en-US" dirty="0"/>
+              <a:t>" : { "type" : "integer" },</a:t>
+            </a:r>
+          </a:p>
+          <a:p>
+            <a:pPr marL="0" indent="0">
+              <a:buNone/>
+            </a:pPr>
+            <a:r>
+              <a:rPr lang="en-US" dirty="0"/>
+              <a:t>			"</a:t>
+            </a:r>
+            <a:r>
+              <a:rPr lang="en-US" dirty="0" err="1"/>
+              <a:t>uniqDstPorts</a:t>
+            </a:r>
+            <a:r>
+              <a:rPr lang="en-US" dirty="0"/>
+              <a:t>" : { "type" : "integer" }</a:t>
+            </a:r>
+          </a:p>
+          <a:p>
+            <a:pPr marL="0" indent="0">
+              <a:buNone/>
+            </a:pPr>
+            <a:r>
+              <a:rPr lang="en-US" dirty="0"/>
+              <a:t>		}</a:t>
+            </a:r>
+          </a:p>
+          <a:p>
+            <a:pPr marL="0" indent="0">
+              <a:buNone/>
+            </a:pPr>
+            <a:r>
+              <a:rPr lang="en-US" dirty="0"/>
+              <a:t>	}</a:t>
+            </a:r>
+          </a:p>
+          <a:p>
+            <a:pPr marL="0" indent="0">
+              <a:buNone/>
+            </a:pPr>
+            <a:r>
+              <a:rPr lang="en-US" dirty="0"/>
+              <a:t>}</a:t>
+            </a:r>
+          </a:p>
+          <a:p>
+            <a:endParaRPr lang="en-US" dirty="0"/>
+          </a:p>
+        </p:txBody>
+      </p:sp>
+    </p:spTree>
+    <p:extLst>
+      <p:ext uri="{BB962C8B-B14F-4D97-AF65-F5344CB8AC3E}">
+        <p14:creationId xmlns:p14="http://schemas.microsoft.com/office/powerpoint/2010/main" val="4183393618"/>
+      </p:ext>
+    </p:extLst>
+  </p:cSld>
+  <p:clrMapOvr>
+    <a:masterClrMapping/>
+  </p:clrMapOvr>
+</p:sld>
+</file>
+
+<file path=ppt/slides/slide24.xml><?xml version="1.0" encoding="utf-8"?>
+<p:sld xmlns:a="http://schemas.openxmlformats.org/drawingml/2006/main" xmlns:r="http://schemas.openxmlformats.org/officeDocument/2006/relationships" xmlns:p="http://schemas.openxmlformats.org/presentationml/2006/main">
+  <p:cSld>
+    <p:spTree>
+      <p:nvGrpSpPr>
+        <p:cNvPr id="1" name=""/>
+        <p:cNvGrpSpPr/>
+        <p:nvPr/>
+      </p:nvGrpSpPr>
+      <p:grpSpPr>
+        <a:xfrm>
+          <a:off x="0" y="0"/>
+          <a:ext cx="0" cy="0"/>
+          <a:chOff x="0" y="0"/>
+          <a:chExt cx="0" cy="0"/>
+        </a:xfrm>
+      </p:grpSpPr>
+      <p:sp>
+        <p:nvSpPr>
+          <p:cNvPr id="2" name="Title 1">
+            <a:extLst>
+              <a:ext uri="{FF2B5EF4-FFF2-40B4-BE49-F238E27FC236}">
+                <a16:creationId xmlns:a16="http://schemas.microsoft.com/office/drawing/2014/main" id="{E7024517-93B9-4B09-B066-7A681526DB4F}"/>
+              </a:ext>
+            </a:extLst>
+          </p:cNvPr>
+          <p:cNvSpPr>
+            <a:spLocks noGrp="1"/>
+          </p:cNvSpPr>
+          <p:nvPr>
+            <p:ph type="title"/>
+          </p:nvPr>
+        </p:nvSpPr>
+        <p:spPr/>
+        <p:txBody>
+          <a:bodyPr/>
+          <a:lstStyle/>
+          <a:p>
+            <a:r>
+              <a:rPr lang="en-US" dirty="0"/>
+              <a:t>Appendix D - Supervised vs. Unsupervised Machine Learning</a:t>
+            </a:r>
+          </a:p>
+        </p:txBody>
+      </p:sp>
+      <p:sp>
+        <p:nvSpPr>
+          <p:cNvPr id="3" name="Content Placeholder 2">
+            <a:extLst>
+              <a:ext uri="{FF2B5EF4-FFF2-40B4-BE49-F238E27FC236}">
+                <a16:creationId xmlns:a16="http://schemas.microsoft.com/office/drawing/2014/main" id="{EA02C3DB-52DB-434C-8809-FFBA4A5F86CC}"/>
+              </a:ext>
+            </a:extLst>
+          </p:cNvPr>
+          <p:cNvSpPr>
+            <a:spLocks noGrp="1"/>
+          </p:cNvSpPr>
+          <p:nvPr>
+            <p:ph idx="1"/>
+          </p:nvPr>
+        </p:nvSpPr>
+        <p:spPr/>
+        <p:txBody>
+          <a:bodyPr>
+            <a:normAutofit/>
+          </a:bodyPr>
+          <a:lstStyle/>
+          <a:p>
+            <a:r>
+              <a:rPr lang="en-US" dirty="0"/>
+              <a:t>Supervised Machine Learning is used when you have labeled data.</a:t>
+            </a:r>
+          </a:p>
+          <a:p>
+            <a:pPr lvl="1"/>
+            <a:r>
+              <a:rPr lang="en-US" dirty="0"/>
+              <a:t>You give the Machine Learning algorithm examples of “Normal” traffic and examples of “Attack” traffic, and it learns how to recognize them.  After being trained, when shown a previously unseen example the algorithm should be able to correctly identify if the new traffic is “Normal” or if it is an “Attack.” </a:t>
+            </a:r>
+          </a:p>
+          <a:p>
+            <a:pPr lvl="1"/>
+            <a:r>
+              <a:rPr lang="en-US" dirty="0"/>
+              <a:t>This would work for Signature-based IDS.</a:t>
+            </a:r>
+          </a:p>
+          <a:p>
+            <a:pPr lvl="1"/>
+            <a:endParaRPr lang="en-US" dirty="0"/>
+          </a:p>
+          <a:p>
+            <a:r>
+              <a:rPr lang="en-US" dirty="0"/>
+              <a:t>Unsupervised Machine Learning is used when you do not have labeled data.</a:t>
+            </a:r>
+          </a:p>
+          <a:p>
+            <a:pPr lvl="1"/>
+            <a:r>
+              <a:rPr lang="en-US" dirty="0"/>
+              <a:t>We chose Unsupervised Machine Learning since we only had examples of “Normal” network traffic data to train from.</a:t>
+            </a:r>
+          </a:p>
+          <a:p>
+            <a:pPr lvl="1"/>
+            <a:r>
+              <a:rPr lang="en-US" dirty="0"/>
+              <a:t>This is typically used when looking for anomalies.</a:t>
+            </a:r>
+          </a:p>
+        </p:txBody>
+      </p:sp>
+    </p:spTree>
+    <p:extLst>
+      <p:ext uri="{BB962C8B-B14F-4D97-AF65-F5344CB8AC3E}">
+        <p14:creationId xmlns:p14="http://schemas.microsoft.com/office/powerpoint/2010/main" val="190594739"/>
       </p:ext>
     </p:extLst>
   </p:cSld>
@@ -7450,7 +10246,7 @@
         </p:spPr>
         <p:txBody>
           <a:bodyPr>
-            <a:normAutofit/>
+            <a:normAutofit fontScale="92500" lnSpcReduction="10000"/>
           </a:bodyPr>
           <a:lstStyle/>
           <a:p>
@@ -7458,45 +10254,71 @@
               <a:rPr lang="en-US" dirty="0">
                 <a:effectLst/>
               </a:rPr>
-              <a:t>With the increasing popularity and implementation of Software Defined Networks and powerful controllers, we hosted a customized application on them to perform </a:t>
-            </a:r>
-            <a:r>
-              <a:rPr lang="en-US" u="sng" dirty="0">
-                <a:effectLst/>
-              </a:rPr>
-              <a:t>intrusion detection for non-signature attacks. </a:t>
-            </a:r>
+              <a:t>Intrusion Detection Systems (IDS) fall into 2 categories:</a:t>
+            </a:r>
+          </a:p>
+          <a:p>
+            <a:pPr marL="800100" lvl="1" indent="-342900">
+              <a:buFont typeface="+mj-lt"/>
+              <a:buAutoNum type="arabicPeriod"/>
+            </a:pPr>
+            <a:r>
+              <a:rPr lang="en-US" dirty="0"/>
+              <a:t>Signature-based IDS look for known patterns (or signatures) in network traffic to identify Intrusions.</a:t>
+            </a:r>
+          </a:p>
+          <a:p>
+            <a:pPr marL="1200150" lvl="2" indent="-342900">
+              <a:buFont typeface="+mj-lt"/>
+              <a:buAutoNum type="arabicPeriod"/>
+            </a:pPr>
+            <a:r>
+              <a:rPr lang="en-US" dirty="0"/>
+              <a:t>Example: Snort IDS</a:t>
+            </a:r>
+          </a:p>
+          <a:p>
+            <a:pPr marL="800100" lvl="1" indent="-342900">
+              <a:buFont typeface="+mj-lt"/>
+              <a:buAutoNum type="arabicPeriod"/>
+            </a:pPr>
+            <a:r>
+              <a:rPr lang="en-US" dirty="0"/>
+              <a:t>Anomaly-based IDS look for anomalous network traffic. This is used to identify new or previously unknown Intrusion methods.</a:t>
+            </a:r>
+            <a:endParaRPr lang="en-US" dirty="0">
+              <a:effectLst/>
+            </a:endParaRPr>
           </a:p>
           <a:p>
             <a:r>
               <a:rPr lang="en-US" dirty="0">
                 <a:effectLst/>
               </a:rPr>
-              <a:t>The real-time implementation will </a:t>
-            </a:r>
-            <a:r>
-              <a:rPr lang="en-US" u="sng" dirty="0">
-                <a:effectLst/>
-              </a:rPr>
-              <a:t>detect the attack immediately and hence blocking</a:t>
-            </a:r>
+              <a:t>Our goal is to develop an architecture that incorporates SDN, Big Data, and Machine Learning to:</a:t>
+            </a:r>
+          </a:p>
+          <a:p>
+            <a:pPr lvl="1"/>
             <a:r>
               <a:rPr lang="en-US" dirty="0">
                 <a:effectLst/>
               </a:rPr>
-              <a:t> the traffic from the anomaly device via ONOS Controller. </a:t>
-            </a:r>
-          </a:p>
-          <a:p>
+              <a:t>Detect anomalies in network traffic</a:t>
+            </a:r>
+          </a:p>
+          <a:p>
+            <a:pPr lvl="1"/>
+            <a:r>
+              <a:rPr lang="en-US" dirty="0"/>
+              <a:t>And s</a:t>
+            </a:r>
             <a:r>
               <a:rPr lang="en-US" dirty="0">
                 <a:effectLst/>
               </a:rPr>
-              <a:t>Since, the data is semi-structured and Big Data, we had to include the Big Data architecture to process and visualize it.</a:t>
-            </a:r>
-          </a:p>
-          <a:p>
-            <a:endParaRPr lang="en-US" dirty="0"/>
+              <a:t>end a REST API call to ONOS to block the source of the anomalous traffic in real-time.</a:t>
+            </a:r>
           </a:p>
         </p:txBody>
       </p:sp>
@@ -7514,8 +10336,8 @@
         </p:nvSpPr>
         <p:spPr>
           <a:xfrm>
-            <a:off x="6318979" y="1764289"/>
-            <a:ext cx="3146323" cy="2966525"/>
+            <a:off x="7219816" y="2303428"/>
+            <a:ext cx="2054186" cy="1936800"/>
           </a:xfrm>
           <a:prstGeom prst="noSmoking">
             <a:avLst/>
@@ -7523,6 +10345,11 @@
           <a:solidFill>
             <a:srgbClr val="FF0000"/>
           </a:solidFill>
+          <a:ln>
+            <a:solidFill>
+              <a:srgbClr val="FF0000"/>
+            </a:solidFill>
+          </a:ln>
         </p:spPr>
         <p:style>
           <a:lnRef idx="2">
@@ -7545,9 +10372,18 @@
           <a:lstStyle/>
           <a:p>
             <a:pPr algn="ctr"/>
-            <a:endParaRPr lang="en-US">
+            <a:endParaRPr lang="en-US" b="1">
+              <a:ln w="22225">
+                <a:solidFill>
+                  <a:schemeClr val="accent2"/>
+                </a:solidFill>
+                <a:prstDash val="solid"/>
+              </a:ln>
               <a:solidFill>
-                <a:schemeClr val="tx1"/>
+                <a:schemeClr val="accent2">
+                  <a:lumMod val="40000"/>
+                  <a:lumOff val="60000"/>
+                </a:schemeClr>
               </a:solidFill>
             </a:endParaRPr>
           </a:p>
@@ -7588,7 +10424,7 @@
           <p:cNvPr id="2" name="Title 1">
             <a:extLst>
               <a:ext uri="{FF2B5EF4-FFF2-40B4-BE49-F238E27FC236}">
-                <a16:creationId xmlns:a16="http://schemas.microsoft.com/office/drawing/2014/main" id="{8D5F196B-4EC2-4626-8808-6DFC49D247E6}"/>
+                <a16:creationId xmlns:a16="http://schemas.microsoft.com/office/drawing/2014/main" id="{CB90FA7E-F774-4C2A-BC4A-4543AD470624}"/>
               </a:ext>
             </a:extLst>
           </p:cNvPr>
@@ -7608,7 +10444,7 @@
               <a:rPr lang="en-US" dirty="0">
                 <a:effectLst/>
               </a:rPr>
-              <a:t>Architecture</a:t>
+              <a:t>Tools Used</a:t>
             </a:r>
             <a:br>
               <a:rPr lang="en-US" dirty="0">
@@ -7624,7 +10460,7 @@
           <p:cNvPr id="3" name="Content Placeholder 2">
             <a:extLst>
               <a:ext uri="{FF2B5EF4-FFF2-40B4-BE49-F238E27FC236}">
-                <a16:creationId xmlns:a16="http://schemas.microsoft.com/office/drawing/2014/main" id="{FC9F8C3C-B654-454F-8430-31870C4E99B6}"/>
+                <a16:creationId xmlns:a16="http://schemas.microsoft.com/office/drawing/2014/main" id="{550EF7FC-CA07-4D0C-A1EF-4ACFD6DFD5C5}"/>
               </a:ext>
             </a:extLst>
           </p:cNvPr>
@@ -7637,98 +10473,278 @@
         </p:nvSpPr>
         <p:spPr>
           <a:xfrm>
-            <a:off x="5496772" y="1415046"/>
-            <a:ext cx="4227326" cy="4209006"/>
+            <a:off x="1143002" y="1612900"/>
+            <a:ext cx="3645777" cy="5245100"/>
           </a:xfrm>
         </p:spPr>
         <p:txBody>
           <a:bodyPr>
-            <a:normAutofit fontScale="92500" lnSpcReduction="20000"/>
+            <a:normAutofit/>
           </a:bodyPr>
           <a:lstStyle/>
           <a:p>
             <a:r>
-              <a:rPr lang="en-US" u="sng" dirty="0">
+              <a:rPr lang="en-US" dirty="0"/>
+              <a:t>Oracle VM VirtualBox</a:t>
+            </a:r>
+          </a:p>
+          <a:p>
+            <a:r>
+              <a:rPr lang="en-US" dirty="0"/>
+              <a:t>NetFlow</a:t>
+            </a:r>
+          </a:p>
+          <a:p>
+            <a:r>
+              <a:rPr lang="en-US" dirty="0">
                 <a:effectLst/>
               </a:rPr>
               <a:t>ONOS Controller</a:t>
             </a:r>
+          </a:p>
+          <a:p>
+            <a:r>
+              <a:rPr lang="en-US" dirty="0"/>
+              <a:t>Mininet</a:t>
+            </a:r>
+          </a:p>
+          <a:p>
+            <a:r>
+              <a:rPr lang="en-US" dirty="0"/>
+              <a:t>StreamSet</a:t>
+            </a:r>
+          </a:p>
+          <a:p>
+            <a:pPr lvl="1"/>
             <a:r>
               <a:rPr lang="en-US" dirty="0">
                 <a:effectLst/>
               </a:rPr>
-              <a:t> – communicates with the miniatured network and the Big Data Infrastructure.</a:t>
-            </a:r>
-          </a:p>
-          <a:p>
-            <a:r>
-              <a:rPr lang="en-US" u="sng" dirty="0">
-                <a:effectLst/>
-              </a:rPr>
-              <a:t>Miniatured Network</a:t>
-            </a:r>
+              <a:t>UDP NetFlow Collector</a:t>
+            </a:r>
+          </a:p>
+          <a:p>
             <a:r>
               <a:rPr lang="en-US" dirty="0">
                 <a:effectLst/>
               </a:rPr>
-              <a:t> – It consists of hosts, switches and the servers. Few of the switches are NetFlow enables and thus connecting to the Big Data Infrastructure.</a:t>
-            </a:r>
-          </a:p>
-          <a:p>
-            <a:r>
-              <a:rPr lang="en-US" u="sng" dirty="0">
-                <a:effectLst/>
-              </a:rPr>
-              <a:t>Big Data Infrastructure </a:t>
-            </a:r>
+              <a:t>Apache Zookeeper</a:t>
+            </a:r>
+          </a:p>
+          <a:p>
             <a:r>
               <a:rPr lang="en-US" dirty="0">
                 <a:effectLst/>
               </a:rPr>
-              <a:t>– It consists of Stream Sets which connects the NetFlow switches via a UDP port to Apache Kafka. Further, it connects to Data Feature and Machine Learning module consisting of Apache Spark and Elasticsearch Data Storage. Kibana is then connected via Elasticsearch for the visualization of the real-time data.</a:t>
-            </a:r>
+              <a:t>Apache Kafka</a:t>
+            </a:r>
+          </a:p>
+          <a:p>
+            <a:r>
+              <a:rPr lang="en-US" dirty="0">
+                <a:effectLst/>
+              </a:rPr>
+              <a:t>Apache Spark</a:t>
+            </a:r>
+          </a:p>
+          <a:p>
+            <a:r>
+              <a:rPr lang="en-US" dirty="0">
+                <a:effectLst/>
+              </a:rPr>
+              <a:t>Elasticsearch</a:t>
+            </a:r>
+          </a:p>
+          <a:p>
+            <a:r>
+              <a:rPr lang="en-US" dirty="0">
+                <a:effectLst/>
+              </a:rPr>
+              <a:t>Kibana</a:t>
+            </a:r>
+          </a:p>
+          <a:p>
+            <a:r>
+              <a:rPr lang="en-US" dirty="0">
+                <a:effectLst/>
+              </a:rPr>
+              <a:t>Logstash</a:t>
+            </a:r>
+          </a:p>
+          <a:p>
             <a:endParaRPr lang="en-US" dirty="0"/>
           </a:p>
         </p:txBody>
       </p:sp>
-      <p:pic>
-        <p:nvPicPr>
-          <p:cNvPr id="4" name="Picture 3">
+      <p:grpSp>
+        <p:nvGrpSpPr>
+          <p:cNvPr id="4" name="Group 3">
             <a:extLst>
               <a:ext uri="{FF2B5EF4-FFF2-40B4-BE49-F238E27FC236}">
-                <a16:creationId xmlns:a16="http://schemas.microsoft.com/office/drawing/2014/main" id="{B45D7071-149D-4533-B94C-AE5A81519F40}"/>
+                <a16:creationId xmlns:a16="http://schemas.microsoft.com/office/drawing/2014/main" id="{21C8E2BA-346D-4FC8-B6A2-5F36885DECB4}"/>
               </a:ext>
             </a:extLst>
           </p:cNvPr>
-          <p:cNvPicPr/>
+          <p:cNvGrpSpPr/>
           <p:nvPr/>
-        </p:nvPicPr>
-        <p:blipFill>
-          <a:blip r:embed="rId2" cstate="print">
-            <a:extLst>
-              <a:ext uri="{28A0092B-C50C-407E-A947-70E740481C1C}">
-                <a14:useLocalDpi xmlns:a14="http://schemas.microsoft.com/office/drawing/2010/main" val="0"/>
-              </a:ext>
-            </a:extLst>
-          </a:blip>
-          <a:stretch>
-            <a:fillRect/>
-          </a:stretch>
-        </p:blipFill>
-        <p:spPr>
+        </p:nvGrpSpPr>
+        <p:grpSpPr>
           <a:xfrm>
-            <a:off x="373626" y="1415046"/>
-            <a:ext cx="4602042" cy="4376154"/>
+            <a:off x="4895998" y="1612900"/>
+            <a:ext cx="3300493" cy="3067086"/>
+            <a:chOff x="4895998" y="1612900"/>
+            <a:chExt cx="3300493" cy="3067086"/>
           </a:xfrm>
-          <a:prstGeom prst="rect">
-            <a:avLst/>
-          </a:prstGeom>
-        </p:spPr>
-      </p:pic>
+        </p:grpSpPr>
+        <p:pic>
+          <p:nvPicPr>
+            <p:cNvPr id="5" name="Graphic 4" descr="Hammer">
+              <a:extLst>
+                <a:ext uri="{FF2B5EF4-FFF2-40B4-BE49-F238E27FC236}">
+                  <a16:creationId xmlns:a16="http://schemas.microsoft.com/office/drawing/2014/main" id="{E66C0A1A-6C7F-4537-BA8B-0E90E4B75207}"/>
+                </a:ext>
+              </a:extLst>
+            </p:cNvPr>
+            <p:cNvPicPr>
+              <a:picLocks noChangeAspect="1"/>
+            </p:cNvPicPr>
+            <p:nvPr/>
+          </p:nvPicPr>
+          <p:blipFill>
+            <a:blip r:embed="rId2">
+              <a:extLst>
+                <a:ext uri="{96DAC541-7B7A-43D3-8B79-37D633B846F1}">
+                  <asvg:svgBlip xmlns:asvg="http://schemas.microsoft.com/office/drawing/2016/SVG/main" r:embed="rId3"/>
+                </a:ext>
+              </a:extLst>
+            </a:blip>
+            <a:stretch>
+              <a:fillRect/>
+            </a:stretch>
+          </p:blipFill>
+          <p:spPr>
+            <a:xfrm>
+              <a:off x="5037385" y="2864926"/>
+              <a:ext cx="1743820" cy="1743820"/>
+            </a:xfrm>
+            <a:prstGeom prst="rect">
+              <a:avLst/>
+            </a:prstGeom>
+          </p:spPr>
+        </p:pic>
+        <p:pic>
+          <p:nvPicPr>
+            <p:cNvPr id="7" name="Graphic 6" descr="Nails">
+              <a:extLst>
+                <a:ext uri="{FF2B5EF4-FFF2-40B4-BE49-F238E27FC236}">
+                  <a16:creationId xmlns:a16="http://schemas.microsoft.com/office/drawing/2014/main" id="{EEBD97FC-E103-4310-B26F-975D7AEBFBE3}"/>
+                </a:ext>
+              </a:extLst>
+            </p:cNvPr>
+            <p:cNvPicPr>
+              <a:picLocks noChangeAspect="1"/>
+            </p:cNvPicPr>
+            <p:nvPr/>
+          </p:nvPicPr>
+          <p:blipFill>
+            <a:blip r:embed="rId4">
+              <a:extLst>
+                <a:ext uri="{96DAC541-7B7A-43D3-8B79-37D633B846F1}">
+                  <asvg:svgBlip xmlns:asvg="http://schemas.microsoft.com/office/drawing/2016/SVG/main" r:embed="rId5"/>
+                </a:ext>
+              </a:extLst>
+            </a:blip>
+            <a:stretch>
+              <a:fillRect/>
+            </a:stretch>
+          </p:blipFill>
+          <p:spPr>
+            <a:xfrm>
+              <a:off x="6513069" y="1876378"/>
+              <a:ext cx="1241389" cy="1241389"/>
+            </a:xfrm>
+            <a:prstGeom prst="rect">
+              <a:avLst/>
+            </a:prstGeom>
+          </p:spPr>
+        </p:pic>
+        <p:pic>
+          <p:nvPicPr>
+            <p:cNvPr id="9" name="Graphic 8" descr="Screwdriver">
+              <a:extLst>
+                <a:ext uri="{FF2B5EF4-FFF2-40B4-BE49-F238E27FC236}">
+                  <a16:creationId xmlns:a16="http://schemas.microsoft.com/office/drawing/2014/main" id="{4334023A-06BC-40F1-ACC7-A6E17F727471}"/>
+                </a:ext>
+              </a:extLst>
+            </p:cNvPr>
+            <p:cNvPicPr>
+              <a:picLocks noChangeAspect="1"/>
+            </p:cNvPicPr>
+            <p:nvPr/>
+          </p:nvPicPr>
+          <p:blipFill>
+            <a:blip r:embed="rId6">
+              <a:extLst>
+                <a:ext uri="{96DAC541-7B7A-43D3-8B79-37D633B846F1}">
+                  <asvg:svgBlip xmlns:asvg="http://schemas.microsoft.com/office/drawing/2016/SVG/main" r:embed="rId7"/>
+                </a:ext>
+              </a:extLst>
+            </a:blip>
+            <a:stretch>
+              <a:fillRect/>
+            </a:stretch>
+          </p:blipFill>
+          <p:spPr>
+            <a:xfrm>
+              <a:off x="4895998" y="1612900"/>
+              <a:ext cx="2023516" cy="2023516"/>
+            </a:xfrm>
+            <a:prstGeom prst="rect">
+              <a:avLst/>
+            </a:prstGeom>
+          </p:spPr>
+        </p:pic>
+        <p:pic>
+          <p:nvPicPr>
+            <p:cNvPr id="11" name="Graphic 10" descr="Tools">
+              <a:extLst>
+                <a:ext uri="{FF2B5EF4-FFF2-40B4-BE49-F238E27FC236}">
+                  <a16:creationId xmlns:a16="http://schemas.microsoft.com/office/drawing/2014/main" id="{34E15FF3-0C3F-4C81-BFBC-A8EF1B5B0ED4}"/>
+                </a:ext>
+              </a:extLst>
+            </p:cNvPr>
+            <p:cNvPicPr>
+              <a:picLocks noChangeAspect="1"/>
+            </p:cNvPicPr>
+            <p:nvPr/>
+          </p:nvPicPr>
+          <p:blipFill>
+            <a:blip r:embed="rId8">
+              <a:extLst>
+                <a:ext uri="{96DAC541-7B7A-43D3-8B79-37D633B846F1}">
+                  <asvg:svgBlip xmlns:asvg="http://schemas.microsoft.com/office/drawing/2016/SVG/main" r:embed="rId9"/>
+                </a:ext>
+              </a:extLst>
+            </a:blip>
+            <a:stretch>
+              <a:fillRect/>
+            </a:stretch>
+          </p:blipFill>
+          <p:spPr>
+            <a:xfrm>
+              <a:off x="6387385" y="2870880"/>
+              <a:ext cx="1809106" cy="1809106"/>
+            </a:xfrm>
+            <a:prstGeom prst="rect">
+              <a:avLst/>
+            </a:prstGeom>
+          </p:spPr>
+        </p:pic>
+      </p:grpSp>
     </p:spTree>
     <p:extLst>
       <p:ext uri="{BB962C8B-B14F-4D97-AF65-F5344CB8AC3E}">
-        <p14:creationId xmlns:p14="http://schemas.microsoft.com/office/powerpoint/2010/main" val="1009754441"/>
+        <p14:creationId xmlns:p14="http://schemas.microsoft.com/office/powerpoint/2010/main" val="3480982618"/>
       </p:ext>
     </p:extLst>
   </p:cSld>
@@ -7760,7 +10776,7 @@
           <p:cNvPr id="2" name="Title 1">
             <a:extLst>
               <a:ext uri="{FF2B5EF4-FFF2-40B4-BE49-F238E27FC236}">
-                <a16:creationId xmlns:a16="http://schemas.microsoft.com/office/drawing/2014/main" id="{CB90FA7E-F774-4C2A-BC4A-4543AD470624}"/>
+                <a16:creationId xmlns:a16="http://schemas.microsoft.com/office/drawing/2014/main" id="{62AF8967-0829-4B9F-8EB9-A5863EC4E2ED}"/>
               </a:ext>
             </a:extLst>
           </p:cNvPr>
@@ -7777,17 +10793,9 @@
           <a:lstStyle/>
           <a:p>
             <a:r>
-              <a:rPr lang="en-US" dirty="0">
-                <a:effectLst/>
-              </a:rPr>
-              <a:t>Tools Used</a:t>
-            </a:r>
-            <a:br>
-              <a:rPr lang="en-US" dirty="0">
-                <a:effectLst/>
-              </a:rPr>
-            </a:br>
-            <a:endParaRPr lang="en-US" dirty="0"/>
+              <a:rPr lang="en-US" dirty="0"/>
+              <a:t>NetFlow</a:t>
+            </a:r>
           </a:p>
         </p:txBody>
       </p:sp>
@@ -7796,7 +10804,7 @@
           <p:cNvPr id="3" name="Content Placeholder 2">
             <a:extLst>
               <a:ext uri="{FF2B5EF4-FFF2-40B4-BE49-F238E27FC236}">
-                <a16:creationId xmlns:a16="http://schemas.microsoft.com/office/drawing/2014/main" id="{550EF7FC-CA07-4D0C-A1EF-4ACFD6DFD5C5}"/>
+                <a16:creationId xmlns:a16="http://schemas.microsoft.com/office/drawing/2014/main" id="{DDB2DD65-4121-4E80-9DAC-CCF0C42D0214}"/>
               </a:ext>
             </a:extLst>
           </p:cNvPr>
@@ -7809,241 +10817,89 @@
         </p:nvSpPr>
         <p:spPr>
           <a:xfrm>
-            <a:off x="1143002" y="1612900"/>
-            <a:ext cx="3645777" cy="4102100"/>
+            <a:off x="677334" y="1619051"/>
+            <a:ext cx="8596668" cy="4985935"/>
           </a:xfrm>
         </p:spPr>
         <p:txBody>
-          <a:bodyPr>
-            <a:normAutofit/>
-          </a:bodyPr>
+          <a:bodyPr/>
           <a:lstStyle/>
           <a:p>
             <a:r>
-              <a:rPr lang="en-US" dirty="0">
-                <a:effectLst/>
-              </a:rPr>
-              <a:t>ONOS Controller </a:t>
-            </a:r>
-          </a:p>
-          <a:p>
-            <a:r>
-              <a:rPr lang="en-US" dirty="0" err="1">
-                <a:effectLst/>
-              </a:rPr>
-              <a:t>MiniNet</a:t>
-            </a:r>
-            <a:endParaRPr lang="en-US" dirty="0">
-              <a:effectLst/>
-            </a:endParaRPr>
-          </a:p>
-          <a:p>
-            <a:r>
-              <a:rPr lang="en-US" dirty="0">
-                <a:effectLst/>
-              </a:rPr>
-              <a:t>NetFlow Collector </a:t>
-            </a:r>
-          </a:p>
-          <a:p>
-            <a:r>
-              <a:rPr lang="en-US" dirty="0">
-                <a:effectLst/>
-              </a:rPr>
-              <a:t>Stream Set </a:t>
-            </a:r>
-          </a:p>
-          <a:p>
-            <a:r>
-              <a:rPr lang="en-US" dirty="0">
-                <a:effectLst/>
-              </a:rPr>
-              <a:t>Apache Kafka </a:t>
-            </a:r>
-          </a:p>
-          <a:p>
-            <a:r>
-              <a:rPr lang="en-US" dirty="0">
-                <a:effectLst/>
-              </a:rPr>
-              <a:t>Apache Spark </a:t>
-            </a:r>
-          </a:p>
-          <a:p>
-            <a:r>
-              <a:rPr lang="en-US" dirty="0">
-                <a:effectLst/>
-              </a:rPr>
-              <a:t>Elasticsearch</a:t>
-            </a:r>
-          </a:p>
-          <a:p>
-            <a:r>
-              <a:rPr lang="en-US" dirty="0">
-                <a:effectLst/>
-              </a:rPr>
-              <a:t>Kibana </a:t>
-            </a:r>
-          </a:p>
-          <a:p>
-            <a:r>
-              <a:rPr lang="en-US" dirty="0">
-                <a:effectLst/>
-              </a:rPr>
-              <a:t>Logstash</a:t>
-            </a:r>
+              <a:rPr lang="en-US" dirty="0"/>
+              <a:t>Network Protocol developed by Cisco for collecting IP traffic statistics.</a:t>
+            </a:r>
+          </a:p>
+          <a:p>
+            <a:r>
+              <a:rPr lang="en-US" dirty="0"/>
+              <a:t>NetFlow can be configured on many devices, including Open </a:t>
+            </a:r>
+            <a:r>
+              <a:rPr lang="en-US" dirty="0" err="1"/>
+              <a:t>vSwitches</a:t>
+            </a:r>
+            <a:r>
+              <a:rPr lang="en-US" dirty="0"/>
+              <a:t> used in Mininet.</a:t>
+            </a:r>
+          </a:p>
+          <a:p>
+            <a:r>
+              <a:rPr lang="en-US" dirty="0"/>
+              <a:t>We used NetFlow version 5. This is the only version currently available in Mininet.</a:t>
+            </a:r>
+          </a:p>
+          <a:p>
+            <a:r>
+              <a:rPr lang="en-US" dirty="0"/>
+              <a:t>The newest release is NetFlow version 10, aka IPFIX.</a:t>
+            </a:r>
+            <a:br>
+              <a:rPr lang="en-US" dirty="0"/>
+            </a:br>
             <a:endParaRPr lang="en-US" dirty="0"/>
           </a:p>
-        </p:txBody>
-      </p:sp>
-      <p:pic>
-        <p:nvPicPr>
-          <p:cNvPr id="5" name="Graphic 4" descr="Hammer">
-            <a:extLst>
-              <a:ext uri="{FF2B5EF4-FFF2-40B4-BE49-F238E27FC236}">
-                <a16:creationId xmlns:a16="http://schemas.microsoft.com/office/drawing/2014/main" id="{E66C0A1A-6C7F-4537-BA8B-0E90E4B75207}"/>
-              </a:ext>
-            </a:extLst>
-          </p:cNvPr>
-          <p:cNvPicPr>
-            <a:picLocks noChangeAspect="1"/>
-          </p:cNvPicPr>
-          <p:nvPr/>
-        </p:nvPicPr>
-        <p:blipFill>
-          <a:blip r:embed="rId2">
-            <a:extLst>
-              <a:ext uri="{96DAC541-7B7A-43D3-8B79-37D633B846F1}">
-                <asvg:svgBlip xmlns:asvg="http://schemas.microsoft.com/office/drawing/2016/SVG/main" r:embed="rId3"/>
-              </a:ext>
-            </a:extLst>
-          </a:blip>
-          <a:stretch>
-            <a:fillRect/>
-          </a:stretch>
-        </p:blipFill>
-        <p:spPr>
-          <a:xfrm>
-            <a:off x="5037385" y="2864926"/>
-            <a:ext cx="1743820" cy="1743820"/>
-          </a:xfrm>
-          <a:prstGeom prst="rect">
-            <a:avLst/>
-          </a:prstGeom>
-        </p:spPr>
-      </p:pic>
-      <p:pic>
-        <p:nvPicPr>
-          <p:cNvPr id="7" name="Graphic 6" descr="Nails">
-            <a:extLst>
-              <a:ext uri="{FF2B5EF4-FFF2-40B4-BE49-F238E27FC236}">
-                <a16:creationId xmlns:a16="http://schemas.microsoft.com/office/drawing/2014/main" id="{EEBD97FC-E103-4310-B26F-975D7AEBFBE3}"/>
-              </a:ext>
-            </a:extLst>
-          </p:cNvPr>
-          <p:cNvPicPr>
-            <a:picLocks noChangeAspect="1"/>
-          </p:cNvPicPr>
-          <p:nvPr/>
-        </p:nvPicPr>
-        <p:blipFill>
-          <a:blip r:embed="rId4">
-            <a:extLst>
-              <a:ext uri="{96DAC541-7B7A-43D3-8B79-37D633B846F1}">
-                <asvg:svgBlip xmlns:asvg="http://schemas.microsoft.com/office/drawing/2016/SVG/main" r:embed="rId5"/>
-              </a:ext>
-            </a:extLst>
-          </a:blip>
-          <a:stretch>
-            <a:fillRect/>
-          </a:stretch>
-        </p:blipFill>
-        <p:spPr>
-          <a:xfrm>
-            <a:off x="6513069" y="1876378"/>
-            <a:ext cx="1241389" cy="1241389"/>
-          </a:xfrm>
-          <a:prstGeom prst="rect">
-            <a:avLst/>
-          </a:prstGeom>
-        </p:spPr>
-      </p:pic>
-      <p:pic>
-        <p:nvPicPr>
-          <p:cNvPr id="9" name="Graphic 8" descr="Screwdriver">
-            <a:extLst>
-              <a:ext uri="{FF2B5EF4-FFF2-40B4-BE49-F238E27FC236}">
-                <a16:creationId xmlns:a16="http://schemas.microsoft.com/office/drawing/2014/main" id="{4334023A-06BC-40F1-ACC7-A6E17F727471}"/>
-              </a:ext>
-            </a:extLst>
-          </p:cNvPr>
-          <p:cNvPicPr>
-            <a:picLocks noChangeAspect="1"/>
-          </p:cNvPicPr>
-          <p:nvPr/>
-        </p:nvPicPr>
-        <p:blipFill>
-          <a:blip r:embed="rId6">
-            <a:extLst>
-              <a:ext uri="{96DAC541-7B7A-43D3-8B79-37D633B846F1}">
-                <asvg:svgBlip xmlns:asvg="http://schemas.microsoft.com/office/drawing/2016/SVG/main" r:embed="rId7"/>
-              </a:ext>
-            </a:extLst>
-          </a:blip>
-          <a:stretch>
-            <a:fillRect/>
-          </a:stretch>
-        </p:blipFill>
-        <p:spPr>
-          <a:xfrm>
-            <a:off x="4895998" y="1612900"/>
-            <a:ext cx="2023516" cy="2023516"/>
-          </a:xfrm>
-          <a:prstGeom prst="rect">
-            <a:avLst/>
-          </a:prstGeom>
-        </p:spPr>
-      </p:pic>
-      <p:pic>
-        <p:nvPicPr>
-          <p:cNvPr id="11" name="Graphic 10" descr="Tools">
-            <a:extLst>
-              <a:ext uri="{FF2B5EF4-FFF2-40B4-BE49-F238E27FC236}">
-                <a16:creationId xmlns:a16="http://schemas.microsoft.com/office/drawing/2014/main" id="{34E15FF3-0C3F-4C81-BFBC-A8EF1B5B0ED4}"/>
-              </a:ext>
-            </a:extLst>
-          </p:cNvPr>
-          <p:cNvPicPr>
-            <a:picLocks noChangeAspect="1"/>
-          </p:cNvPicPr>
-          <p:nvPr/>
-        </p:nvPicPr>
-        <p:blipFill>
-          <a:blip r:embed="rId8">
-            <a:extLst>
-              <a:ext uri="{96DAC541-7B7A-43D3-8B79-37D633B846F1}">
-                <asvg:svgBlip xmlns:asvg="http://schemas.microsoft.com/office/drawing/2016/SVG/main" r:embed="rId9"/>
-              </a:ext>
-            </a:extLst>
-          </a:blip>
-          <a:stretch>
-            <a:fillRect/>
-          </a:stretch>
-        </p:blipFill>
-        <p:spPr>
-          <a:xfrm>
-            <a:off x="6387385" y="2870880"/>
-            <a:ext cx="1809106" cy="1809106"/>
-          </a:xfrm>
-          <a:prstGeom prst="rect">
-            <a:avLst/>
-          </a:prstGeom>
-        </p:spPr>
-      </p:pic>
+          <a:p>
+            <a:r>
+              <a:rPr lang="en-US" dirty="0"/>
+              <a:t>Version 5 statistics that can be collected include:</a:t>
+            </a:r>
+          </a:p>
+          <a:p>
+            <a:pPr lvl="1"/>
+            <a:r>
+              <a:rPr lang="en-US" dirty="0"/>
+              <a:t>Source &amp; Destination IP</a:t>
+            </a:r>
+          </a:p>
+          <a:p>
+            <a:pPr lvl="1"/>
+            <a:r>
+              <a:rPr lang="en-US" dirty="0"/>
+              <a:t>Source &amp; Destination Port</a:t>
+            </a:r>
+          </a:p>
+          <a:p>
+            <a:pPr lvl="1"/>
+            <a:r>
+              <a:rPr lang="en-US" dirty="0"/>
+              <a:t>Total Number of bytes in the packets of the flow.</a:t>
+            </a:r>
+          </a:p>
+          <a:p>
+            <a:pPr lvl="1"/>
+            <a:r>
+              <a:rPr lang="en-US" dirty="0"/>
+              <a:t>Etc.</a:t>
+            </a:r>
+          </a:p>
+        </p:txBody>
+      </p:sp>
     </p:spTree>
     <p:extLst>
       <p:ext uri="{BB962C8B-B14F-4D97-AF65-F5344CB8AC3E}">
-        <p14:creationId xmlns:p14="http://schemas.microsoft.com/office/powerpoint/2010/main" val="3480982618"/>
+        <p14:creationId xmlns:p14="http://schemas.microsoft.com/office/powerpoint/2010/main" val="1116818984"/>
       </p:ext>
     </p:extLst>
   </p:cSld>
@@ -8070,12 +10926,47 @@
           <a:chExt cx="0" cy="0"/>
         </a:xfrm>
       </p:grpSpPr>
-      <p:sp>
-        <p:nvSpPr>
-          <p:cNvPr id="6" name="Title 5">
+      <p:pic>
+        <p:nvPicPr>
+          <p:cNvPr id="9" name="Picture 8">
             <a:extLst>
               <a:ext uri="{FF2B5EF4-FFF2-40B4-BE49-F238E27FC236}">
-                <a16:creationId xmlns:a16="http://schemas.microsoft.com/office/drawing/2014/main" id="{7DEF725C-08ED-485F-B6EF-A2ADC8D2F5B4}"/>
+                <a16:creationId xmlns:a16="http://schemas.microsoft.com/office/drawing/2014/main" id="{B1667224-17DD-469D-87A4-02EC02E6662E}"/>
+              </a:ext>
+            </a:extLst>
+          </p:cNvPr>
+          <p:cNvPicPr>
+            <a:picLocks noChangeAspect="1"/>
+          </p:cNvPicPr>
+          <p:nvPr/>
+        </p:nvPicPr>
+        <p:blipFill>
+          <a:blip r:embed="rId2"/>
+          <a:stretch>
+            <a:fillRect/>
+          </a:stretch>
+        </p:blipFill>
+        <p:spPr>
+          <a:xfrm>
+            <a:off x="4134626" y="1598647"/>
+            <a:ext cx="8057374" cy="5259352"/>
+          </a:xfrm>
+          <a:prstGeom prst="rect">
+            <a:avLst/>
+          </a:prstGeom>
+          <a:ln>
+            <a:solidFill>
+              <a:schemeClr val="tx1"/>
+            </a:solidFill>
+          </a:ln>
+        </p:spPr>
+      </p:pic>
+      <p:sp>
+        <p:nvSpPr>
+          <p:cNvPr id="2" name="Title 1">
+            <a:extLst>
+              <a:ext uri="{FF2B5EF4-FFF2-40B4-BE49-F238E27FC236}">
+                <a16:creationId xmlns:a16="http://schemas.microsoft.com/office/drawing/2014/main" id="{8D5F196B-4EC2-4626-8808-6DFC49D247E6}"/>
               </a:ext>
             </a:extLst>
           </p:cNvPr>
@@ -8086,17 +10977,26 @@
             <p:ph type="title"/>
           </p:nvPr>
         </p:nvSpPr>
-        <p:spPr/>
+        <p:spPr>
+          <a:xfrm>
+            <a:off x="677334" y="609600"/>
+            <a:ext cx="8596668" cy="1320800"/>
+          </a:xfrm>
+        </p:spPr>
         <p:txBody>
           <a:bodyPr/>
           <a:lstStyle/>
           <a:p>
             <a:r>
-              <a:rPr lang="en-US" dirty="0"/>
-              <a:t>Implementation</a:t>
+              <a:rPr lang="en-US" dirty="0">
+                <a:effectLst/>
+              </a:rPr>
+              <a:t>Architecture</a:t>
             </a:r>
             <a:br>
-              <a:rPr lang="en-US" dirty="0"/>
+              <a:rPr lang="en-US" dirty="0">
+                <a:effectLst/>
+              </a:rPr>
             </a:br>
             <a:endParaRPr lang="en-US" dirty="0"/>
           </a:p>
@@ -8104,10 +11004,10 @@
       </p:sp>
       <p:sp>
         <p:nvSpPr>
-          <p:cNvPr id="10" name="Content Placeholder 9">
+          <p:cNvPr id="3" name="Content Placeholder 2">
             <a:extLst>
               <a:ext uri="{FF2B5EF4-FFF2-40B4-BE49-F238E27FC236}">
-                <a16:creationId xmlns:a16="http://schemas.microsoft.com/office/drawing/2014/main" id="{B913691B-A5DC-4F4B-9DD4-50A008618FFB}"/>
+                <a16:creationId xmlns:a16="http://schemas.microsoft.com/office/drawing/2014/main" id="{FC9F8C3C-B654-454F-8430-31870C4E99B6}"/>
               </a:ext>
             </a:extLst>
           </p:cNvPr>
@@ -8115,79 +11015,187 @@
             <a:spLocks noGrp="1"/>
           </p:cNvSpPr>
           <p:nvPr>
-            <p:ph sz="half" idx="1"/>
+            <p:ph idx="1"/>
           </p:nvPr>
         </p:nvSpPr>
         <p:spPr>
           <a:xfrm>
-            <a:off x="677334" y="1930400"/>
-            <a:ext cx="4184035" cy="4110961"/>
+            <a:off x="0" y="1324496"/>
+            <a:ext cx="4195277" cy="5533503"/>
           </a:xfrm>
         </p:spPr>
         <p:txBody>
           <a:bodyPr>
-            <a:normAutofit/>
+            <a:normAutofit fontScale="77500" lnSpcReduction="20000"/>
           </a:bodyPr>
           <a:lstStyle/>
           <a:p>
             <a:r>
-              <a:rPr lang="en-US" sz="2400" dirty="0"/>
-              <a:t>Traffic and Network Generation</a:t>
-            </a:r>
-          </a:p>
-          <a:p>
-            <a:r>
-              <a:rPr lang="en-US" sz="2400" dirty="0"/>
-              <a:t>Big Data Framework</a:t>
-            </a:r>
-          </a:p>
-          <a:p>
-            <a:r>
-              <a:rPr lang="en-US" sz="2400" dirty="0"/>
-              <a:t>Elasticsearch Index Creation</a:t>
-            </a:r>
-          </a:p>
-          <a:p>
-            <a:r>
-              <a:rPr lang="en-US" sz="2400" dirty="0"/>
-              <a:t>Machine learning approach to Intrusion Detection</a:t>
-            </a:r>
-          </a:p>
-        </p:txBody>
-      </p:sp>
-      <p:pic>
-        <p:nvPicPr>
-          <p:cNvPr id="13" name="Content Placeholder 12">
-            <a:extLst>
-              <a:ext uri="{FF2B5EF4-FFF2-40B4-BE49-F238E27FC236}">
-                <a16:creationId xmlns:a16="http://schemas.microsoft.com/office/drawing/2014/main" id="{2CFE0FB0-8774-44F9-ABBC-0B5C3F1D7F76}"/>
-              </a:ext>
-            </a:extLst>
-          </p:cNvPr>
-          <p:cNvPicPr>
-            <a:picLocks noGrp="1" noChangeAspect="1"/>
-          </p:cNvPicPr>
-          <p:nvPr>
-            <p:ph sz="half" idx="2"/>
-          </p:nvPr>
-        </p:nvPicPr>
-        <p:blipFill>
-          <a:blip r:embed="rId2"/>
-          <a:stretch>
-            <a:fillRect/>
-          </a:stretch>
-        </p:blipFill>
-        <p:spPr>
-          <a:xfrm>
-            <a:off x="6096000" y="2191008"/>
-            <a:ext cx="2945589" cy="2956459"/>
-          </a:xfrm>
-        </p:spPr>
-      </p:pic>
+              <a:rPr lang="en-US" u="sng" dirty="0">
+                <a:effectLst/>
+              </a:rPr>
+              <a:t>ONOS Controller</a:t>
+            </a:r>
+            <a:endParaRPr lang="en-US" u="sng" dirty="0"/>
+          </a:p>
+          <a:p>
+            <a:pPr lvl="1"/>
+            <a:r>
+              <a:rPr lang="en-US" dirty="0">
+                <a:effectLst/>
+              </a:rPr>
+              <a:t>Communicates with Mininet via OpenFlow</a:t>
+            </a:r>
+          </a:p>
+          <a:p>
+            <a:pPr lvl="1"/>
+            <a:r>
+              <a:rPr lang="en-US" dirty="0">
+                <a:effectLst/>
+              </a:rPr>
+              <a:t>Receives REST API Calls from Big Data Infrastructure.</a:t>
+            </a:r>
+          </a:p>
+          <a:p>
+            <a:r>
+              <a:rPr lang="en-US" u="sng" dirty="0">
+                <a:effectLst/>
+              </a:rPr>
+              <a:t>Miniature Network (Mininet)</a:t>
+            </a:r>
+            <a:endParaRPr lang="en-US" dirty="0">
+              <a:effectLst/>
+            </a:endParaRPr>
+          </a:p>
+          <a:p>
+            <a:pPr lvl="1"/>
+            <a:r>
+              <a:rPr lang="en-US" dirty="0">
+                <a:effectLst/>
+              </a:rPr>
+              <a:t>Contains a realistic network architecture.</a:t>
+            </a:r>
+          </a:p>
+          <a:p>
+            <a:pPr lvl="1"/>
+            <a:r>
+              <a:rPr lang="en-US" dirty="0">
+                <a:effectLst/>
+              </a:rPr>
+              <a:t>Python scripts written to generat</a:t>
+            </a:r>
+            <a:r>
+              <a:rPr lang="en-US" dirty="0"/>
+              <a:t>e random “normal” traffic patterns.</a:t>
+            </a:r>
+            <a:endParaRPr lang="en-US" dirty="0">
+              <a:effectLst/>
+            </a:endParaRPr>
+          </a:p>
+          <a:p>
+            <a:pPr lvl="1"/>
+            <a:r>
+              <a:rPr lang="en-US" dirty="0"/>
+              <a:t>5 Open </a:t>
+            </a:r>
+            <a:r>
+              <a:rPr lang="en-US" dirty="0" err="1"/>
+              <a:t>vSwitches</a:t>
+            </a:r>
+            <a:r>
+              <a:rPr lang="en-US" dirty="0"/>
+              <a:t> are NetFlow-enabled (</a:t>
+            </a:r>
+            <a:r>
+              <a:rPr lang="en-US" dirty="0">
+                <a:solidFill>
+                  <a:srgbClr val="FF0000"/>
+                </a:solidFill>
+              </a:rPr>
+              <a:t>in red</a:t>
+            </a:r>
+            <a:r>
+              <a:rPr lang="en-US" dirty="0"/>
+              <a:t>).  They forward NetFlow messages to the Big Data Infrastructure.</a:t>
+            </a:r>
+            <a:r>
+              <a:rPr lang="en-US" dirty="0">
+                <a:effectLst/>
+              </a:rPr>
+              <a:t> </a:t>
+            </a:r>
+          </a:p>
+          <a:p>
+            <a:r>
+              <a:rPr lang="en-US" u="sng" dirty="0">
+                <a:effectLst/>
+              </a:rPr>
+              <a:t>Big Data Infrastructure</a:t>
+            </a:r>
+          </a:p>
+          <a:p>
+            <a:pPr lvl="1"/>
+            <a:r>
+              <a:rPr lang="en-US" dirty="0">
+                <a:effectLst/>
+              </a:rPr>
+              <a:t>Receives and processes NetFlow messages from Mininet.</a:t>
+            </a:r>
+          </a:p>
+          <a:p>
+            <a:pPr lvl="1"/>
+            <a:r>
+              <a:rPr lang="en-US" dirty="0"/>
+              <a:t>P</a:t>
+            </a:r>
+            <a:r>
+              <a:rPr lang="en-US" dirty="0">
+                <a:effectLst/>
+              </a:rPr>
+              <a:t>erforms Feature Engineering and stores data in ElasticSearch.</a:t>
+            </a:r>
+          </a:p>
+          <a:p>
+            <a:pPr lvl="1"/>
+            <a:r>
+              <a:rPr lang="en-US" dirty="0"/>
+              <a:t>Performs Machine Learning (K-Means) to identify normal traffic patterns in stored data.</a:t>
+            </a:r>
+          </a:p>
+          <a:p>
+            <a:pPr lvl="1"/>
+            <a:r>
+              <a:rPr lang="en-US" dirty="0">
+                <a:effectLst/>
+              </a:rPr>
+              <a:t>Determine if new NetFlow messages are anomalous compared to normal network traffic patterns.</a:t>
+            </a:r>
+          </a:p>
+          <a:p>
+            <a:pPr lvl="1"/>
+            <a:r>
+              <a:rPr lang="en-US" dirty="0"/>
+              <a:t>If Anomaly is detected, send the source IP address to ONOS via REST API.</a:t>
+            </a:r>
+            <a:endParaRPr lang="en-US" dirty="0">
+              <a:effectLst/>
+            </a:endParaRPr>
+          </a:p>
+          <a:p>
+            <a:pPr lvl="1"/>
+            <a:r>
+              <a:rPr lang="en-US" dirty="0">
+                <a:effectLst/>
+              </a:rPr>
+              <a:t>Use Logstash and Kibana to visualize NetFlow data.</a:t>
+            </a:r>
+          </a:p>
+        </p:txBody>
+      </p:sp>
     </p:spTree>
     <p:extLst>
       <p:ext uri="{BB962C8B-B14F-4D97-AF65-F5344CB8AC3E}">
-        <p14:creationId xmlns:p14="http://schemas.microsoft.com/office/powerpoint/2010/main" val="767908919"/>
+        <p14:creationId xmlns:p14="http://schemas.microsoft.com/office/powerpoint/2010/main" val="1009754441"/>
       </p:ext>
     </p:extLst>
   </p:cSld>
@@ -8216,10 +11224,10 @@
       </p:grpSpPr>
       <p:sp>
         <p:nvSpPr>
-          <p:cNvPr id="2" name="Title 1">
+          <p:cNvPr id="5" name="Title 4">
             <a:extLst>
               <a:ext uri="{FF2B5EF4-FFF2-40B4-BE49-F238E27FC236}">
-                <a16:creationId xmlns:a16="http://schemas.microsoft.com/office/drawing/2014/main" id="{3FEAA1D8-57A1-4E4D-8E1D-99D1A7EEFE35}"/>
+                <a16:creationId xmlns:a16="http://schemas.microsoft.com/office/drawing/2014/main" id="{46F9B8E7-C6E1-4318-9A91-6155ECB2D12E}"/>
               </a:ext>
             </a:extLst>
           </p:cNvPr>
@@ -8230,51 +11238,10 @@
             <p:ph type="title"/>
           </p:nvPr>
         </p:nvSpPr>
-        <p:spPr/>
-        <p:txBody>
-          <a:bodyPr>
-            <a:normAutofit fontScale="90000"/>
-          </a:bodyPr>
-          <a:lstStyle/>
-          <a:p>
-            <a:r>
-              <a:rPr lang="en-US" dirty="0"/>
-              <a:t>Traffic and Network Generation</a:t>
-            </a:r>
-            <a:br>
-              <a:rPr lang="en-US" dirty="0"/>
-            </a:br>
-            <a:r>
-              <a:rPr lang="en-US" dirty="0"/>
-              <a:t> </a:t>
-            </a:r>
-            <a:br>
-              <a:rPr lang="en-US" dirty="0"/>
-            </a:br>
-            <a:endParaRPr lang="en-US" dirty="0"/>
-          </a:p>
-        </p:txBody>
-      </p:sp>
-      <p:sp>
-        <p:nvSpPr>
-          <p:cNvPr id="3" name="Content Placeholder 2">
-            <a:extLst>
-              <a:ext uri="{FF2B5EF4-FFF2-40B4-BE49-F238E27FC236}">
-                <a16:creationId xmlns:a16="http://schemas.microsoft.com/office/drawing/2014/main" id="{FA794CCD-11E9-406A-8899-1C56237B7EDD}"/>
-              </a:ext>
-            </a:extLst>
-          </p:cNvPr>
-          <p:cNvSpPr>
-            <a:spLocks noGrp="1"/>
-          </p:cNvSpPr>
-          <p:nvPr>
-            <p:ph sz="half" idx="1"/>
-          </p:nvPr>
-        </p:nvSpPr>
         <p:spPr>
           <a:xfrm>
-            <a:off x="4745838" y="1708304"/>
-            <a:ext cx="4528164" cy="4540096"/>
+            <a:off x="599180" y="2768600"/>
+            <a:ext cx="8596668" cy="1320800"/>
           </a:xfrm>
         </p:spPr>
         <p:txBody>
@@ -8283,133 +11250,48 @@
           </a:bodyPr>
           <a:lstStyle/>
           <a:p>
-            <a:r>
-              <a:rPr lang="en-US" dirty="0"/>
-              <a:t>The miniatured network topology used is very close to a “Realistic Scenario”</a:t>
-            </a:r>
-          </a:p>
-          <a:p>
-            <a:r>
-              <a:rPr lang="en-US" i="1" dirty="0"/>
-              <a:t>setup_topo.py </a:t>
-            </a:r>
-            <a:r>
-              <a:rPr lang="en-US" dirty="0"/>
-              <a:t>creates the network topology</a:t>
-            </a:r>
-          </a:p>
-          <a:p>
-            <a:r>
-              <a:rPr lang="en-US" i="1" dirty="0"/>
-              <a:t>client.py </a:t>
-            </a:r>
-            <a:r>
-              <a:rPr lang="en-US" dirty="0"/>
-              <a:t>sets up the hosts and assigns IPs to the servers and the clients</a:t>
-            </a:r>
-          </a:p>
-          <a:p>
-            <a:r>
-              <a:rPr lang="en-US" i="1" dirty="0"/>
-              <a:t>Server.py creates and sets up the servers like Web ,App and Database servers.</a:t>
-            </a:r>
-          </a:p>
-          <a:p>
-            <a:r>
-              <a:rPr lang="en-US" dirty="0"/>
-              <a:t>Maintains the randomness in the traffic generation</a:t>
-            </a:r>
-          </a:p>
-          <a:p>
-            <a:r>
-              <a:rPr lang="en-US" dirty="0"/>
-              <a:t>Using simplified network protocols like TCP and ICMP.</a:t>
-            </a:r>
-          </a:p>
-          <a:p>
-            <a:endParaRPr lang="en-US" i="1" dirty="0"/>
-          </a:p>
-          <a:p>
-            <a:endParaRPr lang="en-US" dirty="0"/>
-          </a:p>
-          <a:p>
-            <a:endParaRPr lang="en-US" dirty="0"/>
-          </a:p>
-          <a:p>
-            <a:endParaRPr lang="en-US" dirty="0"/>
-          </a:p>
-          <a:p>
-            <a:endParaRPr lang="en-US" dirty="0"/>
-          </a:p>
-          <a:p>
-            <a:endParaRPr lang="en-US" dirty="0"/>
-          </a:p>
-          <a:p>
-            <a:endParaRPr lang="en-US" dirty="0"/>
-          </a:p>
-          <a:p>
-            <a:endParaRPr lang="en-US" dirty="0"/>
-          </a:p>
-          <a:p>
-            <a:endParaRPr lang="en-US" dirty="0"/>
-          </a:p>
-          <a:p>
-            <a:pPr marL="0" indent="0" algn="ctr">
-              <a:buNone/>
-            </a:pPr>
-            <a:endParaRPr lang="en-US" dirty="0"/>
-          </a:p>
-          <a:p>
-            <a:pPr marL="0" indent="0">
-              <a:buNone/>
-            </a:pPr>
-            <a:endParaRPr lang="en-US" dirty="0"/>
+            <a:pPr algn="ctr"/>
+            <a:r>
+              <a:rPr lang="en-US" sz="4400" dirty="0"/>
+              <a:t>Implementation</a:t>
+            </a:r>
           </a:p>
         </p:txBody>
       </p:sp>
       <p:pic>
         <p:nvPicPr>
-          <p:cNvPr id="5" name="Picture 4">
+          <p:cNvPr id="6" name="Content Placeholder 12">
             <a:extLst>
               <a:ext uri="{FF2B5EF4-FFF2-40B4-BE49-F238E27FC236}">
-                <a16:creationId xmlns:a16="http://schemas.microsoft.com/office/drawing/2014/main" id="{FA635CEB-CDB8-4A62-88D7-238050C9D507}"/>
+                <a16:creationId xmlns:a16="http://schemas.microsoft.com/office/drawing/2014/main" id="{FB9E86AA-DF91-4BB4-98C0-03B642493590}"/>
               </a:ext>
             </a:extLst>
           </p:cNvPr>
-          <p:cNvPicPr/>
+          <p:cNvPicPr>
+            <a:picLocks noChangeAspect="1"/>
+          </p:cNvPicPr>
           <p:nvPr/>
         </p:nvPicPr>
         <p:blipFill>
-          <a:blip r:embed="rId2">
-            <a:extLst>
-              <a:ext uri="{28A0092B-C50C-407E-A947-70E740481C1C}">
-                <a14:useLocalDpi xmlns:a14="http://schemas.microsoft.com/office/drawing/2010/main" val="0"/>
-              </a:ext>
-            </a:extLst>
-          </a:blip>
-          <a:srcRect/>
+          <a:blip r:embed="rId2"/>
           <a:stretch>
             <a:fillRect/>
           </a:stretch>
         </p:blipFill>
-        <p:spPr bwMode="auto">
+        <p:spPr>
           <a:xfrm>
-            <a:off x="372325" y="1520826"/>
-            <a:ext cx="4029384" cy="4727574"/>
+            <a:off x="5886450" y="3901541"/>
+            <a:ext cx="2945589" cy="2956459"/>
           </a:xfrm>
           <a:prstGeom prst="rect">
             <a:avLst/>
           </a:prstGeom>
-          <a:noFill/>
-          <a:ln>
-            <a:noFill/>
-          </a:ln>
         </p:spPr>
       </p:pic>
     </p:spTree>
     <p:extLst>
       <p:ext uri="{BB962C8B-B14F-4D97-AF65-F5344CB8AC3E}">
-        <p14:creationId xmlns:p14="http://schemas.microsoft.com/office/powerpoint/2010/main" val="2233368301"/>
+        <p14:creationId xmlns:p14="http://schemas.microsoft.com/office/powerpoint/2010/main" val="3211469023"/>
       </p:ext>
     </p:extLst>
   </p:cSld>
@@ -8441,7 +11323,7 @@
           <p:cNvPr id="2" name="Title 1">
             <a:extLst>
               <a:ext uri="{FF2B5EF4-FFF2-40B4-BE49-F238E27FC236}">
-                <a16:creationId xmlns:a16="http://schemas.microsoft.com/office/drawing/2014/main" id="{85C9B451-C96A-4D31-9372-8E9ED98DC146}"/>
+                <a16:creationId xmlns:a16="http://schemas.microsoft.com/office/drawing/2014/main" id="{3FEAA1D8-57A1-4E4D-8E1D-99D1A7EEFE35}"/>
               </a:ext>
             </a:extLst>
           </p:cNvPr>
@@ -8452,14 +11334,28 @@
             <p:ph type="title"/>
           </p:nvPr>
         </p:nvSpPr>
-        <p:spPr/>
-        <p:txBody>
-          <a:bodyPr/>
+        <p:spPr>
+          <a:xfrm>
+            <a:off x="0" y="0"/>
+            <a:ext cx="8596668" cy="1320800"/>
+          </a:xfrm>
+        </p:spPr>
+        <p:txBody>
+          <a:bodyPr>
+            <a:normAutofit fontScale="90000"/>
+          </a:bodyPr>
           <a:lstStyle/>
           <a:p>
             <a:r>
               <a:rPr lang="en-US" dirty="0"/>
-              <a:t>Big Data Framework</a:t>
+              <a:t>Traffic and Network Generation</a:t>
+            </a:r>
+            <a:br>
+              <a:rPr lang="en-US" dirty="0"/>
+            </a:br>
+            <a:r>
+              <a:rPr lang="en-US" dirty="0"/>
+              <a:t> </a:t>
             </a:r>
             <a:br>
               <a:rPr lang="en-US" dirty="0"/>
@@ -8473,7 +11369,7 @@
           <p:cNvPr id="3" name="Content Placeholder 2">
             <a:extLst>
               <a:ext uri="{FF2B5EF4-FFF2-40B4-BE49-F238E27FC236}">
-                <a16:creationId xmlns:a16="http://schemas.microsoft.com/office/drawing/2014/main" id="{CF2CFBBD-E2C7-423B-9D53-6843D2A4E49D}"/>
+                <a16:creationId xmlns:a16="http://schemas.microsoft.com/office/drawing/2014/main" id="{FA794CCD-11E9-406A-8899-1C56237B7EDD}"/>
               </a:ext>
             </a:extLst>
           </p:cNvPr>
@@ -8486,180 +11382,293 @@
         </p:nvSpPr>
         <p:spPr>
           <a:xfrm>
-            <a:off x="438713" y="1338825"/>
-            <a:ext cx="5018189" cy="5406103"/>
+            <a:off x="4417365" y="541539"/>
+            <a:ext cx="5392460" cy="6316462"/>
           </a:xfrm>
         </p:spPr>
         <p:txBody>
           <a:bodyPr>
-            <a:normAutofit fontScale="85000" lnSpcReduction="10000"/>
+            <a:normAutofit fontScale="85000" lnSpcReduction="20000"/>
           </a:bodyPr>
           <a:lstStyle/>
           <a:p>
-            <a:pPr marL="0" indent="0">
-              <a:buNone/>
-            </a:pPr>
-            <a:r>
-              <a:rPr lang="en-US" dirty="0"/>
-              <a:t>We will have several components in our architecture:</a:t>
-            </a:r>
-            <a:endParaRPr lang="en-US" sz="1600" dirty="0"/>
-          </a:p>
-          <a:p>
-            <a:pPr lvl="0"/>
-            <a:r>
-              <a:rPr lang="en-US" dirty="0"/>
-              <a:t>Data Sources</a:t>
+            <a:r>
+              <a:rPr lang="en-US" dirty="0"/>
+              <a:t>The Mininet topology used is similar to a real-world topology.</a:t>
+            </a:r>
+          </a:p>
+          <a:p>
+            <a:r>
+              <a:rPr lang="en-US" dirty="0"/>
+              <a:t>9 hosts that are users with laptops (</a:t>
+            </a:r>
+            <a:r>
+              <a:rPr lang="en-US" dirty="0">
+                <a:solidFill>
+                  <a:srgbClr val="7030A0"/>
+                </a:solidFill>
+              </a:rPr>
+              <a:t>h</a:t>
+            </a:r>
+            <a:r>
+              <a:rPr lang="en-US" baseline="-25000" dirty="0">
+                <a:solidFill>
+                  <a:srgbClr val="7030A0"/>
+                </a:solidFill>
+              </a:rPr>
+              <a:t>11</a:t>
+            </a:r>
+            <a:r>
+              <a:rPr lang="en-US" dirty="0"/>
+              <a:t> – </a:t>
+            </a:r>
+            <a:r>
+              <a:rPr lang="en-US" dirty="0">
+                <a:solidFill>
+                  <a:srgbClr val="7030A0"/>
+                </a:solidFill>
+              </a:rPr>
+              <a:t>h</a:t>
+            </a:r>
+            <a:r>
+              <a:rPr lang="en-US" baseline="-25000" dirty="0">
+                <a:solidFill>
+                  <a:srgbClr val="7030A0"/>
+                </a:solidFill>
+              </a:rPr>
+              <a:t>33</a:t>
+            </a:r>
+            <a:r>
+              <a:rPr lang="en-US" dirty="0"/>
+              <a:t>)</a:t>
             </a:r>
           </a:p>
           <a:p>
             <a:pPr lvl="1"/>
             <a:r>
               <a:rPr lang="en-US" dirty="0"/>
-              <a:t>These are the Open </a:t>
-            </a:r>
-            <a:r>
-              <a:rPr lang="en-US" dirty="0" err="1"/>
-              <a:t>vSwitch</a:t>
-            </a:r>
-            <a:r>
-              <a:rPr lang="en-US" dirty="0"/>
-              <a:t> nodes sending NetFlow data.</a:t>
-            </a:r>
-            <a:endParaRPr lang="en-US" sz="1400" dirty="0"/>
-          </a:p>
-          <a:p>
-            <a:pPr lvl="0"/>
-            <a:r>
-              <a:rPr lang="en-US" dirty="0"/>
-              <a:t>Real-time Message Ingestion</a:t>
-            </a:r>
-            <a:endParaRPr lang="en-US" sz="1600" dirty="0"/>
+              <a:t>Can send HTTP requests to Web Server.</a:t>
+            </a:r>
           </a:p>
           <a:p>
             <a:pPr lvl="1"/>
             <a:r>
               <a:rPr lang="en-US" dirty="0"/>
-              <a:t>Performs Stream Buffering, providing the “Stream Processing” block enough time to process the stream data without being overrun with data. </a:t>
+              <a:t>Can send ICMP Pings to any host or server.</a:t>
             </a:r>
           </a:p>
           <a:p>
             <a:pPr lvl="1"/>
             <a:r>
               <a:rPr lang="en-US" dirty="0"/>
-              <a:t>We will use Apache Kafka.</a:t>
-            </a:r>
-            <a:endParaRPr lang="en-US" sz="1400" dirty="0"/>
-          </a:p>
-          <a:p>
-            <a:pPr lvl="0"/>
-            <a:r>
-              <a:rPr lang="en-US" dirty="0"/>
-              <a:t>Stream Processing</a:t>
-            </a:r>
-            <a:endParaRPr lang="en-US" sz="1600" dirty="0"/>
+              <a:t>Can send data via TCP to App Server.</a:t>
+            </a:r>
           </a:p>
           <a:p>
             <a:pPr lvl="1"/>
             <a:r>
               <a:rPr lang="en-US" dirty="0"/>
-              <a:t>This component filters, aggregates, and prepares the data for analysis.</a:t>
+              <a:t>Can send data via TCP to another user laptop.</a:t>
+            </a:r>
+          </a:p>
+          <a:p>
+            <a:r>
+              <a:rPr lang="en-US" dirty="0"/>
+              <a:t>Web Server (</a:t>
+            </a:r>
+            <a:r>
+              <a:rPr lang="en-US" dirty="0">
+                <a:solidFill>
+                  <a:srgbClr val="7030A0"/>
+                </a:solidFill>
+              </a:rPr>
+              <a:t>h</a:t>
+            </a:r>
+            <a:r>
+              <a:rPr lang="en-US" baseline="-25000" dirty="0">
+                <a:solidFill>
+                  <a:srgbClr val="7030A0"/>
+                </a:solidFill>
+              </a:rPr>
+              <a:t>41</a:t>
+            </a:r>
+            <a:r>
+              <a:rPr lang="en-US" dirty="0"/>
+              <a:t>) that contains a webpage (index.html)</a:t>
             </a:r>
           </a:p>
           <a:p>
             <a:pPr lvl="1"/>
             <a:r>
               <a:rPr lang="en-US" dirty="0"/>
-              <a:t> We will use Apache Spark Streaming.</a:t>
-            </a:r>
-            <a:endParaRPr lang="en-US" sz="1400" dirty="0"/>
-          </a:p>
-          <a:p>
-            <a:pPr lvl="0"/>
-            <a:r>
-              <a:rPr lang="en-US" dirty="0"/>
-              <a:t>Analytical Data Store</a:t>
-            </a:r>
-            <a:endParaRPr lang="en-US" sz="1600" dirty="0"/>
+              <a:t>Responds to HTTP requests from hosts.</a:t>
+            </a:r>
           </a:p>
           <a:p>
             <a:pPr lvl="1"/>
             <a:r>
               <a:rPr lang="en-US" dirty="0"/>
-              <a:t>This is where the data is stored after being processed. </a:t>
+              <a:t>Can send data via TCP to DB Server.</a:t>
+            </a:r>
+          </a:p>
+          <a:p>
+            <a:r>
+              <a:rPr lang="en-US" dirty="0"/>
+              <a:t>DB Server (</a:t>
+            </a:r>
+            <a:r>
+              <a:rPr lang="en-US" dirty="0">
+                <a:solidFill>
+                  <a:srgbClr val="7030A0"/>
+                </a:solidFill>
+              </a:rPr>
+              <a:t>h</a:t>
+            </a:r>
+            <a:r>
+              <a:rPr lang="en-US" baseline="-25000" dirty="0">
+                <a:solidFill>
+                  <a:srgbClr val="7030A0"/>
+                </a:solidFill>
+              </a:rPr>
+              <a:t>42</a:t>
+            </a:r>
+            <a:r>
+              <a:rPr lang="en-US" dirty="0"/>
+              <a:t>)</a:t>
             </a:r>
           </a:p>
           <a:p>
             <a:pPr lvl="1"/>
             <a:r>
               <a:rPr lang="en-US" dirty="0"/>
-              <a:t>We will use Elasticsearch. </a:t>
+              <a:t>Responds to messages sent from Web Server via TCP.</a:t>
             </a:r>
           </a:p>
           <a:p>
             <a:pPr lvl="1"/>
             <a:r>
               <a:rPr lang="en-US" dirty="0"/>
-              <a:t>The Machine learning part is done using </a:t>
-            </a:r>
-            <a:r>
-              <a:rPr lang="en-US" dirty="0" err="1"/>
-              <a:t>PySpark</a:t>
-            </a:r>
-            <a:r>
-              <a:rPr lang="en-US" dirty="0"/>
-              <a:t>.</a:t>
-            </a:r>
-            <a:endParaRPr lang="en-US" sz="1400" dirty="0"/>
-          </a:p>
-          <a:p>
-            <a:endParaRPr lang="en-US" dirty="0"/>
+              <a:t>Web Server is only server to communicate with DB Server.</a:t>
+            </a:r>
+          </a:p>
+          <a:p>
+            <a:r>
+              <a:rPr lang="en-US" dirty="0"/>
+              <a:t>App Server (</a:t>
+            </a:r>
+            <a:r>
+              <a:rPr lang="en-US" dirty="0">
+                <a:solidFill>
+                  <a:srgbClr val="7030A0"/>
+                </a:solidFill>
+              </a:rPr>
+              <a:t>h</a:t>
+            </a:r>
+            <a:r>
+              <a:rPr lang="en-US" baseline="-25000" dirty="0">
+                <a:solidFill>
+                  <a:srgbClr val="7030A0"/>
+                </a:solidFill>
+              </a:rPr>
+              <a:t>51</a:t>
+            </a:r>
+            <a:r>
+              <a:rPr lang="en-US" dirty="0"/>
+              <a:t>)</a:t>
+            </a:r>
+          </a:p>
+          <a:p>
+            <a:pPr lvl="1"/>
+            <a:r>
+              <a:rPr lang="en-US" dirty="0"/>
+              <a:t>Responds to messages sent from users via TCP.</a:t>
+            </a:r>
+          </a:p>
+          <a:p>
+            <a:r>
+              <a:rPr lang="en-US" dirty="0"/>
+              <a:t>5 Access </a:t>
+            </a:r>
+            <a:r>
+              <a:rPr lang="en-US" dirty="0">
+                <a:solidFill>
+                  <a:srgbClr val="FF0000"/>
+                </a:solidFill>
+              </a:rPr>
+              <a:t>Open vSwitches </a:t>
+            </a:r>
+            <a:r>
+              <a:rPr lang="en-US" dirty="0"/>
+              <a:t>that have NetFlow enabled.</a:t>
+            </a:r>
+          </a:p>
+          <a:p>
+            <a:r>
+              <a:rPr lang="en-US" dirty="0"/>
+              <a:t>5 Core Open vSwitches that </a:t>
+            </a:r>
+            <a:r>
+              <a:rPr lang="en-US" u="sng" dirty="0"/>
+              <a:t>do not</a:t>
+            </a:r>
+            <a:r>
+              <a:rPr lang="en-US" dirty="0"/>
+              <a:t> have NetFlow.</a:t>
+            </a:r>
+          </a:p>
+          <a:p>
+            <a:r>
+              <a:rPr lang="en-US" dirty="0"/>
+              <a:t>We used Python scripts to configure the network topology and generate traffic.</a:t>
+            </a:r>
+          </a:p>
+          <a:p>
+            <a:r>
+              <a:rPr lang="en-US" dirty="0"/>
+              <a:t>Python scripts included randomness to emulate “Normal” network traffic.</a:t>
+            </a:r>
           </a:p>
         </p:txBody>
       </p:sp>
       <p:pic>
         <p:nvPicPr>
-          <p:cNvPr id="6" name="Picture 5">
+          <p:cNvPr id="7" name="Picture 6">
             <a:extLst>
               <a:ext uri="{FF2B5EF4-FFF2-40B4-BE49-F238E27FC236}">
-                <a16:creationId xmlns:a16="http://schemas.microsoft.com/office/drawing/2014/main" id="{0129B10A-2A4A-4281-8B2A-7F12FBFB904E}"/>
+                <a16:creationId xmlns:a16="http://schemas.microsoft.com/office/drawing/2014/main" id="{E0988868-0BDD-4B8E-B635-8E74788FC199}"/>
               </a:ext>
             </a:extLst>
           </p:cNvPr>
-          <p:cNvPicPr/>
+          <p:cNvPicPr>
+            <a:picLocks noChangeAspect="1"/>
+          </p:cNvPicPr>
           <p:nvPr/>
         </p:nvPicPr>
         <p:blipFill>
-          <a:blip r:embed="rId2">
-            <a:extLst>
-              <a:ext uri="{28A0092B-C50C-407E-A947-70E740481C1C}">
-                <a14:useLocalDpi xmlns:a14="http://schemas.microsoft.com/office/drawing/2010/main" val="0"/>
-              </a:ext>
-            </a:extLst>
-          </a:blip>
-          <a:srcRect/>
+          <a:blip r:embed="rId2"/>
           <a:stretch>
             <a:fillRect/>
           </a:stretch>
         </p:blipFill>
-        <p:spPr bwMode="auto">
+        <p:spPr>
           <a:xfrm>
-            <a:off x="5633882" y="2113935"/>
-            <a:ext cx="4365524" cy="2358717"/>
+            <a:off x="0" y="773198"/>
+            <a:ext cx="4417365" cy="6084802"/>
           </a:xfrm>
           <a:prstGeom prst="rect">
             <a:avLst/>
           </a:prstGeom>
-          <a:noFill/>
           <a:ln>
-            <a:noFill/>
+            <a:solidFill>
+              <a:schemeClr val="tx1"/>
+            </a:solidFill>
           </a:ln>
         </p:spPr>
       </p:pic>
     </p:spTree>
     <p:extLst>
       <p:ext uri="{BB962C8B-B14F-4D97-AF65-F5344CB8AC3E}">
-        <p14:creationId xmlns:p14="http://schemas.microsoft.com/office/powerpoint/2010/main" val="3957754957"/>
+        <p14:creationId xmlns:p14="http://schemas.microsoft.com/office/powerpoint/2010/main" val="2233368301"/>
       </p:ext>
     </p:extLst>
   </p:cSld>
@@ -8686,12 +11695,47 @@
           <a:chExt cx="0" cy="0"/>
         </a:xfrm>
       </p:grpSpPr>
+      <p:pic>
+        <p:nvPicPr>
+          <p:cNvPr id="26" name="Picture 25">
+            <a:extLst>
+              <a:ext uri="{FF2B5EF4-FFF2-40B4-BE49-F238E27FC236}">
+                <a16:creationId xmlns:a16="http://schemas.microsoft.com/office/drawing/2014/main" id="{CEC628F6-8964-4FD9-9CF4-BA161A54A24D}"/>
+              </a:ext>
+            </a:extLst>
+          </p:cNvPr>
+          <p:cNvPicPr>
+            <a:picLocks noChangeAspect="1"/>
+          </p:cNvPicPr>
+          <p:nvPr/>
+        </p:nvPicPr>
+        <p:blipFill>
+          <a:blip r:embed="rId2"/>
+          <a:stretch>
+            <a:fillRect/>
+          </a:stretch>
+        </p:blipFill>
+        <p:spPr>
+          <a:xfrm>
+            <a:off x="1610998" y="594804"/>
+            <a:ext cx="7512349" cy="4429451"/>
+          </a:xfrm>
+          <a:prstGeom prst="rect">
+            <a:avLst/>
+          </a:prstGeom>
+          <a:ln>
+            <a:solidFill>
+              <a:schemeClr val="tx1"/>
+            </a:solidFill>
+          </a:ln>
+        </p:spPr>
+      </p:pic>
       <p:sp>
         <p:nvSpPr>
           <p:cNvPr id="2" name="Title 1">
             <a:extLst>
               <a:ext uri="{FF2B5EF4-FFF2-40B4-BE49-F238E27FC236}">
-                <a16:creationId xmlns:a16="http://schemas.microsoft.com/office/drawing/2014/main" id="{3D921775-48EA-442B-B7E8-0D29A9269E53}"/>
+                <a16:creationId xmlns:a16="http://schemas.microsoft.com/office/drawing/2014/main" id="{85C9B451-C96A-4D31-9372-8E9ED98DC146}"/>
               </a:ext>
             </a:extLst>
           </p:cNvPr>
@@ -8702,259 +11746,1651 @@
             <p:ph type="title"/>
           </p:nvPr>
         </p:nvSpPr>
-        <p:spPr/>
+        <p:spPr>
+          <a:xfrm>
+            <a:off x="0" y="0"/>
+            <a:ext cx="8596668" cy="1320800"/>
+          </a:xfrm>
+        </p:spPr>
         <p:txBody>
           <a:bodyPr/>
           <a:lstStyle/>
           <a:p>
             <a:r>
               <a:rPr lang="en-US" dirty="0"/>
-              <a:t>Elasticsearch Index Creation</a:t>
-            </a:r>
-          </a:p>
-        </p:txBody>
-      </p:sp>
-      <p:sp>
-        <p:nvSpPr>
-          <p:cNvPr id="3" name="Content Placeholder 2">
+              <a:t>Big Data Infrastructure</a:t>
+            </a:r>
+          </a:p>
+        </p:txBody>
+      </p:sp>
+      <p:grpSp>
+        <p:nvGrpSpPr>
+          <p:cNvPr id="27" name="Group 26">
             <a:extLst>
               <a:ext uri="{FF2B5EF4-FFF2-40B4-BE49-F238E27FC236}">
-                <a16:creationId xmlns:a16="http://schemas.microsoft.com/office/drawing/2014/main" id="{572B7988-9806-4612-9F5A-E18C41750765}"/>
+                <a16:creationId xmlns:a16="http://schemas.microsoft.com/office/drawing/2014/main" id="{D4AC59CA-4ACA-4332-9203-F068CEC520EE}"/>
               </a:ext>
             </a:extLst>
           </p:cNvPr>
-          <p:cNvSpPr>
-            <a:spLocks noGrp="1"/>
-          </p:cNvSpPr>
-          <p:nvPr>
-            <p:ph sz="half" idx="1"/>
-          </p:nvPr>
-        </p:nvSpPr>
-        <p:spPr>
+          <p:cNvGrpSpPr/>
+          <p:nvPr/>
+        </p:nvGrpSpPr>
+        <p:grpSpPr>
           <a:xfrm>
-            <a:off x="677334" y="1930400"/>
-            <a:ext cx="4184035" cy="3880772"/>
+            <a:off x="2167632" y="905301"/>
+            <a:ext cx="2357417" cy="944128"/>
+            <a:chOff x="2167632" y="905301"/>
+            <a:chExt cx="2357417" cy="944128"/>
           </a:xfrm>
-        </p:spPr>
-        <p:txBody>
-          <a:bodyPr>
-            <a:normAutofit fontScale="70000" lnSpcReduction="20000"/>
-          </a:bodyPr>
-          <a:lstStyle/>
-          <a:p>
-            <a:r>
-              <a:rPr lang="en-US" sz="2900" dirty="0"/>
-              <a:t>Elasticsearch is a distributed document store. </a:t>
-            </a:r>
-          </a:p>
-          <a:p>
-            <a:r>
-              <a:rPr lang="en-US" sz="2900" dirty="0"/>
-              <a:t>It can store and retrieve complex data structures—serialized as JSON documents—in real time. </a:t>
-            </a:r>
-          </a:p>
-          <a:p>
-            <a:r>
-              <a:rPr lang="en-US" sz="2900" dirty="0"/>
-              <a:t>In other words, as soon as a document has been stored in Elasticsearch, it can be retrieved from any node in the cluster</a:t>
-            </a:r>
-            <a:r>
-              <a:rPr lang="en-US" dirty="0"/>
-              <a:t>. </a:t>
-            </a:r>
-          </a:p>
-        </p:txBody>
-      </p:sp>
-      <p:sp>
-        <p:nvSpPr>
-          <p:cNvPr id="4" name="Content Placeholder 3">
+        </p:grpSpPr>
+        <p:sp>
+          <p:nvSpPr>
+            <p:cNvPr id="11" name="TextBox 10">
+              <a:extLst>
+                <a:ext uri="{FF2B5EF4-FFF2-40B4-BE49-F238E27FC236}">
+                  <a16:creationId xmlns:a16="http://schemas.microsoft.com/office/drawing/2014/main" id="{CB33AA65-CAFC-484E-8F44-3B8F28A56FC1}"/>
+                </a:ext>
+              </a:extLst>
+            </p:cNvPr>
+            <p:cNvSpPr txBox="1"/>
+            <p:nvPr/>
+          </p:nvSpPr>
+          <p:spPr>
+            <a:xfrm>
+              <a:off x="2167632" y="905301"/>
+              <a:ext cx="1445580" cy="830997"/>
+            </a:xfrm>
+            <a:prstGeom prst="rect">
+              <a:avLst/>
+            </a:prstGeom>
+            <a:solidFill>
+              <a:schemeClr val="bg1"/>
+            </a:solidFill>
+            <a:ln>
+              <a:solidFill>
+                <a:schemeClr val="tx1"/>
+              </a:solidFill>
+            </a:ln>
+            <a:effectLst>
+              <a:outerShdw blurRad="50800" dist="38100" dir="2700000" algn="tl" rotWithShape="0">
+                <a:prstClr val="black">
+                  <a:alpha val="40000"/>
+                </a:prstClr>
+              </a:outerShdw>
+            </a:effectLst>
+          </p:spPr>
+          <p:txBody>
+            <a:bodyPr wrap="square" rtlCol="0">
+              <a:spAutoFit/>
+            </a:bodyPr>
+            <a:lstStyle/>
+            <a:p>
+              <a:pPr algn="ctr"/>
+              <a:r>
+                <a:rPr lang="en-US" sz="1200" b="1" u="sng" dirty="0"/>
+                <a:t>Zookeeper</a:t>
+              </a:r>
+              <a:r>
+                <a:rPr lang="en-US" sz="1200" b="1" dirty="0"/>
+                <a:t> </a:t>
+              </a:r>
+              <a:r>
+                <a:rPr lang="en-US" sz="1200" dirty="0"/>
+                <a:t>is a tool that manages other Apache products.</a:t>
+              </a:r>
+            </a:p>
+          </p:txBody>
+        </p:sp>
+        <p:sp>
+          <p:nvSpPr>
+            <p:cNvPr id="17" name="Arrow: Down 16">
+              <a:extLst>
+                <a:ext uri="{FF2B5EF4-FFF2-40B4-BE49-F238E27FC236}">
+                  <a16:creationId xmlns:a16="http://schemas.microsoft.com/office/drawing/2014/main" id="{61596548-3D50-4423-AE9D-25F79B1D4480}"/>
+                </a:ext>
+              </a:extLst>
+            </p:cNvPr>
+            <p:cNvSpPr/>
+            <p:nvPr/>
+          </p:nvSpPr>
+          <p:spPr>
+            <a:xfrm rot="17332448">
+              <a:off x="3840821" y="1165201"/>
+              <a:ext cx="432922" cy="935534"/>
+            </a:xfrm>
+            <a:prstGeom prst="downArrow">
+              <a:avLst/>
+            </a:prstGeom>
+            <a:effectLst>
+              <a:outerShdw blurRad="50800" dist="38100" dir="2700000" algn="tl" rotWithShape="0">
+                <a:prstClr val="black">
+                  <a:alpha val="40000"/>
+                </a:prstClr>
+              </a:outerShdw>
+            </a:effectLst>
+          </p:spPr>
+          <p:style>
+            <a:lnRef idx="2">
+              <a:schemeClr val="accent4">
+                <a:shade val="50000"/>
+              </a:schemeClr>
+            </a:lnRef>
+            <a:fillRef idx="1">
+              <a:schemeClr val="accent4"/>
+            </a:fillRef>
+            <a:effectRef idx="0">
+              <a:schemeClr val="accent4"/>
+            </a:effectRef>
+            <a:fontRef idx="minor">
+              <a:schemeClr val="lt1"/>
+            </a:fontRef>
+          </p:style>
+          <p:txBody>
+            <a:bodyPr rtlCol="0" anchor="ctr"/>
+            <a:lstStyle/>
+            <a:p>
+              <a:pPr algn="ctr"/>
+              <a:endParaRPr lang="en-US"/>
+            </a:p>
+          </p:txBody>
+        </p:sp>
+      </p:grpSp>
+      <p:grpSp>
+        <p:nvGrpSpPr>
+          <p:cNvPr id="28" name="Group 27">
             <a:extLst>
               <a:ext uri="{FF2B5EF4-FFF2-40B4-BE49-F238E27FC236}">
-                <a16:creationId xmlns:a16="http://schemas.microsoft.com/office/drawing/2014/main" id="{BF02B6CB-E5CD-4C4B-A6CC-EBE0D8EC5CCC}"/>
+                <a16:creationId xmlns:a16="http://schemas.microsoft.com/office/drawing/2014/main" id="{0D0EF21A-4BFD-4748-9C56-0922648DE6CC}"/>
               </a:ext>
             </a:extLst>
           </p:cNvPr>
-          <p:cNvSpPr>
-            <a:spLocks noGrp="1"/>
-          </p:cNvSpPr>
-          <p:nvPr>
-            <p:ph sz="half" idx="2"/>
-          </p:nvPr>
-        </p:nvSpPr>
-        <p:spPr>
+          <p:cNvGrpSpPr/>
+          <p:nvPr/>
+        </p:nvGrpSpPr>
+        <p:grpSpPr>
           <a:xfrm>
-            <a:off x="5404601" y="1930399"/>
-            <a:ext cx="4184034" cy="3880773"/>
+            <a:off x="0" y="1926032"/>
+            <a:ext cx="3242255" cy="1015663"/>
+            <a:chOff x="0" y="1926032"/>
+            <a:chExt cx="3242255" cy="1015663"/>
           </a:xfrm>
-        </p:spPr>
-        <p:txBody>
-          <a:bodyPr>
-            <a:normAutofit fontScale="70000" lnSpcReduction="20000"/>
-          </a:bodyPr>
-          <a:lstStyle/>
-          <a:p>
-            <a:pPr marL="0" indent="0">
-              <a:buNone/>
-            </a:pPr>
-            <a:r>
-              <a:rPr lang="en-US" dirty="0"/>
-              <a:t># the index created in Elasticsearch using Kibana Dev Tool</a:t>
-            </a:r>
-          </a:p>
-          <a:p>
-            <a:pPr marL="0" indent="0">
-              <a:buNone/>
-            </a:pPr>
-            <a:r>
-              <a:rPr lang="en-US" dirty="0"/>
-              <a:t>PUT /</a:t>
-            </a:r>
-            <a:r>
-              <a:rPr lang="en-US" dirty="0" err="1"/>
-              <a:t>netflowrepo</a:t>
-            </a:r>
-            <a:r>
-              <a:rPr lang="en-US" dirty="0"/>
-              <a:t>/entry/_mapping</a:t>
-            </a:r>
-          </a:p>
-          <a:p>
-            <a:pPr marL="0" indent="0">
-              <a:buNone/>
-            </a:pPr>
-            <a:r>
-              <a:rPr lang="en-US" dirty="0"/>
-              <a:t>{</a:t>
-            </a:r>
-          </a:p>
-          <a:p>
-            <a:pPr marL="0" indent="0">
-              <a:buNone/>
-            </a:pPr>
-            <a:r>
-              <a:rPr lang="en-US" dirty="0"/>
-              <a:t>	"entry" : {</a:t>
-            </a:r>
-          </a:p>
-          <a:p>
-            <a:pPr marL="0" indent="0">
-              <a:buNone/>
-            </a:pPr>
-            <a:r>
-              <a:rPr lang="en-US" dirty="0"/>
-              <a:t>		"properties" : {</a:t>
-            </a:r>
-          </a:p>
-          <a:p>
-            <a:pPr marL="0" indent="0">
-              <a:buNone/>
-            </a:pPr>
-            <a:r>
-              <a:rPr lang="en-US" dirty="0"/>
-              <a:t>			"</a:t>
-            </a:r>
-            <a:r>
-              <a:rPr lang="en-US" dirty="0" err="1"/>
-              <a:t>sumOfFlows</a:t>
-            </a:r>
-            <a:r>
-              <a:rPr lang="en-US" dirty="0"/>
-              <a:t>" : { "type" : "long" },</a:t>
-            </a:r>
-          </a:p>
-          <a:p>
-            <a:pPr marL="0" indent="0">
-              <a:buNone/>
-            </a:pPr>
-            <a:r>
-              <a:rPr lang="en-US" dirty="0"/>
-              <a:t>			"</a:t>
-            </a:r>
-            <a:r>
-              <a:rPr lang="en-US" dirty="0" err="1"/>
-              <a:t>sumOfBytes</a:t>
-            </a:r>
-            <a:r>
-              <a:rPr lang="en-US" dirty="0"/>
-              <a:t>" : { "type" : "long" },</a:t>
-            </a:r>
-          </a:p>
-          <a:p>
-            <a:pPr marL="0" indent="0">
-              <a:buNone/>
-            </a:pPr>
-            <a:r>
-              <a:rPr lang="en-US" dirty="0"/>
-              <a:t>			"</a:t>
-            </a:r>
-            <a:r>
-              <a:rPr lang="en-US" dirty="0" err="1"/>
-              <a:t>uniqDstIPs</a:t>
-            </a:r>
-            <a:r>
-              <a:rPr lang="en-US" dirty="0"/>
-              <a:t>" : { "type" : "integer" },</a:t>
-            </a:r>
-          </a:p>
-          <a:p>
-            <a:pPr marL="0" indent="0">
-              <a:buNone/>
-            </a:pPr>
-            <a:r>
-              <a:rPr lang="en-US" dirty="0"/>
-              <a:t>			"</a:t>
-            </a:r>
-            <a:r>
-              <a:rPr lang="en-US" dirty="0" err="1"/>
-              <a:t>uniqDstPorts</a:t>
-            </a:r>
-            <a:r>
-              <a:rPr lang="en-US" dirty="0"/>
-              <a:t>" : { "type" : "integer" }</a:t>
-            </a:r>
-          </a:p>
-          <a:p>
-            <a:pPr marL="0" indent="0">
-              <a:buNone/>
-            </a:pPr>
-            <a:r>
-              <a:rPr lang="en-US" dirty="0"/>
-              <a:t>		}</a:t>
-            </a:r>
-          </a:p>
-          <a:p>
-            <a:pPr marL="0" indent="0">
-              <a:buNone/>
-            </a:pPr>
-            <a:r>
-              <a:rPr lang="en-US" dirty="0"/>
-              <a:t>	}</a:t>
-            </a:r>
-          </a:p>
-          <a:p>
-            <a:pPr marL="0" indent="0">
-              <a:buNone/>
-            </a:pPr>
-            <a:r>
-              <a:rPr lang="en-US" dirty="0"/>
-              <a:t>}</a:t>
-            </a:r>
-          </a:p>
-          <a:p>
-            <a:endParaRPr lang="en-US" dirty="0"/>
-          </a:p>
-        </p:txBody>
-      </p:sp>
+        </p:grpSpPr>
+        <p:sp>
+          <p:nvSpPr>
+            <p:cNvPr id="9" name="TextBox 8">
+              <a:extLst>
+                <a:ext uri="{FF2B5EF4-FFF2-40B4-BE49-F238E27FC236}">
+                  <a16:creationId xmlns:a16="http://schemas.microsoft.com/office/drawing/2014/main" id="{FD9A4496-236F-4007-861F-523837EC05C6}"/>
+                </a:ext>
+              </a:extLst>
+            </p:cNvPr>
+            <p:cNvSpPr txBox="1"/>
+            <p:nvPr/>
+          </p:nvSpPr>
+          <p:spPr>
+            <a:xfrm>
+              <a:off x="0" y="1926032"/>
+              <a:ext cx="1526959" cy="1015663"/>
+            </a:xfrm>
+            <a:prstGeom prst="rect">
+              <a:avLst/>
+            </a:prstGeom>
+            <a:solidFill>
+              <a:schemeClr val="bg1"/>
+            </a:solidFill>
+            <a:ln>
+              <a:solidFill>
+                <a:schemeClr val="tx1"/>
+              </a:solidFill>
+            </a:ln>
+            <a:effectLst>
+              <a:outerShdw blurRad="50800" dist="38100" dir="2700000" algn="tl" rotWithShape="0">
+                <a:prstClr val="black">
+                  <a:alpha val="40000"/>
+                </a:prstClr>
+              </a:outerShdw>
+            </a:effectLst>
+          </p:spPr>
+          <p:txBody>
+            <a:bodyPr wrap="square" rtlCol="0">
+              <a:spAutoFit/>
+            </a:bodyPr>
+            <a:lstStyle/>
+            <a:p>
+              <a:pPr algn="ctr"/>
+              <a:r>
+                <a:rPr lang="en-US" sz="1200" b="1" u="sng" dirty="0"/>
+                <a:t>StreamSet</a:t>
+              </a:r>
+              <a:r>
+                <a:rPr lang="en-US" sz="1200" b="1" dirty="0"/>
+                <a:t> </a:t>
+              </a:r>
+              <a:r>
+                <a:rPr lang="en-US" sz="1200" dirty="0"/>
+                <a:t>is a tool that allows user to create a pipeline containing various products.</a:t>
+              </a:r>
+            </a:p>
+          </p:txBody>
+        </p:sp>
+        <p:sp>
+          <p:nvSpPr>
+            <p:cNvPr id="18" name="Arrow: Down 17">
+              <a:extLst>
+                <a:ext uri="{FF2B5EF4-FFF2-40B4-BE49-F238E27FC236}">
+                  <a16:creationId xmlns:a16="http://schemas.microsoft.com/office/drawing/2014/main" id="{C21FA3C4-5FA5-486C-99B6-FC200F144BAD}"/>
+                </a:ext>
+              </a:extLst>
+            </p:cNvPr>
+            <p:cNvSpPr/>
+            <p:nvPr/>
+          </p:nvSpPr>
+          <p:spPr>
+            <a:xfrm rot="16592958">
+              <a:off x="2166972" y="1552301"/>
+              <a:ext cx="432922" cy="1717645"/>
+            </a:xfrm>
+            <a:prstGeom prst="downArrow">
+              <a:avLst/>
+            </a:prstGeom>
+            <a:effectLst>
+              <a:outerShdw blurRad="50800" dist="38100" dir="2700000" algn="tl" rotWithShape="0">
+                <a:prstClr val="black">
+                  <a:alpha val="40000"/>
+                </a:prstClr>
+              </a:outerShdw>
+            </a:effectLst>
+          </p:spPr>
+          <p:style>
+            <a:lnRef idx="2">
+              <a:schemeClr val="accent4">
+                <a:shade val="50000"/>
+              </a:schemeClr>
+            </a:lnRef>
+            <a:fillRef idx="1">
+              <a:schemeClr val="accent4"/>
+            </a:fillRef>
+            <a:effectRef idx="0">
+              <a:schemeClr val="accent4"/>
+            </a:effectRef>
+            <a:fontRef idx="minor">
+              <a:schemeClr val="lt1"/>
+            </a:fontRef>
+          </p:style>
+          <p:txBody>
+            <a:bodyPr rtlCol="0" anchor="ctr"/>
+            <a:lstStyle/>
+            <a:p>
+              <a:pPr algn="ctr"/>
+              <a:endParaRPr lang="en-US"/>
+            </a:p>
+          </p:txBody>
+        </p:sp>
+      </p:grpSp>
+      <p:grpSp>
+        <p:nvGrpSpPr>
+          <p:cNvPr id="29" name="Group 28">
+            <a:extLst>
+              <a:ext uri="{FF2B5EF4-FFF2-40B4-BE49-F238E27FC236}">
+                <a16:creationId xmlns:a16="http://schemas.microsoft.com/office/drawing/2014/main" id="{6BA43695-F088-40D4-9923-650B4426617E}"/>
+              </a:ext>
+            </a:extLst>
+          </p:cNvPr>
+          <p:cNvGrpSpPr/>
+          <p:nvPr/>
+        </p:nvGrpSpPr>
+        <p:grpSpPr>
+          <a:xfrm>
+            <a:off x="548597" y="3774800"/>
+            <a:ext cx="1997764" cy="2719866"/>
+            <a:chOff x="548597" y="3774800"/>
+            <a:chExt cx="1997764" cy="2719866"/>
+          </a:xfrm>
+        </p:grpSpPr>
+        <p:sp>
+          <p:nvSpPr>
+            <p:cNvPr id="10" name="TextBox 9">
+              <a:extLst>
+                <a:ext uri="{FF2B5EF4-FFF2-40B4-BE49-F238E27FC236}">
+                  <a16:creationId xmlns:a16="http://schemas.microsoft.com/office/drawing/2014/main" id="{3E281D5E-46FC-4AE4-86CD-4CFFBDB86A26}"/>
+                </a:ext>
+              </a:extLst>
+            </p:cNvPr>
+            <p:cNvSpPr txBox="1"/>
+            <p:nvPr/>
+          </p:nvSpPr>
+          <p:spPr>
+            <a:xfrm>
+              <a:off x="548597" y="5479003"/>
+              <a:ext cx="1464815" cy="1015663"/>
+            </a:xfrm>
+            <a:prstGeom prst="rect">
+              <a:avLst/>
+            </a:prstGeom>
+            <a:solidFill>
+              <a:schemeClr val="bg1"/>
+            </a:solidFill>
+            <a:ln>
+              <a:solidFill>
+                <a:schemeClr val="tx1"/>
+              </a:solidFill>
+            </a:ln>
+            <a:effectLst>
+              <a:outerShdw blurRad="50800" dist="38100" dir="2700000" algn="tl" rotWithShape="0">
+                <a:prstClr val="black">
+                  <a:alpha val="40000"/>
+                </a:prstClr>
+              </a:outerShdw>
+            </a:effectLst>
+          </p:spPr>
+          <p:txBody>
+            <a:bodyPr wrap="square" rtlCol="0">
+              <a:spAutoFit/>
+            </a:bodyPr>
+            <a:lstStyle/>
+            <a:p>
+              <a:pPr algn="ctr"/>
+              <a:r>
+                <a:rPr lang="en-US" sz="1200" b="1" u="sng" dirty="0"/>
+                <a:t>UDP Source</a:t>
+              </a:r>
+              <a:r>
+                <a:rPr lang="en-US" sz="1200" b="1" dirty="0"/>
+                <a:t> </a:t>
+              </a:r>
+              <a:r>
+                <a:rPr lang="en-US" sz="1200" dirty="0"/>
+                <a:t>converts NetFlow messages into form Kafka accepts.</a:t>
+              </a:r>
+            </a:p>
+          </p:txBody>
+        </p:sp>
+        <p:sp>
+          <p:nvSpPr>
+            <p:cNvPr id="19" name="Arrow: Down 18">
+              <a:extLst>
+                <a:ext uri="{FF2B5EF4-FFF2-40B4-BE49-F238E27FC236}">
+                  <a16:creationId xmlns:a16="http://schemas.microsoft.com/office/drawing/2014/main" id="{24A00125-5C94-4475-92E2-F25E6BFD11A3}"/>
+                </a:ext>
+              </a:extLst>
+            </p:cNvPr>
+            <p:cNvSpPr/>
+            <p:nvPr/>
+          </p:nvSpPr>
+          <p:spPr>
+            <a:xfrm rot="13039044">
+              <a:off x="2113439" y="3774800"/>
+              <a:ext cx="432922" cy="1825415"/>
+            </a:xfrm>
+            <a:prstGeom prst="downArrow">
+              <a:avLst/>
+            </a:prstGeom>
+            <a:effectLst>
+              <a:outerShdw blurRad="50800" dist="38100" dir="2700000" algn="tl" rotWithShape="0">
+                <a:prstClr val="black">
+                  <a:alpha val="40000"/>
+                </a:prstClr>
+              </a:outerShdw>
+            </a:effectLst>
+          </p:spPr>
+          <p:style>
+            <a:lnRef idx="2">
+              <a:schemeClr val="accent4">
+                <a:shade val="50000"/>
+              </a:schemeClr>
+            </a:lnRef>
+            <a:fillRef idx="1">
+              <a:schemeClr val="accent4"/>
+            </a:fillRef>
+            <a:effectRef idx="0">
+              <a:schemeClr val="accent4"/>
+            </a:effectRef>
+            <a:fontRef idx="minor">
+              <a:schemeClr val="lt1"/>
+            </a:fontRef>
+          </p:style>
+          <p:txBody>
+            <a:bodyPr rtlCol="0" anchor="ctr"/>
+            <a:lstStyle/>
+            <a:p>
+              <a:pPr algn="ctr"/>
+              <a:endParaRPr lang="en-US"/>
+            </a:p>
+          </p:txBody>
+        </p:sp>
+      </p:grpSp>
+      <p:grpSp>
+        <p:nvGrpSpPr>
+          <p:cNvPr id="30" name="Group 29">
+            <a:extLst>
+              <a:ext uri="{FF2B5EF4-FFF2-40B4-BE49-F238E27FC236}">
+                <a16:creationId xmlns:a16="http://schemas.microsoft.com/office/drawing/2014/main" id="{3DB376DA-63F7-4170-8410-A74100781306}"/>
+              </a:ext>
+            </a:extLst>
+          </p:cNvPr>
+          <p:cNvGrpSpPr/>
+          <p:nvPr/>
+        </p:nvGrpSpPr>
+        <p:grpSpPr>
+          <a:xfrm>
+            <a:off x="2338528" y="3729489"/>
+            <a:ext cx="1464815" cy="2211178"/>
+            <a:chOff x="2338528" y="3729489"/>
+            <a:chExt cx="1464815" cy="2211178"/>
+          </a:xfrm>
+        </p:grpSpPr>
+        <p:sp>
+          <p:nvSpPr>
+            <p:cNvPr id="12" name="TextBox 11">
+              <a:extLst>
+                <a:ext uri="{FF2B5EF4-FFF2-40B4-BE49-F238E27FC236}">
+                  <a16:creationId xmlns:a16="http://schemas.microsoft.com/office/drawing/2014/main" id="{099C4198-818D-48CE-8A6C-3A325E4F3203}"/>
+                </a:ext>
+              </a:extLst>
+            </p:cNvPr>
+            <p:cNvSpPr txBox="1"/>
+            <p:nvPr/>
+          </p:nvSpPr>
+          <p:spPr>
+            <a:xfrm>
+              <a:off x="2338528" y="5479002"/>
+              <a:ext cx="1464815" cy="461665"/>
+            </a:xfrm>
+            <a:prstGeom prst="rect">
+              <a:avLst/>
+            </a:prstGeom>
+            <a:solidFill>
+              <a:schemeClr val="bg1"/>
+            </a:solidFill>
+            <a:ln>
+              <a:solidFill>
+                <a:schemeClr val="tx1"/>
+              </a:solidFill>
+            </a:ln>
+            <a:effectLst>
+              <a:outerShdw blurRad="50800" dist="38100" dir="2700000" algn="tl" rotWithShape="0">
+                <a:prstClr val="black">
+                  <a:alpha val="40000"/>
+                </a:prstClr>
+              </a:outerShdw>
+            </a:effectLst>
+          </p:spPr>
+          <p:txBody>
+            <a:bodyPr wrap="square" rtlCol="0">
+              <a:spAutoFit/>
+            </a:bodyPr>
+            <a:lstStyle/>
+            <a:p>
+              <a:pPr algn="ctr"/>
+              <a:r>
+                <a:rPr lang="en-US" sz="1200" b="1" u="sng" dirty="0"/>
+                <a:t>Apache Kafka </a:t>
+              </a:r>
+              <a:r>
+                <a:rPr lang="en-US" sz="1200" dirty="0"/>
+                <a:t>buffers the data.</a:t>
+              </a:r>
+            </a:p>
+          </p:txBody>
+        </p:sp>
+        <p:sp>
+          <p:nvSpPr>
+            <p:cNvPr id="20" name="Arrow: Down 19">
+              <a:extLst>
+                <a:ext uri="{FF2B5EF4-FFF2-40B4-BE49-F238E27FC236}">
+                  <a16:creationId xmlns:a16="http://schemas.microsoft.com/office/drawing/2014/main" id="{B374FD20-7D77-433D-8F43-E354482CD7BA}"/>
+                </a:ext>
+              </a:extLst>
+            </p:cNvPr>
+            <p:cNvSpPr/>
+            <p:nvPr/>
+          </p:nvSpPr>
+          <p:spPr>
+            <a:xfrm rot="13039044">
+              <a:off x="3038458" y="3729489"/>
+              <a:ext cx="432922" cy="1825415"/>
+            </a:xfrm>
+            <a:prstGeom prst="downArrow">
+              <a:avLst/>
+            </a:prstGeom>
+            <a:effectLst>
+              <a:outerShdw blurRad="50800" dist="38100" dir="2700000" algn="tl" rotWithShape="0">
+                <a:prstClr val="black">
+                  <a:alpha val="40000"/>
+                </a:prstClr>
+              </a:outerShdw>
+            </a:effectLst>
+          </p:spPr>
+          <p:style>
+            <a:lnRef idx="2">
+              <a:schemeClr val="accent4">
+                <a:shade val="50000"/>
+              </a:schemeClr>
+            </a:lnRef>
+            <a:fillRef idx="1">
+              <a:schemeClr val="accent4"/>
+            </a:fillRef>
+            <a:effectRef idx="0">
+              <a:schemeClr val="accent4"/>
+            </a:effectRef>
+            <a:fontRef idx="minor">
+              <a:schemeClr val="lt1"/>
+            </a:fontRef>
+          </p:style>
+          <p:txBody>
+            <a:bodyPr rtlCol="0" anchor="ctr"/>
+            <a:lstStyle/>
+            <a:p>
+              <a:pPr algn="ctr"/>
+              <a:endParaRPr lang="en-US"/>
+            </a:p>
+          </p:txBody>
+        </p:sp>
+      </p:grpSp>
+      <p:grpSp>
+        <p:nvGrpSpPr>
+          <p:cNvPr id="31" name="Group 30">
+            <a:extLst>
+              <a:ext uri="{FF2B5EF4-FFF2-40B4-BE49-F238E27FC236}">
+                <a16:creationId xmlns:a16="http://schemas.microsoft.com/office/drawing/2014/main" id="{602DAE4F-FF1F-4128-A5CF-3ACABA423E64}"/>
+              </a:ext>
+            </a:extLst>
+          </p:cNvPr>
+          <p:cNvGrpSpPr/>
+          <p:nvPr/>
+        </p:nvGrpSpPr>
+        <p:grpSpPr>
+          <a:xfrm>
+            <a:off x="4280578" y="3779793"/>
+            <a:ext cx="1464815" cy="2530206"/>
+            <a:chOff x="4280578" y="3779793"/>
+            <a:chExt cx="1464815" cy="2530206"/>
+          </a:xfrm>
+        </p:grpSpPr>
+        <p:sp>
+          <p:nvSpPr>
+            <p:cNvPr id="13" name="TextBox 12">
+              <a:extLst>
+                <a:ext uri="{FF2B5EF4-FFF2-40B4-BE49-F238E27FC236}">
+                  <a16:creationId xmlns:a16="http://schemas.microsoft.com/office/drawing/2014/main" id="{60F9FA17-F848-4A01-8FE7-29A67324A6C8}"/>
+                </a:ext>
+              </a:extLst>
+            </p:cNvPr>
+            <p:cNvSpPr txBox="1"/>
+            <p:nvPr/>
+          </p:nvSpPr>
+          <p:spPr>
+            <a:xfrm>
+              <a:off x="4280578" y="5479002"/>
+              <a:ext cx="1464815" cy="830997"/>
+            </a:xfrm>
+            <a:prstGeom prst="rect">
+              <a:avLst/>
+            </a:prstGeom>
+            <a:solidFill>
+              <a:schemeClr val="bg1"/>
+            </a:solidFill>
+            <a:ln>
+              <a:solidFill>
+                <a:schemeClr val="tx1"/>
+              </a:solidFill>
+            </a:ln>
+            <a:effectLst>
+              <a:outerShdw blurRad="50800" dist="38100" dir="2700000" algn="tl" rotWithShape="0">
+                <a:prstClr val="black">
+                  <a:alpha val="40000"/>
+                </a:prstClr>
+              </a:outerShdw>
+            </a:effectLst>
+          </p:spPr>
+          <p:txBody>
+            <a:bodyPr wrap="square" rtlCol="0">
+              <a:spAutoFit/>
+            </a:bodyPr>
+            <a:lstStyle/>
+            <a:p>
+              <a:pPr algn="ctr"/>
+              <a:r>
+                <a:rPr lang="en-US" sz="1200" b="1" u="sng" dirty="0"/>
+                <a:t>Apache Spark </a:t>
+              </a:r>
+              <a:r>
+                <a:rPr lang="en-US" sz="1200" dirty="0"/>
+                <a:t>performs feature engineering and Machine Learning</a:t>
+              </a:r>
+            </a:p>
+          </p:txBody>
+        </p:sp>
+        <p:sp>
+          <p:nvSpPr>
+            <p:cNvPr id="21" name="Arrow: Down 20">
+              <a:extLst>
+                <a:ext uri="{FF2B5EF4-FFF2-40B4-BE49-F238E27FC236}">
+                  <a16:creationId xmlns:a16="http://schemas.microsoft.com/office/drawing/2014/main" id="{D6EDBD02-7C5C-4856-8D17-67B98900E686}"/>
+                </a:ext>
+              </a:extLst>
+            </p:cNvPr>
+            <p:cNvSpPr/>
+            <p:nvPr/>
+          </p:nvSpPr>
+          <p:spPr>
+            <a:xfrm rot="12125731">
+              <a:off x="4945307" y="3779793"/>
+              <a:ext cx="432922" cy="1689389"/>
+            </a:xfrm>
+            <a:prstGeom prst="downArrow">
+              <a:avLst/>
+            </a:prstGeom>
+            <a:effectLst>
+              <a:outerShdw blurRad="50800" dist="38100" dir="2700000" algn="tl" rotWithShape="0">
+                <a:prstClr val="black">
+                  <a:alpha val="40000"/>
+                </a:prstClr>
+              </a:outerShdw>
+            </a:effectLst>
+          </p:spPr>
+          <p:style>
+            <a:lnRef idx="2">
+              <a:schemeClr val="accent4">
+                <a:shade val="50000"/>
+              </a:schemeClr>
+            </a:lnRef>
+            <a:fillRef idx="1">
+              <a:schemeClr val="accent4"/>
+            </a:fillRef>
+            <a:effectRef idx="0">
+              <a:schemeClr val="accent4"/>
+            </a:effectRef>
+            <a:fontRef idx="minor">
+              <a:schemeClr val="lt1"/>
+            </a:fontRef>
+          </p:style>
+          <p:txBody>
+            <a:bodyPr rtlCol="0" anchor="ctr"/>
+            <a:lstStyle/>
+            <a:p>
+              <a:pPr algn="ctr"/>
+              <a:endParaRPr lang="en-US"/>
+            </a:p>
+          </p:txBody>
+        </p:sp>
+      </p:grpSp>
+      <p:grpSp>
+        <p:nvGrpSpPr>
+          <p:cNvPr id="32" name="Group 31">
+            <a:extLst>
+              <a:ext uri="{FF2B5EF4-FFF2-40B4-BE49-F238E27FC236}">
+                <a16:creationId xmlns:a16="http://schemas.microsoft.com/office/drawing/2014/main" id="{2F15A663-FFA1-438D-90B8-E67114962487}"/>
+              </a:ext>
+            </a:extLst>
+          </p:cNvPr>
+          <p:cNvGrpSpPr/>
+          <p:nvPr/>
+        </p:nvGrpSpPr>
+        <p:grpSpPr>
+          <a:xfrm>
+            <a:off x="6352776" y="3818390"/>
+            <a:ext cx="1139978" cy="2306944"/>
+            <a:chOff x="6352776" y="3818390"/>
+            <a:chExt cx="1139978" cy="2306944"/>
+          </a:xfrm>
+        </p:grpSpPr>
+        <p:sp>
+          <p:nvSpPr>
+            <p:cNvPr id="14" name="TextBox 13">
+              <a:extLst>
+                <a:ext uri="{FF2B5EF4-FFF2-40B4-BE49-F238E27FC236}">
+                  <a16:creationId xmlns:a16="http://schemas.microsoft.com/office/drawing/2014/main" id="{16B7BF1B-17F2-43F2-913B-1B858F9A4F41}"/>
+                </a:ext>
+              </a:extLst>
+            </p:cNvPr>
+            <p:cNvSpPr txBox="1"/>
+            <p:nvPr/>
+          </p:nvSpPr>
+          <p:spPr>
+            <a:xfrm>
+              <a:off x="6352776" y="5479003"/>
+              <a:ext cx="1139978" cy="646331"/>
+            </a:xfrm>
+            <a:prstGeom prst="rect">
+              <a:avLst/>
+            </a:prstGeom>
+            <a:solidFill>
+              <a:schemeClr val="bg1"/>
+            </a:solidFill>
+            <a:ln>
+              <a:solidFill>
+                <a:schemeClr val="tx1"/>
+              </a:solidFill>
+            </a:ln>
+            <a:effectLst>
+              <a:outerShdw blurRad="50800" dist="38100" dir="2700000" algn="tl" rotWithShape="0">
+                <a:prstClr val="black">
+                  <a:alpha val="40000"/>
+                </a:prstClr>
+              </a:outerShdw>
+            </a:effectLst>
+          </p:spPr>
+          <p:txBody>
+            <a:bodyPr wrap="square" rtlCol="0">
+              <a:spAutoFit/>
+            </a:bodyPr>
+            <a:lstStyle/>
+            <a:p>
+              <a:pPr algn="ctr"/>
+              <a:r>
+                <a:rPr lang="en-US" sz="1200" b="1" u="sng" dirty="0"/>
+                <a:t>ElasticSearch </a:t>
+              </a:r>
+              <a:r>
+                <a:rPr lang="en-US" sz="1200" dirty="0"/>
+                <a:t>stores the feature data.</a:t>
+              </a:r>
+            </a:p>
+          </p:txBody>
+        </p:sp>
+        <p:sp>
+          <p:nvSpPr>
+            <p:cNvPr id="22" name="Arrow: Down 21">
+              <a:extLst>
+                <a:ext uri="{FF2B5EF4-FFF2-40B4-BE49-F238E27FC236}">
+                  <a16:creationId xmlns:a16="http://schemas.microsoft.com/office/drawing/2014/main" id="{26FAB248-8B1B-47B7-AB35-20CF4D24282C}"/>
+                </a:ext>
+              </a:extLst>
+            </p:cNvPr>
+            <p:cNvSpPr/>
+            <p:nvPr/>
+          </p:nvSpPr>
+          <p:spPr>
+            <a:xfrm rot="9858602">
+              <a:off x="6746333" y="3818390"/>
+              <a:ext cx="432922" cy="1653160"/>
+            </a:xfrm>
+            <a:prstGeom prst="downArrow">
+              <a:avLst/>
+            </a:prstGeom>
+            <a:effectLst>
+              <a:outerShdw blurRad="50800" dist="38100" dir="2700000" algn="tl" rotWithShape="0">
+                <a:prstClr val="black">
+                  <a:alpha val="40000"/>
+                </a:prstClr>
+              </a:outerShdw>
+            </a:effectLst>
+          </p:spPr>
+          <p:style>
+            <a:lnRef idx="2">
+              <a:schemeClr val="accent4">
+                <a:shade val="50000"/>
+              </a:schemeClr>
+            </a:lnRef>
+            <a:fillRef idx="1">
+              <a:schemeClr val="accent4"/>
+            </a:fillRef>
+            <a:effectRef idx="0">
+              <a:schemeClr val="accent4"/>
+            </a:effectRef>
+            <a:fontRef idx="minor">
+              <a:schemeClr val="lt1"/>
+            </a:fontRef>
+          </p:style>
+          <p:txBody>
+            <a:bodyPr rtlCol="0" anchor="ctr"/>
+            <a:lstStyle/>
+            <a:p>
+              <a:pPr algn="ctr"/>
+              <a:endParaRPr lang="en-US"/>
+            </a:p>
+          </p:txBody>
+        </p:sp>
+      </p:grpSp>
+      <p:grpSp>
+        <p:nvGrpSpPr>
+          <p:cNvPr id="33" name="Group 32">
+            <a:extLst>
+              <a:ext uri="{FF2B5EF4-FFF2-40B4-BE49-F238E27FC236}">
+                <a16:creationId xmlns:a16="http://schemas.microsoft.com/office/drawing/2014/main" id="{0FD8775E-FF29-4E05-ABCA-1CA883CF1188}"/>
+              </a:ext>
+            </a:extLst>
+          </p:cNvPr>
+          <p:cNvGrpSpPr/>
+          <p:nvPr/>
+        </p:nvGrpSpPr>
+        <p:grpSpPr>
+          <a:xfrm>
+            <a:off x="7860441" y="4546344"/>
+            <a:ext cx="1139978" cy="1949803"/>
+            <a:chOff x="7860441" y="4546344"/>
+            <a:chExt cx="1139978" cy="1949803"/>
+          </a:xfrm>
+        </p:grpSpPr>
+        <p:sp>
+          <p:nvSpPr>
+            <p:cNvPr id="15" name="TextBox 14">
+              <a:extLst>
+                <a:ext uri="{FF2B5EF4-FFF2-40B4-BE49-F238E27FC236}">
+                  <a16:creationId xmlns:a16="http://schemas.microsoft.com/office/drawing/2014/main" id="{59D3B9FD-9D81-43F6-BDAA-DD86D9481B09}"/>
+                </a:ext>
+              </a:extLst>
+            </p:cNvPr>
+            <p:cNvSpPr txBox="1"/>
+            <p:nvPr/>
+          </p:nvSpPr>
+          <p:spPr>
+            <a:xfrm>
+              <a:off x="7860441" y="5480484"/>
+              <a:ext cx="1139978" cy="1015663"/>
+            </a:xfrm>
+            <a:prstGeom prst="rect">
+              <a:avLst/>
+            </a:prstGeom>
+            <a:solidFill>
+              <a:schemeClr val="bg1"/>
+            </a:solidFill>
+            <a:ln>
+              <a:solidFill>
+                <a:schemeClr val="tx1"/>
+              </a:solidFill>
+            </a:ln>
+            <a:effectLst>
+              <a:outerShdw blurRad="50800" dist="38100" dir="2700000" algn="tl" rotWithShape="0">
+                <a:prstClr val="black">
+                  <a:alpha val="40000"/>
+                </a:prstClr>
+              </a:outerShdw>
+            </a:effectLst>
+          </p:spPr>
+          <p:txBody>
+            <a:bodyPr wrap="square" rtlCol="0">
+              <a:spAutoFit/>
+            </a:bodyPr>
+            <a:lstStyle/>
+            <a:p>
+              <a:pPr algn="ctr"/>
+              <a:r>
+                <a:rPr lang="en-US" sz="1200" b="1" u="sng" dirty="0"/>
+                <a:t>Logstash </a:t>
+              </a:r>
+              <a:r>
+                <a:rPr lang="en-US" sz="1200" dirty="0"/>
+                <a:t>reads raw NetFlow data and sends to Kibana.</a:t>
+              </a:r>
+            </a:p>
+          </p:txBody>
+        </p:sp>
+        <p:sp>
+          <p:nvSpPr>
+            <p:cNvPr id="23" name="Arrow: Down 22">
+              <a:extLst>
+                <a:ext uri="{FF2B5EF4-FFF2-40B4-BE49-F238E27FC236}">
+                  <a16:creationId xmlns:a16="http://schemas.microsoft.com/office/drawing/2014/main" id="{890F11D2-E8B3-4AC2-A230-241E40202DB8}"/>
+                </a:ext>
+              </a:extLst>
+            </p:cNvPr>
+            <p:cNvSpPr/>
+            <p:nvPr/>
+          </p:nvSpPr>
+          <p:spPr>
+            <a:xfrm rot="8278901">
+              <a:off x="7998377" y="4546344"/>
+              <a:ext cx="432922" cy="964660"/>
+            </a:xfrm>
+            <a:prstGeom prst="downArrow">
+              <a:avLst/>
+            </a:prstGeom>
+            <a:effectLst>
+              <a:outerShdw blurRad="50800" dist="38100" dir="2700000" algn="tl" rotWithShape="0">
+                <a:prstClr val="black">
+                  <a:alpha val="40000"/>
+                </a:prstClr>
+              </a:outerShdw>
+            </a:effectLst>
+          </p:spPr>
+          <p:style>
+            <a:lnRef idx="2">
+              <a:schemeClr val="accent4">
+                <a:shade val="50000"/>
+              </a:schemeClr>
+            </a:lnRef>
+            <a:fillRef idx="1">
+              <a:schemeClr val="accent4"/>
+            </a:fillRef>
+            <a:effectRef idx="0">
+              <a:schemeClr val="accent4"/>
+            </a:effectRef>
+            <a:fontRef idx="minor">
+              <a:schemeClr val="lt1"/>
+            </a:fontRef>
+          </p:style>
+          <p:txBody>
+            <a:bodyPr rtlCol="0" anchor="ctr"/>
+            <a:lstStyle/>
+            <a:p>
+              <a:pPr algn="ctr"/>
+              <a:endParaRPr lang="en-US"/>
+            </a:p>
+          </p:txBody>
+        </p:sp>
+      </p:grpSp>
+      <p:grpSp>
+        <p:nvGrpSpPr>
+          <p:cNvPr id="34" name="Group 33">
+            <a:extLst>
+              <a:ext uri="{FF2B5EF4-FFF2-40B4-BE49-F238E27FC236}">
+                <a16:creationId xmlns:a16="http://schemas.microsoft.com/office/drawing/2014/main" id="{1AE9211D-E9BE-4E59-88CC-C76804E71158}"/>
+              </a:ext>
+            </a:extLst>
+          </p:cNvPr>
+          <p:cNvGrpSpPr/>
+          <p:nvPr/>
+        </p:nvGrpSpPr>
+        <p:grpSpPr>
+          <a:xfrm>
+            <a:off x="8614543" y="3223964"/>
+            <a:ext cx="2133237" cy="3270702"/>
+            <a:chOff x="8614543" y="3223964"/>
+            <a:chExt cx="2133237" cy="3270702"/>
+          </a:xfrm>
+        </p:grpSpPr>
+        <p:sp>
+          <p:nvSpPr>
+            <p:cNvPr id="16" name="TextBox 15">
+              <a:extLst>
+                <a:ext uri="{FF2B5EF4-FFF2-40B4-BE49-F238E27FC236}">
+                  <a16:creationId xmlns:a16="http://schemas.microsoft.com/office/drawing/2014/main" id="{9F8FD307-D293-41EC-953E-A5042B0E5880}"/>
+                </a:ext>
+              </a:extLst>
+            </p:cNvPr>
+            <p:cNvSpPr txBox="1"/>
+            <p:nvPr/>
+          </p:nvSpPr>
+          <p:spPr>
+            <a:xfrm>
+              <a:off x="9607802" y="5479003"/>
+              <a:ext cx="1139978" cy="1015663"/>
+            </a:xfrm>
+            <a:prstGeom prst="rect">
+              <a:avLst/>
+            </a:prstGeom>
+            <a:solidFill>
+              <a:schemeClr val="bg1"/>
+            </a:solidFill>
+            <a:ln>
+              <a:solidFill>
+                <a:schemeClr val="tx1"/>
+              </a:solidFill>
+            </a:ln>
+            <a:effectLst>
+              <a:outerShdw blurRad="50800" dist="38100" dir="2700000" algn="tl" rotWithShape="0">
+                <a:prstClr val="black">
+                  <a:alpha val="40000"/>
+                </a:prstClr>
+              </a:outerShdw>
+            </a:effectLst>
+          </p:spPr>
+          <p:txBody>
+            <a:bodyPr wrap="square" rtlCol="0">
+              <a:spAutoFit/>
+            </a:bodyPr>
+            <a:lstStyle/>
+            <a:p>
+              <a:pPr algn="ctr"/>
+              <a:r>
+                <a:rPr lang="en-US" sz="1200" b="1" u="sng" dirty="0"/>
+                <a:t>Kibana</a:t>
+              </a:r>
+              <a:r>
+                <a:rPr lang="en-US" sz="1200" dirty="0"/>
+                <a:t> provides a Web GUI to view the data.</a:t>
+              </a:r>
+            </a:p>
+          </p:txBody>
+        </p:sp>
+        <p:sp>
+          <p:nvSpPr>
+            <p:cNvPr id="24" name="Arrow: Down 23">
+              <a:extLst>
+                <a:ext uri="{FF2B5EF4-FFF2-40B4-BE49-F238E27FC236}">
+                  <a16:creationId xmlns:a16="http://schemas.microsoft.com/office/drawing/2014/main" id="{9B4867AE-D4D1-4183-8D15-498F563BDB05}"/>
+                </a:ext>
+              </a:extLst>
+            </p:cNvPr>
+            <p:cNvSpPr/>
+            <p:nvPr/>
+          </p:nvSpPr>
+          <p:spPr>
+            <a:xfrm rot="8278901">
+              <a:off x="8614543" y="3223964"/>
+              <a:ext cx="432922" cy="2496650"/>
+            </a:xfrm>
+            <a:prstGeom prst="downArrow">
+              <a:avLst/>
+            </a:prstGeom>
+            <a:effectLst>
+              <a:outerShdw blurRad="50800" dist="38100" dir="2700000" algn="tl" rotWithShape="0">
+                <a:prstClr val="black">
+                  <a:alpha val="40000"/>
+                </a:prstClr>
+              </a:outerShdw>
+            </a:effectLst>
+          </p:spPr>
+          <p:style>
+            <a:lnRef idx="2">
+              <a:schemeClr val="accent4">
+                <a:shade val="50000"/>
+              </a:schemeClr>
+            </a:lnRef>
+            <a:fillRef idx="1">
+              <a:schemeClr val="accent4"/>
+            </a:fillRef>
+            <a:effectRef idx="0">
+              <a:schemeClr val="accent4"/>
+            </a:effectRef>
+            <a:fontRef idx="minor">
+              <a:schemeClr val="lt1"/>
+            </a:fontRef>
+          </p:style>
+          <p:txBody>
+            <a:bodyPr rtlCol="0" anchor="ctr"/>
+            <a:lstStyle/>
+            <a:p>
+              <a:pPr algn="ctr"/>
+              <a:endParaRPr lang="en-US"/>
+            </a:p>
+          </p:txBody>
+        </p:sp>
+      </p:grpSp>
+      <p:grpSp>
+        <p:nvGrpSpPr>
+          <p:cNvPr id="38" name="Group 37">
+            <a:extLst>
+              <a:ext uri="{FF2B5EF4-FFF2-40B4-BE49-F238E27FC236}">
+                <a16:creationId xmlns:a16="http://schemas.microsoft.com/office/drawing/2014/main" id="{B69DA366-5DED-406C-9940-61C7C0008F1D}"/>
+              </a:ext>
+            </a:extLst>
+          </p:cNvPr>
+          <p:cNvGrpSpPr/>
+          <p:nvPr/>
+        </p:nvGrpSpPr>
+        <p:grpSpPr>
+          <a:xfrm>
+            <a:off x="9130043" y="2292890"/>
+            <a:ext cx="2977065" cy="2326229"/>
+            <a:chOff x="9130043" y="2292890"/>
+            <a:chExt cx="2977065" cy="2326229"/>
+          </a:xfrm>
+        </p:grpSpPr>
+        <p:sp>
+          <p:nvSpPr>
+            <p:cNvPr id="37" name="Arrow: Right 36">
+              <a:extLst>
+                <a:ext uri="{FF2B5EF4-FFF2-40B4-BE49-F238E27FC236}">
+                  <a16:creationId xmlns:a16="http://schemas.microsoft.com/office/drawing/2014/main" id="{8B923CC2-A588-470F-AC06-75D887DA5BBD}"/>
+                </a:ext>
+              </a:extLst>
+            </p:cNvPr>
+            <p:cNvSpPr/>
+            <p:nvPr/>
+          </p:nvSpPr>
+          <p:spPr>
+            <a:xfrm rot="10800000">
+              <a:off x="9130043" y="3179212"/>
+              <a:ext cx="1283464" cy="378554"/>
+            </a:xfrm>
+            <a:prstGeom prst="rightArrow">
+              <a:avLst/>
+            </a:prstGeom>
+            <a:effectLst>
+              <a:outerShdw blurRad="50800" dist="38100" dir="2700000" algn="tl" rotWithShape="0">
+                <a:prstClr val="black">
+                  <a:alpha val="40000"/>
+                </a:prstClr>
+              </a:outerShdw>
+            </a:effectLst>
+          </p:spPr>
+          <p:style>
+            <a:lnRef idx="2">
+              <a:schemeClr val="accent4">
+                <a:shade val="50000"/>
+              </a:schemeClr>
+            </a:lnRef>
+            <a:fillRef idx="1">
+              <a:schemeClr val="accent4"/>
+            </a:fillRef>
+            <a:effectRef idx="0">
+              <a:schemeClr val="accent4"/>
+            </a:effectRef>
+            <a:fontRef idx="minor">
+              <a:schemeClr val="lt1"/>
+            </a:fontRef>
+          </p:style>
+          <p:txBody>
+            <a:bodyPr rot="0" spcFirstLastPara="0" vertOverflow="overflow" horzOverflow="overflow" vert="horz" wrap="square" lIns="91440" tIns="45720" rIns="91440" bIns="45720" numCol="1" spcCol="0" rtlCol="0" fromWordArt="0" anchor="ctr" anchorCtr="0" forceAA="0" compatLnSpc="1">
+              <a:prstTxWarp prst="textNoShape">
+                <a:avLst/>
+              </a:prstTxWarp>
+              <a:noAutofit/>
+            </a:bodyPr>
+            <a:lstStyle/>
+            <a:p>
+              <a:pPr algn="ctr"/>
+              <a:endParaRPr lang="en-US"/>
+            </a:p>
+          </p:txBody>
+        </p:sp>
+        <p:pic>
+          <p:nvPicPr>
+            <p:cNvPr id="35" name="Picture 34">
+              <a:extLst>
+                <a:ext uri="{FF2B5EF4-FFF2-40B4-BE49-F238E27FC236}">
+                  <a16:creationId xmlns:a16="http://schemas.microsoft.com/office/drawing/2014/main" id="{31CDD030-0882-49D3-919C-857BE9907357}"/>
+                </a:ext>
+              </a:extLst>
+            </p:cNvPr>
+            <p:cNvPicPr>
+              <a:picLocks noChangeAspect="1"/>
+            </p:cNvPicPr>
+            <p:nvPr/>
+          </p:nvPicPr>
+          <p:blipFill rotWithShape="1">
+            <a:blip r:embed="rId3"/>
+            <a:srcRect l="68704" r="6642" b="3715"/>
+            <a:stretch/>
+          </p:blipFill>
+          <p:spPr>
+            <a:xfrm>
+              <a:off x="10456007" y="3425279"/>
+              <a:ext cx="1643743" cy="1193840"/>
+            </a:xfrm>
+            <a:prstGeom prst="rect">
+              <a:avLst/>
+            </a:prstGeom>
+            <a:ln>
+              <a:solidFill>
+                <a:schemeClr val="tx1"/>
+              </a:solidFill>
+            </a:ln>
+          </p:spPr>
+        </p:pic>
+        <p:pic>
+          <p:nvPicPr>
+            <p:cNvPr id="36" name="Picture 35">
+              <a:extLst>
+                <a:ext uri="{FF2B5EF4-FFF2-40B4-BE49-F238E27FC236}">
+                  <a16:creationId xmlns:a16="http://schemas.microsoft.com/office/drawing/2014/main" id="{66B21399-A007-480C-9663-749ECF421369}"/>
+                </a:ext>
+              </a:extLst>
+            </p:cNvPr>
+            <p:cNvPicPr>
+              <a:picLocks noChangeAspect="1"/>
+            </p:cNvPicPr>
+            <p:nvPr/>
+          </p:nvPicPr>
+          <p:blipFill rotWithShape="1">
+            <a:blip r:embed="rId3"/>
+            <a:srcRect l="34591" r="37628" b="4308"/>
+            <a:stretch/>
+          </p:blipFill>
+          <p:spPr>
+            <a:xfrm>
+              <a:off x="10448651" y="2292890"/>
+              <a:ext cx="1658457" cy="1062380"/>
+            </a:xfrm>
+            <a:prstGeom prst="rect">
+              <a:avLst/>
+            </a:prstGeom>
+            <a:ln>
+              <a:solidFill>
+                <a:schemeClr val="tx1"/>
+              </a:solidFill>
+            </a:ln>
+          </p:spPr>
+        </p:pic>
+      </p:grpSp>
     </p:spTree>
     <p:extLst>
       <p:ext uri="{BB962C8B-B14F-4D97-AF65-F5344CB8AC3E}">
-        <p14:creationId xmlns:p14="http://schemas.microsoft.com/office/powerpoint/2010/main" val="4183393618"/>
+        <p14:creationId xmlns:p14="http://schemas.microsoft.com/office/powerpoint/2010/main" val="3957754957"/>
       </p:ext>
     </p:extLst>
   </p:cSld>
   <p:clrMapOvr>
     <a:masterClrMapping/>
   </p:clrMapOvr>
+  <p:timing>
+    <p:tnLst>
+      <p:par>
+        <p:cTn id="1" dur="indefinite" restart="never" nodeType="tmRoot">
+          <p:childTnLst>
+            <p:seq concurrent="1" nextAc="seek">
+              <p:cTn id="2" dur="indefinite" nodeType="mainSeq">
+                <p:childTnLst>
+                  <p:par>
+                    <p:cTn id="3" fill="hold">
+                      <p:stCondLst>
+                        <p:cond delay="indefinite"/>
+                      </p:stCondLst>
+                      <p:childTnLst>
+                        <p:par>
+                          <p:cTn id="4" fill="hold">
+                            <p:stCondLst>
+                              <p:cond delay="0"/>
+                            </p:stCondLst>
+                            <p:childTnLst>
+                              <p:par>
+                                <p:cTn id="5" presetID="1" presetClass="entr" presetSubtype="0" fill="hold" nodeType="clickEffect">
+                                  <p:stCondLst>
+                                    <p:cond delay="0"/>
+                                  </p:stCondLst>
+                                  <p:childTnLst>
+                                    <p:set>
+                                      <p:cBhvr>
+                                        <p:cTn id="6" dur="1" fill="hold">
+                                          <p:stCondLst>
+                                            <p:cond delay="0"/>
+                                          </p:stCondLst>
+                                        </p:cTn>
+                                        <p:tgtEl>
+                                          <p:spTgt spid="27"/>
+                                        </p:tgtEl>
+                                        <p:attrNameLst>
+                                          <p:attrName>style.visibility</p:attrName>
+                                        </p:attrNameLst>
+                                      </p:cBhvr>
+                                      <p:to>
+                                        <p:strVal val="visible"/>
+                                      </p:to>
+                                    </p:set>
+                                  </p:childTnLst>
+                                </p:cTn>
+                              </p:par>
+                            </p:childTnLst>
+                          </p:cTn>
+                        </p:par>
+                      </p:childTnLst>
+                    </p:cTn>
+                  </p:par>
+                  <p:par>
+                    <p:cTn id="7" fill="hold">
+                      <p:stCondLst>
+                        <p:cond delay="indefinite"/>
+                      </p:stCondLst>
+                      <p:childTnLst>
+                        <p:par>
+                          <p:cTn id="8" fill="hold">
+                            <p:stCondLst>
+                              <p:cond delay="0"/>
+                            </p:stCondLst>
+                            <p:childTnLst>
+                              <p:par>
+                                <p:cTn id="9" presetID="1" presetClass="entr" presetSubtype="0" fill="hold" nodeType="clickEffect">
+                                  <p:stCondLst>
+                                    <p:cond delay="0"/>
+                                  </p:stCondLst>
+                                  <p:childTnLst>
+                                    <p:set>
+                                      <p:cBhvr>
+                                        <p:cTn id="10" dur="1" fill="hold">
+                                          <p:stCondLst>
+                                            <p:cond delay="0"/>
+                                          </p:stCondLst>
+                                        </p:cTn>
+                                        <p:tgtEl>
+                                          <p:spTgt spid="28"/>
+                                        </p:tgtEl>
+                                        <p:attrNameLst>
+                                          <p:attrName>style.visibility</p:attrName>
+                                        </p:attrNameLst>
+                                      </p:cBhvr>
+                                      <p:to>
+                                        <p:strVal val="visible"/>
+                                      </p:to>
+                                    </p:set>
+                                  </p:childTnLst>
+                                </p:cTn>
+                              </p:par>
+                            </p:childTnLst>
+                          </p:cTn>
+                        </p:par>
+                      </p:childTnLst>
+                    </p:cTn>
+                  </p:par>
+                  <p:par>
+                    <p:cTn id="11" fill="hold">
+                      <p:stCondLst>
+                        <p:cond delay="indefinite"/>
+                      </p:stCondLst>
+                      <p:childTnLst>
+                        <p:par>
+                          <p:cTn id="12" fill="hold">
+                            <p:stCondLst>
+                              <p:cond delay="0"/>
+                            </p:stCondLst>
+                            <p:childTnLst>
+                              <p:par>
+                                <p:cTn id="13" presetID="1" presetClass="entr" presetSubtype="0" fill="hold" nodeType="clickEffect">
+                                  <p:stCondLst>
+                                    <p:cond delay="0"/>
+                                  </p:stCondLst>
+                                  <p:childTnLst>
+                                    <p:set>
+                                      <p:cBhvr>
+                                        <p:cTn id="14" dur="1" fill="hold">
+                                          <p:stCondLst>
+                                            <p:cond delay="0"/>
+                                          </p:stCondLst>
+                                        </p:cTn>
+                                        <p:tgtEl>
+                                          <p:spTgt spid="29"/>
+                                        </p:tgtEl>
+                                        <p:attrNameLst>
+                                          <p:attrName>style.visibility</p:attrName>
+                                        </p:attrNameLst>
+                                      </p:cBhvr>
+                                      <p:to>
+                                        <p:strVal val="visible"/>
+                                      </p:to>
+                                    </p:set>
+                                  </p:childTnLst>
+                                </p:cTn>
+                              </p:par>
+                            </p:childTnLst>
+                          </p:cTn>
+                        </p:par>
+                      </p:childTnLst>
+                    </p:cTn>
+                  </p:par>
+                  <p:par>
+                    <p:cTn id="15" fill="hold">
+                      <p:stCondLst>
+                        <p:cond delay="indefinite"/>
+                      </p:stCondLst>
+                      <p:childTnLst>
+                        <p:par>
+                          <p:cTn id="16" fill="hold">
+                            <p:stCondLst>
+                              <p:cond delay="0"/>
+                            </p:stCondLst>
+                            <p:childTnLst>
+                              <p:par>
+                                <p:cTn id="17" presetID="1" presetClass="entr" presetSubtype="0" fill="hold" nodeType="clickEffect">
+                                  <p:stCondLst>
+                                    <p:cond delay="0"/>
+                                  </p:stCondLst>
+                                  <p:childTnLst>
+                                    <p:set>
+                                      <p:cBhvr>
+                                        <p:cTn id="18" dur="1" fill="hold">
+                                          <p:stCondLst>
+                                            <p:cond delay="0"/>
+                                          </p:stCondLst>
+                                        </p:cTn>
+                                        <p:tgtEl>
+                                          <p:spTgt spid="30"/>
+                                        </p:tgtEl>
+                                        <p:attrNameLst>
+                                          <p:attrName>style.visibility</p:attrName>
+                                        </p:attrNameLst>
+                                      </p:cBhvr>
+                                      <p:to>
+                                        <p:strVal val="visible"/>
+                                      </p:to>
+                                    </p:set>
+                                  </p:childTnLst>
+                                </p:cTn>
+                              </p:par>
+                            </p:childTnLst>
+                          </p:cTn>
+                        </p:par>
+                      </p:childTnLst>
+                    </p:cTn>
+                  </p:par>
+                  <p:par>
+                    <p:cTn id="19" fill="hold">
+                      <p:stCondLst>
+                        <p:cond delay="indefinite"/>
+                      </p:stCondLst>
+                      <p:childTnLst>
+                        <p:par>
+                          <p:cTn id="20" fill="hold">
+                            <p:stCondLst>
+                              <p:cond delay="0"/>
+                            </p:stCondLst>
+                            <p:childTnLst>
+                              <p:par>
+                                <p:cTn id="21" presetID="1" presetClass="entr" presetSubtype="0" fill="hold" nodeType="clickEffect">
+                                  <p:stCondLst>
+                                    <p:cond delay="0"/>
+                                  </p:stCondLst>
+                                  <p:childTnLst>
+                                    <p:set>
+                                      <p:cBhvr>
+                                        <p:cTn id="22" dur="1" fill="hold">
+                                          <p:stCondLst>
+                                            <p:cond delay="0"/>
+                                          </p:stCondLst>
+                                        </p:cTn>
+                                        <p:tgtEl>
+                                          <p:spTgt spid="31"/>
+                                        </p:tgtEl>
+                                        <p:attrNameLst>
+                                          <p:attrName>style.visibility</p:attrName>
+                                        </p:attrNameLst>
+                                      </p:cBhvr>
+                                      <p:to>
+                                        <p:strVal val="visible"/>
+                                      </p:to>
+                                    </p:set>
+                                  </p:childTnLst>
+                                </p:cTn>
+                              </p:par>
+                            </p:childTnLst>
+                          </p:cTn>
+                        </p:par>
+                      </p:childTnLst>
+                    </p:cTn>
+                  </p:par>
+                  <p:par>
+                    <p:cTn id="23" fill="hold">
+                      <p:stCondLst>
+                        <p:cond delay="indefinite"/>
+                      </p:stCondLst>
+                      <p:childTnLst>
+                        <p:par>
+                          <p:cTn id="24" fill="hold">
+                            <p:stCondLst>
+                              <p:cond delay="0"/>
+                            </p:stCondLst>
+                            <p:childTnLst>
+                              <p:par>
+                                <p:cTn id="25" presetID="1" presetClass="entr" presetSubtype="0" fill="hold" nodeType="clickEffect">
+                                  <p:stCondLst>
+                                    <p:cond delay="0"/>
+                                  </p:stCondLst>
+                                  <p:childTnLst>
+                                    <p:set>
+                                      <p:cBhvr>
+                                        <p:cTn id="26" dur="1" fill="hold">
+                                          <p:stCondLst>
+                                            <p:cond delay="0"/>
+                                          </p:stCondLst>
+                                        </p:cTn>
+                                        <p:tgtEl>
+                                          <p:spTgt spid="32"/>
+                                        </p:tgtEl>
+                                        <p:attrNameLst>
+                                          <p:attrName>style.visibility</p:attrName>
+                                        </p:attrNameLst>
+                                      </p:cBhvr>
+                                      <p:to>
+                                        <p:strVal val="visible"/>
+                                      </p:to>
+                                    </p:set>
+                                  </p:childTnLst>
+                                </p:cTn>
+                              </p:par>
+                            </p:childTnLst>
+                          </p:cTn>
+                        </p:par>
+                      </p:childTnLst>
+                    </p:cTn>
+                  </p:par>
+                  <p:par>
+                    <p:cTn id="27" fill="hold">
+                      <p:stCondLst>
+                        <p:cond delay="indefinite"/>
+                      </p:stCondLst>
+                      <p:childTnLst>
+                        <p:par>
+                          <p:cTn id="28" fill="hold">
+                            <p:stCondLst>
+                              <p:cond delay="0"/>
+                            </p:stCondLst>
+                            <p:childTnLst>
+                              <p:par>
+                                <p:cTn id="29" presetID="1" presetClass="entr" presetSubtype="0" fill="hold" nodeType="clickEffect">
+                                  <p:stCondLst>
+                                    <p:cond delay="0"/>
+                                  </p:stCondLst>
+                                  <p:childTnLst>
+                                    <p:set>
+                                      <p:cBhvr>
+                                        <p:cTn id="30" dur="1" fill="hold">
+                                          <p:stCondLst>
+                                            <p:cond delay="0"/>
+                                          </p:stCondLst>
+                                        </p:cTn>
+                                        <p:tgtEl>
+                                          <p:spTgt spid="33"/>
+                                        </p:tgtEl>
+                                        <p:attrNameLst>
+                                          <p:attrName>style.visibility</p:attrName>
+                                        </p:attrNameLst>
+                                      </p:cBhvr>
+                                      <p:to>
+                                        <p:strVal val="visible"/>
+                                      </p:to>
+                                    </p:set>
+                                  </p:childTnLst>
+                                </p:cTn>
+                              </p:par>
+                            </p:childTnLst>
+                          </p:cTn>
+                        </p:par>
+                      </p:childTnLst>
+                    </p:cTn>
+                  </p:par>
+                  <p:par>
+                    <p:cTn id="31" fill="hold">
+                      <p:stCondLst>
+                        <p:cond delay="indefinite"/>
+                      </p:stCondLst>
+                      <p:childTnLst>
+                        <p:par>
+                          <p:cTn id="32" fill="hold">
+                            <p:stCondLst>
+                              <p:cond delay="0"/>
+                            </p:stCondLst>
+                            <p:childTnLst>
+                              <p:par>
+                                <p:cTn id="33" presetID="1" presetClass="entr" presetSubtype="0" fill="hold" nodeType="clickEffect">
+                                  <p:stCondLst>
+                                    <p:cond delay="0"/>
+                                  </p:stCondLst>
+                                  <p:childTnLst>
+                                    <p:set>
+                                      <p:cBhvr>
+                                        <p:cTn id="34" dur="1" fill="hold">
+                                          <p:stCondLst>
+                                            <p:cond delay="0"/>
+                                          </p:stCondLst>
+                                        </p:cTn>
+                                        <p:tgtEl>
+                                          <p:spTgt spid="34"/>
+                                        </p:tgtEl>
+                                        <p:attrNameLst>
+                                          <p:attrName>style.visibility</p:attrName>
+                                        </p:attrNameLst>
+                                      </p:cBhvr>
+                                      <p:to>
+                                        <p:strVal val="visible"/>
+                                      </p:to>
+                                    </p:set>
+                                  </p:childTnLst>
+                                </p:cTn>
+                              </p:par>
+                            </p:childTnLst>
+                          </p:cTn>
+                        </p:par>
+                      </p:childTnLst>
+                    </p:cTn>
+                  </p:par>
+                  <p:par>
+                    <p:cTn id="35" fill="hold">
+                      <p:stCondLst>
+                        <p:cond delay="indefinite"/>
+                      </p:stCondLst>
+                      <p:childTnLst>
+                        <p:par>
+                          <p:cTn id="36" fill="hold">
+                            <p:stCondLst>
+                              <p:cond delay="0"/>
+                            </p:stCondLst>
+                            <p:childTnLst>
+                              <p:par>
+                                <p:cTn id="37" presetID="1" presetClass="entr" presetSubtype="0" fill="hold" nodeType="clickEffect">
+                                  <p:stCondLst>
+                                    <p:cond delay="0"/>
+                                  </p:stCondLst>
+                                  <p:childTnLst>
+                                    <p:set>
+                                      <p:cBhvr>
+                                        <p:cTn id="38" dur="1" fill="hold">
+                                          <p:stCondLst>
+                                            <p:cond delay="0"/>
+                                          </p:stCondLst>
+                                        </p:cTn>
+                                        <p:tgtEl>
+                                          <p:spTgt spid="38"/>
+                                        </p:tgtEl>
+                                        <p:attrNameLst>
+                                          <p:attrName>style.visibility</p:attrName>
+                                        </p:attrNameLst>
+                                      </p:cBhvr>
+                                      <p:to>
+                                        <p:strVal val="visible"/>
+                                      </p:to>
+                                    </p:set>
+                                  </p:childTnLst>
+                                </p:cTn>
+                              </p:par>
+                            </p:childTnLst>
+                          </p:cTn>
+                        </p:par>
+                      </p:childTnLst>
+                    </p:cTn>
+                  </p:par>
+                </p:childTnLst>
+              </p:cTn>
+              <p:prevCondLst>
+                <p:cond evt="onPrev" delay="0">
+                  <p:tgtEl>
+                    <p:sldTgt/>
+                  </p:tgtEl>
+                </p:cond>
+              </p:prevCondLst>
+              <p:nextCondLst>
+                <p:cond evt="onNext" delay="0">
+                  <p:tgtEl>
+                    <p:sldTgt/>
+                  </p:tgtEl>
+                </p:cond>
+              </p:nextCondLst>
+            </p:seq>
+          </p:childTnLst>
+        </p:cTn>
+      </p:par>
+    </p:tnLst>
+  </p:timing>
 </p:sld>
 </file>
 
@@ -9205,7 +13641,41 @@
       </a:bgFillStyleLst>
     </a:fmtScheme>
   </a:themeElements>
-  <a:objectDefaults/>
+  <a:objectDefaults>
+    <a:spDef>
+      <a:spPr>
+        <a:effectLst>
+          <a:outerShdw blurRad="50800" dist="38100" dir="2700000" algn="tl" rotWithShape="0">
+            <a:prstClr val="black">
+              <a:alpha val="40000"/>
+            </a:prstClr>
+          </a:outerShdw>
+        </a:effectLst>
+      </a:spPr>
+      <a:bodyPr rtlCol="0" anchor="ctr"/>
+      <a:lstStyle>
+        <a:defPPr algn="ctr">
+          <a:defRPr/>
+        </a:defPPr>
+      </a:lstStyle>
+      <a:style>
+        <a:lnRef idx="2">
+          <a:schemeClr val="accent4">
+            <a:shade val="50000"/>
+          </a:schemeClr>
+        </a:lnRef>
+        <a:fillRef idx="1">
+          <a:schemeClr val="accent4"/>
+        </a:fillRef>
+        <a:effectRef idx="0">
+          <a:schemeClr val="accent4"/>
+        </a:effectRef>
+        <a:fontRef idx="minor">
+          <a:schemeClr val="lt1"/>
+        </a:fontRef>
+      </a:style>
+    </a:spDef>
+  </a:objectDefaults>
   <a:extraClrSchemeLst/>
   <a:extLst>
     <a:ext uri="{05A4C25C-085E-4340-85A3-A5531E510DB2}">

--- a/project_ppt.pptx
+++ b/project_ppt.pptx
@@ -22,13 +22,15 @@
     <p:sldId id="286" r:id="rId16"/>
     <p:sldId id="270" r:id="rId17"/>
     <p:sldId id="271" r:id="rId18"/>
-    <p:sldId id="272" r:id="rId19"/>
-    <p:sldId id="274" r:id="rId20"/>
-    <p:sldId id="288" r:id="rId21"/>
-    <p:sldId id="278" r:id="rId22"/>
-    <p:sldId id="281" r:id="rId23"/>
-    <p:sldId id="282" r:id="rId24"/>
-    <p:sldId id="284" r:id="rId25"/>
+    <p:sldId id="289" r:id="rId19"/>
+    <p:sldId id="272" r:id="rId20"/>
+    <p:sldId id="290" r:id="rId21"/>
+    <p:sldId id="274" r:id="rId22"/>
+    <p:sldId id="288" r:id="rId23"/>
+    <p:sldId id="278" r:id="rId24"/>
+    <p:sldId id="281" r:id="rId25"/>
+    <p:sldId id="282" r:id="rId26"/>
+    <p:sldId id="284" r:id="rId27"/>
   </p:sldIdLst>
   <p:sldSz cx="12192000" cy="6858000"/>
   <p:notesSz cx="6858000" cy="9144000"/>
@@ -140,12 +142,12 @@
   <pc:docChgLst>
     <pc:chgData name="Stephen Blystone" userId="95d8353bd2503b6a" providerId="LiveId" clId="{D2F09E60-B706-419D-B4CC-055B837C5A3C}"/>
     <pc:docChg chg="undo custSel addSld delSld modSld">
-      <pc:chgData name="Stephen Blystone" userId="95d8353bd2503b6a" providerId="LiveId" clId="{D2F09E60-B706-419D-B4CC-055B837C5A3C}" dt="2018-04-25T19:32:11.418" v="8497" actId="20577"/>
+      <pc:chgData name="Stephen Blystone" userId="95d8353bd2503b6a" providerId="LiveId" clId="{D2F09E60-B706-419D-B4CC-055B837C5A3C}" dt="2018-04-25T22:24:54.041" v="8860" actId="20577"/>
       <pc:docMkLst>
         <pc:docMk/>
       </pc:docMkLst>
       <pc:sldChg chg="addSp delSp modSp">
-        <pc:chgData name="Stephen Blystone" userId="95d8353bd2503b6a" providerId="LiveId" clId="{D2F09E60-B706-419D-B4CC-055B837C5A3C}" dt="2018-04-25T05:31:33.608" v="8368"/>
+        <pc:chgData name="Stephen Blystone" userId="95d8353bd2503b6a" providerId="LiveId" clId="{D2F09E60-B706-419D-B4CC-055B837C5A3C}" dt="2018-04-25T20:04:35.193" v="8501" actId="20577"/>
         <pc:sldMkLst>
           <pc:docMk/>
           <pc:sldMk cId="2684863851" sldId="256"/>
@@ -207,7 +209,7 @@
           </ac:spMkLst>
         </pc:spChg>
         <pc:spChg chg="add mod">
-          <ac:chgData name="Stephen Blystone" userId="95d8353bd2503b6a" providerId="LiveId" clId="{D2F09E60-B706-419D-B4CC-055B837C5A3C}" dt="2018-04-25T05:31:33.608" v="8368"/>
+          <ac:chgData name="Stephen Blystone" userId="95d8353bd2503b6a" providerId="LiveId" clId="{D2F09E60-B706-419D-B4CC-055B837C5A3C}" dt="2018-04-25T20:04:35.193" v="8501" actId="20577"/>
           <ac:spMkLst>
             <pc:docMk/>
             <pc:sldMk cId="2684863851" sldId="256"/>
@@ -216,13 +218,13 @@
         </pc:spChg>
       </pc:sldChg>
       <pc:sldChg chg="delSp modSp">
-        <pc:chgData name="Stephen Blystone" userId="95d8353bd2503b6a" providerId="LiveId" clId="{D2F09E60-B706-419D-B4CC-055B837C5A3C}" dt="2018-04-25T05:31:33.608" v="8368"/>
+        <pc:chgData name="Stephen Blystone" userId="95d8353bd2503b6a" providerId="LiveId" clId="{D2F09E60-B706-419D-B4CC-055B837C5A3C}" dt="2018-04-25T05:31:33.608" v="8368" actId="20577"/>
         <pc:sldMkLst>
           <pc:docMk/>
           <pc:sldMk cId="508293573" sldId="257"/>
         </pc:sldMkLst>
         <pc:spChg chg="mod">
-          <ac:chgData name="Stephen Blystone" userId="95d8353bd2503b6a" providerId="LiveId" clId="{D2F09E60-B706-419D-B4CC-055B837C5A3C}" dt="2018-04-25T05:31:33.608" v="8368"/>
+          <ac:chgData name="Stephen Blystone" userId="95d8353bd2503b6a" providerId="LiveId" clId="{D2F09E60-B706-419D-B4CC-055B837C5A3C}" dt="2018-04-25T05:31:33.608" v="8368" actId="20577"/>
           <ac:spMkLst>
             <pc:docMk/>
             <pc:sldMk cId="508293573" sldId="257"/>
@@ -253,7 +255,7 @@
           <pc:sldMk cId="1803123610" sldId="258"/>
         </pc:sldMkLst>
         <pc:spChg chg="mod">
-          <ac:chgData name="Stephen Blystone" userId="95d8353bd2503b6a" providerId="LiveId" clId="{D2F09E60-B706-419D-B4CC-055B837C5A3C}" dt="2018-04-25T05:31:33.608" v="8368"/>
+          <ac:chgData name="Stephen Blystone" userId="95d8353bd2503b6a" providerId="LiveId" clId="{D2F09E60-B706-419D-B4CC-055B837C5A3C}" dt="2018-04-25T05:31:33.608" v="8368" actId="1076"/>
           <ac:spMkLst>
             <pc:docMk/>
             <pc:sldMk cId="1803123610" sldId="258"/>
@@ -278,7 +280,7 @@
         </pc:spChg>
       </pc:sldChg>
       <pc:sldChg chg="addSp delSp modSp">
-        <pc:chgData name="Stephen Blystone" userId="95d8353bd2503b6a" providerId="LiveId" clId="{D2F09E60-B706-419D-B4CC-055B837C5A3C}" dt="2018-04-25T05:31:33.608" v="8368"/>
+        <pc:chgData name="Stephen Blystone" userId="95d8353bd2503b6a" providerId="LiveId" clId="{D2F09E60-B706-419D-B4CC-055B837C5A3C}" dt="2018-04-25T05:31:33.608" v="8368" actId="20577"/>
         <pc:sldMkLst>
           <pc:docMk/>
           <pc:sldMk cId="1009754441" sldId="259"/>
@@ -292,7 +294,7 @@
           </ac:spMkLst>
         </pc:spChg>
         <pc:spChg chg="mod">
-          <ac:chgData name="Stephen Blystone" userId="95d8353bd2503b6a" providerId="LiveId" clId="{D2F09E60-B706-419D-B4CC-055B837C5A3C}" dt="2018-04-25T05:31:33.608" v="8368"/>
+          <ac:chgData name="Stephen Blystone" userId="95d8353bd2503b6a" providerId="LiveId" clId="{D2F09E60-B706-419D-B4CC-055B837C5A3C}" dt="2018-04-25T05:31:33.608" v="8368" actId="20577"/>
           <ac:spMkLst>
             <pc:docMk/>
             <pc:sldMk cId="1009754441" sldId="259"/>
@@ -664,13 +666,13 @@
         </pc:sldMkLst>
       </pc:sldChg>
       <pc:sldChg chg="delSp modSp">
-        <pc:chgData name="Stephen Blystone" userId="95d8353bd2503b6a" providerId="LiveId" clId="{D2F09E60-B706-419D-B4CC-055B837C5A3C}" dt="2018-04-25T05:31:33.608" v="8368"/>
+        <pc:chgData name="Stephen Blystone" userId="95d8353bd2503b6a" providerId="LiveId" clId="{D2F09E60-B706-419D-B4CC-055B837C5A3C}" dt="2018-04-25T05:31:33.608" v="8368" actId="20577"/>
         <pc:sldMkLst>
           <pc:docMk/>
           <pc:sldMk cId="310479511" sldId="266"/>
         </pc:sldMkLst>
         <pc:spChg chg="mod">
-          <ac:chgData name="Stephen Blystone" userId="95d8353bd2503b6a" providerId="LiveId" clId="{D2F09E60-B706-419D-B4CC-055B837C5A3C}" dt="2018-04-25T05:31:33.608" v="8368"/>
+          <ac:chgData name="Stephen Blystone" userId="95d8353bd2503b6a" providerId="LiveId" clId="{D2F09E60-B706-419D-B4CC-055B837C5A3C}" dt="2018-04-25T05:31:33.608" v="8368" actId="20577"/>
           <ac:spMkLst>
             <pc:docMk/>
             <pc:sldMk cId="310479511" sldId="266"/>
@@ -1068,8 +1070,8 @@
           </ac:cxnSpMkLst>
         </pc:cxnChg>
       </pc:sldChg>
-      <pc:sldChg chg="modSp">
-        <pc:chgData name="Stephen Blystone" userId="95d8353bd2503b6a" providerId="LiveId" clId="{D2F09E60-B706-419D-B4CC-055B837C5A3C}" dt="2018-04-25T01:14:12.524" v="7256" actId="20577"/>
+      <pc:sldChg chg="addSp modSp">
+        <pc:chgData name="Stephen Blystone" userId="95d8353bd2503b6a" providerId="LiveId" clId="{D2F09E60-B706-419D-B4CC-055B837C5A3C}" dt="2018-04-25T22:24:54.041" v="8860" actId="20577"/>
         <pc:sldMkLst>
           <pc:docMk/>
           <pc:sldMk cId="814664529" sldId="270"/>
@@ -1083,13 +1085,21 @@
           </ac:spMkLst>
         </pc:spChg>
         <pc:spChg chg="mod">
-          <ac:chgData name="Stephen Blystone" userId="95d8353bd2503b6a" providerId="LiveId" clId="{D2F09E60-B706-419D-B4CC-055B837C5A3C}" dt="2018-04-25T01:14:12.524" v="7256" actId="20577"/>
+          <ac:chgData name="Stephen Blystone" userId="95d8353bd2503b6a" providerId="LiveId" clId="{D2F09E60-B706-419D-B4CC-055B837C5A3C}" dt="2018-04-25T22:24:54.041" v="8860" actId="20577"/>
           <ac:spMkLst>
             <pc:docMk/>
             <pc:sldMk cId="814664529" sldId="270"/>
             <ac:spMk id="3" creationId="{9DA1B097-EAFB-4FA3-9F2A-8EA372AF8570}"/>
           </ac:spMkLst>
         </pc:spChg>
+        <pc:picChg chg="add mod">
+          <ac:chgData name="Stephen Blystone" userId="95d8353bd2503b6a" providerId="LiveId" clId="{D2F09E60-B706-419D-B4CC-055B837C5A3C}" dt="2018-04-25T22:24:05.480" v="8724" actId="1076"/>
+          <ac:picMkLst>
+            <pc:docMk/>
+            <pc:sldMk cId="814664529" sldId="270"/>
+            <ac:picMk id="4" creationId="{12136CAD-37FD-4929-AD3F-8AC2154C6449}"/>
+          </ac:picMkLst>
+        </pc:picChg>
       </pc:sldChg>
       <pc:sldChg chg="modSp">
         <pc:chgData name="Stephen Blystone" userId="95d8353bd2503b6a" providerId="LiveId" clId="{D2F09E60-B706-419D-B4CC-055B837C5A3C}" dt="2018-04-25T04:52:22.680" v="7409" actId="20577"/>
@@ -1284,7 +1294,7 @@
         </pc:spChg>
       </pc:sldChg>
       <pc:sldChg chg="modSp add">
-        <pc:chgData name="Stephen Blystone" userId="95d8353bd2503b6a" providerId="LiveId" clId="{D2F09E60-B706-419D-B4CC-055B837C5A3C}" dt="2018-04-25T05:31:33.608" v="8368"/>
+        <pc:chgData name="Stephen Blystone" userId="95d8353bd2503b6a" providerId="LiveId" clId="{D2F09E60-B706-419D-B4CC-055B837C5A3C}" dt="2018-04-25T05:31:33.608" v="8368" actId="20577"/>
         <pc:sldMkLst>
           <pc:docMk/>
           <pc:sldMk cId="4183393618" sldId="282"/>
@@ -1298,7 +1308,7 @@
           </ac:spMkLst>
         </pc:spChg>
         <pc:spChg chg="mod">
-          <ac:chgData name="Stephen Blystone" userId="95d8353bd2503b6a" providerId="LiveId" clId="{D2F09E60-B706-419D-B4CC-055B837C5A3C}" dt="2018-04-25T05:31:33.608" v="8368"/>
+          <ac:chgData name="Stephen Blystone" userId="95d8353bd2503b6a" providerId="LiveId" clId="{D2F09E60-B706-419D-B4CC-055B837C5A3C}" dt="2018-04-25T05:31:33.608" v="8368" actId="20577"/>
           <ac:spMkLst>
             <pc:docMk/>
             <pc:sldMk cId="4183393618" sldId="282"/>
@@ -1306,7 +1316,7 @@
           </ac:spMkLst>
         </pc:spChg>
         <pc:spChg chg="mod">
-          <ac:chgData name="Stephen Blystone" userId="95d8353bd2503b6a" providerId="LiveId" clId="{D2F09E60-B706-419D-B4CC-055B837C5A3C}" dt="2018-04-25T05:31:33.608" v="8368"/>
+          <ac:chgData name="Stephen Blystone" userId="95d8353bd2503b6a" providerId="LiveId" clId="{D2F09E60-B706-419D-B4CC-055B837C5A3C}" dt="2018-04-25T05:31:33.608" v="8368" actId="20577"/>
           <ac:spMkLst>
             <pc:docMk/>
             <pc:sldMk cId="4183393618" sldId="282"/>
@@ -2242,7 +2252,7 @@
           <a:p>
             <a:fld id="{48A87A34-81AB-432B-8DAE-1953F412C126}" type="datetimeFigureOut">
               <a:rPr lang="en-US" smtClean="0"/>
-              <a:t>4/24/2018</a:t>
+              <a:t>4/25/2018</a:t>
             </a:fld>
             <a:endParaRPr lang="en-US" dirty="0"/>
           </a:p>
@@ -2493,7 +2503,7 @@
           <a:p>
             <a:fld id="{48A87A34-81AB-432B-8DAE-1953F412C126}" type="datetimeFigureOut">
               <a:rPr lang="en-US" smtClean="0"/>
-              <a:t>4/24/2018</a:t>
+              <a:t>4/25/2018</a:t>
             </a:fld>
             <a:endParaRPr lang="en-US" dirty="0"/>
           </a:p>
@@ -2807,7 +2817,7 @@
           <a:p>
             <a:fld id="{48A87A34-81AB-432B-8DAE-1953F412C126}" type="datetimeFigureOut">
               <a:rPr lang="en-US" smtClean="0"/>
-              <a:t>4/24/2018</a:t>
+              <a:t>4/25/2018</a:t>
             </a:fld>
             <a:endParaRPr lang="en-US" dirty="0"/>
           </a:p>
@@ -3148,7 +3158,7 @@
           <a:p>
             <a:fld id="{48A87A34-81AB-432B-8DAE-1953F412C126}" type="datetimeFigureOut">
               <a:rPr lang="en-US" smtClean="0"/>
-              <a:t>4/24/2018</a:t>
+              <a:t>4/25/2018</a:t>
             </a:fld>
             <a:endParaRPr lang="en-US" dirty="0"/>
           </a:p>
@@ -3463,7 +3473,7 @@
             <a:fld id="{48A87A34-81AB-432B-8DAE-1953F412C126}" type="datetimeFigureOut">
               <a:rPr lang="en-US" smtClean="0"/>
               <a:pPr/>
-              <a:t>4/24/2018</a:t>
+              <a:t>4/25/2018</a:t>
             </a:fld>
             <a:endParaRPr lang="en-US" dirty="0"/>
           </a:p>
@@ -3858,7 +3868,7 @@
             <a:fld id="{48A87A34-81AB-432B-8DAE-1953F412C126}" type="datetimeFigureOut">
               <a:rPr lang="en-US" smtClean="0"/>
               <a:pPr/>
-              <a:t>4/24/2018</a:t>
+              <a:t>4/25/2018</a:t>
             </a:fld>
             <a:endParaRPr lang="en-US" dirty="0"/>
           </a:p>
@@ -4029,7 +4039,7 @@
           <a:p>
             <a:fld id="{48A87A34-81AB-432B-8DAE-1953F412C126}" type="datetimeFigureOut">
               <a:rPr lang="en-US" smtClean="0"/>
-              <a:t>4/24/2018</a:t>
+              <a:t>4/25/2018</a:t>
             </a:fld>
             <a:endParaRPr lang="en-US" dirty="0"/>
           </a:p>
@@ -4209,7 +4219,7 @@
           <a:p>
             <a:fld id="{48A87A34-81AB-432B-8DAE-1953F412C126}" type="datetimeFigureOut">
               <a:rPr lang="en-US" smtClean="0"/>
-              <a:t>4/24/2018</a:t>
+              <a:t>4/25/2018</a:t>
             </a:fld>
             <a:endParaRPr lang="en-US" dirty="0"/>
           </a:p>
@@ -4385,7 +4395,7 @@
           <a:p>
             <a:fld id="{48A87A34-81AB-432B-8DAE-1953F412C126}" type="datetimeFigureOut">
               <a:rPr lang="en-US" smtClean="0"/>
-              <a:t>4/24/2018</a:t>
+              <a:t>4/25/2018</a:t>
             </a:fld>
             <a:endParaRPr lang="en-US" dirty="0"/>
           </a:p>
@@ -4632,7 +4642,7 @@
           <a:p>
             <a:fld id="{48A87A34-81AB-432B-8DAE-1953F412C126}" type="datetimeFigureOut">
               <a:rPr lang="en-US" smtClean="0"/>
-              <a:t>4/24/2018</a:t>
+              <a:t>4/25/2018</a:t>
             </a:fld>
             <a:endParaRPr lang="en-US" dirty="0"/>
           </a:p>
@@ -4864,7 +4874,7 @@
           <a:p>
             <a:fld id="{48A87A34-81AB-432B-8DAE-1953F412C126}" type="datetimeFigureOut">
               <a:rPr lang="en-US" smtClean="0"/>
-              <a:t>4/24/2018</a:t>
+              <a:t>4/25/2018</a:t>
             </a:fld>
             <a:endParaRPr lang="en-US" dirty="0"/>
           </a:p>
@@ -5238,7 +5248,7 @@
           <a:p>
             <a:fld id="{48A87A34-81AB-432B-8DAE-1953F412C126}" type="datetimeFigureOut">
               <a:rPr lang="en-US" smtClean="0"/>
-              <a:t>4/24/2018</a:t>
+              <a:t>4/25/2018</a:t>
             </a:fld>
             <a:endParaRPr lang="en-US" dirty="0"/>
           </a:p>
@@ -5361,7 +5371,7 @@
           <a:p>
             <a:fld id="{48A87A34-81AB-432B-8DAE-1953F412C126}" type="datetimeFigureOut">
               <a:rPr lang="en-US" smtClean="0"/>
-              <a:t>4/24/2018</a:t>
+              <a:t>4/25/2018</a:t>
             </a:fld>
             <a:endParaRPr lang="en-US" dirty="0"/>
           </a:p>
@@ -5456,7 +5466,7 @@
           <a:p>
             <a:fld id="{48A87A34-81AB-432B-8DAE-1953F412C126}" type="datetimeFigureOut">
               <a:rPr lang="en-US" smtClean="0"/>
-              <a:t>4/24/2018</a:t>
+              <a:t>4/25/2018</a:t>
             </a:fld>
             <a:endParaRPr lang="en-US" dirty="0"/>
           </a:p>
@@ -5711,7 +5721,7 @@
           <a:p>
             <a:fld id="{48A87A34-81AB-432B-8DAE-1953F412C126}" type="datetimeFigureOut">
               <a:rPr lang="en-US" smtClean="0"/>
-              <a:t>4/24/2018</a:t>
+              <a:t>4/25/2018</a:t>
             </a:fld>
             <a:endParaRPr lang="en-US" dirty="0"/>
           </a:p>
@@ -5974,7 +5984,7 @@
           <a:p>
             <a:fld id="{48A87A34-81AB-432B-8DAE-1953F412C126}" type="datetimeFigureOut">
               <a:rPr lang="en-US" smtClean="0"/>
-              <a:t>4/24/2018</a:t>
+              <a:t>4/25/2018</a:t>
             </a:fld>
             <a:endParaRPr lang="en-US" dirty="0"/>
           </a:p>
@@ -6721,7 +6731,7 @@
             <a:fld id="{48A87A34-81AB-432B-8DAE-1953F412C126}" type="datetimeFigureOut">
               <a:rPr lang="en-US" smtClean="0"/>
               <a:pPr/>
-              <a:t>4/24/2018</a:t>
+              <a:t>4/25/2018</a:t>
             </a:fld>
             <a:endParaRPr lang="en-US" dirty="0"/>
           </a:p>
@@ -7399,7 +7409,7 @@
           <a:p>
             <a:r>
               <a:rPr lang="en-US" i="1" dirty="0"/>
-              <a:t>Professor Tim Culver</a:t>
+              <a:t>Professor Timothy Culver</a:t>
             </a:r>
           </a:p>
           <a:p>
@@ -7415,7 +7425,7 @@
           <a:p>
             <a:r>
               <a:rPr lang="en-US" dirty="0"/>
-              <a:t>Stephen Blystone (smb032100)</a:t>
+              <a:t>Stephen Blystone</a:t>
             </a:r>
           </a:p>
           <a:p>
@@ -7427,15 +7437,12 @@
               <a:rPr lang="en-US" dirty="0" err="1"/>
               <a:t>Riar</a:t>
             </a:r>
-            <a:r>
-              <a:rPr lang="en-US" dirty="0"/>
-              <a:t> (txr170430)</a:t>
-            </a:r>
-          </a:p>
-          <a:p>
-            <a:r>
-              <a:rPr lang="en-US" dirty="0"/>
-              <a:t>Juhi Bhandari (jxb161830)</a:t>
+            <a:endParaRPr lang="en-US" dirty="0"/>
+          </a:p>
+          <a:p>
+            <a:r>
+              <a:rPr lang="en-US" dirty="0"/>
+              <a:t>Juhi Bhandari</a:t>
             </a:r>
           </a:p>
           <a:p>
@@ -7445,7 +7452,7 @@
             </a:r>
             <a:r>
               <a:rPr lang="en-US" dirty="0"/>
-              <a:t> Singh (ixs170930)</a:t>
+              <a:t> Singh</a:t>
             </a:r>
           </a:p>
           <a:p>
@@ -8688,7 +8695,21 @@
             <a:pPr lvl="1"/>
             <a:r>
               <a:rPr lang="en-US" dirty="0"/>
-              <a:t>Sends a REST API Call directly to that Open </a:t>
+              <a:t>Sends a REST API Call to ONOS providing:</a:t>
+            </a:r>
+          </a:p>
+          <a:p>
+            <a:pPr lvl="2"/>
+            <a:r>
+              <a:rPr lang="en-US" dirty="0"/>
+              <a:t>The IP address of the attacking device.</a:t>
+            </a:r>
+          </a:p>
+          <a:p>
+            <a:pPr lvl="2"/>
+            <a:r>
+              <a:rPr lang="en-US" dirty="0"/>
+              <a:t>The Open </a:t>
             </a:r>
             <a:r>
               <a:rPr lang="en-US" dirty="0" err="1"/>
@@ -8696,11 +8717,73 @@
             </a:r>
             <a:r>
               <a:rPr lang="en-US" dirty="0"/>
-              <a:t> adding a Flow that tells it to block all traffic with source IP of the attacking device.</a:t>
-            </a:r>
-          </a:p>
-        </p:txBody>
-      </p:sp>
+              <a:t> that the attacking device is connected to.</a:t>
+            </a:r>
+          </a:p>
+          <a:p>
+            <a:r>
+              <a:rPr lang="en-US" dirty="0"/>
+              <a:t>ONOS receives the REST API call and adds a Flow to the Open </a:t>
+            </a:r>
+            <a:r>
+              <a:rPr lang="en-US" dirty="0" err="1"/>
+              <a:t>vSwitch</a:t>
+            </a:r>
+            <a:r>
+              <a:rPr lang="en-US" dirty="0"/>
+              <a:t> to block all traffic with source IP of the attacking device.</a:t>
+            </a:r>
+          </a:p>
+          <a:p>
+            <a:pPr lvl="1"/>
+            <a:r>
+              <a:rPr lang="en-US" dirty="0"/>
+              <a:t>The flow entry to the right was sent by ONOS to drop all traffic at Open </a:t>
+            </a:r>
+            <a:r>
+              <a:rPr lang="en-US" dirty="0" err="1"/>
+              <a:t>vSwitch</a:t>
+            </a:r>
+            <a:r>
+              <a:rPr lang="en-US" dirty="0"/>
+              <a:t> of:0000000000000001 from source IPv4 address 10.0.0.1</a:t>
+            </a:r>
+          </a:p>
+        </p:txBody>
+      </p:sp>
+      <p:pic>
+        <p:nvPicPr>
+          <p:cNvPr id="4" name="Picture 3">
+            <a:extLst>
+              <a:ext uri="{FF2B5EF4-FFF2-40B4-BE49-F238E27FC236}">
+                <a16:creationId xmlns:a16="http://schemas.microsoft.com/office/drawing/2014/main" id="{12136CAD-37FD-4929-AD3F-8AC2154C6449}"/>
+              </a:ext>
+            </a:extLst>
+          </p:cNvPr>
+          <p:cNvPicPr/>
+          <p:nvPr/>
+        </p:nvPicPr>
+        <p:blipFill>
+          <a:blip r:embed="rId2"/>
+          <a:stretch>
+            <a:fillRect/>
+          </a:stretch>
+        </p:blipFill>
+        <p:spPr>
+          <a:xfrm>
+            <a:off x="9507855" y="915035"/>
+            <a:ext cx="2684145" cy="5027930"/>
+          </a:xfrm>
+          <a:prstGeom prst="rect">
+            <a:avLst/>
+          </a:prstGeom>
+          <a:ln>
+            <a:solidFill>
+              <a:schemeClr val="tx1"/>
+            </a:solidFill>
+          </a:ln>
+        </p:spPr>
+      </p:pic>
     </p:spTree>
     <p:extLst>
       <p:ext uri="{BB962C8B-B14F-4D97-AF65-F5344CB8AC3E}">
@@ -8879,6 +8962,200 @@
           <p:cNvPr id="2" name="Title 1">
             <a:extLst>
               <a:ext uri="{FF2B5EF4-FFF2-40B4-BE49-F238E27FC236}">
+                <a16:creationId xmlns:a16="http://schemas.microsoft.com/office/drawing/2014/main" id="{FC269C02-6F54-4404-88F9-737B2CA73183}"/>
+              </a:ext>
+            </a:extLst>
+          </p:cNvPr>
+          <p:cNvSpPr>
+            <a:spLocks noGrp="1"/>
+          </p:cNvSpPr>
+          <p:nvPr>
+            <p:ph type="title"/>
+          </p:nvPr>
+        </p:nvSpPr>
+        <p:spPr/>
+        <p:txBody>
+          <a:bodyPr/>
+          <a:lstStyle/>
+          <a:p>
+            <a:r>
+              <a:rPr lang="en-US" dirty="0"/>
+              <a:t>Screenshots from Demo</a:t>
+            </a:r>
+          </a:p>
+        </p:txBody>
+      </p:sp>
+      <p:pic>
+        <p:nvPicPr>
+          <p:cNvPr id="4" name="Picture 3">
+            <a:extLst>
+              <a:ext uri="{FF2B5EF4-FFF2-40B4-BE49-F238E27FC236}">
+                <a16:creationId xmlns:a16="http://schemas.microsoft.com/office/drawing/2014/main" id="{7914A28F-110A-4FCD-A2FE-D44DEF9380C8}"/>
+              </a:ext>
+            </a:extLst>
+          </p:cNvPr>
+          <p:cNvPicPr/>
+          <p:nvPr/>
+        </p:nvPicPr>
+        <p:blipFill>
+          <a:blip r:embed="rId2"/>
+          <a:stretch>
+            <a:fillRect/>
+          </a:stretch>
+        </p:blipFill>
+        <p:spPr>
+          <a:xfrm>
+            <a:off x="1268080" y="1923245"/>
+            <a:ext cx="8901792" cy="2019071"/>
+          </a:xfrm>
+          <a:prstGeom prst="rect">
+            <a:avLst/>
+          </a:prstGeom>
+        </p:spPr>
+      </p:pic>
+      <p:pic>
+        <p:nvPicPr>
+          <p:cNvPr id="5" name="Picture 4">
+            <a:extLst>
+              <a:ext uri="{FF2B5EF4-FFF2-40B4-BE49-F238E27FC236}">
+                <a16:creationId xmlns:a16="http://schemas.microsoft.com/office/drawing/2014/main" id="{45394200-3FD3-4C41-9C53-CDDA53340383}"/>
+              </a:ext>
+            </a:extLst>
+          </p:cNvPr>
+          <p:cNvPicPr/>
+          <p:nvPr/>
+        </p:nvPicPr>
+        <p:blipFill>
+          <a:blip r:embed="rId3"/>
+          <a:stretch>
+            <a:fillRect/>
+          </a:stretch>
+        </p:blipFill>
+        <p:spPr>
+          <a:xfrm>
+            <a:off x="1252870" y="4899888"/>
+            <a:ext cx="8917002" cy="1480451"/>
+          </a:xfrm>
+          <a:prstGeom prst="rect">
+            <a:avLst/>
+          </a:prstGeom>
+        </p:spPr>
+      </p:pic>
+      <p:sp>
+        <p:nvSpPr>
+          <p:cNvPr id="6" name="TextBox 5">
+            <a:extLst>
+              <a:ext uri="{FF2B5EF4-FFF2-40B4-BE49-F238E27FC236}">
+                <a16:creationId xmlns:a16="http://schemas.microsoft.com/office/drawing/2014/main" id="{C662DC1D-FD39-4E0C-8B73-C95C28C63183}"/>
+              </a:ext>
+            </a:extLst>
+          </p:cNvPr>
+          <p:cNvSpPr txBox="1"/>
+          <p:nvPr/>
+        </p:nvSpPr>
+        <p:spPr>
+          <a:xfrm>
+            <a:off x="1252870" y="1553913"/>
+            <a:ext cx="8917002" cy="369332"/>
+          </a:xfrm>
+          <a:prstGeom prst="rect">
+            <a:avLst/>
+          </a:prstGeom>
+          <a:noFill/>
+        </p:spPr>
+        <p:txBody>
+          <a:bodyPr wrap="square" rtlCol="0">
+            <a:spAutoFit/>
+          </a:bodyPr>
+          <a:lstStyle/>
+          <a:p>
+            <a:pPr algn="ctr"/>
+            <a:r>
+              <a:rPr lang="en-US" dirty="0"/>
+              <a:t>Traffic blocked after ICMP Ping Flood from 10.0.0.1 to 10.0.0.2</a:t>
+            </a:r>
+          </a:p>
+        </p:txBody>
+      </p:sp>
+      <p:sp>
+        <p:nvSpPr>
+          <p:cNvPr id="7" name="TextBox 6">
+            <a:extLst>
+              <a:ext uri="{FF2B5EF4-FFF2-40B4-BE49-F238E27FC236}">
+                <a16:creationId xmlns:a16="http://schemas.microsoft.com/office/drawing/2014/main" id="{7F750013-5D7C-44A0-9677-7D2AB61161FE}"/>
+              </a:ext>
+            </a:extLst>
+          </p:cNvPr>
+          <p:cNvSpPr txBox="1"/>
+          <p:nvPr/>
+        </p:nvSpPr>
+        <p:spPr>
+          <a:xfrm>
+            <a:off x="1268080" y="4530556"/>
+            <a:ext cx="8917002" cy="369332"/>
+          </a:xfrm>
+          <a:prstGeom prst="rect">
+            <a:avLst/>
+          </a:prstGeom>
+          <a:noFill/>
+        </p:spPr>
+        <p:txBody>
+          <a:bodyPr wrap="square" rtlCol="0">
+            <a:spAutoFit/>
+          </a:bodyPr>
+          <a:lstStyle/>
+          <a:p>
+            <a:pPr algn="ctr"/>
+            <a:r>
+              <a:rPr lang="en-US" dirty="0"/>
+              <a:t>Output of </a:t>
+            </a:r>
+            <a:r>
+              <a:rPr lang="en-US" dirty="0" err="1"/>
+              <a:t>PySpark</a:t>
+            </a:r>
+            <a:r>
+              <a:rPr lang="en-US" dirty="0"/>
+              <a:t> for detected Anomaly</a:t>
+            </a:r>
+          </a:p>
+        </p:txBody>
+      </p:sp>
+    </p:spTree>
+    <p:extLst>
+      <p:ext uri="{BB962C8B-B14F-4D97-AF65-F5344CB8AC3E}">
+        <p14:creationId xmlns:p14="http://schemas.microsoft.com/office/powerpoint/2010/main" val="1152030288"/>
+      </p:ext>
+    </p:extLst>
+  </p:cSld>
+  <p:clrMapOvr>
+    <a:masterClrMapping/>
+  </p:clrMapOvr>
+</p:sld>
+</file>
+
+<file path=ppt/slides/slide19.xml><?xml version="1.0" encoding="utf-8"?>
+<p:sld xmlns:a="http://schemas.openxmlformats.org/drawingml/2006/main" xmlns:r="http://schemas.openxmlformats.org/officeDocument/2006/relationships" xmlns:p="http://schemas.openxmlformats.org/presentationml/2006/main">
+  <p:cSld>
+    <p:spTree>
+      <p:nvGrpSpPr>
+        <p:cNvPr id="1" name=""/>
+        <p:cNvGrpSpPr/>
+        <p:nvPr/>
+      </p:nvGrpSpPr>
+      <p:grpSpPr>
+        <a:xfrm>
+          <a:off x="0" y="0"/>
+          <a:ext cx="0" cy="0"/>
+          <a:chOff x="0" y="0"/>
+          <a:chExt cx="0" cy="0"/>
+        </a:xfrm>
+      </p:grpSpPr>
+      <p:sp>
+        <p:nvSpPr>
+          <p:cNvPr id="2" name="Title 1">
+            <a:extLst>
+              <a:ext uri="{FF2B5EF4-FFF2-40B4-BE49-F238E27FC236}">
                 <a16:creationId xmlns:a16="http://schemas.microsoft.com/office/drawing/2014/main" id="{BA5B4CE3-BB44-4C98-A167-27BC1EC0B9CF}"/>
               </a:ext>
             </a:extLst>
@@ -8976,7 +9253,297 @@
 </p:sld>
 </file>
 
-<file path=ppt/slides/slide19.xml><?xml version="1.0" encoding="utf-8"?>
+<file path=ppt/slides/slide2.xml><?xml version="1.0" encoding="utf-8"?>
+<p:sld xmlns:a="http://schemas.openxmlformats.org/drawingml/2006/main" xmlns:r="http://schemas.openxmlformats.org/officeDocument/2006/relationships" xmlns:p="http://schemas.openxmlformats.org/presentationml/2006/main">
+  <p:cSld>
+    <p:spTree>
+      <p:nvGrpSpPr>
+        <p:cNvPr id="1" name=""/>
+        <p:cNvGrpSpPr/>
+        <p:nvPr/>
+      </p:nvGrpSpPr>
+      <p:grpSpPr>
+        <a:xfrm>
+          <a:off x="0" y="0"/>
+          <a:ext cx="0" cy="0"/>
+          <a:chOff x="0" y="0"/>
+          <a:chExt cx="0" cy="0"/>
+        </a:xfrm>
+      </p:grpSpPr>
+      <p:sp>
+        <p:nvSpPr>
+          <p:cNvPr id="2" name="Title 1">
+            <a:extLst>
+              <a:ext uri="{FF2B5EF4-FFF2-40B4-BE49-F238E27FC236}">
+                <a16:creationId xmlns:a16="http://schemas.microsoft.com/office/drawing/2014/main" id="{1E7E907E-BA3C-4D69-8C74-3F7E25011C24}"/>
+              </a:ext>
+            </a:extLst>
+          </p:cNvPr>
+          <p:cNvSpPr>
+            <a:spLocks noGrp="1"/>
+          </p:cNvSpPr>
+          <p:nvPr>
+            <p:ph type="title"/>
+          </p:nvPr>
+        </p:nvSpPr>
+        <p:spPr>
+          <a:xfrm>
+            <a:off x="1141413" y="618518"/>
+            <a:ext cx="9905998" cy="1257990"/>
+          </a:xfrm>
+        </p:spPr>
+        <p:txBody>
+          <a:bodyPr/>
+          <a:lstStyle/>
+          <a:p>
+            <a:r>
+              <a:rPr lang="en-US" dirty="0">
+                <a:effectLst/>
+              </a:rPr>
+              <a:t>Introduction</a:t>
+            </a:r>
+            <a:br>
+              <a:rPr lang="en-US" dirty="0">
+                <a:effectLst/>
+              </a:rPr>
+            </a:br>
+            <a:endParaRPr lang="en-US" dirty="0"/>
+          </a:p>
+        </p:txBody>
+      </p:sp>
+      <p:sp>
+        <p:nvSpPr>
+          <p:cNvPr id="3" name="Content Placeholder 2">
+            <a:extLst>
+              <a:ext uri="{FF2B5EF4-FFF2-40B4-BE49-F238E27FC236}">
+                <a16:creationId xmlns:a16="http://schemas.microsoft.com/office/drawing/2014/main" id="{C068A27A-19F6-4839-A485-1117AA486246}"/>
+              </a:ext>
+            </a:extLst>
+          </p:cNvPr>
+          <p:cNvSpPr>
+            <a:spLocks noGrp="1"/>
+          </p:cNvSpPr>
+          <p:nvPr>
+            <p:ph idx="1"/>
+          </p:nvPr>
+        </p:nvSpPr>
+        <p:spPr>
+          <a:xfrm>
+            <a:off x="1141414" y="1553497"/>
+            <a:ext cx="8051748" cy="1411645"/>
+          </a:xfrm>
+        </p:spPr>
+        <p:txBody>
+          <a:bodyPr>
+            <a:normAutofit/>
+          </a:bodyPr>
+          <a:lstStyle/>
+          <a:p>
+            <a:pPr marL="0" indent="0">
+              <a:buNone/>
+            </a:pPr>
+            <a:r>
+              <a:rPr lang="en-US" dirty="0">
+                <a:effectLst/>
+              </a:rPr>
+              <a:t>Our project implements an Anomalous Intrusion Detection System </a:t>
+            </a:r>
+            <a:r>
+              <a:rPr lang="en-US" dirty="0"/>
+              <a:t>Architecture </a:t>
+            </a:r>
+            <a:r>
+              <a:rPr lang="en-US" dirty="0">
+                <a:effectLst/>
+              </a:rPr>
+              <a:t>using Big Data, Machine Learning, and the ONOS controller.</a:t>
+            </a:r>
+          </a:p>
+        </p:txBody>
+      </p:sp>
+    </p:spTree>
+    <p:extLst>
+      <p:ext uri="{BB962C8B-B14F-4D97-AF65-F5344CB8AC3E}">
+        <p14:creationId xmlns:p14="http://schemas.microsoft.com/office/powerpoint/2010/main" val="508293573"/>
+      </p:ext>
+    </p:extLst>
+  </p:cSld>
+  <p:clrMapOvr>
+    <a:masterClrMapping/>
+  </p:clrMapOvr>
+</p:sld>
+</file>
+
+<file path=ppt/slides/slide20.xml><?xml version="1.0" encoding="utf-8"?>
+<p:sld xmlns:a="http://schemas.openxmlformats.org/drawingml/2006/main" xmlns:r="http://schemas.openxmlformats.org/officeDocument/2006/relationships" xmlns:p="http://schemas.openxmlformats.org/presentationml/2006/main">
+  <p:cSld>
+    <p:spTree>
+      <p:nvGrpSpPr>
+        <p:cNvPr id="1" name=""/>
+        <p:cNvGrpSpPr/>
+        <p:nvPr/>
+      </p:nvGrpSpPr>
+      <p:grpSpPr>
+        <a:xfrm>
+          <a:off x="0" y="0"/>
+          <a:ext cx="0" cy="0"/>
+          <a:chOff x="0" y="0"/>
+          <a:chExt cx="0" cy="0"/>
+        </a:xfrm>
+      </p:grpSpPr>
+      <p:sp>
+        <p:nvSpPr>
+          <p:cNvPr id="2" name="Title 1">
+            <a:extLst>
+              <a:ext uri="{FF2B5EF4-FFF2-40B4-BE49-F238E27FC236}">
+                <a16:creationId xmlns:a16="http://schemas.microsoft.com/office/drawing/2014/main" id="{A235028C-9CF2-425B-A55C-391A2E9AB1F0}"/>
+              </a:ext>
+            </a:extLst>
+          </p:cNvPr>
+          <p:cNvSpPr>
+            <a:spLocks noGrp="1"/>
+          </p:cNvSpPr>
+          <p:nvPr>
+            <p:ph type="title"/>
+          </p:nvPr>
+        </p:nvSpPr>
+        <p:spPr/>
+        <p:txBody>
+          <a:bodyPr/>
+          <a:lstStyle/>
+          <a:p>
+            <a:r>
+              <a:rPr lang="en-US" dirty="0"/>
+              <a:t>Lessons Learned</a:t>
+            </a:r>
+          </a:p>
+        </p:txBody>
+      </p:sp>
+      <p:sp>
+        <p:nvSpPr>
+          <p:cNvPr id="3" name="Content Placeholder 2">
+            <a:extLst>
+              <a:ext uri="{FF2B5EF4-FFF2-40B4-BE49-F238E27FC236}">
+                <a16:creationId xmlns:a16="http://schemas.microsoft.com/office/drawing/2014/main" id="{262A057B-D6C0-495D-B06E-F0EB98ABE79C}"/>
+              </a:ext>
+            </a:extLst>
+          </p:cNvPr>
+          <p:cNvSpPr>
+            <a:spLocks noGrp="1"/>
+          </p:cNvSpPr>
+          <p:nvPr>
+            <p:ph idx="1"/>
+          </p:nvPr>
+        </p:nvSpPr>
+        <p:spPr>
+          <a:xfrm>
+            <a:off x="677334" y="1610686"/>
+            <a:ext cx="8596668" cy="5247313"/>
+          </a:xfrm>
+        </p:spPr>
+        <p:txBody>
+          <a:bodyPr/>
+          <a:lstStyle/>
+          <a:p>
+            <a:r>
+              <a:rPr lang="en-US" dirty="0"/>
+              <a:t>How to configure ONOS.</a:t>
+            </a:r>
+          </a:p>
+          <a:p>
+            <a:pPr lvl="1"/>
+            <a:r>
+              <a:rPr lang="en-US" dirty="0"/>
+              <a:t>The documentation on the website is out-of-date and information is not all in one location. It took many hours to find the necessary resources and commands to configure ONOS.</a:t>
+            </a:r>
+          </a:p>
+          <a:p>
+            <a:pPr lvl="1"/>
+            <a:r>
+              <a:rPr lang="en-US" dirty="0"/>
+              <a:t>We initially created an internal application for ONOS. We had to learn how to build the application using Maven and load and enable the application into ONOS.</a:t>
+            </a:r>
+          </a:p>
+          <a:p>
+            <a:r>
+              <a:rPr lang="en-US" dirty="0" err="1"/>
+              <a:t>StreamSets</a:t>
+            </a:r>
+            <a:endParaRPr lang="en-US" dirty="0"/>
+          </a:p>
+          <a:p>
+            <a:pPr lvl="1"/>
+            <a:r>
+              <a:rPr lang="en-US" dirty="0"/>
+              <a:t>We found </a:t>
+            </a:r>
+            <a:r>
+              <a:rPr lang="en-US" dirty="0" err="1"/>
+              <a:t>StreamSets</a:t>
+            </a:r>
+            <a:r>
+              <a:rPr lang="en-US" dirty="0"/>
+              <a:t> to solve the problem of getting NetFlow data into Apache Kafka.</a:t>
+            </a:r>
+          </a:p>
+          <a:p>
+            <a:r>
+              <a:rPr lang="en-US" dirty="0"/>
+              <a:t>Apache Spark (</a:t>
+            </a:r>
+            <a:r>
+              <a:rPr lang="en-US" dirty="0" err="1"/>
+              <a:t>PySpark</a:t>
+            </a:r>
+            <a:r>
+              <a:rPr lang="en-US" dirty="0"/>
+              <a:t>)</a:t>
+            </a:r>
+          </a:p>
+          <a:p>
+            <a:pPr lvl="1"/>
+            <a:r>
+              <a:rPr lang="en-US" dirty="0"/>
+              <a:t>We had to learn how to perform feature extraction, feature engineering, and Machine Learning in </a:t>
+            </a:r>
+            <a:r>
+              <a:rPr lang="en-US" dirty="0" err="1"/>
+              <a:t>PySpark</a:t>
+            </a:r>
+            <a:r>
+              <a:rPr lang="en-US" dirty="0"/>
+              <a:t>.</a:t>
+            </a:r>
+          </a:p>
+          <a:p>
+            <a:r>
+              <a:rPr lang="en-US" dirty="0"/>
+              <a:t>Big Data Infrastructure</a:t>
+            </a:r>
+          </a:p>
+          <a:p>
+            <a:pPr lvl="1"/>
+            <a:r>
+              <a:rPr lang="en-US" dirty="0"/>
+              <a:t>We had to learn the necessary components to form a Big Data architecture.</a:t>
+            </a:r>
+          </a:p>
+        </p:txBody>
+      </p:sp>
+    </p:spTree>
+    <p:extLst>
+      <p:ext uri="{BB962C8B-B14F-4D97-AF65-F5344CB8AC3E}">
+        <p14:creationId xmlns:p14="http://schemas.microsoft.com/office/powerpoint/2010/main" val="395758000"/>
+      </p:ext>
+    </p:extLst>
+  </p:cSld>
+  <p:clrMapOvr>
+    <a:masterClrMapping/>
+  </p:clrMapOvr>
+</p:sld>
+</file>
+
+<file path=ppt/slides/slide21.xml><?xml version="1.0" encoding="utf-8"?>
 <p:sld xmlns:a="http://schemas.openxmlformats.org/drawingml/2006/main" xmlns:r="http://schemas.openxmlformats.org/officeDocument/2006/relationships" xmlns:p="http://schemas.openxmlformats.org/presentationml/2006/main">
   <p:cSld>
     <p:spTree>
@@ -9079,522 +9646,6 @@
 </p:sld>
 </file>
 
-<file path=ppt/slides/slide2.xml><?xml version="1.0" encoding="utf-8"?>
-<p:sld xmlns:a="http://schemas.openxmlformats.org/drawingml/2006/main" xmlns:r="http://schemas.openxmlformats.org/officeDocument/2006/relationships" xmlns:p="http://schemas.openxmlformats.org/presentationml/2006/main">
-  <p:cSld>
-    <p:spTree>
-      <p:nvGrpSpPr>
-        <p:cNvPr id="1" name=""/>
-        <p:cNvGrpSpPr/>
-        <p:nvPr/>
-      </p:nvGrpSpPr>
-      <p:grpSpPr>
-        <a:xfrm>
-          <a:off x="0" y="0"/>
-          <a:ext cx="0" cy="0"/>
-          <a:chOff x="0" y="0"/>
-          <a:chExt cx="0" cy="0"/>
-        </a:xfrm>
-      </p:grpSpPr>
-      <p:sp>
-        <p:nvSpPr>
-          <p:cNvPr id="2" name="Title 1">
-            <a:extLst>
-              <a:ext uri="{FF2B5EF4-FFF2-40B4-BE49-F238E27FC236}">
-                <a16:creationId xmlns:a16="http://schemas.microsoft.com/office/drawing/2014/main" id="{1E7E907E-BA3C-4D69-8C74-3F7E25011C24}"/>
-              </a:ext>
-            </a:extLst>
-          </p:cNvPr>
-          <p:cNvSpPr>
-            <a:spLocks noGrp="1"/>
-          </p:cNvSpPr>
-          <p:nvPr>
-            <p:ph type="title"/>
-          </p:nvPr>
-        </p:nvSpPr>
-        <p:spPr>
-          <a:xfrm>
-            <a:off x="1141413" y="618518"/>
-            <a:ext cx="9905998" cy="1257990"/>
-          </a:xfrm>
-        </p:spPr>
-        <p:txBody>
-          <a:bodyPr/>
-          <a:lstStyle/>
-          <a:p>
-            <a:r>
-              <a:rPr lang="en-US" dirty="0">
-                <a:effectLst/>
-              </a:rPr>
-              <a:t>Introduction</a:t>
-            </a:r>
-            <a:br>
-              <a:rPr lang="en-US" dirty="0">
-                <a:effectLst/>
-              </a:rPr>
-            </a:br>
-            <a:endParaRPr lang="en-US" dirty="0"/>
-          </a:p>
-        </p:txBody>
-      </p:sp>
-      <p:sp>
-        <p:nvSpPr>
-          <p:cNvPr id="3" name="Content Placeholder 2">
-            <a:extLst>
-              <a:ext uri="{FF2B5EF4-FFF2-40B4-BE49-F238E27FC236}">
-                <a16:creationId xmlns:a16="http://schemas.microsoft.com/office/drawing/2014/main" id="{C068A27A-19F6-4839-A485-1117AA486246}"/>
-              </a:ext>
-            </a:extLst>
-          </p:cNvPr>
-          <p:cNvSpPr>
-            <a:spLocks noGrp="1"/>
-          </p:cNvSpPr>
-          <p:nvPr>
-            <p:ph idx="1"/>
-          </p:nvPr>
-        </p:nvSpPr>
-        <p:spPr>
-          <a:xfrm>
-            <a:off x="1141414" y="1553497"/>
-            <a:ext cx="8051748" cy="1411645"/>
-          </a:xfrm>
-        </p:spPr>
-        <p:txBody>
-          <a:bodyPr>
-            <a:normAutofit/>
-          </a:bodyPr>
-          <a:lstStyle/>
-          <a:p>
-            <a:pPr marL="0" indent="0">
-              <a:buNone/>
-            </a:pPr>
-            <a:r>
-              <a:rPr lang="en-US" dirty="0">
-                <a:effectLst/>
-              </a:rPr>
-              <a:t>Our project implements an Anomalous Intrusion Detection System </a:t>
-            </a:r>
-            <a:r>
-              <a:rPr lang="en-US" dirty="0"/>
-              <a:t>Architecture </a:t>
-            </a:r>
-            <a:r>
-              <a:rPr lang="en-US" dirty="0">
-                <a:effectLst/>
-              </a:rPr>
-              <a:t>using Big Data, Machine Learning, and the ONOS controller.</a:t>
-            </a:r>
-          </a:p>
-        </p:txBody>
-      </p:sp>
-    </p:spTree>
-    <p:extLst>
-      <p:ext uri="{BB962C8B-B14F-4D97-AF65-F5344CB8AC3E}">
-        <p14:creationId xmlns:p14="http://schemas.microsoft.com/office/powerpoint/2010/main" val="508293573"/>
-      </p:ext>
-    </p:extLst>
-  </p:cSld>
-  <p:clrMapOvr>
-    <a:masterClrMapping/>
-  </p:clrMapOvr>
-</p:sld>
-</file>
-
-<file path=ppt/slides/slide20.xml><?xml version="1.0" encoding="utf-8"?>
-<p:sld xmlns:a="http://schemas.openxmlformats.org/drawingml/2006/main" xmlns:r="http://schemas.openxmlformats.org/officeDocument/2006/relationships" xmlns:p="http://schemas.openxmlformats.org/presentationml/2006/main">
-  <p:cSld>
-    <p:spTree>
-      <p:nvGrpSpPr>
-        <p:cNvPr id="1" name=""/>
-        <p:cNvGrpSpPr/>
-        <p:nvPr/>
-      </p:nvGrpSpPr>
-      <p:grpSpPr>
-        <a:xfrm>
-          <a:off x="0" y="0"/>
-          <a:ext cx="0" cy="0"/>
-          <a:chOff x="0" y="0"/>
-          <a:chExt cx="0" cy="0"/>
-        </a:xfrm>
-      </p:grpSpPr>
-      <p:sp>
-        <p:nvSpPr>
-          <p:cNvPr id="2" name="Title 1">
-            <a:extLst>
-              <a:ext uri="{FF2B5EF4-FFF2-40B4-BE49-F238E27FC236}">
-                <a16:creationId xmlns:a16="http://schemas.microsoft.com/office/drawing/2014/main" id="{79D005DD-892E-4ED9-8318-B84968A2E38D}"/>
-              </a:ext>
-            </a:extLst>
-          </p:cNvPr>
-          <p:cNvSpPr>
-            <a:spLocks noGrp="1"/>
-          </p:cNvSpPr>
-          <p:nvPr>
-            <p:ph type="title"/>
-          </p:nvPr>
-        </p:nvSpPr>
-        <p:spPr>
-          <a:xfrm>
-            <a:off x="677334" y="609600"/>
-            <a:ext cx="8596668" cy="685126"/>
-          </a:xfrm>
-        </p:spPr>
-        <p:txBody>
-          <a:bodyPr/>
-          <a:lstStyle/>
-          <a:p>
-            <a:r>
-              <a:rPr lang="en-US" dirty="0"/>
-              <a:t>Links</a:t>
-            </a:r>
-          </a:p>
-        </p:txBody>
-      </p:sp>
-      <p:sp>
-        <p:nvSpPr>
-          <p:cNvPr id="3" name="Content Placeholder 2">
-            <a:extLst>
-              <a:ext uri="{FF2B5EF4-FFF2-40B4-BE49-F238E27FC236}">
-                <a16:creationId xmlns:a16="http://schemas.microsoft.com/office/drawing/2014/main" id="{6C600F4C-FD76-47FF-B64B-C6938F97E1FA}"/>
-              </a:ext>
-            </a:extLst>
-          </p:cNvPr>
-          <p:cNvSpPr>
-            <a:spLocks noGrp="1"/>
-          </p:cNvSpPr>
-          <p:nvPr>
-            <p:ph idx="1"/>
-          </p:nvPr>
-        </p:nvSpPr>
-        <p:spPr/>
-        <p:txBody>
-          <a:bodyPr/>
-          <a:lstStyle/>
-          <a:p>
-            <a:r>
-              <a:rPr lang="en-US" dirty="0"/>
-              <a:t>Source code and other files:</a:t>
-            </a:r>
-          </a:p>
-          <a:p>
-            <a:pPr lvl="1"/>
-            <a:r>
-              <a:rPr lang="en-US" dirty="0">
-                <a:hlinkClick r:id="rId2"/>
-              </a:rPr>
-              <a:t>https://github.com/blynotes/CS6301_SDN</a:t>
-            </a:r>
-            <a:endParaRPr lang="en-US" dirty="0"/>
-          </a:p>
-          <a:p>
-            <a:endParaRPr lang="en-US" dirty="0"/>
-          </a:p>
-        </p:txBody>
-      </p:sp>
-    </p:spTree>
-    <p:extLst>
-      <p:ext uri="{BB962C8B-B14F-4D97-AF65-F5344CB8AC3E}">
-        <p14:creationId xmlns:p14="http://schemas.microsoft.com/office/powerpoint/2010/main" val="3525173773"/>
-      </p:ext>
-    </p:extLst>
-  </p:cSld>
-  <p:clrMapOvr>
-    <a:masterClrMapping/>
-  </p:clrMapOvr>
-</p:sld>
-</file>
-
-<file path=ppt/slides/slide21.xml><?xml version="1.0" encoding="utf-8"?>
-<p:sld xmlns:a="http://schemas.openxmlformats.org/drawingml/2006/main" xmlns:r="http://schemas.openxmlformats.org/officeDocument/2006/relationships" xmlns:p="http://schemas.openxmlformats.org/presentationml/2006/main">
-  <p:cSld>
-    <p:spTree>
-      <p:nvGrpSpPr>
-        <p:cNvPr id="1" name=""/>
-        <p:cNvGrpSpPr/>
-        <p:nvPr/>
-      </p:nvGrpSpPr>
-      <p:grpSpPr>
-        <a:xfrm>
-          <a:off x="0" y="0"/>
-          <a:ext cx="0" cy="0"/>
-          <a:chOff x="0" y="0"/>
-          <a:chExt cx="0" cy="0"/>
-        </a:xfrm>
-      </p:grpSpPr>
-      <p:sp>
-        <p:nvSpPr>
-          <p:cNvPr id="2" name="Title 1">
-            <a:extLst>
-              <a:ext uri="{FF2B5EF4-FFF2-40B4-BE49-F238E27FC236}">
-                <a16:creationId xmlns:a16="http://schemas.microsoft.com/office/drawing/2014/main" id="{5FF1AD65-A2D5-47AF-9F42-9DC4E4065CFA}"/>
-              </a:ext>
-            </a:extLst>
-          </p:cNvPr>
-          <p:cNvSpPr>
-            <a:spLocks noGrp="1"/>
-          </p:cNvSpPr>
-          <p:nvPr>
-            <p:ph type="title"/>
-          </p:nvPr>
-        </p:nvSpPr>
-        <p:spPr/>
-        <p:txBody>
-          <a:bodyPr/>
-          <a:lstStyle/>
-          <a:p>
-            <a:r>
-              <a:rPr lang="en-US" dirty="0"/>
-              <a:t>Appendix A – Sources of Randomness in Python Network Traffic Generation</a:t>
-            </a:r>
-          </a:p>
-        </p:txBody>
-      </p:sp>
-      <p:sp>
-        <p:nvSpPr>
-          <p:cNvPr id="3" name="Content Placeholder 2">
-            <a:extLst>
-              <a:ext uri="{FF2B5EF4-FFF2-40B4-BE49-F238E27FC236}">
-                <a16:creationId xmlns:a16="http://schemas.microsoft.com/office/drawing/2014/main" id="{613F5C2C-6AF0-4C62-A087-FDA9EF3BAB0C}"/>
-              </a:ext>
-            </a:extLst>
-          </p:cNvPr>
-          <p:cNvSpPr>
-            <a:spLocks noGrp="1"/>
-          </p:cNvSpPr>
-          <p:nvPr>
-            <p:ph idx="1"/>
-          </p:nvPr>
-        </p:nvSpPr>
-        <p:spPr>
-          <a:xfrm>
-            <a:off x="677334" y="1844985"/>
-            <a:ext cx="8596668" cy="5013016"/>
-          </a:xfrm>
-        </p:spPr>
-        <p:txBody>
-          <a:bodyPr/>
-          <a:lstStyle/>
-          <a:p>
-            <a:r>
-              <a:rPr lang="en-US" dirty="0"/>
-              <a:t>Hosts (Users with Laptops):</a:t>
-            </a:r>
-          </a:p>
-          <a:p>
-            <a:pPr lvl="1"/>
-            <a:r>
-              <a:rPr lang="en-US" dirty="0"/>
-              <a:t>Sleep for </a:t>
-            </a:r>
-            <a:r>
-              <a:rPr lang="en-US" dirty="0">
-                <a:solidFill>
-                  <a:srgbClr val="FF0000"/>
-                </a:solidFill>
-              </a:rPr>
-              <a:t>random</a:t>
-            </a:r>
-            <a:r>
-              <a:rPr lang="en-US" dirty="0"/>
-              <a:t> time between 1-10 seconds.</a:t>
-            </a:r>
-          </a:p>
-          <a:p>
-            <a:pPr lvl="1"/>
-            <a:r>
-              <a:rPr lang="en-US" dirty="0"/>
-              <a:t>Choose one of the following 4 tasks at </a:t>
-            </a:r>
-            <a:r>
-              <a:rPr lang="en-US" dirty="0">
-                <a:solidFill>
-                  <a:srgbClr val="FF0000"/>
-                </a:solidFill>
-              </a:rPr>
-              <a:t>random</a:t>
-            </a:r>
-            <a:r>
-              <a:rPr lang="en-US" dirty="0"/>
-              <a:t>:</a:t>
-            </a:r>
-          </a:p>
-          <a:p>
-            <a:pPr marL="914400" lvl="2" indent="0">
-              <a:buNone/>
-            </a:pPr>
-            <a:r>
-              <a:rPr lang="en-US" dirty="0"/>
-              <a:t>1) Send data (</a:t>
-            </a:r>
-            <a:r>
-              <a:rPr lang="en-US" dirty="0">
-                <a:solidFill>
-                  <a:srgbClr val="FF0000"/>
-                </a:solidFill>
-              </a:rPr>
-              <a:t>random</a:t>
-            </a:r>
-            <a:r>
-              <a:rPr lang="en-US" dirty="0"/>
-              <a:t> amount between 1 and 1024 bytes) to other host.</a:t>
-            </a:r>
-          </a:p>
-          <a:p>
-            <a:pPr marL="914400" lvl="2" indent="0">
-              <a:buNone/>
-            </a:pPr>
-            <a:r>
-              <a:rPr lang="en-US" dirty="0"/>
-              <a:t>	- Choose host to send to at </a:t>
-            </a:r>
-            <a:r>
-              <a:rPr lang="en-US" dirty="0">
-                <a:solidFill>
-                  <a:srgbClr val="FF0000"/>
-                </a:solidFill>
-              </a:rPr>
-              <a:t>random</a:t>
-            </a:r>
-            <a:r>
-              <a:rPr lang="en-US" dirty="0"/>
-              <a:t> (other than self).</a:t>
-            </a:r>
-          </a:p>
-          <a:p>
-            <a:pPr marL="914400" lvl="2" indent="0">
-              <a:buNone/>
-            </a:pPr>
-            <a:r>
-              <a:rPr lang="en-US" dirty="0"/>
-              <a:t>2) Ping another IP.</a:t>
-            </a:r>
-          </a:p>
-          <a:p>
-            <a:pPr marL="914400" lvl="2" indent="0">
-              <a:buNone/>
-            </a:pPr>
-            <a:r>
-              <a:rPr lang="en-US" dirty="0"/>
-              <a:t>	- Choose host </a:t>
-            </a:r>
-            <a:r>
-              <a:rPr lang="en-US"/>
-              <a:t>or server </a:t>
-            </a:r>
-            <a:r>
-              <a:rPr lang="en-US" dirty="0"/>
-              <a:t>to send to at </a:t>
-            </a:r>
-            <a:r>
-              <a:rPr lang="en-US" dirty="0">
-                <a:solidFill>
-                  <a:srgbClr val="FF0000"/>
-                </a:solidFill>
-              </a:rPr>
-              <a:t>random</a:t>
-            </a:r>
-            <a:r>
-              <a:rPr lang="en-US" dirty="0"/>
-              <a:t> (other than self).</a:t>
-            </a:r>
-          </a:p>
-          <a:p>
-            <a:pPr marL="914400" lvl="2" indent="0">
-              <a:buNone/>
-            </a:pPr>
-            <a:r>
-              <a:rPr lang="en-US" dirty="0"/>
-              <a:t>3) Send HTTP request to Web Server.</a:t>
-            </a:r>
-          </a:p>
-          <a:p>
-            <a:pPr marL="914400" lvl="2" indent="0">
-              <a:buNone/>
-            </a:pPr>
-            <a:r>
-              <a:rPr lang="en-US" dirty="0"/>
-              <a:t>4) Send data (</a:t>
-            </a:r>
-            <a:r>
-              <a:rPr lang="en-US" dirty="0">
-                <a:solidFill>
-                  <a:srgbClr val="FF0000"/>
-                </a:solidFill>
-              </a:rPr>
-              <a:t>random</a:t>
-            </a:r>
-            <a:r>
-              <a:rPr lang="en-US" dirty="0"/>
-              <a:t> amount between 1 and 1024 bytes) to App Server.</a:t>
-            </a:r>
-          </a:p>
-          <a:p>
-            <a:pPr marL="285750" lvl="2" indent="-285750"/>
-            <a:r>
-              <a:rPr lang="en-US" sz="1800" dirty="0"/>
-              <a:t>Web Server:</a:t>
-            </a:r>
-          </a:p>
-          <a:p>
-            <a:pPr marL="742950" lvl="3" indent="-285750"/>
-            <a:r>
-              <a:rPr lang="en-US" sz="1600" dirty="0"/>
-              <a:t>Sleep for </a:t>
-            </a:r>
-            <a:r>
-              <a:rPr lang="en-US" sz="1600" dirty="0">
-                <a:solidFill>
-                  <a:srgbClr val="FF0000"/>
-                </a:solidFill>
-              </a:rPr>
-              <a:t>random</a:t>
-            </a:r>
-            <a:r>
-              <a:rPr lang="en-US" sz="1600" dirty="0"/>
-              <a:t> time between 1-10 seconds.</a:t>
-            </a:r>
-          </a:p>
-          <a:p>
-            <a:pPr marL="742950" lvl="3" indent="-285750"/>
-            <a:r>
-              <a:rPr lang="en-US" sz="1600" dirty="0"/>
-              <a:t>Send data (</a:t>
-            </a:r>
-            <a:r>
-              <a:rPr lang="en-US" sz="1600" dirty="0">
-                <a:solidFill>
-                  <a:srgbClr val="FF0000"/>
-                </a:solidFill>
-              </a:rPr>
-              <a:t>random</a:t>
-            </a:r>
-            <a:r>
-              <a:rPr lang="en-US" sz="1600" dirty="0"/>
-              <a:t> amount between 1 and 1024 bytes) to DB Server.</a:t>
-            </a:r>
-          </a:p>
-          <a:p>
-            <a:pPr marL="285750" lvl="2" indent="-285750"/>
-            <a:r>
-              <a:rPr lang="en-US" sz="1800" dirty="0"/>
-              <a:t>DB &amp; App Server only respond to requests.</a:t>
-            </a:r>
-          </a:p>
-        </p:txBody>
-      </p:sp>
-    </p:spTree>
-    <p:extLst>
-      <p:ext uri="{BB962C8B-B14F-4D97-AF65-F5344CB8AC3E}">
-        <p14:creationId xmlns:p14="http://schemas.microsoft.com/office/powerpoint/2010/main" val="4273642551"/>
-      </p:ext>
-    </p:extLst>
-  </p:cSld>
-  <p:clrMapOvr>
-    <a:masterClrMapping/>
-  </p:clrMapOvr>
-</p:sld>
-</file>
-
 <file path=ppt/slides/slide22.xml><?xml version="1.0" encoding="utf-8"?>
 <p:sld xmlns:a="http://schemas.openxmlformats.org/drawingml/2006/main" xmlns:r="http://schemas.openxmlformats.org/officeDocument/2006/relationships" xmlns:p="http://schemas.openxmlformats.org/presentationml/2006/main">
   <p:cSld>
@@ -9617,7 +9668,7 @@
           <p:cNvPr id="2" name="Title 1">
             <a:extLst>
               <a:ext uri="{FF2B5EF4-FFF2-40B4-BE49-F238E27FC236}">
-                <a16:creationId xmlns:a16="http://schemas.microsoft.com/office/drawing/2014/main" id="{5FF1AD65-A2D5-47AF-9F42-9DC4E4065CFA}"/>
+                <a16:creationId xmlns:a16="http://schemas.microsoft.com/office/drawing/2014/main" id="{79D005DD-892E-4ED9-8318-B84968A2E38D}"/>
               </a:ext>
             </a:extLst>
           </p:cNvPr>
@@ -9628,14 +9679,19 @@
             <p:ph type="title"/>
           </p:nvPr>
         </p:nvSpPr>
-        <p:spPr/>
+        <p:spPr>
+          <a:xfrm>
+            <a:off x="677334" y="609600"/>
+            <a:ext cx="8596668" cy="685126"/>
+          </a:xfrm>
+        </p:spPr>
         <p:txBody>
           <a:bodyPr/>
           <a:lstStyle/>
           <a:p>
             <a:r>
               <a:rPr lang="en-US" dirty="0"/>
-              <a:t>Appendix B – Python Scripts</a:t>
+              <a:t>Links</a:t>
             </a:r>
           </a:p>
         </p:txBody>
@@ -9645,7 +9701,7 @@
           <p:cNvPr id="3" name="Content Placeholder 2">
             <a:extLst>
               <a:ext uri="{FF2B5EF4-FFF2-40B4-BE49-F238E27FC236}">
-                <a16:creationId xmlns:a16="http://schemas.microsoft.com/office/drawing/2014/main" id="{613F5C2C-6AF0-4C62-A087-FDA9EF3BAB0C}"/>
+                <a16:creationId xmlns:a16="http://schemas.microsoft.com/office/drawing/2014/main" id="{6C600F4C-FD76-47FF-B64B-C6938F97E1FA}"/>
               </a:ext>
             </a:extLst>
           </p:cNvPr>
@@ -9656,112 +9712,35 @@
             <p:ph idx="1"/>
           </p:nvPr>
         </p:nvSpPr>
-        <p:spPr>
-          <a:xfrm>
-            <a:off x="677334" y="1488613"/>
-            <a:ext cx="8596668" cy="5369387"/>
-          </a:xfrm>
-        </p:spPr>
-        <p:txBody>
-          <a:bodyPr>
-            <a:normAutofit/>
-          </a:bodyPr>
+        <p:spPr/>
+        <p:txBody>
+          <a:bodyPr/>
           <a:lstStyle/>
           <a:p>
             <a:r>
-              <a:rPr lang="en-US" b="1" u="sng" dirty="0"/>
-              <a:t>setup_topo.py</a:t>
-            </a:r>
-            <a:r>
-              <a:rPr lang="en-US" dirty="0"/>
-              <a:t> – Setup Mininet topology, configure Open </a:t>
-            </a:r>
-            <a:r>
-              <a:rPr lang="en-US" dirty="0" err="1"/>
-              <a:t>vSwitches</a:t>
-            </a:r>
-            <a:r>
-              <a:rPr lang="en-US" dirty="0"/>
-              <a:t> with NetFlow, call Client.py and Server.py for each Mininet host.</a:t>
-            </a:r>
-            <a:endParaRPr lang="en-US" b="1" u="sng" dirty="0"/>
-          </a:p>
-          <a:p>
-            <a:r>
-              <a:rPr lang="en-US" b="1" u="sng" dirty="0"/>
-              <a:t>Client.py</a:t>
-            </a:r>
-            <a:r>
-              <a:rPr lang="en-US" dirty="0"/>
-              <a:t> – Generates random “Normal” traffic.</a:t>
-            </a:r>
-          </a:p>
-          <a:p>
-            <a:r>
-              <a:rPr lang="en-US" b="1" u="sng" dirty="0"/>
-              <a:t>Server.py</a:t>
-            </a:r>
-            <a:r>
-              <a:rPr lang="en-US" dirty="0"/>
-              <a:t> – Receives messages from Client.py from other hosts and responds.</a:t>
-            </a:r>
-            <a:br>
-              <a:rPr lang="en-US" dirty="0"/>
-            </a:br>
+              <a:rPr lang="en-US" dirty="0"/>
+              <a:t>Source code and other files:</a:t>
+            </a:r>
+          </a:p>
+          <a:p>
+            <a:pPr lvl="1"/>
+            <a:r>
+              <a:rPr lang="en-US" dirty="0">
+                <a:hlinkClick r:id="rId2"/>
+              </a:rPr>
+              <a:t>https://github.com/blynotes/CS6301_SDN</a:t>
+            </a:r>
             <a:endParaRPr lang="en-US" dirty="0"/>
           </a:p>
           <a:p>
-            <a:r>
-              <a:rPr lang="en-US" b="1" u="sng" dirty="0"/>
-              <a:t>sparkKafka.py</a:t>
-            </a:r>
-            <a:r>
-              <a:rPr lang="en-US" dirty="0"/>
-              <a:t> – Perform feature engineering to get our features and send to ElasticSearch.</a:t>
-            </a:r>
-          </a:p>
-          <a:p>
-            <a:r>
-              <a:rPr lang="en-US" b="1" u="sng" dirty="0"/>
-              <a:t>sparkMachineLearning.py</a:t>
-            </a:r>
-            <a:r>
-              <a:rPr lang="en-US" dirty="0"/>
-              <a:t> – Train K-Means algorithm on data in ElasticSearch, perform feature engineering on new data, standardize new data and check if anomaly. If anomaly detected, send REST API call to ONOS.</a:t>
-            </a:r>
-            <a:br>
-              <a:rPr lang="en-US" dirty="0"/>
-            </a:br>
             <a:endParaRPr lang="en-US" dirty="0"/>
-          </a:p>
-          <a:p>
-            <a:r>
-              <a:rPr lang="en-US" b="1" u="sng" dirty="0"/>
-              <a:t>scapyPortScan.py</a:t>
-            </a:r>
-            <a:r>
-              <a:rPr lang="en-US" dirty="0"/>
-              <a:t> – Use Python library </a:t>
-            </a:r>
-            <a:r>
-              <a:rPr lang="en-US" dirty="0" err="1"/>
-              <a:t>Scapy</a:t>
-            </a:r>
-            <a:r>
-              <a:rPr lang="en-US" dirty="0"/>
-              <a:t> to perform a UDP port scan from port 1 to port 65535 on the target device.</a:t>
-            </a:r>
-            <a:endParaRPr lang="en-US" b="1" u="sng" dirty="0"/>
-          </a:p>
-          <a:p>
-            <a:endParaRPr lang="en-US" b="1" u="sng" dirty="0"/>
           </a:p>
         </p:txBody>
       </p:sp>
     </p:spTree>
     <p:extLst>
       <p:ext uri="{BB962C8B-B14F-4D97-AF65-F5344CB8AC3E}">
-        <p14:creationId xmlns:p14="http://schemas.microsoft.com/office/powerpoint/2010/main" val="1355045381"/>
+        <p14:creationId xmlns:p14="http://schemas.microsoft.com/office/powerpoint/2010/main" val="3525173773"/>
       </p:ext>
     </p:extLst>
   </p:cSld>
@@ -9793,6 +9772,465 @@
           <p:cNvPr id="2" name="Title 1">
             <a:extLst>
               <a:ext uri="{FF2B5EF4-FFF2-40B4-BE49-F238E27FC236}">
+                <a16:creationId xmlns:a16="http://schemas.microsoft.com/office/drawing/2014/main" id="{5FF1AD65-A2D5-47AF-9F42-9DC4E4065CFA}"/>
+              </a:ext>
+            </a:extLst>
+          </p:cNvPr>
+          <p:cNvSpPr>
+            <a:spLocks noGrp="1"/>
+          </p:cNvSpPr>
+          <p:nvPr>
+            <p:ph type="title"/>
+          </p:nvPr>
+        </p:nvSpPr>
+        <p:spPr/>
+        <p:txBody>
+          <a:bodyPr/>
+          <a:lstStyle/>
+          <a:p>
+            <a:r>
+              <a:rPr lang="en-US" dirty="0"/>
+              <a:t>Appendix A – Sources of Randomness in Python Network Traffic Generation</a:t>
+            </a:r>
+          </a:p>
+        </p:txBody>
+      </p:sp>
+      <p:sp>
+        <p:nvSpPr>
+          <p:cNvPr id="3" name="Content Placeholder 2">
+            <a:extLst>
+              <a:ext uri="{FF2B5EF4-FFF2-40B4-BE49-F238E27FC236}">
+                <a16:creationId xmlns:a16="http://schemas.microsoft.com/office/drawing/2014/main" id="{613F5C2C-6AF0-4C62-A087-FDA9EF3BAB0C}"/>
+              </a:ext>
+            </a:extLst>
+          </p:cNvPr>
+          <p:cNvSpPr>
+            <a:spLocks noGrp="1"/>
+          </p:cNvSpPr>
+          <p:nvPr>
+            <p:ph idx="1"/>
+          </p:nvPr>
+        </p:nvSpPr>
+        <p:spPr>
+          <a:xfrm>
+            <a:off x="677334" y="1844985"/>
+            <a:ext cx="8596668" cy="5013016"/>
+          </a:xfrm>
+        </p:spPr>
+        <p:txBody>
+          <a:bodyPr/>
+          <a:lstStyle/>
+          <a:p>
+            <a:r>
+              <a:rPr lang="en-US" dirty="0"/>
+              <a:t>Hosts (Users with Laptops):</a:t>
+            </a:r>
+          </a:p>
+          <a:p>
+            <a:pPr lvl="1"/>
+            <a:r>
+              <a:rPr lang="en-US" dirty="0"/>
+              <a:t>Sleep for </a:t>
+            </a:r>
+            <a:r>
+              <a:rPr lang="en-US" dirty="0">
+                <a:solidFill>
+                  <a:srgbClr val="FF0000"/>
+                </a:solidFill>
+              </a:rPr>
+              <a:t>random</a:t>
+            </a:r>
+            <a:r>
+              <a:rPr lang="en-US" dirty="0"/>
+              <a:t> time between 1-10 seconds.</a:t>
+            </a:r>
+          </a:p>
+          <a:p>
+            <a:pPr lvl="1"/>
+            <a:r>
+              <a:rPr lang="en-US" dirty="0"/>
+              <a:t>Choose one of the following 4 tasks at </a:t>
+            </a:r>
+            <a:r>
+              <a:rPr lang="en-US" dirty="0">
+                <a:solidFill>
+                  <a:srgbClr val="FF0000"/>
+                </a:solidFill>
+              </a:rPr>
+              <a:t>random</a:t>
+            </a:r>
+            <a:r>
+              <a:rPr lang="en-US" dirty="0"/>
+              <a:t>:</a:t>
+            </a:r>
+          </a:p>
+          <a:p>
+            <a:pPr marL="914400" lvl="2" indent="0">
+              <a:buNone/>
+            </a:pPr>
+            <a:r>
+              <a:rPr lang="en-US" dirty="0"/>
+              <a:t>1) Send data (</a:t>
+            </a:r>
+            <a:r>
+              <a:rPr lang="en-US" dirty="0">
+                <a:solidFill>
+                  <a:srgbClr val="FF0000"/>
+                </a:solidFill>
+              </a:rPr>
+              <a:t>random</a:t>
+            </a:r>
+            <a:r>
+              <a:rPr lang="en-US" dirty="0"/>
+              <a:t> amount between 1 and 1024 bytes) to other host.</a:t>
+            </a:r>
+          </a:p>
+          <a:p>
+            <a:pPr marL="914400" lvl="2" indent="0">
+              <a:buNone/>
+            </a:pPr>
+            <a:r>
+              <a:rPr lang="en-US" dirty="0"/>
+              <a:t>	- Choose host to send to at </a:t>
+            </a:r>
+            <a:r>
+              <a:rPr lang="en-US" dirty="0">
+                <a:solidFill>
+                  <a:srgbClr val="FF0000"/>
+                </a:solidFill>
+              </a:rPr>
+              <a:t>random</a:t>
+            </a:r>
+            <a:r>
+              <a:rPr lang="en-US" dirty="0"/>
+              <a:t> (other than self).</a:t>
+            </a:r>
+          </a:p>
+          <a:p>
+            <a:pPr marL="914400" lvl="2" indent="0">
+              <a:buNone/>
+            </a:pPr>
+            <a:r>
+              <a:rPr lang="en-US" dirty="0"/>
+              <a:t>2) Ping another IP.</a:t>
+            </a:r>
+          </a:p>
+          <a:p>
+            <a:pPr marL="914400" lvl="2" indent="0">
+              <a:buNone/>
+            </a:pPr>
+            <a:r>
+              <a:rPr lang="en-US" dirty="0"/>
+              <a:t>	- Choose host or server to send to at </a:t>
+            </a:r>
+            <a:r>
+              <a:rPr lang="en-US" dirty="0">
+                <a:solidFill>
+                  <a:srgbClr val="FF0000"/>
+                </a:solidFill>
+              </a:rPr>
+              <a:t>random</a:t>
+            </a:r>
+            <a:r>
+              <a:rPr lang="en-US" dirty="0"/>
+              <a:t> (other than self).</a:t>
+            </a:r>
+          </a:p>
+          <a:p>
+            <a:pPr marL="914400" lvl="2" indent="0">
+              <a:buNone/>
+            </a:pPr>
+            <a:r>
+              <a:rPr lang="en-US" dirty="0"/>
+              <a:t>3) Send HTTP request to Web Server.</a:t>
+            </a:r>
+          </a:p>
+          <a:p>
+            <a:pPr marL="914400" lvl="2" indent="0">
+              <a:buNone/>
+            </a:pPr>
+            <a:r>
+              <a:rPr lang="en-US" dirty="0"/>
+              <a:t>4) Send data (</a:t>
+            </a:r>
+            <a:r>
+              <a:rPr lang="en-US" dirty="0">
+                <a:solidFill>
+                  <a:srgbClr val="FF0000"/>
+                </a:solidFill>
+              </a:rPr>
+              <a:t>random</a:t>
+            </a:r>
+            <a:r>
+              <a:rPr lang="en-US" dirty="0"/>
+              <a:t> amount between 1 and 1024 bytes) to App Server.</a:t>
+            </a:r>
+          </a:p>
+          <a:p>
+            <a:pPr marL="285750" lvl="2" indent="-285750"/>
+            <a:r>
+              <a:rPr lang="en-US" sz="1800" dirty="0"/>
+              <a:t>Web Server:</a:t>
+            </a:r>
+          </a:p>
+          <a:p>
+            <a:pPr marL="742950" lvl="3" indent="-285750"/>
+            <a:r>
+              <a:rPr lang="en-US" sz="1600" dirty="0"/>
+              <a:t>Sleep for </a:t>
+            </a:r>
+            <a:r>
+              <a:rPr lang="en-US" sz="1600" dirty="0">
+                <a:solidFill>
+                  <a:srgbClr val="FF0000"/>
+                </a:solidFill>
+              </a:rPr>
+              <a:t>random</a:t>
+            </a:r>
+            <a:r>
+              <a:rPr lang="en-US" sz="1600" dirty="0"/>
+              <a:t> time between 1-10 seconds.</a:t>
+            </a:r>
+          </a:p>
+          <a:p>
+            <a:pPr marL="742950" lvl="3" indent="-285750"/>
+            <a:r>
+              <a:rPr lang="en-US" sz="1600" dirty="0"/>
+              <a:t>Send data (</a:t>
+            </a:r>
+            <a:r>
+              <a:rPr lang="en-US" sz="1600" dirty="0">
+                <a:solidFill>
+                  <a:srgbClr val="FF0000"/>
+                </a:solidFill>
+              </a:rPr>
+              <a:t>random</a:t>
+            </a:r>
+            <a:r>
+              <a:rPr lang="en-US" sz="1600" dirty="0"/>
+              <a:t> amount between 1 and 1024 bytes) to DB Server.</a:t>
+            </a:r>
+          </a:p>
+          <a:p>
+            <a:pPr marL="285750" lvl="2" indent="-285750"/>
+            <a:r>
+              <a:rPr lang="en-US" sz="1800" dirty="0"/>
+              <a:t>DB &amp; App Server only respond to requests.</a:t>
+            </a:r>
+          </a:p>
+        </p:txBody>
+      </p:sp>
+    </p:spTree>
+    <p:extLst>
+      <p:ext uri="{BB962C8B-B14F-4D97-AF65-F5344CB8AC3E}">
+        <p14:creationId xmlns:p14="http://schemas.microsoft.com/office/powerpoint/2010/main" val="4273642551"/>
+      </p:ext>
+    </p:extLst>
+  </p:cSld>
+  <p:clrMapOvr>
+    <a:masterClrMapping/>
+  </p:clrMapOvr>
+</p:sld>
+</file>
+
+<file path=ppt/slides/slide24.xml><?xml version="1.0" encoding="utf-8"?>
+<p:sld xmlns:a="http://schemas.openxmlformats.org/drawingml/2006/main" xmlns:r="http://schemas.openxmlformats.org/officeDocument/2006/relationships" xmlns:p="http://schemas.openxmlformats.org/presentationml/2006/main">
+  <p:cSld>
+    <p:spTree>
+      <p:nvGrpSpPr>
+        <p:cNvPr id="1" name=""/>
+        <p:cNvGrpSpPr/>
+        <p:nvPr/>
+      </p:nvGrpSpPr>
+      <p:grpSpPr>
+        <a:xfrm>
+          <a:off x="0" y="0"/>
+          <a:ext cx="0" cy="0"/>
+          <a:chOff x="0" y="0"/>
+          <a:chExt cx="0" cy="0"/>
+        </a:xfrm>
+      </p:grpSpPr>
+      <p:sp>
+        <p:nvSpPr>
+          <p:cNvPr id="2" name="Title 1">
+            <a:extLst>
+              <a:ext uri="{FF2B5EF4-FFF2-40B4-BE49-F238E27FC236}">
+                <a16:creationId xmlns:a16="http://schemas.microsoft.com/office/drawing/2014/main" id="{5FF1AD65-A2D5-47AF-9F42-9DC4E4065CFA}"/>
+              </a:ext>
+            </a:extLst>
+          </p:cNvPr>
+          <p:cNvSpPr>
+            <a:spLocks noGrp="1"/>
+          </p:cNvSpPr>
+          <p:nvPr>
+            <p:ph type="title"/>
+          </p:nvPr>
+        </p:nvSpPr>
+        <p:spPr/>
+        <p:txBody>
+          <a:bodyPr/>
+          <a:lstStyle/>
+          <a:p>
+            <a:r>
+              <a:rPr lang="en-US" dirty="0"/>
+              <a:t>Appendix B – Python Scripts</a:t>
+            </a:r>
+          </a:p>
+        </p:txBody>
+      </p:sp>
+      <p:sp>
+        <p:nvSpPr>
+          <p:cNvPr id="3" name="Content Placeholder 2">
+            <a:extLst>
+              <a:ext uri="{FF2B5EF4-FFF2-40B4-BE49-F238E27FC236}">
+                <a16:creationId xmlns:a16="http://schemas.microsoft.com/office/drawing/2014/main" id="{613F5C2C-6AF0-4C62-A087-FDA9EF3BAB0C}"/>
+              </a:ext>
+            </a:extLst>
+          </p:cNvPr>
+          <p:cNvSpPr>
+            <a:spLocks noGrp="1"/>
+          </p:cNvSpPr>
+          <p:nvPr>
+            <p:ph idx="1"/>
+          </p:nvPr>
+        </p:nvSpPr>
+        <p:spPr>
+          <a:xfrm>
+            <a:off x="677334" y="1488613"/>
+            <a:ext cx="8596668" cy="5369387"/>
+          </a:xfrm>
+        </p:spPr>
+        <p:txBody>
+          <a:bodyPr>
+            <a:normAutofit/>
+          </a:bodyPr>
+          <a:lstStyle/>
+          <a:p>
+            <a:r>
+              <a:rPr lang="en-US" b="1" u="sng" dirty="0"/>
+              <a:t>setup_topo.py</a:t>
+            </a:r>
+            <a:r>
+              <a:rPr lang="en-US" dirty="0"/>
+              <a:t> – Setup Mininet topology, configure Open </a:t>
+            </a:r>
+            <a:r>
+              <a:rPr lang="en-US" dirty="0" err="1"/>
+              <a:t>vSwitches</a:t>
+            </a:r>
+            <a:r>
+              <a:rPr lang="en-US" dirty="0"/>
+              <a:t> with NetFlow, call Client.py and Server.py for each Mininet host.</a:t>
+            </a:r>
+            <a:endParaRPr lang="en-US" b="1" u="sng" dirty="0"/>
+          </a:p>
+          <a:p>
+            <a:r>
+              <a:rPr lang="en-US" b="1" u="sng" dirty="0"/>
+              <a:t>Client.py</a:t>
+            </a:r>
+            <a:r>
+              <a:rPr lang="en-US" dirty="0"/>
+              <a:t> – Generates random “Normal” traffic.</a:t>
+            </a:r>
+          </a:p>
+          <a:p>
+            <a:r>
+              <a:rPr lang="en-US" b="1" u="sng" dirty="0"/>
+              <a:t>Server.py</a:t>
+            </a:r>
+            <a:r>
+              <a:rPr lang="en-US" dirty="0"/>
+              <a:t> – Receives messages from Client.py from other hosts and responds.</a:t>
+            </a:r>
+            <a:br>
+              <a:rPr lang="en-US" dirty="0"/>
+            </a:br>
+            <a:endParaRPr lang="en-US" dirty="0"/>
+          </a:p>
+          <a:p>
+            <a:r>
+              <a:rPr lang="en-US" b="1" u="sng" dirty="0"/>
+              <a:t>sparkKafka.py</a:t>
+            </a:r>
+            <a:r>
+              <a:rPr lang="en-US" dirty="0"/>
+              <a:t> – Perform feature engineering to get our features and send to ElasticSearch.</a:t>
+            </a:r>
+          </a:p>
+          <a:p>
+            <a:r>
+              <a:rPr lang="en-US" b="1" u="sng" dirty="0"/>
+              <a:t>sparkMachineLearning.py</a:t>
+            </a:r>
+            <a:r>
+              <a:rPr lang="en-US" dirty="0"/>
+              <a:t> – Train K-Means algorithm on data in ElasticSearch, perform feature engineering on new data, standardize new data and check if anomaly. If anomaly detected, send REST API call to ONOS.</a:t>
+            </a:r>
+            <a:br>
+              <a:rPr lang="en-US" dirty="0"/>
+            </a:br>
+            <a:endParaRPr lang="en-US" dirty="0"/>
+          </a:p>
+          <a:p>
+            <a:r>
+              <a:rPr lang="en-US" b="1" u="sng" dirty="0"/>
+              <a:t>scapyPortScan.py</a:t>
+            </a:r>
+            <a:r>
+              <a:rPr lang="en-US" dirty="0"/>
+              <a:t> – Use Python library </a:t>
+            </a:r>
+            <a:r>
+              <a:rPr lang="en-US" dirty="0" err="1"/>
+              <a:t>Scapy</a:t>
+            </a:r>
+            <a:r>
+              <a:rPr lang="en-US" dirty="0"/>
+              <a:t> to perform a UDP port scan from port 1 to port 65535 on the target device.</a:t>
+            </a:r>
+            <a:endParaRPr lang="en-US" b="1" u="sng" dirty="0"/>
+          </a:p>
+          <a:p>
+            <a:endParaRPr lang="en-US" b="1" u="sng" dirty="0"/>
+          </a:p>
+        </p:txBody>
+      </p:sp>
+    </p:spTree>
+    <p:extLst>
+      <p:ext uri="{BB962C8B-B14F-4D97-AF65-F5344CB8AC3E}">
+        <p14:creationId xmlns:p14="http://schemas.microsoft.com/office/powerpoint/2010/main" val="1355045381"/>
+      </p:ext>
+    </p:extLst>
+  </p:cSld>
+  <p:clrMapOvr>
+    <a:masterClrMapping/>
+  </p:clrMapOvr>
+</p:sld>
+</file>
+
+<file path=ppt/slides/slide25.xml><?xml version="1.0" encoding="utf-8"?>
+<p:sld xmlns:a="http://schemas.openxmlformats.org/drawingml/2006/main" xmlns:r="http://schemas.openxmlformats.org/officeDocument/2006/relationships" xmlns:p="http://schemas.openxmlformats.org/presentationml/2006/main">
+  <p:cSld>
+    <p:spTree>
+      <p:nvGrpSpPr>
+        <p:cNvPr id="1" name=""/>
+        <p:cNvGrpSpPr/>
+        <p:nvPr/>
+      </p:nvGrpSpPr>
+      <p:grpSpPr>
+        <a:xfrm>
+          <a:off x="0" y="0"/>
+          <a:ext cx="0" cy="0"/>
+          <a:chOff x="0" y="0"/>
+          <a:chExt cx="0" cy="0"/>
+        </a:xfrm>
+      </p:grpSpPr>
+      <p:sp>
+        <p:nvSpPr>
+          <p:cNvPr id="2" name="Title 1">
+            <a:extLst>
+              <a:ext uri="{FF2B5EF4-FFF2-40B4-BE49-F238E27FC236}">
                 <a16:creationId xmlns:a16="http://schemas.microsoft.com/office/drawing/2014/main" id="{3D921775-48EA-442B-B7E8-0D29A9269E53}"/>
               </a:ext>
             </a:extLst>
@@ -10043,7 +10481,7 @@
 </p:sld>
 </file>
 
-<file path=ppt/slides/slide24.xml><?xml version="1.0" encoding="utf-8"?>
+<file path=ppt/slides/slide26.xml><?xml version="1.0" encoding="utf-8"?>
 <p:sld xmlns:a="http://schemas.openxmlformats.org/drawingml/2006/main" xmlns:r="http://schemas.openxmlformats.org/officeDocument/2006/relationships" xmlns:p="http://schemas.openxmlformats.org/presentationml/2006/main">
   <p:cSld>
     <p:spTree>
